--- a/es6/Presentation1.pptx
+++ b/es6/Presentation1.pptx
@@ -5,31 +5,29 @@
     <p:sldMasterId id="2147483648" r:id="rId1"/>
   </p:sldMasterIdLst>
   <p:notesMasterIdLst>
-    <p:notesMasterId r:id="rId24"/>
+    <p:notesMasterId r:id="rId22"/>
   </p:notesMasterIdLst>
   <p:sldIdLst>
     <p:sldId id="256" r:id="rId2"/>
     <p:sldId id="257" r:id="rId3"/>
     <p:sldId id="258" r:id="rId4"/>
     <p:sldId id="259" r:id="rId5"/>
-    <p:sldId id="260" r:id="rId6"/>
-    <p:sldId id="261" r:id="rId7"/>
-    <p:sldId id="262" r:id="rId8"/>
-    <p:sldId id="263" r:id="rId9"/>
-    <p:sldId id="264" r:id="rId10"/>
-    <p:sldId id="265" r:id="rId11"/>
-    <p:sldId id="266" r:id="rId12"/>
-    <p:sldId id="267" r:id="rId13"/>
-    <p:sldId id="268" r:id="rId14"/>
-    <p:sldId id="269" r:id="rId15"/>
-    <p:sldId id="270" r:id="rId16"/>
-    <p:sldId id="271" r:id="rId17"/>
-    <p:sldId id="272" r:id="rId18"/>
-    <p:sldId id="273" r:id="rId19"/>
-    <p:sldId id="274" r:id="rId20"/>
-    <p:sldId id="275" r:id="rId21"/>
-    <p:sldId id="276" r:id="rId22"/>
-    <p:sldId id="277" r:id="rId23"/>
+    <p:sldId id="261" r:id="rId6"/>
+    <p:sldId id="262" r:id="rId7"/>
+    <p:sldId id="263" r:id="rId8"/>
+    <p:sldId id="264" r:id="rId9"/>
+    <p:sldId id="265" r:id="rId10"/>
+    <p:sldId id="266" r:id="rId11"/>
+    <p:sldId id="267" r:id="rId12"/>
+    <p:sldId id="268" r:id="rId13"/>
+    <p:sldId id="269" r:id="rId14"/>
+    <p:sldId id="270" r:id="rId15"/>
+    <p:sldId id="272" r:id="rId16"/>
+    <p:sldId id="273" r:id="rId17"/>
+    <p:sldId id="274" r:id="rId18"/>
+    <p:sldId id="275" r:id="rId19"/>
+    <p:sldId id="276" r:id="rId20"/>
+    <p:sldId id="277" r:id="rId21"/>
   </p:sldIdLst>
   <p:sldSz cx="12192000" cy="6858000"/>
   <p:notesSz cx="6858000" cy="9144000"/>
@@ -128,6 +126,11 @@
       </a:defRPr>
     </a:lvl9pPr>
   </p:defaultTextStyle>
+  <p:extLst>
+    <p:ext uri="{EFAFB233-063F-42B5-8137-9DF3F51BA10A}">
+      <p15:sldGuideLst xmlns:p15="http://schemas.microsoft.com/office/powerpoint/2012/main"/>
+    </p:ext>
+  </p:extLst>
 </p:presentation>
 </file>
 
@@ -213,7 +216,7 @@
           <a:p>
             <a:fld id="{AE8C4A95-5843-41C9-88B6-83C30E33CF5F}" type="datetimeFigureOut">
               <a:rPr lang="en-US" smtClean="0"/>
-              <a:t>8/26/2015</a:t>
+              <a:t>8/27/2015</a:t>
             </a:fld>
             <a:endParaRPr lang="en-US"/>
           </a:p>
@@ -527,7 +530,54 @@
           </a:bodyPr>
           <a:lstStyle/>
           <a:p>
-            <a:endParaRPr lang="en-US" i="0" dirty="0"/>
+            <a:r>
+              <a:rPr lang="ru-RU" sz="1200" kern="1200" baseline="0" dirty="0" smtClean="0">
+                <a:solidFill>
+                  <a:schemeClr val="tx1"/>
+                </a:solidFill>
+                <a:latin typeface="+mn-lt"/>
+                <a:ea typeface="+mn-ea"/>
+                <a:cs typeface="+mn-cs"/>
+              </a:rPr>
+              <a:t>В JavaScript нет области видимости на уровне блоков. Все переменные, объявленные внутри функции, независимо от того, где именно это сделано, определены во </a:t>
+            </a:r>
+            <a:r>
+              <a:rPr lang="ru-RU" sz="1200" i="0" kern="1200" baseline="0" dirty="0" smtClean="0">
+                <a:solidFill>
+                  <a:schemeClr val="tx1"/>
+                </a:solidFill>
+                <a:latin typeface="+mn-lt"/>
+                <a:ea typeface="+mn-ea"/>
+                <a:cs typeface="+mn-cs"/>
+              </a:rPr>
+              <a:t>всей</a:t>
+            </a:r>
+            <a:r>
+              <a:rPr lang="ru-RU" sz="1200" i="1" kern="1200" baseline="0" dirty="0" smtClean="0">
+                <a:solidFill>
+                  <a:schemeClr val="tx1"/>
+                </a:solidFill>
+                <a:latin typeface="+mn-lt"/>
+                <a:ea typeface="+mn-ea"/>
+                <a:cs typeface="+mn-cs"/>
+              </a:rPr>
+              <a:t> </a:t>
+            </a:r>
+            <a:r>
+              <a:rPr lang="ru-RU" sz="1200" i="0" kern="1200" baseline="0" dirty="0" smtClean="0">
+                <a:solidFill>
+                  <a:schemeClr val="tx1"/>
+                </a:solidFill>
+                <a:latin typeface="+mn-lt"/>
+                <a:ea typeface="+mn-ea"/>
+                <a:cs typeface="+mn-cs"/>
+              </a:rPr>
+              <a:t>функции.</a:t>
+            </a:r>
+            <a:endParaRPr lang="en-US" i="0" dirty="0" smtClean="0"/>
+          </a:p>
+          <a:p>
+            <a:endParaRPr lang="en-US" dirty="0"/>
           </a:p>
         </p:txBody>
       </p:sp>
@@ -558,7 +608,7 @@
     </p:spTree>
     <p:extLst>
       <p:ext uri="{BB962C8B-B14F-4D97-AF65-F5344CB8AC3E}">
-        <p14:creationId xmlns:p14="http://schemas.microsoft.com/office/powerpoint/2010/main" val="4152844072"/>
+        <p14:creationId xmlns:p14="http://schemas.microsoft.com/office/powerpoint/2010/main" val="4221175821"/>
       </p:ext>
     </p:extLst>
   </p:cSld>
@@ -636,7 +686,7 @@
             <a:fld id="{B6DB43F0-FEFD-424B-AFAA-1D3C2B01CC9C}" type="slidenum">
               <a:rPr lang="be-BY" smtClean="0"/>
               <a:pPr/>
-              <a:t>19</a:t>
+              <a:t>18</a:t>
             </a:fld>
             <a:endParaRPr lang="be-BY"/>
           </a:p>
@@ -645,7 +695,7 @@
     </p:spTree>
     <p:extLst>
       <p:ext uri="{BB962C8B-B14F-4D97-AF65-F5344CB8AC3E}">
-        <p14:creationId xmlns:p14="http://schemas.microsoft.com/office/powerpoint/2010/main" val="4232999185"/>
+        <p14:creationId xmlns:p14="http://schemas.microsoft.com/office/powerpoint/2010/main" val="58795701"/>
       </p:ext>
     </p:extLst>
   </p:cSld>
@@ -723,7 +773,7 @@
             <a:fld id="{B6DB43F0-FEFD-424B-AFAA-1D3C2B01CC9C}" type="slidenum">
               <a:rPr lang="be-BY" smtClean="0"/>
               <a:pPr/>
-              <a:t>20</a:t>
+              <a:t>19</a:t>
             </a:fld>
             <a:endParaRPr lang="be-BY"/>
           </a:p>
@@ -732,7 +782,7 @@
     </p:spTree>
     <p:extLst>
       <p:ext uri="{BB962C8B-B14F-4D97-AF65-F5344CB8AC3E}">
-        <p14:creationId xmlns:p14="http://schemas.microsoft.com/office/powerpoint/2010/main" val="58795701"/>
+        <p14:creationId xmlns:p14="http://schemas.microsoft.com/office/powerpoint/2010/main" val="2645404583"/>
       </p:ext>
     </p:extLst>
   </p:cSld>
@@ -810,94 +860,7 @@
             <a:fld id="{B6DB43F0-FEFD-424B-AFAA-1D3C2B01CC9C}" type="slidenum">
               <a:rPr lang="be-BY" smtClean="0"/>
               <a:pPr/>
-              <a:t>21</a:t>
-            </a:fld>
-            <a:endParaRPr lang="be-BY"/>
-          </a:p>
-        </p:txBody>
-      </p:sp>
-    </p:spTree>
-    <p:extLst>
-      <p:ext uri="{BB962C8B-B14F-4D97-AF65-F5344CB8AC3E}">
-        <p14:creationId xmlns:p14="http://schemas.microsoft.com/office/powerpoint/2010/main" val="2645404583"/>
-      </p:ext>
-    </p:extLst>
-  </p:cSld>
-  <p:clrMapOvr>
-    <a:masterClrMapping/>
-  </p:clrMapOvr>
-</p:notes>
-</file>
-
-<file path=ppt/notesSlides/notesSlide13.xml><?xml version="1.0" encoding="utf-8"?>
-<p:notes xmlns:a="http://schemas.openxmlformats.org/drawingml/2006/main" xmlns:r="http://schemas.openxmlformats.org/officeDocument/2006/relationships" xmlns:p="http://schemas.openxmlformats.org/presentationml/2006/main">
-  <p:cSld>
-    <p:spTree>
-      <p:nvGrpSpPr>
-        <p:cNvPr id="1" name=""/>
-        <p:cNvGrpSpPr/>
-        <p:nvPr/>
-      </p:nvGrpSpPr>
-      <p:grpSpPr>
-        <a:xfrm>
-          <a:off x="0" y="0"/>
-          <a:ext cx="0" cy="0"/>
-          <a:chOff x="0" y="0"/>
-          <a:chExt cx="0" cy="0"/>
-        </a:xfrm>
-      </p:grpSpPr>
-      <p:sp>
-        <p:nvSpPr>
-          <p:cNvPr id="2" name="Slide Image Placeholder 1"/>
-          <p:cNvSpPr>
-            <a:spLocks noGrp="1" noRot="1" noChangeAspect="1"/>
-          </p:cNvSpPr>
-          <p:nvPr>
-            <p:ph type="sldImg"/>
-          </p:nvPr>
-        </p:nvSpPr>
-        <p:spPr/>
-      </p:sp>
-      <p:sp>
-        <p:nvSpPr>
-          <p:cNvPr id="3" name="Notes Placeholder 2"/>
-          <p:cNvSpPr>
-            <a:spLocks noGrp="1"/>
-          </p:cNvSpPr>
-          <p:nvPr>
-            <p:ph type="body" idx="1"/>
-          </p:nvPr>
-        </p:nvSpPr>
-        <p:spPr/>
-        <p:txBody>
-          <a:bodyPr>
-            <a:normAutofit/>
-          </a:bodyPr>
-          <a:lstStyle/>
-          <a:p>
-            <a:endParaRPr lang="ru-RU" dirty="0" smtClean="0"/>
-          </a:p>
-        </p:txBody>
-      </p:sp>
-      <p:sp>
-        <p:nvSpPr>
-          <p:cNvPr id="4" name="Slide Number Placeholder 3"/>
-          <p:cNvSpPr>
-            <a:spLocks noGrp="1"/>
-          </p:cNvSpPr>
-          <p:nvPr>
-            <p:ph type="sldNum" sz="quarter" idx="10"/>
-          </p:nvPr>
-        </p:nvSpPr>
-        <p:spPr/>
-        <p:txBody>
-          <a:bodyPr/>
-          <a:lstStyle/>
-          <a:p>
-            <a:fld id="{B6DB43F0-FEFD-424B-AFAA-1D3C2B01CC9C}" type="slidenum">
-              <a:rPr lang="be-BY" smtClean="0"/>
-              <a:pPr/>
-              <a:t>22</a:t>
+              <a:t>20</a:t>
             </a:fld>
             <a:endParaRPr lang="be-BY"/>
           </a:p>
@@ -962,50 +925,23 @@
           </a:bodyPr>
           <a:lstStyle/>
           <a:p>
-            <a:r>
-              <a:rPr lang="ru-RU" sz="1200" kern="1200" baseline="0" dirty="0" smtClean="0">
-                <a:solidFill>
-                  <a:schemeClr val="tx1"/>
-                </a:solidFill>
-                <a:latin typeface="+mn-lt"/>
-                <a:ea typeface="+mn-ea"/>
-                <a:cs typeface="+mn-cs"/>
-              </a:rPr>
-              <a:t>В JavaScript нет области видимости на уровне блоков. Все переменные, объявленные внутри функции, независимо от того, где именно это сделано, определены во </a:t>
-            </a:r>
-            <a:r>
-              <a:rPr lang="ru-RU" sz="1200" i="0" kern="1200" baseline="0" dirty="0" smtClean="0">
-                <a:solidFill>
-                  <a:schemeClr val="tx1"/>
-                </a:solidFill>
-                <a:latin typeface="+mn-lt"/>
-                <a:ea typeface="+mn-ea"/>
-                <a:cs typeface="+mn-cs"/>
-              </a:rPr>
-              <a:t>всей</a:t>
-            </a:r>
-            <a:r>
-              <a:rPr lang="ru-RU" sz="1200" i="1" kern="1200" baseline="0" dirty="0" smtClean="0">
-                <a:solidFill>
-                  <a:schemeClr val="tx1"/>
-                </a:solidFill>
-                <a:latin typeface="+mn-lt"/>
-                <a:ea typeface="+mn-ea"/>
-                <a:cs typeface="+mn-cs"/>
-              </a:rPr>
-              <a:t> </a:t>
-            </a:r>
-            <a:r>
-              <a:rPr lang="ru-RU" sz="1200" i="0" kern="1200" baseline="0" dirty="0" smtClean="0">
-                <a:solidFill>
-                  <a:schemeClr val="tx1"/>
-                </a:solidFill>
-                <a:latin typeface="+mn-lt"/>
-                <a:ea typeface="+mn-ea"/>
-                <a:cs typeface="+mn-cs"/>
-              </a:rPr>
-              <a:t>функции.</a:t>
-            </a:r>
+            <a:pPr marL="0" marR="0" indent="0" algn="l" defTabSz="914400" rtl="0" eaLnBrk="1" fontAlgn="auto" latinLnBrk="0" hangingPunct="1">
+              <a:lnSpc>
+                <a:spcPct val="100000"/>
+              </a:lnSpc>
+              <a:spcBef>
+                <a:spcPts val="0"/>
+              </a:spcBef>
+              <a:spcAft>
+                <a:spcPts val="0"/>
+              </a:spcAft>
+              <a:buClrTx/>
+              <a:buSzTx/>
+              <a:buFontTx/>
+              <a:buNone/>
+              <a:tabLst/>
+              <a:defRPr/>
+            </a:pPr>
             <a:endParaRPr lang="en-US" i="0" dirty="0" smtClean="0"/>
           </a:p>
           <a:p>
@@ -1031,7 +967,7 @@
             <a:fld id="{B6DB43F0-FEFD-424B-AFAA-1D3C2B01CC9C}" type="slidenum">
               <a:rPr lang="be-BY" smtClean="0"/>
               <a:pPr/>
-              <a:t>6</a:t>
+              <a:t>7</a:t>
             </a:fld>
             <a:endParaRPr lang="be-BY"/>
           </a:p>
@@ -1040,7 +976,7 @@
     </p:spTree>
     <p:extLst>
       <p:ext uri="{BB962C8B-B14F-4D97-AF65-F5344CB8AC3E}">
-        <p14:creationId xmlns:p14="http://schemas.microsoft.com/office/powerpoint/2010/main" val="4221175821"/>
+        <p14:creationId xmlns:p14="http://schemas.microsoft.com/office/powerpoint/2010/main" val="3774910161"/>
       </p:ext>
     </p:extLst>
   </p:cSld>
@@ -1096,26 +1032,16 @@
           </a:bodyPr>
           <a:lstStyle/>
           <a:p>
-            <a:pPr marL="0" marR="0" indent="0" algn="l" defTabSz="914400" rtl="0" eaLnBrk="1" fontAlgn="auto" latinLnBrk="0" hangingPunct="1">
-              <a:lnSpc>
-                <a:spcPct val="100000"/>
-              </a:lnSpc>
-              <a:spcBef>
-                <a:spcPts val="0"/>
-              </a:spcBef>
-              <a:spcAft>
-                <a:spcPts val="0"/>
-              </a:spcAft>
-              <a:buClrTx/>
-              <a:buSzTx/>
-              <a:buFontTx/>
-              <a:buNone/>
-              <a:tabLst/>
-              <a:defRPr/>
-            </a:pPr>
-            <a:endParaRPr lang="en-US" i="0" dirty="0" smtClean="0"/>
-          </a:p>
-          <a:p>
+            <a:endParaRPr lang="en-US" baseline="0" dirty="0" smtClean="0"/>
+          </a:p>
+          <a:p>
+            <a:endParaRPr lang="ru-RU" baseline="0" dirty="0" smtClean="0"/>
+          </a:p>
+          <a:p>
+            <a:r>
+              <a:rPr lang="en-US" baseline="0" dirty="0" smtClean="0"/>
+              <a:t> </a:t>
+            </a:r>
             <a:endParaRPr lang="en-US" dirty="0"/>
           </a:p>
         </p:txBody>
@@ -1138,7 +1064,7 @@
             <a:fld id="{B6DB43F0-FEFD-424B-AFAA-1D3C2B01CC9C}" type="slidenum">
               <a:rPr lang="be-BY" smtClean="0"/>
               <a:pPr/>
-              <a:t>8</a:t>
+              <a:t>9</a:t>
             </a:fld>
             <a:endParaRPr lang="be-BY"/>
           </a:p>
@@ -1147,7 +1073,7 @@
     </p:spTree>
     <p:extLst>
       <p:ext uri="{BB962C8B-B14F-4D97-AF65-F5344CB8AC3E}">
-        <p14:creationId xmlns:p14="http://schemas.microsoft.com/office/powerpoint/2010/main" val="3774910161"/>
+        <p14:creationId xmlns:p14="http://schemas.microsoft.com/office/powerpoint/2010/main" val="542892900"/>
       </p:ext>
     </p:extLst>
   </p:cSld>
@@ -1203,17 +1129,7 @@
           </a:bodyPr>
           <a:lstStyle/>
           <a:p>
-            <a:endParaRPr lang="en-US" baseline="0" dirty="0" smtClean="0"/>
-          </a:p>
-          <a:p>
-            <a:endParaRPr lang="ru-RU" baseline="0" dirty="0" smtClean="0"/>
-          </a:p>
-          <a:p>
-            <a:r>
-              <a:rPr lang="en-US" baseline="0" dirty="0" smtClean="0"/>
-              <a:t> </a:t>
-            </a:r>
-            <a:endParaRPr lang="en-US" dirty="0"/>
+            <a:endParaRPr lang="ru-RU" dirty="0" smtClean="0"/>
           </a:p>
         </p:txBody>
       </p:sp>
@@ -1244,7 +1160,7 @@
     </p:spTree>
     <p:extLst>
       <p:ext uri="{BB962C8B-B14F-4D97-AF65-F5344CB8AC3E}">
-        <p14:creationId xmlns:p14="http://schemas.microsoft.com/office/powerpoint/2010/main" val="542892900"/>
+        <p14:creationId xmlns:p14="http://schemas.microsoft.com/office/powerpoint/2010/main" val="3637610511"/>
       </p:ext>
     </p:extLst>
   </p:cSld>
@@ -1331,7 +1247,7 @@
     </p:spTree>
     <p:extLst>
       <p:ext uri="{BB962C8B-B14F-4D97-AF65-F5344CB8AC3E}">
-        <p14:creationId xmlns:p14="http://schemas.microsoft.com/office/powerpoint/2010/main" val="3637610511"/>
+        <p14:creationId xmlns:p14="http://schemas.microsoft.com/office/powerpoint/2010/main" val="2233175862"/>
       </p:ext>
     </p:extLst>
   </p:cSld>
@@ -1418,7 +1334,7 @@
     </p:spTree>
     <p:extLst>
       <p:ext uri="{BB962C8B-B14F-4D97-AF65-F5344CB8AC3E}">
-        <p14:creationId xmlns:p14="http://schemas.microsoft.com/office/powerpoint/2010/main" val="2233175862"/>
+        <p14:creationId xmlns:p14="http://schemas.microsoft.com/office/powerpoint/2010/main" val="912748274"/>
       </p:ext>
     </p:extLst>
   </p:cSld>
@@ -1474,7 +1390,17 @@
           </a:bodyPr>
           <a:lstStyle/>
           <a:p>
-            <a:endParaRPr lang="ru-RU" dirty="0" smtClean="0"/>
+            <a:endParaRPr lang="en-US" baseline="0" dirty="0" smtClean="0"/>
+          </a:p>
+          <a:p>
+            <a:endParaRPr lang="ru-RU" baseline="0" dirty="0" smtClean="0"/>
+          </a:p>
+          <a:p>
+            <a:r>
+              <a:rPr lang="en-US" baseline="0" dirty="0" smtClean="0"/>
+              <a:t> </a:t>
+            </a:r>
+            <a:endParaRPr lang="en-US" dirty="0"/>
           </a:p>
         </p:txBody>
       </p:sp>
@@ -1496,7 +1422,7 @@
             <a:fld id="{B6DB43F0-FEFD-424B-AFAA-1D3C2B01CC9C}" type="slidenum">
               <a:rPr lang="be-BY" smtClean="0"/>
               <a:pPr/>
-              <a:t>13</a:t>
+              <a:t>15</a:t>
             </a:fld>
             <a:endParaRPr lang="be-BY"/>
           </a:p>
@@ -1505,7 +1431,7 @@
     </p:spTree>
     <p:extLst>
       <p:ext uri="{BB962C8B-B14F-4D97-AF65-F5344CB8AC3E}">
-        <p14:creationId xmlns:p14="http://schemas.microsoft.com/office/powerpoint/2010/main" val="912748274"/>
+        <p14:creationId xmlns:p14="http://schemas.microsoft.com/office/powerpoint/2010/main" val="1744964404"/>
       </p:ext>
     </p:extLst>
   </p:cSld>
@@ -1561,16 +1487,6 @@
           </a:bodyPr>
           <a:lstStyle/>
           <a:p>
-            <a:endParaRPr lang="en-US" baseline="0" dirty="0" smtClean="0"/>
-          </a:p>
-          <a:p>
-            <a:endParaRPr lang="ru-RU" baseline="0" dirty="0" smtClean="0"/>
-          </a:p>
-          <a:p>
-            <a:r>
-              <a:rPr lang="en-US" baseline="0" dirty="0" smtClean="0"/>
-              <a:t> </a:t>
-            </a:r>
             <a:endParaRPr lang="en-US" dirty="0"/>
           </a:p>
         </p:txBody>
@@ -1593,7 +1509,7 @@
             <a:fld id="{B6DB43F0-FEFD-424B-AFAA-1D3C2B01CC9C}" type="slidenum">
               <a:rPr lang="be-BY" smtClean="0"/>
               <a:pPr/>
-              <a:t>17</a:t>
+              <a:t>16</a:t>
             </a:fld>
             <a:endParaRPr lang="be-BY"/>
           </a:p>
@@ -1602,7 +1518,7 @@
     </p:spTree>
     <p:extLst>
       <p:ext uri="{BB962C8B-B14F-4D97-AF65-F5344CB8AC3E}">
-        <p14:creationId xmlns:p14="http://schemas.microsoft.com/office/powerpoint/2010/main" val="1744964404"/>
+        <p14:creationId xmlns:p14="http://schemas.microsoft.com/office/powerpoint/2010/main" val="4042733012"/>
       </p:ext>
     </p:extLst>
   </p:cSld>
@@ -1658,7 +1574,7 @@
           </a:bodyPr>
           <a:lstStyle/>
           <a:p>
-            <a:endParaRPr lang="en-US" dirty="0"/>
+            <a:endParaRPr lang="ru-RU" dirty="0" smtClean="0"/>
           </a:p>
         </p:txBody>
       </p:sp>
@@ -1680,7 +1596,7 @@
             <a:fld id="{B6DB43F0-FEFD-424B-AFAA-1D3C2B01CC9C}" type="slidenum">
               <a:rPr lang="be-BY" smtClean="0"/>
               <a:pPr/>
-              <a:t>18</a:t>
+              <a:t>17</a:t>
             </a:fld>
             <a:endParaRPr lang="be-BY"/>
           </a:p>
@@ -1689,7 +1605,7 @@
     </p:spTree>
     <p:extLst>
       <p:ext uri="{BB962C8B-B14F-4D97-AF65-F5344CB8AC3E}">
-        <p14:creationId xmlns:p14="http://schemas.microsoft.com/office/powerpoint/2010/main" val="4042733012"/>
+        <p14:creationId xmlns:p14="http://schemas.microsoft.com/office/powerpoint/2010/main" val="4232999185"/>
       </p:ext>
     </p:extLst>
   </p:cSld>
@@ -1830,7 +1746,7 @@
           <a:p>
             <a:fld id="{53A1A599-862F-4E24-8998-DC482B785E64}" type="datetimeFigureOut">
               <a:rPr lang="en-US" smtClean="0"/>
-              <a:t>8/25/2015</a:t>
+              <a:t>8/27/2015</a:t>
             </a:fld>
             <a:endParaRPr lang="en-US"/>
           </a:p>
@@ -2000,7 +1916,7 @@
           <a:p>
             <a:fld id="{53A1A599-862F-4E24-8998-DC482B785E64}" type="datetimeFigureOut">
               <a:rPr lang="en-US" smtClean="0"/>
-              <a:t>8/25/2015</a:t>
+              <a:t>8/27/2015</a:t>
             </a:fld>
             <a:endParaRPr lang="en-US"/>
           </a:p>
@@ -2180,7 +2096,7 @@
           <a:p>
             <a:fld id="{53A1A599-862F-4E24-8998-DC482B785E64}" type="datetimeFigureOut">
               <a:rPr lang="en-US" smtClean="0"/>
-              <a:t>8/25/2015</a:t>
+              <a:t>8/27/2015</a:t>
             </a:fld>
             <a:endParaRPr lang="en-US"/>
           </a:p>
@@ -2350,7 +2266,7 @@
           <a:p>
             <a:fld id="{53A1A599-862F-4E24-8998-DC482B785E64}" type="datetimeFigureOut">
               <a:rPr lang="en-US" smtClean="0"/>
-              <a:t>8/25/2015</a:t>
+              <a:t>8/27/2015</a:t>
             </a:fld>
             <a:endParaRPr lang="en-US"/>
           </a:p>
@@ -2596,7 +2512,7 @@
           <a:p>
             <a:fld id="{53A1A599-862F-4E24-8998-DC482B785E64}" type="datetimeFigureOut">
               <a:rPr lang="en-US" smtClean="0"/>
-              <a:t>8/25/2015</a:t>
+              <a:t>8/27/2015</a:t>
             </a:fld>
             <a:endParaRPr lang="en-US"/>
           </a:p>
@@ -2828,7 +2744,7 @@
           <a:p>
             <a:fld id="{53A1A599-862F-4E24-8998-DC482B785E64}" type="datetimeFigureOut">
               <a:rPr lang="en-US" smtClean="0"/>
-              <a:t>8/25/2015</a:t>
+              <a:t>8/27/2015</a:t>
             </a:fld>
             <a:endParaRPr lang="en-US"/>
           </a:p>
@@ -3195,7 +3111,7 @@
           <a:p>
             <a:fld id="{53A1A599-862F-4E24-8998-DC482B785E64}" type="datetimeFigureOut">
               <a:rPr lang="en-US" smtClean="0"/>
-              <a:t>8/25/2015</a:t>
+              <a:t>8/27/2015</a:t>
             </a:fld>
             <a:endParaRPr lang="en-US"/>
           </a:p>
@@ -3313,7 +3229,7 @@
           <a:p>
             <a:fld id="{53A1A599-862F-4E24-8998-DC482B785E64}" type="datetimeFigureOut">
               <a:rPr lang="en-US" smtClean="0"/>
-              <a:t>8/25/2015</a:t>
+              <a:t>8/27/2015</a:t>
             </a:fld>
             <a:endParaRPr lang="en-US"/>
           </a:p>
@@ -3408,7 +3324,7 @@
           <a:p>
             <a:fld id="{53A1A599-862F-4E24-8998-DC482B785E64}" type="datetimeFigureOut">
               <a:rPr lang="en-US" smtClean="0"/>
-              <a:t>8/25/2015</a:t>
+              <a:t>8/27/2015</a:t>
             </a:fld>
             <a:endParaRPr lang="en-US"/>
           </a:p>
@@ -3685,7 +3601,7 @@
           <a:p>
             <a:fld id="{53A1A599-862F-4E24-8998-DC482B785E64}" type="datetimeFigureOut">
               <a:rPr lang="en-US" smtClean="0"/>
-              <a:t>8/25/2015</a:t>
+              <a:t>8/27/2015</a:t>
             </a:fld>
             <a:endParaRPr lang="en-US"/>
           </a:p>
@@ -3938,7 +3854,7 @@
           <a:p>
             <a:fld id="{53A1A599-862F-4E24-8998-DC482B785E64}" type="datetimeFigureOut">
               <a:rPr lang="en-US" smtClean="0"/>
-              <a:t>8/25/2015</a:t>
+              <a:t>8/27/2015</a:t>
             </a:fld>
             <a:endParaRPr lang="en-US"/>
           </a:p>
@@ -4151,7 +4067,7 @@
           <a:p>
             <a:fld id="{53A1A599-862F-4E24-8998-DC482B785E64}" type="datetimeFigureOut">
               <a:rPr lang="en-US" smtClean="0"/>
-              <a:t>8/25/2015</a:t>
+              <a:t>8/27/2015</a:t>
             </a:fld>
             <a:endParaRPr lang="en-US"/>
           </a:p>
@@ -4655,1177 +4571,6 @@
           <a:lstStyle/>
           <a:p>
             <a:r>
-              <a:rPr lang="en-US" b="1" dirty="0" smtClean="0"/>
-              <a:t>Code in global scope</a:t>
-            </a:r>
-            <a:endParaRPr lang="en-US" b="1" dirty="0">
-              <a:solidFill>
-                <a:schemeClr val="tx1">
-                  <a:lumMod val="65000"/>
-                  <a:lumOff val="35000"/>
-                </a:schemeClr>
-              </a:solidFill>
-            </a:endParaRPr>
-          </a:p>
-        </p:txBody>
-      </p:sp>
-      <p:sp>
-        <p:nvSpPr>
-          <p:cNvPr id="7" name="Rectangle 6"/>
-          <p:cNvSpPr/>
-          <p:nvPr/>
-        </p:nvSpPr>
-        <p:spPr>
-          <a:xfrm>
-            <a:off x="1991544" y="1052736"/>
-            <a:ext cx="5760640" cy="4832092"/>
-          </a:xfrm>
-          <a:prstGeom prst="rect">
-            <a:avLst/>
-          </a:prstGeom>
-        </p:spPr>
-        <p:style>
-          <a:lnRef idx="1">
-            <a:schemeClr val="accent6"/>
-          </a:lnRef>
-          <a:fillRef idx="2">
-            <a:schemeClr val="accent6"/>
-          </a:fillRef>
-          <a:effectRef idx="1">
-            <a:schemeClr val="accent6"/>
-          </a:effectRef>
-          <a:fontRef idx="minor">
-            <a:schemeClr val="dk1"/>
-          </a:fontRef>
-        </p:style>
-        <p:txBody>
-          <a:bodyPr wrap="square">
-            <a:spAutoFit/>
-          </a:bodyPr>
-          <a:lstStyle/>
-          <a:p>
-            <a:r>
-              <a:rPr lang="en-US" sz="1400" dirty="0">
-                <a:solidFill>
-                  <a:srgbClr val="0000FF"/>
-                </a:solidFill>
-                <a:latin typeface="Consolas"/>
-              </a:rPr>
-              <a:t>&lt;!</a:t>
-            </a:r>
-            <a:r>
-              <a:rPr lang="en-US" sz="1400" dirty="0">
-                <a:solidFill>
-                  <a:srgbClr val="800000"/>
-                </a:solidFill>
-                <a:latin typeface="Consolas"/>
-              </a:rPr>
-              <a:t>DOCTYPE</a:t>
-            </a:r>
-            <a:r>
-              <a:rPr lang="en-US" sz="1400" dirty="0">
-                <a:solidFill>
-                  <a:prstClr val="black"/>
-                </a:solidFill>
-                <a:latin typeface="Consolas"/>
-              </a:rPr>
-              <a:t> </a:t>
-            </a:r>
-            <a:r>
-              <a:rPr lang="en-US" sz="1400" dirty="0">
-                <a:solidFill>
-                  <a:srgbClr val="FF0000"/>
-                </a:solidFill>
-                <a:latin typeface="Consolas"/>
-              </a:rPr>
-              <a:t>html</a:t>
-            </a:r>
-            <a:r>
-              <a:rPr lang="en-US" sz="1400" dirty="0">
-                <a:solidFill>
-                  <a:srgbClr val="0000FF"/>
-                </a:solidFill>
-                <a:latin typeface="Consolas"/>
-              </a:rPr>
-              <a:t>&gt;</a:t>
-            </a:r>
-            <a:endParaRPr lang="en-US" sz="1400" dirty="0">
-              <a:solidFill>
-                <a:prstClr val="black"/>
-              </a:solidFill>
-              <a:latin typeface="Consolas"/>
-            </a:endParaRPr>
-          </a:p>
-          <a:p>
-            <a:r>
-              <a:rPr lang="en-US" sz="1400" dirty="0">
-                <a:solidFill>
-                  <a:srgbClr val="0000FF"/>
-                </a:solidFill>
-                <a:latin typeface="Consolas"/>
-              </a:rPr>
-              <a:t>&lt;</a:t>
-            </a:r>
-            <a:r>
-              <a:rPr lang="en-US" sz="1400" dirty="0">
-                <a:solidFill>
-                  <a:srgbClr val="800000"/>
-                </a:solidFill>
-                <a:latin typeface="Consolas"/>
-              </a:rPr>
-              <a:t>html</a:t>
-            </a:r>
-            <a:r>
-              <a:rPr lang="en-US" sz="1400" dirty="0">
-                <a:solidFill>
-                  <a:srgbClr val="0000FF"/>
-                </a:solidFill>
-                <a:latin typeface="Consolas"/>
-              </a:rPr>
-              <a:t>&gt;</a:t>
-            </a:r>
-            <a:endParaRPr lang="en-US" sz="1400" dirty="0">
-              <a:solidFill>
-                <a:prstClr val="black"/>
-              </a:solidFill>
-              <a:latin typeface="Consolas"/>
-            </a:endParaRPr>
-          </a:p>
-          <a:p>
-            <a:r>
-              <a:rPr lang="en-US" sz="1400" dirty="0">
-                <a:solidFill>
-                  <a:srgbClr val="0000FF"/>
-                </a:solidFill>
-                <a:latin typeface="Consolas"/>
-              </a:rPr>
-              <a:t>&lt;</a:t>
-            </a:r>
-            <a:r>
-              <a:rPr lang="en-US" sz="1400" dirty="0">
-                <a:solidFill>
-                  <a:srgbClr val="800000"/>
-                </a:solidFill>
-                <a:latin typeface="Consolas"/>
-              </a:rPr>
-              <a:t>head</a:t>
-            </a:r>
-            <a:r>
-              <a:rPr lang="en-US" sz="1400" dirty="0">
-                <a:solidFill>
-                  <a:srgbClr val="0000FF"/>
-                </a:solidFill>
-                <a:latin typeface="Consolas"/>
-              </a:rPr>
-              <a:t>&gt;</a:t>
-            </a:r>
-            <a:endParaRPr lang="en-US" sz="1400" dirty="0">
-              <a:solidFill>
-                <a:prstClr val="black"/>
-              </a:solidFill>
-              <a:latin typeface="Consolas"/>
-            </a:endParaRPr>
-          </a:p>
-          <a:p>
-            <a:r>
-              <a:rPr lang="en-US" sz="1400" dirty="0">
-                <a:solidFill>
-                  <a:prstClr val="black"/>
-                </a:solidFill>
-                <a:latin typeface="Consolas"/>
-              </a:rPr>
-              <a:t>    </a:t>
-            </a:r>
-            <a:r>
-              <a:rPr lang="en-US" sz="1400" dirty="0">
-                <a:solidFill>
-                  <a:srgbClr val="0000FF"/>
-                </a:solidFill>
-                <a:latin typeface="Consolas"/>
-              </a:rPr>
-              <a:t>&lt;</a:t>
-            </a:r>
-            <a:r>
-              <a:rPr lang="en-US" sz="1400" dirty="0">
-                <a:solidFill>
-                  <a:srgbClr val="800000"/>
-                </a:solidFill>
-                <a:latin typeface="Consolas"/>
-              </a:rPr>
-              <a:t>title</a:t>
-            </a:r>
-            <a:r>
-              <a:rPr lang="en-US" sz="1400" dirty="0">
-                <a:solidFill>
-                  <a:srgbClr val="0000FF"/>
-                </a:solidFill>
-                <a:latin typeface="Consolas"/>
-              </a:rPr>
-              <a:t>&gt;</a:t>
-            </a:r>
-            <a:r>
-              <a:rPr lang="en-US" sz="1400" dirty="0">
-                <a:solidFill>
-                  <a:prstClr val="black"/>
-                </a:solidFill>
-                <a:latin typeface="Consolas"/>
-              </a:rPr>
-              <a:t>Untitled Page</a:t>
-            </a:r>
-            <a:r>
-              <a:rPr lang="en-US" sz="1400" dirty="0">
-                <a:solidFill>
-                  <a:srgbClr val="0000FF"/>
-                </a:solidFill>
-                <a:latin typeface="Consolas"/>
-              </a:rPr>
-              <a:t>&lt;/</a:t>
-            </a:r>
-            <a:r>
-              <a:rPr lang="en-US" sz="1400" dirty="0">
-                <a:solidFill>
-                  <a:srgbClr val="800000"/>
-                </a:solidFill>
-                <a:latin typeface="Consolas"/>
-              </a:rPr>
-              <a:t>title</a:t>
-            </a:r>
-            <a:r>
-              <a:rPr lang="en-US" sz="1400" dirty="0">
-                <a:solidFill>
-                  <a:srgbClr val="0000FF"/>
-                </a:solidFill>
-                <a:latin typeface="Consolas"/>
-              </a:rPr>
-              <a:t>&gt;</a:t>
-            </a:r>
-          </a:p>
-          <a:p>
-            <a:r>
-              <a:rPr lang="en-US" sz="1400" dirty="0">
-                <a:solidFill>
-                  <a:srgbClr val="0000FF"/>
-                </a:solidFill>
-                <a:latin typeface="Consolas"/>
-              </a:rPr>
-              <a:t>&lt;</a:t>
-            </a:r>
-            <a:r>
-              <a:rPr lang="en-US" sz="1400" dirty="0">
-                <a:solidFill>
-                  <a:srgbClr val="800000"/>
-                </a:solidFill>
-                <a:latin typeface="Consolas"/>
-              </a:rPr>
-              <a:t>script</a:t>
-            </a:r>
-            <a:r>
-              <a:rPr lang="en-US" sz="1400" dirty="0">
-                <a:solidFill>
-                  <a:prstClr val="black"/>
-                </a:solidFill>
-                <a:latin typeface="Consolas"/>
-              </a:rPr>
-              <a:t> </a:t>
-            </a:r>
-            <a:r>
-              <a:rPr lang="en-US" sz="1400" dirty="0">
-                <a:solidFill>
-                  <a:srgbClr val="FF0000"/>
-                </a:solidFill>
-                <a:latin typeface="Consolas"/>
-              </a:rPr>
-              <a:t>type</a:t>
-            </a:r>
-            <a:r>
-              <a:rPr lang="en-US" sz="1400" dirty="0">
-                <a:solidFill>
-                  <a:srgbClr val="0000FF"/>
-                </a:solidFill>
-                <a:latin typeface="Consolas"/>
-              </a:rPr>
-              <a:t>="</a:t>
-            </a:r>
-            <a:r>
-              <a:rPr lang="en-US" sz="1400" dirty="0">
-                <a:solidFill>
-                  <a:srgbClr val="0000FF"/>
-                </a:solidFill>
-                <a:latin typeface="Consolas"/>
-              </a:rPr>
-              <a:t>text/</a:t>
-            </a:r>
-            <a:r>
-              <a:rPr lang="en-US" sz="1400" dirty="0" err="1">
-                <a:solidFill>
-                  <a:srgbClr val="0000FF"/>
-                </a:solidFill>
-                <a:latin typeface="Consolas"/>
-              </a:rPr>
-              <a:t>javascript</a:t>
-            </a:r>
-            <a:r>
-              <a:rPr lang="en-US" sz="1400" dirty="0">
-                <a:solidFill>
-                  <a:srgbClr val="0000FF"/>
-                </a:solidFill>
-                <a:latin typeface="Consolas"/>
-              </a:rPr>
-              <a:t>" </a:t>
-            </a:r>
-            <a:r>
-              <a:rPr lang="en-US" sz="1400" dirty="0" err="1">
-                <a:solidFill>
-                  <a:srgbClr val="FF0000"/>
-                </a:solidFill>
-                <a:latin typeface="Consolas"/>
-              </a:rPr>
-              <a:t>src</a:t>
-            </a:r>
-            <a:r>
-              <a:rPr lang="en-US" sz="1400" dirty="0">
-                <a:solidFill>
-                  <a:srgbClr val="0000FF"/>
-                </a:solidFill>
-                <a:latin typeface="Consolas"/>
-              </a:rPr>
-              <a:t>="script.js"&gt;&lt;/</a:t>
-            </a:r>
-            <a:r>
-              <a:rPr lang="en-US" sz="1400" dirty="0">
-                <a:solidFill>
-                  <a:srgbClr val="800000"/>
-                </a:solidFill>
-                <a:latin typeface="Consolas"/>
-              </a:rPr>
-              <a:t>script</a:t>
-            </a:r>
-            <a:r>
-              <a:rPr lang="en-US" sz="1400" dirty="0">
-                <a:solidFill>
-                  <a:srgbClr val="0000FF"/>
-                </a:solidFill>
-                <a:latin typeface="Consolas"/>
-              </a:rPr>
-              <a:t>&gt;</a:t>
-            </a:r>
-          </a:p>
-          <a:p>
-            <a:endParaRPr lang="en-US" sz="1400" dirty="0">
-              <a:solidFill>
-                <a:prstClr val="black"/>
-              </a:solidFill>
-              <a:latin typeface="Consolas"/>
-            </a:endParaRPr>
-          </a:p>
-          <a:p>
-            <a:r>
-              <a:rPr lang="en-US" sz="1400" dirty="0">
-                <a:solidFill>
-                  <a:srgbClr val="0000FF"/>
-                </a:solidFill>
-                <a:latin typeface="Consolas"/>
-              </a:rPr>
-              <a:t>&lt;/</a:t>
-            </a:r>
-            <a:r>
-              <a:rPr lang="en-US" sz="1400" dirty="0">
-                <a:solidFill>
-                  <a:srgbClr val="800000"/>
-                </a:solidFill>
-                <a:latin typeface="Consolas"/>
-              </a:rPr>
-              <a:t>head</a:t>
-            </a:r>
-            <a:r>
-              <a:rPr lang="en-US" sz="1400" dirty="0">
-                <a:solidFill>
-                  <a:srgbClr val="0000FF"/>
-                </a:solidFill>
-                <a:latin typeface="Consolas"/>
-              </a:rPr>
-              <a:t>&gt;</a:t>
-            </a:r>
-            <a:endParaRPr lang="en-US" sz="1400" dirty="0">
-              <a:solidFill>
-                <a:prstClr val="black"/>
-              </a:solidFill>
-              <a:latin typeface="Consolas"/>
-            </a:endParaRPr>
-          </a:p>
-          <a:p>
-            <a:r>
-              <a:rPr lang="en-US" sz="1400" dirty="0">
-                <a:solidFill>
-                  <a:srgbClr val="0000FF"/>
-                </a:solidFill>
-                <a:latin typeface="Consolas"/>
-              </a:rPr>
-              <a:t>&lt;</a:t>
-            </a:r>
-            <a:r>
-              <a:rPr lang="en-US" sz="1400" dirty="0">
-                <a:solidFill>
-                  <a:srgbClr val="800000"/>
-                </a:solidFill>
-                <a:latin typeface="Consolas"/>
-              </a:rPr>
-              <a:t>body</a:t>
-            </a:r>
-            <a:r>
-              <a:rPr lang="en-US" sz="1400" dirty="0">
-                <a:solidFill>
-                  <a:srgbClr val="0000FF"/>
-                </a:solidFill>
-                <a:latin typeface="Consolas"/>
-              </a:rPr>
-              <a:t>&gt;</a:t>
-            </a:r>
-            <a:endParaRPr lang="en-US" sz="1400" dirty="0">
-              <a:solidFill>
-                <a:prstClr val="black"/>
-              </a:solidFill>
-              <a:latin typeface="Consolas"/>
-            </a:endParaRPr>
-          </a:p>
-          <a:p>
-            <a:r>
-              <a:rPr lang="en-US" sz="1400" dirty="0">
-                <a:solidFill>
-                  <a:srgbClr val="0000FF"/>
-                </a:solidFill>
-                <a:latin typeface="Consolas"/>
-              </a:rPr>
-              <a:t>&lt;</a:t>
-            </a:r>
-            <a:r>
-              <a:rPr lang="en-US" sz="1400" dirty="0">
-                <a:solidFill>
-                  <a:srgbClr val="800000"/>
-                </a:solidFill>
-                <a:latin typeface="Consolas"/>
-              </a:rPr>
-              <a:t>script</a:t>
-            </a:r>
-            <a:r>
-              <a:rPr lang="en-US" sz="1400" dirty="0">
-                <a:solidFill>
-                  <a:prstClr val="black"/>
-                </a:solidFill>
-                <a:latin typeface="Consolas"/>
-              </a:rPr>
-              <a:t> </a:t>
-            </a:r>
-            <a:r>
-              <a:rPr lang="en-US" sz="1400" dirty="0">
-                <a:solidFill>
-                  <a:srgbClr val="FF0000"/>
-                </a:solidFill>
-                <a:latin typeface="Consolas"/>
-              </a:rPr>
-              <a:t>type</a:t>
-            </a:r>
-            <a:r>
-              <a:rPr lang="en-US" sz="1400" dirty="0">
-                <a:solidFill>
-                  <a:srgbClr val="0000FF"/>
-                </a:solidFill>
-                <a:latin typeface="Consolas"/>
-              </a:rPr>
-              <a:t>="text/</a:t>
-            </a:r>
-            <a:r>
-              <a:rPr lang="en-US" sz="1400" dirty="0" err="1">
-                <a:solidFill>
-                  <a:srgbClr val="0000FF"/>
-                </a:solidFill>
-                <a:latin typeface="Consolas"/>
-              </a:rPr>
-              <a:t>javascript</a:t>
-            </a:r>
-            <a:r>
-              <a:rPr lang="en-US" sz="1400" dirty="0">
-                <a:solidFill>
-                  <a:srgbClr val="0000FF"/>
-                </a:solidFill>
-                <a:latin typeface="Consolas"/>
-              </a:rPr>
-              <a:t>"&gt;</a:t>
-            </a:r>
-            <a:endParaRPr lang="en-US" sz="1400" dirty="0">
-              <a:solidFill>
-                <a:prstClr val="black"/>
-              </a:solidFill>
-              <a:latin typeface="Consolas"/>
-            </a:endParaRPr>
-          </a:p>
-          <a:p>
-            <a:pPr lvl="1"/>
-            <a:r>
-              <a:rPr lang="en-US" sz="1400" u="sng" dirty="0" err="1">
-                <a:solidFill>
-                  <a:srgbClr val="0000FF"/>
-                </a:solidFill>
-                <a:latin typeface="Consolas"/>
-              </a:rPr>
-              <a:t>var</a:t>
-            </a:r>
-            <a:r>
-              <a:rPr lang="en-US" sz="1400" u="sng" dirty="0">
-                <a:solidFill>
-                  <a:prstClr val="black"/>
-                </a:solidFill>
-                <a:latin typeface="Consolas"/>
-              </a:rPr>
-              <a:t> a = 5;</a:t>
-            </a:r>
-          </a:p>
-          <a:p>
-            <a:pPr lvl="1"/>
-            <a:r>
-              <a:rPr lang="en-US" sz="1400" u="sng" dirty="0" err="1">
-                <a:solidFill>
-                  <a:srgbClr val="0000FF"/>
-                </a:solidFill>
-                <a:latin typeface="Consolas"/>
-              </a:rPr>
-              <a:t>var</a:t>
-            </a:r>
-            <a:r>
-              <a:rPr lang="en-US" sz="1400" u="sng" dirty="0">
-                <a:solidFill>
-                  <a:prstClr val="black"/>
-                </a:solidFill>
-                <a:latin typeface="Consolas"/>
-              </a:rPr>
-              <a:t> b = 2;</a:t>
-            </a:r>
-          </a:p>
-          <a:p>
-            <a:pPr lvl="1"/>
-            <a:endParaRPr lang="en-US" sz="1400" dirty="0">
-              <a:solidFill>
-                <a:prstClr val="black"/>
-              </a:solidFill>
-              <a:latin typeface="Consolas"/>
-            </a:endParaRPr>
-          </a:p>
-          <a:p>
-            <a:pPr lvl="1"/>
-            <a:r>
-              <a:rPr lang="en-US" sz="1400" u="sng" dirty="0">
-                <a:solidFill>
-                  <a:srgbClr val="0000FF"/>
-                </a:solidFill>
-                <a:latin typeface="Consolas"/>
-              </a:rPr>
-              <a:t>function</a:t>
-            </a:r>
-            <a:r>
-              <a:rPr lang="en-US" sz="1400" u="sng" dirty="0">
-                <a:solidFill>
-                  <a:prstClr val="black"/>
-                </a:solidFill>
-                <a:latin typeface="Consolas"/>
-              </a:rPr>
-              <a:t> sum</a:t>
-            </a:r>
-            <a:r>
-              <a:rPr lang="en-US" sz="1400" dirty="0">
-                <a:solidFill>
-                  <a:prstClr val="black"/>
-                </a:solidFill>
-                <a:latin typeface="Consolas"/>
-              </a:rPr>
-              <a:t>(x, y) {</a:t>
-            </a:r>
-          </a:p>
-          <a:p>
-            <a:pPr lvl="1"/>
-            <a:r>
-              <a:rPr lang="en-US" sz="1400" dirty="0">
-                <a:solidFill>
-                  <a:srgbClr val="0000FF"/>
-                </a:solidFill>
-                <a:latin typeface="Consolas"/>
-              </a:rPr>
-              <a:t>	return</a:t>
-            </a:r>
-            <a:r>
-              <a:rPr lang="en-US" sz="1400" dirty="0">
-                <a:solidFill>
-                  <a:prstClr val="black"/>
-                </a:solidFill>
-                <a:latin typeface="Consolas"/>
-              </a:rPr>
-              <a:t> </a:t>
-            </a:r>
-            <a:r>
-              <a:rPr lang="en-US" sz="1400" dirty="0">
-                <a:solidFill>
-                  <a:prstClr val="black"/>
-                </a:solidFill>
-                <a:latin typeface="Consolas"/>
-              </a:rPr>
-              <a:t>x + y;</a:t>
-            </a:r>
-          </a:p>
-          <a:p>
-            <a:pPr lvl="1"/>
-            <a:r>
-              <a:rPr lang="en-US" sz="1400" dirty="0">
-                <a:solidFill>
-                  <a:prstClr val="black"/>
-                </a:solidFill>
-                <a:latin typeface="Consolas"/>
-              </a:rPr>
-              <a:t>}</a:t>
-            </a:r>
-          </a:p>
-          <a:p>
-            <a:pPr lvl="1"/>
-            <a:endParaRPr lang="en-US" sz="1400" dirty="0">
-              <a:solidFill>
-                <a:prstClr val="black"/>
-              </a:solidFill>
-              <a:latin typeface="Consolas"/>
-            </a:endParaRPr>
-          </a:p>
-          <a:p>
-            <a:pPr lvl="1"/>
-            <a:r>
-              <a:rPr lang="en-US" sz="1400" u="sng" dirty="0">
-                <a:solidFill>
-                  <a:srgbClr val="0000FF"/>
-                </a:solidFill>
-                <a:latin typeface="Consolas"/>
-              </a:rPr>
-              <a:t>function</a:t>
-            </a:r>
-            <a:r>
-              <a:rPr lang="en-US" sz="1400" u="sng" dirty="0">
-                <a:solidFill>
-                  <a:prstClr val="black"/>
-                </a:solidFill>
-                <a:latin typeface="Consolas"/>
-              </a:rPr>
-              <a:t> </a:t>
-            </a:r>
-            <a:r>
-              <a:rPr lang="en-US" sz="1400" u="sng" dirty="0" err="1">
-                <a:solidFill>
-                  <a:prstClr val="black"/>
-                </a:solidFill>
-                <a:latin typeface="Consolas"/>
-              </a:rPr>
-              <a:t>mul</a:t>
-            </a:r>
-            <a:r>
-              <a:rPr lang="en-US" sz="1400" dirty="0">
-                <a:solidFill>
-                  <a:prstClr val="black"/>
-                </a:solidFill>
-                <a:latin typeface="Consolas"/>
-              </a:rPr>
-              <a:t>(x, y) {</a:t>
-            </a:r>
-          </a:p>
-          <a:p>
-            <a:pPr lvl="1"/>
-            <a:r>
-              <a:rPr lang="en-US" sz="1400" dirty="0">
-                <a:solidFill>
-                  <a:srgbClr val="0000FF"/>
-                </a:solidFill>
-                <a:latin typeface="Consolas"/>
-              </a:rPr>
-              <a:t>	return</a:t>
-            </a:r>
-            <a:r>
-              <a:rPr lang="en-US" sz="1400" dirty="0">
-                <a:solidFill>
-                  <a:prstClr val="black"/>
-                </a:solidFill>
-                <a:latin typeface="Consolas"/>
-              </a:rPr>
-              <a:t> </a:t>
-            </a:r>
-            <a:r>
-              <a:rPr lang="en-US" sz="1400" dirty="0">
-                <a:solidFill>
-                  <a:prstClr val="black"/>
-                </a:solidFill>
-                <a:latin typeface="Consolas"/>
-              </a:rPr>
-              <a:t>x * y;</a:t>
-            </a:r>
-          </a:p>
-          <a:p>
-            <a:pPr lvl="1"/>
-            <a:r>
-              <a:rPr lang="en-US" sz="1400" dirty="0">
-                <a:solidFill>
-                  <a:prstClr val="black"/>
-                </a:solidFill>
-                <a:latin typeface="Consolas"/>
-              </a:rPr>
-              <a:t>} </a:t>
-            </a:r>
-          </a:p>
-          <a:p>
-            <a:r>
-              <a:rPr lang="en-US" sz="1400" dirty="0">
-                <a:solidFill>
-                  <a:srgbClr val="0000FF"/>
-                </a:solidFill>
-                <a:latin typeface="Consolas"/>
-              </a:rPr>
-              <a:t>&lt;/</a:t>
-            </a:r>
-            <a:r>
-              <a:rPr lang="en-US" sz="1400" dirty="0">
-                <a:solidFill>
-                  <a:srgbClr val="800000"/>
-                </a:solidFill>
-                <a:latin typeface="Consolas"/>
-              </a:rPr>
-              <a:t>script</a:t>
-            </a:r>
-            <a:r>
-              <a:rPr lang="en-US" sz="1400" dirty="0">
-                <a:solidFill>
-                  <a:srgbClr val="0000FF"/>
-                </a:solidFill>
-                <a:latin typeface="Consolas"/>
-              </a:rPr>
-              <a:t>&gt;</a:t>
-            </a:r>
-            <a:endParaRPr lang="en-US" sz="1400" dirty="0">
-              <a:solidFill>
-                <a:prstClr val="black"/>
-              </a:solidFill>
-              <a:latin typeface="Consolas"/>
-            </a:endParaRPr>
-          </a:p>
-          <a:p>
-            <a:r>
-              <a:rPr lang="en-US" sz="1400" dirty="0">
-                <a:solidFill>
-                  <a:srgbClr val="0000FF"/>
-                </a:solidFill>
-                <a:latin typeface="Consolas"/>
-              </a:rPr>
-              <a:t>&lt;/</a:t>
-            </a:r>
-            <a:r>
-              <a:rPr lang="en-US" sz="1400" dirty="0">
-                <a:solidFill>
-                  <a:srgbClr val="800000"/>
-                </a:solidFill>
-                <a:latin typeface="Consolas"/>
-              </a:rPr>
-              <a:t>body</a:t>
-            </a:r>
-            <a:r>
-              <a:rPr lang="en-US" sz="1400" dirty="0">
-                <a:solidFill>
-                  <a:srgbClr val="0000FF"/>
-                </a:solidFill>
-                <a:latin typeface="Consolas"/>
-              </a:rPr>
-              <a:t>&gt;</a:t>
-            </a:r>
-            <a:endParaRPr lang="en-US" sz="1400" dirty="0">
-              <a:solidFill>
-                <a:prstClr val="black"/>
-              </a:solidFill>
-              <a:latin typeface="Consolas"/>
-            </a:endParaRPr>
-          </a:p>
-          <a:p>
-            <a:r>
-              <a:rPr lang="en-US" sz="1400" dirty="0">
-                <a:solidFill>
-                  <a:srgbClr val="0000FF"/>
-                </a:solidFill>
-                <a:latin typeface="Consolas"/>
-              </a:rPr>
-              <a:t>&lt;/</a:t>
-            </a:r>
-            <a:r>
-              <a:rPr lang="en-US" sz="1400" dirty="0">
-                <a:solidFill>
-                  <a:srgbClr val="800000"/>
-                </a:solidFill>
-                <a:latin typeface="Consolas"/>
-              </a:rPr>
-              <a:t>html</a:t>
-            </a:r>
-            <a:r>
-              <a:rPr lang="en-US" sz="1400" dirty="0">
-                <a:solidFill>
-                  <a:srgbClr val="0000FF"/>
-                </a:solidFill>
-                <a:latin typeface="Consolas"/>
-              </a:rPr>
-              <a:t>&gt;</a:t>
-            </a:r>
-          </a:p>
-        </p:txBody>
-      </p:sp>
-      <p:sp>
-        <p:nvSpPr>
-          <p:cNvPr id="13" name="TextBox 12"/>
-          <p:cNvSpPr txBox="1"/>
-          <p:nvPr/>
-        </p:nvSpPr>
-        <p:spPr>
-          <a:xfrm>
-            <a:off x="6312024" y="868070"/>
-            <a:ext cx="1332148" cy="369332"/>
-          </a:xfrm>
-          <a:prstGeom prst="rect">
-            <a:avLst/>
-          </a:prstGeom>
-        </p:spPr>
-        <p:style>
-          <a:lnRef idx="1">
-            <a:schemeClr val="accent2"/>
-          </a:lnRef>
-          <a:fillRef idx="2">
-            <a:schemeClr val="accent2"/>
-          </a:fillRef>
-          <a:effectRef idx="1">
-            <a:schemeClr val="accent2"/>
-          </a:effectRef>
-          <a:fontRef idx="minor">
-            <a:schemeClr val="dk1"/>
-          </a:fontRef>
-        </p:style>
-        <p:txBody>
-          <a:bodyPr wrap="square" rtlCol="0">
-            <a:spAutoFit/>
-          </a:bodyPr>
-          <a:lstStyle/>
-          <a:p>
-            <a:r>
-              <a:rPr lang="en-US" dirty="0"/>
-              <a:t>Index.html</a:t>
-            </a:r>
-            <a:endParaRPr lang="en-US" dirty="0"/>
-          </a:p>
-        </p:txBody>
-      </p:sp>
-      <p:grpSp>
-        <p:nvGrpSpPr>
-          <p:cNvPr id="15" name="Group 14"/>
-          <p:cNvGrpSpPr/>
-          <p:nvPr/>
-        </p:nvGrpSpPr>
-        <p:grpSpPr>
-          <a:xfrm>
-            <a:off x="5303912" y="2204865"/>
-            <a:ext cx="4752528" cy="3072537"/>
-            <a:chOff x="3779912" y="2204864"/>
-            <a:chExt cx="4752528" cy="3072537"/>
-          </a:xfrm>
-        </p:grpSpPr>
-        <p:grpSp>
-          <p:nvGrpSpPr>
-            <p:cNvPr id="12" name="Group 11"/>
-            <p:cNvGrpSpPr/>
-            <p:nvPr/>
-          </p:nvGrpSpPr>
-          <p:grpSpPr>
-            <a:xfrm>
-              <a:off x="3779912" y="2204864"/>
-              <a:ext cx="4752528" cy="3072537"/>
-              <a:chOff x="3779912" y="2204864"/>
-              <a:chExt cx="4752528" cy="3072537"/>
-            </a:xfrm>
-          </p:grpSpPr>
-          <p:sp>
-            <p:nvSpPr>
-              <p:cNvPr id="9" name="Rectangle 8"/>
-              <p:cNvSpPr/>
-              <p:nvPr/>
-            </p:nvSpPr>
-            <p:spPr>
-              <a:xfrm>
-                <a:off x="4860032" y="4077072"/>
-                <a:ext cx="3672408" cy="1200329"/>
-              </a:xfrm>
-              <a:prstGeom prst="rect">
-                <a:avLst/>
-              </a:prstGeom>
-            </p:spPr>
-            <p:style>
-              <a:lnRef idx="1">
-                <a:schemeClr val="accent5"/>
-              </a:lnRef>
-              <a:fillRef idx="2">
-                <a:schemeClr val="accent5"/>
-              </a:fillRef>
-              <a:effectRef idx="1">
-                <a:schemeClr val="accent5"/>
-              </a:effectRef>
-              <a:fontRef idx="minor">
-                <a:schemeClr val="dk1"/>
-              </a:fontRef>
-            </p:style>
-            <p:txBody>
-              <a:bodyPr wrap="square">
-                <a:spAutoFit/>
-              </a:bodyPr>
-              <a:lstStyle/>
-              <a:p>
-                <a:r>
-                  <a:rPr lang="en-US" u="sng" dirty="0" err="1">
-                    <a:solidFill>
-                      <a:srgbClr val="0000FF"/>
-                    </a:solidFill>
-                    <a:latin typeface="Consolas"/>
-                  </a:rPr>
-                  <a:t>var</a:t>
-                </a:r>
-                <a:r>
-                  <a:rPr lang="en-US" u="sng" dirty="0">
-                    <a:solidFill>
-                      <a:prstClr val="black"/>
-                    </a:solidFill>
-                    <a:latin typeface="Consolas"/>
-                  </a:rPr>
-                  <a:t> </a:t>
-                </a:r>
-                <a:r>
-                  <a:rPr lang="en-US" u="sng" dirty="0" err="1">
-                    <a:solidFill>
-                      <a:prstClr val="black"/>
-                    </a:solidFill>
-                    <a:latin typeface="Consolas"/>
-                  </a:rPr>
-                  <a:t>gloabalVar</a:t>
-                </a:r>
-                <a:r>
-                  <a:rPr lang="en-US" u="sng" dirty="0">
-                    <a:solidFill>
-                      <a:prstClr val="black"/>
-                    </a:solidFill>
-                    <a:latin typeface="Consolas"/>
-                  </a:rPr>
-                  <a:t> = 5;</a:t>
-                </a:r>
-              </a:p>
-              <a:p>
-                <a:r>
-                  <a:rPr lang="en-US" u="sng" dirty="0">
-                    <a:solidFill>
-                      <a:srgbClr val="0000FF"/>
-                    </a:solidFill>
-                    <a:latin typeface="Consolas"/>
-                  </a:rPr>
-                  <a:t>function</a:t>
-                </a:r>
-                <a:r>
-                  <a:rPr lang="en-US" u="sng" dirty="0">
-                    <a:solidFill>
-                      <a:prstClr val="black"/>
-                    </a:solidFill>
-                    <a:latin typeface="Consolas"/>
-                  </a:rPr>
-                  <a:t> square</a:t>
-                </a:r>
-                <a:r>
-                  <a:rPr lang="en-US" dirty="0">
-                    <a:solidFill>
-                      <a:prstClr val="black"/>
-                    </a:solidFill>
-                    <a:latin typeface="Consolas"/>
-                  </a:rPr>
-                  <a:t>(x) {</a:t>
-                </a:r>
-              </a:p>
-              <a:p>
-                <a:r>
-                  <a:rPr lang="en-US" dirty="0">
-                    <a:solidFill>
-                      <a:srgbClr val="0000FF"/>
-                    </a:solidFill>
-                    <a:latin typeface="Consolas"/>
-                  </a:rPr>
-                  <a:t>	return</a:t>
-                </a:r>
-                <a:r>
-                  <a:rPr lang="en-US" dirty="0">
-                    <a:solidFill>
-                      <a:prstClr val="black"/>
-                    </a:solidFill>
-                    <a:latin typeface="Consolas"/>
-                  </a:rPr>
-                  <a:t> </a:t>
-                </a:r>
-                <a:r>
-                  <a:rPr lang="en-US" dirty="0">
-                    <a:solidFill>
-                      <a:prstClr val="black"/>
-                    </a:solidFill>
-                    <a:latin typeface="Consolas"/>
-                  </a:rPr>
-                  <a:t>x * x;</a:t>
-                </a:r>
-              </a:p>
-              <a:p>
-                <a:r>
-                  <a:rPr lang="en-US" dirty="0">
-                    <a:solidFill>
-                      <a:prstClr val="black"/>
-                    </a:solidFill>
-                    <a:latin typeface="Consolas"/>
-                  </a:rPr>
-                  <a:t>}</a:t>
-                </a:r>
-              </a:p>
-            </p:txBody>
-          </p:sp>
-          <p:cxnSp>
-            <p:nvCxnSpPr>
-              <p:cNvPr id="11" name="Straight Arrow Connector 10"/>
-              <p:cNvCxnSpPr/>
-              <p:nvPr/>
-            </p:nvCxnSpPr>
-            <p:spPr>
-              <a:xfrm>
-                <a:off x="3779912" y="2204864"/>
-                <a:ext cx="1656184" cy="1944216"/>
-              </a:xfrm>
-              <a:prstGeom prst="straightConnector1">
-                <a:avLst/>
-              </a:prstGeom>
-              <a:ln w="28575">
-                <a:tailEnd type="arrow"/>
-              </a:ln>
-            </p:spPr>
-            <p:style>
-              <a:lnRef idx="1">
-                <a:schemeClr val="accent1"/>
-              </a:lnRef>
-              <a:fillRef idx="0">
-                <a:schemeClr val="accent1"/>
-              </a:fillRef>
-              <a:effectRef idx="0">
-                <a:schemeClr val="accent1"/>
-              </a:effectRef>
-              <a:fontRef idx="minor">
-                <a:schemeClr val="tx1"/>
-              </a:fontRef>
-            </p:style>
-          </p:cxnSp>
-        </p:grpSp>
-        <p:sp>
-          <p:nvSpPr>
-            <p:cNvPr id="14" name="TextBox 13"/>
-            <p:cNvSpPr txBox="1"/>
-            <p:nvPr/>
-          </p:nvSpPr>
-          <p:spPr>
-            <a:xfrm>
-              <a:off x="7380312" y="3779748"/>
-              <a:ext cx="1008112" cy="369332"/>
-            </a:xfrm>
-            <a:prstGeom prst="rect">
-              <a:avLst/>
-            </a:prstGeom>
-          </p:spPr>
-          <p:style>
-            <a:lnRef idx="1">
-              <a:schemeClr val="accent2"/>
-            </a:lnRef>
-            <a:fillRef idx="2">
-              <a:schemeClr val="accent2"/>
-            </a:fillRef>
-            <a:effectRef idx="1">
-              <a:schemeClr val="accent2"/>
-            </a:effectRef>
-            <a:fontRef idx="minor">
-              <a:schemeClr val="dk1"/>
-            </a:fontRef>
-          </p:style>
-          <p:txBody>
-            <a:bodyPr wrap="square" rtlCol="0">
-              <a:spAutoFit/>
-            </a:bodyPr>
-            <a:lstStyle/>
-            <a:p>
-              <a:r>
-                <a:rPr lang="en-US" dirty="0"/>
-                <a:t>script.js</a:t>
-              </a:r>
-              <a:endParaRPr lang="en-US" dirty="0"/>
-            </a:p>
-          </p:txBody>
-        </p:sp>
-      </p:grpSp>
-    </p:spTree>
-    <p:extLst>
-      <p:ext uri="{BB962C8B-B14F-4D97-AF65-F5344CB8AC3E}">
-        <p14:creationId xmlns:p14="http://schemas.microsoft.com/office/powerpoint/2010/main" val="4281616118"/>
-      </p:ext>
-    </p:extLst>
-  </p:cSld>
-  <p:clrMapOvr>
-    <a:masterClrMapping/>
-  </p:clrMapOvr>
-  <p:transition/>
-  <p:timing>
-    <p:tnLst>
-      <p:par>
-        <p:cTn id="1" dur="indefinite" restart="never" nodeType="tmRoot"/>
-      </p:par>
-    </p:tnLst>
-  </p:timing>
-</p:sld>
-</file>
-
-<file path=ppt/slides/slide11.xml><?xml version="1.0" encoding="utf-8"?>
-<p:sld xmlns:a="http://schemas.openxmlformats.org/drawingml/2006/main" xmlns:r="http://schemas.openxmlformats.org/officeDocument/2006/relationships" xmlns:p="http://schemas.openxmlformats.org/presentationml/2006/main">
-  <p:cSld>
-    <p:spTree>
-      <p:nvGrpSpPr>
-        <p:cNvPr id="1" name=""/>
-        <p:cNvGrpSpPr/>
-        <p:nvPr/>
-      </p:nvGrpSpPr>
-      <p:grpSpPr>
-        <a:xfrm>
-          <a:off x="0" y="0"/>
-          <a:ext cx="0" cy="0"/>
-          <a:chOff x="0" y="0"/>
-          <a:chExt cx="0" cy="0"/>
-        </a:xfrm>
-      </p:grpSpPr>
-      <p:sp>
-        <p:nvSpPr>
-          <p:cNvPr id="2" name="Заголовок 1"/>
-          <p:cNvSpPr>
-            <a:spLocks noGrp="1"/>
-          </p:cNvSpPr>
-          <p:nvPr>
-            <p:ph type="ctrTitle"/>
-          </p:nvPr>
-        </p:nvSpPr>
-        <p:spPr>
-          <a:xfrm>
-            <a:off x="2166910" y="142852"/>
-            <a:ext cx="7772400" cy="528640"/>
-          </a:xfrm>
-        </p:spPr>
-        <p:txBody>
-          <a:bodyPr>
-            <a:normAutofit fontScale="90000"/>
-          </a:bodyPr>
-          <a:lstStyle/>
-          <a:p>
-            <a:r>
               <a:rPr lang="en-US" b="1" dirty="0" smtClean="0">
                 <a:ea typeface="ＭＳ Ｐゴシック" pitchFamily="34" charset="-128"/>
               </a:rPr>
@@ -5912,7 +4657,6 @@
               <a:rPr lang="en-US" sz="4000" b="1" dirty="0"/>
               <a:t>Global variables are evil</a:t>
             </a:r>
-            <a:endParaRPr lang="en-US" sz="4000" b="1" dirty="0"/>
           </a:p>
         </p:txBody>
       </p:sp>
@@ -6085,7 +4829,6 @@
               <a:rPr lang="en-US" sz="2400" b="1" dirty="0"/>
               <a:t>();</a:t>
             </a:r>
-            <a:endParaRPr lang="en-US" sz="2400" b="1" dirty="0"/>
           </a:p>
         </p:txBody>
       </p:sp>
@@ -6181,7 +4924,7 @@
 </p:sld>
 </file>
 
-<file path=ppt/slides/slide12.xml><?xml version="1.0" encoding="utf-8"?>
+<file path=ppt/slides/slide11.xml><?xml version="1.0" encoding="utf-8"?>
 <p:sld xmlns:a="http://schemas.openxmlformats.org/drawingml/2006/main" xmlns:r="http://schemas.openxmlformats.org/officeDocument/2006/relationships" xmlns:p="http://schemas.openxmlformats.org/presentationml/2006/main">
   <p:cSld>
     <p:spTree>
@@ -6314,16 +5057,7 @@
                 </a:solidFill>
                 <a:latin typeface="Consolas"/>
               </a:rPr>
-              <a:t> </a:t>
-            </a:r>
-            <a:r>
-              <a:rPr lang="en-US" dirty="0">
-                <a:solidFill>
-                  <a:prstClr val="black"/>
-                </a:solidFill>
-                <a:latin typeface="Consolas"/>
-              </a:rPr>
-              <a:t>sum(x, y) {</a:t>
+              <a:t> sum(x, y) {</a:t>
             </a:r>
           </a:p>
           <a:p>
@@ -6628,6 +5362,334 @@
     <p:extLst>
       <p:ext uri="{BB962C8B-B14F-4D97-AF65-F5344CB8AC3E}">
         <p14:creationId xmlns:p14="http://schemas.microsoft.com/office/powerpoint/2010/main" val="1930469115"/>
+      </p:ext>
+    </p:extLst>
+  </p:cSld>
+  <p:clrMapOvr>
+    <a:masterClrMapping/>
+  </p:clrMapOvr>
+  <p:transition/>
+  <p:timing>
+    <p:tnLst>
+      <p:par>
+        <p:cTn id="1" dur="indefinite" restart="never" nodeType="tmRoot"/>
+      </p:par>
+    </p:tnLst>
+  </p:timing>
+</p:sld>
+</file>
+
+<file path=ppt/slides/slide12.xml><?xml version="1.0" encoding="utf-8"?>
+<p:sld xmlns:a="http://schemas.openxmlformats.org/drawingml/2006/main" xmlns:r="http://schemas.openxmlformats.org/officeDocument/2006/relationships" xmlns:p="http://schemas.openxmlformats.org/presentationml/2006/main">
+  <p:cSld>
+    <p:spTree>
+      <p:nvGrpSpPr>
+        <p:cNvPr id="1" name=""/>
+        <p:cNvGrpSpPr/>
+        <p:nvPr/>
+      </p:nvGrpSpPr>
+      <p:grpSpPr>
+        <a:xfrm>
+          <a:off x="0" y="0"/>
+          <a:ext cx="0" cy="0"/>
+          <a:chOff x="0" y="0"/>
+          <a:chExt cx="0" cy="0"/>
+        </a:xfrm>
+      </p:grpSpPr>
+      <p:sp>
+        <p:nvSpPr>
+          <p:cNvPr id="2" name="Заголовок 1"/>
+          <p:cNvSpPr>
+            <a:spLocks noGrp="1"/>
+          </p:cNvSpPr>
+          <p:nvPr>
+            <p:ph type="ctrTitle"/>
+          </p:nvPr>
+        </p:nvSpPr>
+        <p:spPr>
+          <a:xfrm>
+            <a:off x="2166910" y="142852"/>
+            <a:ext cx="7772400" cy="528640"/>
+          </a:xfrm>
+        </p:spPr>
+        <p:txBody>
+          <a:bodyPr>
+            <a:normAutofit fontScale="90000"/>
+          </a:bodyPr>
+          <a:lstStyle/>
+          <a:p>
+            <a:r>
+              <a:rPr lang="en-US" b="1" dirty="0" smtClean="0">
+                <a:solidFill>
+                  <a:schemeClr val="tx1">
+                    <a:lumMod val="65000"/>
+                    <a:lumOff val="35000"/>
+                  </a:schemeClr>
+                </a:solidFill>
+              </a:rPr>
+              <a:t>Namespaces</a:t>
+            </a:r>
+            <a:endParaRPr lang="en-US" b="1" dirty="0">
+              <a:solidFill>
+                <a:schemeClr val="tx1">
+                  <a:lumMod val="65000"/>
+                  <a:lumOff val="35000"/>
+                </a:schemeClr>
+              </a:solidFill>
+            </a:endParaRPr>
+          </a:p>
+        </p:txBody>
+      </p:sp>
+      <p:sp>
+        <p:nvSpPr>
+          <p:cNvPr id="5" name="Заголовок 1"/>
+          <p:cNvSpPr txBox="1">
+            <a:spLocks/>
+          </p:cNvSpPr>
+          <p:nvPr/>
+        </p:nvSpPr>
+        <p:spPr>
+          <a:xfrm>
+            <a:off x="2095472" y="1285860"/>
+            <a:ext cx="7772400" cy="3786214"/>
+          </a:xfrm>
+          <a:prstGeom prst="rect">
+            <a:avLst/>
+          </a:prstGeom>
+        </p:spPr>
+        <p:txBody>
+          <a:bodyPr vert="horz" lIns="91440" tIns="45720" rIns="91440" bIns="45720" rtlCol="0" anchor="ctr">
+            <a:normAutofit/>
+          </a:bodyPr>
+          <a:lstStyle/>
+          <a:p>
+            <a:pPr>
+              <a:spcBef>
+                <a:spcPct val="0"/>
+              </a:spcBef>
+            </a:pPr>
+            <a:endParaRPr lang="be-BY"/>
+          </a:p>
+          <a:p>
+            <a:pPr>
+              <a:spcBef>
+                <a:spcPct val="0"/>
+              </a:spcBef>
+              <a:defRPr/>
+            </a:pPr>
+            <a:endParaRPr lang="be-BY" sz="4400" dirty="0">
+              <a:latin typeface="+mj-lt"/>
+              <a:ea typeface="+mj-ea"/>
+              <a:cs typeface="+mj-cs"/>
+            </a:endParaRPr>
+          </a:p>
+        </p:txBody>
+      </p:sp>
+      <p:sp>
+        <p:nvSpPr>
+          <p:cNvPr id="10" name="Rectangle 9"/>
+          <p:cNvSpPr/>
+          <p:nvPr/>
+        </p:nvSpPr>
+        <p:spPr>
+          <a:xfrm>
+            <a:off x="1952596" y="1000109"/>
+            <a:ext cx="8501122" cy="2246769"/>
+          </a:xfrm>
+          <a:prstGeom prst="rect">
+            <a:avLst/>
+          </a:prstGeom>
+        </p:spPr>
+        <p:style>
+          <a:lnRef idx="1">
+            <a:schemeClr val="dk1"/>
+          </a:lnRef>
+          <a:fillRef idx="1001">
+            <a:schemeClr val="lt2"/>
+          </a:fillRef>
+          <a:effectRef idx="1">
+            <a:schemeClr val="dk1"/>
+          </a:effectRef>
+          <a:fontRef idx="minor">
+            <a:schemeClr val="dk1"/>
+          </a:fontRef>
+        </p:style>
+        <p:txBody>
+          <a:bodyPr wrap="square">
+            <a:spAutoFit/>
+          </a:bodyPr>
+          <a:lstStyle/>
+          <a:p>
+            <a:r>
+              <a:rPr lang="en-US" sz="2000" b="1" dirty="0"/>
+              <a:t>if (</a:t>
+            </a:r>
+            <a:r>
+              <a:rPr lang="en-US" sz="2000" b="1" dirty="0" err="1">
+                <a:solidFill>
+                  <a:srgbClr val="0070C0"/>
+                </a:solidFill>
+              </a:rPr>
+              <a:t>window</a:t>
+            </a:r>
+            <a:r>
+              <a:rPr lang="en-US" sz="2000" b="1" dirty="0" err="1"/>
+              <a:t>.</a:t>
+            </a:r>
+            <a:r>
+              <a:rPr lang="en-US" sz="2000" b="1" dirty="0" err="1">
+                <a:solidFill>
+                  <a:schemeClr val="accent6">
+                    <a:lumMod val="75000"/>
+                  </a:schemeClr>
+                </a:solidFill>
+              </a:rPr>
+              <a:t>myNamespace</a:t>
+            </a:r>
+            <a:r>
+              <a:rPr lang="en-US" sz="2000" b="1" dirty="0"/>
+              <a:t> == </a:t>
+            </a:r>
+            <a:r>
+              <a:rPr lang="en-US" sz="2000" b="1" dirty="0">
+                <a:solidFill>
+                  <a:srgbClr val="00B050"/>
+                </a:solidFill>
+              </a:rPr>
+              <a:t>null</a:t>
+            </a:r>
+            <a:r>
+              <a:rPr lang="en-US" sz="2000" b="1" dirty="0"/>
+              <a:t>){</a:t>
+            </a:r>
+          </a:p>
+          <a:p>
+            <a:r>
+              <a:rPr lang="en-US" sz="2000" b="1" dirty="0"/>
+              <a:t>	</a:t>
+            </a:r>
+            <a:r>
+              <a:rPr lang="en-US" sz="2000" b="1" dirty="0" err="1">
+                <a:solidFill>
+                  <a:srgbClr val="0070C0"/>
+                </a:solidFill>
+              </a:rPr>
+              <a:t>window</a:t>
+            </a:r>
+            <a:r>
+              <a:rPr lang="en-US" sz="2000" b="1" dirty="0" err="1"/>
+              <a:t>.</a:t>
+            </a:r>
+            <a:r>
+              <a:rPr lang="en-US" sz="2000" b="1" dirty="0" err="1">
+                <a:solidFill>
+                  <a:schemeClr val="accent6">
+                    <a:lumMod val="75000"/>
+                  </a:schemeClr>
+                </a:solidFill>
+              </a:rPr>
+              <a:t>myNamespace</a:t>
+            </a:r>
+            <a:r>
+              <a:rPr lang="en-US" sz="2000" b="1" dirty="0"/>
+              <a:t> = {}; 	</a:t>
+            </a:r>
+          </a:p>
+          <a:p>
+            <a:r>
+              <a:rPr lang="en-US" sz="2000" b="1" dirty="0"/>
+              <a:t>}</a:t>
+            </a:r>
+          </a:p>
+          <a:p>
+            <a:endParaRPr lang="en-US" sz="2000" b="1" dirty="0"/>
+          </a:p>
+          <a:p>
+            <a:r>
+              <a:rPr lang="en-US" sz="2000" b="1" dirty="0" err="1">
+                <a:solidFill>
+                  <a:srgbClr val="0070C0"/>
+                </a:solidFill>
+              </a:rPr>
+              <a:t>window</a:t>
+            </a:r>
+            <a:r>
+              <a:rPr lang="en-US" sz="2000" b="1" dirty="0" err="1"/>
+              <a:t>.</a:t>
+            </a:r>
+            <a:r>
+              <a:rPr lang="en-US" sz="2000" b="1" dirty="0" err="1">
+                <a:solidFill>
+                  <a:schemeClr val="accent6">
+                    <a:lumMod val="75000"/>
+                  </a:schemeClr>
+                </a:solidFill>
+              </a:rPr>
+              <a:t>myNamespace</a:t>
+            </a:r>
+            <a:r>
+              <a:rPr lang="en-US" sz="2000" b="1" dirty="0" err="1"/>
+              <a:t>.</a:t>
+            </a:r>
+            <a:r>
+              <a:rPr lang="en-US" sz="2000" b="1" dirty="0" err="1">
+                <a:solidFill>
+                  <a:srgbClr val="0070C0"/>
+                </a:solidFill>
+              </a:rPr>
+              <a:t>myFunction</a:t>
+            </a:r>
+            <a:r>
+              <a:rPr lang="en-US" sz="2000" b="1" dirty="0">
+                <a:solidFill>
+                  <a:srgbClr val="0070C0"/>
+                </a:solidFill>
+              </a:rPr>
+              <a:t> </a:t>
+            </a:r>
+            <a:r>
+              <a:rPr lang="en-US" sz="2000" b="1" dirty="0"/>
+              <a:t>= function(</a:t>
+            </a:r>
+            <a:r>
+              <a:rPr lang="en-US" sz="2000" dirty="0"/>
+              <a:t>/* </a:t>
+            </a:r>
+            <a:r>
+              <a:rPr lang="en-US" sz="2000" dirty="0" err="1"/>
+              <a:t>params</a:t>
+            </a:r>
+            <a:r>
+              <a:rPr lang="en-US" sz="2000" dirty="0"/>
+              <a:t>*/ </a:t>
+            </a:r>
+            <a:r>
+              <a:rPr lang="en-US" sz="2000" b="1" dirty="0"/>
+              <a:t>) {</a:t>
+            </a:r>
+          </a:p>
+          <a:p>
+            <a:r>
+              <a:rPr lang="en-US" sz="2000" b="1" dirty="0"/>
+              <a:t>	</a:t>
+            </a:r>
+            <a:r>
+              <a:rPr lang="en-US" sz="2000" dirty="0"/>
+              <a:t>/* code here */ </a:t>
+            </a:r>
+          </a:p>
+          <a:p>
+            <a:r>
+              <a:rPr lang="en-US" sz="2000" b="1" dirty="0"/>
+              <a:t>};</a:t>
+            </a:r>
+          </a:p>
+        </p:txBody>
+      </p:sp>
+    </p:spTree>
+    <p:extLst>
+      <p:ext uri="{BB962C8B-B14F-4D97-AF65-F5344CB8AC3E}">
+        <p14:creationId xmlns:p14="http://schemas.microsoft.com/office/powerpoint/2010/main" val="2425811878"/>
       </p:ext>
     </p:extLst>
   </p:cSld>
@@ -6685,334 +5747,6 @@
           <a:lstStyle/>
           <a:p>
             <a:r>
-              <a:rPr lang="en-US" b="1" dirty="0" smtClean="0">
-                <a:solidFill>
-                  <a:schemeClr val="tx1">
-                    <a:lumMod val="65000"/>
-                    <a:lumOff val="35000"/>
-                  </a:schemeClr>
-                </a:solidFill>
-              </a:rPr>
-              <a:t>Namespaces</a:t>
-            </a:r>
-            <a:endParaRPr lang="en-US" b="1" dirty="0">
-              <a:solidFill>
-                <a:schemeClr val="tx1">
-                  <a:lumMod val="65000"/>
-                  <a:lumOff val="35000"/>
-                </a:schemeClr>
-              </a:solidFill>
-            </a:endParaRPr>
-          </a:p>
-        </p:txBody>
-      </p:sp>
-      <p:sp>
-        <p:nvSpPr>
-          <p:cNvPr id="5" name="Заголовок 1"/>
-          <p:cNvSpPr txBox="1">
-            <a:spLocks/>
-          </p:cNvSpPr>
-          <p:nvPr/>
-        </p:nvSpPr>
-        <p:spPr>
-          <a:xfrm>
-            <a:off x="2095472" y="1285860"/>
-            <a:ext cx="7772400" cy="3786214"/>
-          </a:xfrm>
-          <a:prstGeom prst="rect">
-            <a:avLst/>
-          </a:prstGeom>
-        </p:spPr>
-        <p:txBody>
-          <a:bodyPr vert="horz" lIns="91440" tIns="45720" rIns="91440" bIns="45720" rtlCol="0" anchor="ctr">
-            <a:normAutofit/>
-          </a:bodyPr>
-          <a:lstStyle/>
-          <a:p>
-            <a:pPr>
-              <a:spcBef>
-                <a:spcPct val="0"/>
-              </a:spcBef>
-            </a:pPr>
-            <a:endParaRPr lang="be-BY"/>
-          </a:p>
-          <a:p>
-            <a:pPr>
-              <a:spcBef>
-                <a:spcPct val="0"/>
-              </a:spcBef>
-              <a:defRPr/>
-            </a:pPr>
-            <a:endParaRPr lang="be-BY" sz="4400" dirty="0">
-              <a:latin typeface="+mj-lt"/>
-              <a:ea typeface="+mj-ea"/>
-              <a:cs typeface="+mj-cs"/>
-            </a:endParaRPr>
-          </a:p>
-        </p:txBody>
-      </p:sp>
-      <p:sp>
-        <p:nvSpPr>
-          <p:cNvPr id="10" name="Rectangle 9"/>
-          <p:cNvSpPr/>
-          <p:nvPr/>
-        </p:nvSpPr>
-        <p:spPr>
-          <a:xfrm>
-            <a:off x="1952596" y="1000109"/>
-            <a:ext cx="8501122" cy="2246769"/>
-          </a:xfrm>
-          <a:prstGeom prst="rect">
-            <a:avLst/>
-          </a:prstGeom>
-        </p:spPr>
-        <p:style>
-          <a:lnRef idx="1">
-            <a:schemeClr val="dk1"/>
-          </a:lnRef>
-          <a:fillRef idx="1001">
-            <a:schemeClr val="lt2"/>
-          </a:fillRef>
-          <a:effectRef idx="1">
-            <a:schemeClr val="dk1"/>
-          </a:effectRef>
-          <a:fontRef idx="minor">
-            <a:schemeClr val="dk1"/>
-          </a:fontRef>
-        </p:style>
-        <p:txBody>
-          <a:bodyPr wrap="square">
-            <a:spAutoFit/>
-          </a:bodyPr>
-          <a:lstStyle/>
-          <a:p>
-            <a:r>
-              <a:rPr lang="en-US" sz="2000" b="1" dirty="0"/>
-              <a:t>if (</a:t>
-            </a:r>
-            <a:r>
-              <a:rPr lang="en-US" sz="2000" b="1" dirty="0" err="1">
-                <a:solidFill>
-                  <a:srgbClr val="0070C0"/>
-                </a:solidFill>
-              </a:rPr>
-              <a:t>window</a:t>
-            </a:r>
-            <a:r>
-              <a:rPr lang="en-US" sz="2000" b="1" dirty="0" err="1"/>
-              <a:t>.</a:t>
-            </a:r>
-            <a:r>
-              <a:rPr lang="en-US" sz="2000" b="1" dirty="0" err="1">
-                <a:solidFill>
-                  <a:schemeClr val="accent6">
-                    <a:lumMod val="75000"/>
-                  </a:schemeClr>
-                </a:solidFill>
-              </a:rPr>
-              <a:t>myNamespace</a:t>
-            </a:r>
-            <a:r>
-              <a:rPr lang="en-US" sz="2000" b="1" dirty="0"/>
-              <a:t> == </a:t>
-            </a:r>
-            <a:r>
-              <a:rPr lang="en-US" sz="2000" b="1" dirty="0">
-                <a:solidFill>
-                  <a:srgbClr val="00B050"/>
-                </a:solidFill>
-              </a:rPr>
-              <a:t>null</a:t>
-            </a:r>
-            <a:r>
-              <a:rPr lang="en-US" sz="2000" b="1" dirty="0"/>
-              <a:t>){</a:t>
-            </a:r>
-          </a:p>
-          <a:p>
-            <a:r>
-              <a:rPr lang="en-US" sz="2000" b="1" dirty="0"/>
-              <a:t>	</a:t>
-            </a:r>
-            <a:r>
-              <a:rPr lang="en-US" sz="2000" b="1" dirty="0" err="1">
-                <a:solidFill>
-                  <a:srgbClr val="0070C0"/>
-                </a:solidFill>
-              </a:rPr>
-              <a:t>window</a:t>
-            </a:r>
-            <a:r>
-              <a:rPr lang="en-US" sz="2000" b="1" dirty="0" err="1"/>
-              <a:t>.</a:t>
-            </a:r>
-            <a:r>
-              <a:rPr lang="en-US" sz="2000" b="1" dirty="0" err="1">
-                <a:solidFill>
-                  <a:schemeClr val="accent6">
-                    <a:lumMod val="75000"/>
-                  </a:schemeClr>
-                </a:solidFill>
-              </a:rPr>
-              <a:t>myNamespace</a:t>
-            </a:r>
-            <a:r>
-              <a:rPr lang="en-US" sz="2000" b="1" dirty="0"/>
-              <a:t> = {}; 	</a:t>
-            </a:r>
-          </a:p>
-          <a:p>
-            <a:r>
-              <a:rPr lang="en-US" sz="2000" b="1" dirty="0"/>
-              <a:t>}</a:t>
-            </a:r>
-          </a:p>
-          <a:p>
-            <a:endParaRPr lang="en-US" sz="2000" b="1" dirty="0"/>
-          </a:p>
-          <a:p>
-            <a:r>
-              <a:rPr lang="en-US" sz="2000" b="1" dirty="0" err="1">
-                <a:solidFill>
-                  <a:srgbClr val="0070C0"/>
-                </a:solidFill>
-              </a:rPr>
-              <a:t>window</a:t>
-            </a:r>
-            <a:r>
-              <a:rPr lang="en-US" sz="2000" b="1" dirty="0" err="1"/>
-              <a:t>.</a:t>
-            </a:r>
-            <a:r>
-              <a:rPr lang="en-US" sz="2000" b="1" dirty="0" err="1">
-                <a:solidFill>
-                  <a:schemeClr val="accent6">
-                    <a:lumMod val="75000"/>
-                  </a:schemeClr>
-                </a:solidFill>
-              </a:rPr>
-              <a:t>myNamespace</a:t>
-            </a:r>
-            <a:r>
-              <a:rPr lang="en-US" sz="2000" b="1" dirty="0" err="1"/>
-              <a:t>.</a:t>
-            </a:r>
-            <a:r>
-              <a:rPr lang="en-US" sz="2000" b="1" dirty="0" err="1">
-                <a:solidFill>
-                  <a:srgbClr val="0070C0"/>
-                </a:solidFill>
-              </a:rPr>
-              <a:t>myFunction</a:t>
-            </a:r>
-            <a:r>
-              <a:rPr lang="en-US" sz="2000" b="1" dirty="0">
-                <a:solidFill>
-                  <a:srgbClr val="0070C0"/>
-                </a:solidFill>
-              </a:rPr>
-              <a:t> </a:t>
-            </a:r>
-            <a:r>
-              <a:rPr lang="en-US" sz="2000" b="1" dirty="0"/>
-              <a:t>= function(</a:t>
-            </a:r>
-            <a:r>
-              <a:rPr lang="en-US" sz="2000" dirty="0"/>
-              <a:t>/* </a:t>
-            </a:r>
-            <a:r>
-              <a:rPr lang="en-US" sz="2000" dirty="0" err="1"/>
-              <a:t>params</a:t>
-            </a:r>
-            <a:r>
-              <a:rPr lang="en-US" sz="2000" dirty="0"/>
-              <a:t>*/ </a:t>
-            </a:r>
-            <a:r>
-              <a:rPr lang="en-US" sz="2000" b="1" dirty="0"/>
-              <a:t>) {</a:t>
-            </a:r>
-          </a:p>
-          <a:p>
-            <a:r>
-              <a:rPr lang="en-US" sz="2000" b="1" dirty="0"/>
-              <a:t>	</a:t>
-            </a:r>
-            <a:r>
-              <a:rPr lang="en-US" sz="2000" dirty="0"/>
-              <a:t>/* code here */ </a:t>
-            </a:r>
-          </a:p>
-          <a:p>
-            <a:r>
-              <a:rPr lang="en-US" sz="2000" b="1" dirty="0"/>
-              <a:t>};</a:t>
-            </a:r>
-          </a:p>
-        </p:txBody>
-      </p:sp>
-    </p:spTree>
-    <p:extLst>
-      <p:ext uri="{BB962C8B-B14F-4D97-AF65-F5344CB8AC3E}">
-        <p14:creationId xmlns:p14="http://schemas.microsoft.com/office/powerpoint/2010/main" val="2425811878"/>
-      </p:ext>
-    </p:extLst>
-  </p:cSld>
-  <p:clrMapOvr>
-    <a:masterClrMapping/>
-  </p:clrMapOvr>
-  <p:transition/>
-  <p:timing>
-    <p:tnLst>
-      <p:par>
-        <p:cTn id="1" dur="indefinite" restart="never" nodeType="tmRoot"/>
-      </p:par>
-    </p:tnLst>
-  </p:timing>
-</p:sld>
-</file>
-
-<file path=ppt/slides/slide14.xml><?xml version="1.0" encoding="utf-8"?>
-<p:sld xmlns:a="http://schemas.openxmlformats.org/drawingml/2006/main" xmlns:r="http://schemas.openxmlformats.org/officeDocument/2006/relationships" xmlns:p="http://schemas.openxmlformats.org/presentationml/2006/main">
-  <p:cSld>
-    <p:spTree>
-      <p:nvGrpSpPr>
-        <p:cNvPr id="1" name=""/>
-        <p:cNvGrpSpPr/>
-        <p:nvPr/>
-      </p:nvGrpSpPr>
-      <p:grpSpPr>
-        <a:xfrm>
-          <a:off x="0" y="0"/>
-          <a:ext cx="0" cy="0"/>
-          <a:chOff x="0" y="0"/>
-          <a:chExt cx="0" cy="0"/>
-        </a:xfrm>
-      </p:grpSpPr>
-      <p:sp>
-        <p:nvSpPr>
-          <p:cNvPr id="2" name="Заголовок 1"/>
-          <p:cNvSpPr>
-            <a:spLocks noGrp="1"/>
-          </p:cNvSpPr>
-          <p:nvPr>
-            <p:ph type="ctrTitle"/>
-          </p:nvPr>
-        </p:nvSpPr>
-        <p:spPr>
-          <a:xfrm>
-            <a:off x="2166910" y="142852"/>
-            <a:ext cx="7772400" cy="528640"/>
-          </a:xfrm>
-        </p:spPr>
-        <p:txBody>
-          <a:bodyPr>
-            <a:normAutofit fontScale="90000"/>
-          </a:bodyPr>
-          <a:lstStyle/>
-          <a:p>
-            <a:r>
               <a:rPr lang="en-US" b="1" dirty="0"/>
               <a:t>Hoisting</a:t>
             </a:r>
@@ -7072,19 +5806,7 @@
                 </a:highlight>
                 <a:latin typeface="Consolas"/>
               </a:rPr>
-              <a:t>foo</a:t>
-            </a:r>
-            <a:r>
-              <a:rPr lang="en-US" dirty="0">
-                <a:solidFill>
-                  <a:srgbClr val="000000"/>
-                </a:solidFill>
-                <a:highlight>
-                  <a:srgbClr val="FFFFFF"/>
-                </a:highlight>
-                <a:latin typeface="Consolas"/>
-              </a:rPr>
-              <a:t>(); </a:t>
+              <a:t>foo(); </a:t>
             </a:r>
             <a:r>
               <a:rPr lang="en-US" dirty="0">
@@ -7142,19 +5864,7 @@
                 </a:highlight>
                 <a:latin typeface="Consolas"/>
               </a:rPr>
-              <a:t> </a:t>
-            </a:r>
-            <a:r>
-              <a:rPr lang="en-US" dirty="0">
-                <a:solidFill>
-                  <a:srgbClr val="000000"/>
-                </a:solidFill>
-                <a:highlight>
-                  <a:srgbClr val="FFFFFF"/>
-                </a:highlight>
-                <a:latin typeface="Consolas"/>
-              </a:rPr>
-              <a:t>foo() {</a:t>
+              <a:t> foo() {</a:t>
             </a:r>
           </a:p>
           <a:p>
@@ -7347,19 +6057,7 @@
                 </a:highlight>
                 <a:latin typeface="Consolas"/>
               </a:rPr>
-              <a:t> </a:t>
-            </a:r>
-            <a:r>
-              <a:rPr lang="en-US" dirty="0">
-                <a:solidFill>
-                  <a:srgbClr val="000000"/>
-                </a:solidFill>
-                <a:highlight>
-                  <a:srgbClr val="FFFFFF"/>
-                </a:highlight>
-                <a:latin typeface="Consolas"/>
-              </a:rPr>
-              <a:t>bar;</a:t>
+              <a:t> bar;</a:t>
             </a:r>
           </a:p>
           <a:p>
@@ -7419,6 +6117,660 @@
     <p:extLst>
       <p:ext uri="{BB962C8B-B14F-4D97-AF65-F5344CB8AC3E}">
         <p14:creationId xmlns:p14="http://schemas.microsoft.com/office/powerpoint/2010/main" val="2124712239"/>
+      </p:ext>
+    </p:extLst>
+  </p:cSld>
+  <p:clrMapOvr>
+    <a:masterClrMapping/>
+  </p:clrMapOvr>
+  <p:transition/>
+  <p:timing>
+    <p:tnLst>
+      <p:par>
+        <p:cTn id="1" dur="indefinite" restart="never" nodeType="tmRoot">
+          <p:childTnLst>
+            <p:seq concurrent="1" nextAc="seek">
+              <p:cTn id="2" dur="indefinite" nodeType="mainSeq">
+                <p:childTnLst>
+                  <p:par>
+                    <p:cTn id="3" fill="hold">
+                      <p:stCondLst>
+                        <p:cond delay="indefinite"/>
+                      </p:stCondLst>
+                      <p:childTnLst>
+                        <p:par>
+                          <p:cTn id="4" fill="hold">
+                            <p:stCondLst>
+                              <p:cond delay="0"/>
+                            </p:stCondLst>
+                            <p:childTnLst>
+                              <p:par>
+                                <p:cTn id="5" presetID="1" presetClass="entr" presetSubtype="0" fill="hold" grpId="0" nodeType="clickEffect">
+                                  <p:stCondLst>
+                                    <p:cond delay="0"/>
+                                  </p:stCondLst>
+                                  <p:childTnLst>
+                                    <p:set>
+                                      <p:cBhvr>
+                                        <p:cTn id="6" dur="1" fill="hold">
+                                          <p:stCondLst>
+                                            <p:cond delay="0"/>
+                                          </p:stCondLst>
+                                        </p:cTn>
+                                        <p:tgtEl>
+                                          <p:spTgt spid="5"/>
+                                        </p:tgtEl>
+                                        <p:attrNameLst>
+                                          <p:attrName>style.visibility</p:attrName>
+                                        </p:attrNameLst>
+                                      </p:cBhvr>
+                                      <p:to>
+                                        <p:strVal val="visible"/>
+                                      </p:to>
+                                    </p:set>
+                                  </p:childTnLst>
+                                </p:cTn>
+                              </p:par>
+                            </p:childTnLst>
+                          </p:cTn>
+                        </p:par>
+                      </p:childTnLst>
+                    </p:cTn>
+                  </p:par>
+                </p:childTnLst>
+              </p:cTn>
+              <p:prevCondLst>
+                <p:cond evt="onPrev" delay="0">
+                  <p:tgtEl>
+                    <p:sldTgt/>
+                  </p:tgtEl>
+                </p:cond>
+              </p:prevCondLst>
+              <p:nextCondLst>
+                <p:cond evt="onNext" delay="0">
+                  <p:tgtEl>
+                    <p:sldTgt/>
+                  </p:tgtEl>
+                </p:cond>
+              </p:nextCondLst>
+            </p:seq>
+          </p:childTnLst>
+        </p:cTn>
+      </p:par>
+    </p:tnLst>
+    <p:bldLst>
+      <p:bldP spid="5" grpId="0" animBg="1"/>
+    </p:bldLst>
+  </p:timing>
+</p:sld>
+</file>
+
+<file path=ppt/slides/slide14.xml><?xml version="1.0" encoding="utf-8"?>
+<p:sld xmlns:a="http://schemas.openxmlformats.org/drawingml/2006/main" xmlns:r="http://schemas.openxmlformats.org/officeDocument/2006/relationships" xmlns:p="http://schemas.openxmlformats.org/presentationml/2006/main">
+  <p:cSld>
+    <p:spTree>
+      <p:nvGrpSpPr>
+        <p:cNvPr id="1" name=""/>
+        <p:cNvGrpSpPr/>
+        <p:nvPr/>
+      </p:nvGrpSpPr>
+      <p:grpSpPr>
+        <a:xfrm>
+          <a:off x="0" y="0"/>
+          <a:ext cx="0" cy="0"/>
+          <a:chOff x="0" y="0"/>
+          <a:chExt cx="0" cy="0"/>
+        </a:xfrm>
+      </p:grpSpPr>
+      <p:sp>
+        <p:nvSpPr>
+          <p:cNvPr id="2" name="Заголовок 1"/>
+          <p:cNvSpPr>
+            <a:spLocks noGrp="1"/>
+          </p:cNvSpPr>
+          <p:nvPr>
+            <p:ph type="ctrTitle"/>
+          </p:nvPr>
+        </p:nvSpPr>
+        <p:spPr>
+          <a:xfrm>
+            <a:off x="2166910" y="142852"/>
+            <a:ext cx="7772400" cy="528640"/>
+          </a:xfrm>
+        </p:spPr>
+        <p:txBody>
+          <a:bodyPr>
+            <a:normAutofit fontScale="90000"/>
+          </a:bodyPr>
+          <a:lstStyle/>
+          <a:p>
+            <a:r>
+              <a:rPr lang="en-US" b="1" dirty="0"/>
+              <a:t>Hoisting</a:t>
+            </a:r>
+            <a:endParaRPr lang="en-US" b="1" dirty="0">
+              <a:solidFill>
+                <a:schemeClr val="tx1">
+                  <a:lumMod val="65000"/>
+                  <a:lumOff val="35000"/>
+                </a:schemeClr>
+              </a:solidFill>
+            </a:endParaRPr>
+          </a:p>
+        </p:txBody>
+      </p:sp>
+      <p:sp>
+        <p:nvSpPr>
+          <p:cNvPr id="4" name="Rectangle 3"/>
+          <p:cNvSpPr/>
+          <p:nvPr/>
+        </p:nvSpPr>
+        <p:spPr>
+          <a:xfrm>
+            <a:off x="2042340" y="836713"/>
+            <a:ext cx="8429684" cy="2031325"/>
+          </a:xfrm>
+          <a:prstGeom prst="rect">
+            <a:avLst/>
+          </a:prstGeom>
+        </p:spPr>
+        <p:style>
+          <a:lnRef idx="1">
+            <a:schemeClr val="dk1"/>
+          </a:lnRef>
+          <a:fillRef idx="1001">
+            <a:schemeClr val="lt2"/>
+          </a:fillRef>
+          <a:effectRef idx="1">
+            <a:schemeClr val="dk1"/>
+          </a:effectRef>
+          <a:fontRef idx="minor">
+            <a:schemeClr val="dk1"/>
+          </a:fontRef>
+        </p:style>
+        <p:txBody>
+          <a:bodyPr wrap="square">
+            <a:spAutoFit/>
+          </a:bodyPr>
+          <a:lstStyle/>
+          <a:p>
+            <a:r>
+              <a:rPr lang="en-US" b="1" dirty="0" err="1">
+                <a:solidFill>
+                  <a:srgbClr val="0070C0"/>
+                </a:solidFill>
+              </a:rPr>
+              <a:t>var</a:t>
+            </a:r>
+            <a:r>
+              <a:rPr lang="en-US" b="1" dirty="0"/>
+              <a:t> </a:t>
+            </a:r>
+            <a:r>
+              <a:rPr lang="en-US" b="1" dirty="0">
+                <a:solidFill>
+                  <a:schemeClr val="accent6">
+                    <a:lumMod val="75000"/>
+                  </a:schemeClr>
+                </a:solidFill>
+              </a:rPr>
+              <a:t>scope</a:t>
+            </a:r>
+            <a:r>
+              <a:rPr lang="en-US" b="1" dirty="0"/>
+              <a:t> = </a:t>
+            </a:r>
+            <a:r>
+              <a:rPr lang="en-US" b="1" dirty="0">
+                <a:solidFill>
+                  <a:srgbClr val="00B050"/>
+                </a:solidFill>
+              </a:rPr>
+              <a:t>"global "</a:t>
+            </a:r>
+            <a:r>
+              <a:rPr lang="en-US" b="1" dirty="0"/>
+              <a:t>;</a:t>
+            </a:r>
+            <a:endParaRPr lang="ru-RU" b="1" dirty="0">
+              <a:solidFill>
+                <a:srgbClr val="0070C0"/>
+              </a:solidFill>
+            </a:endParaRPr>
+          </a:p>
+          <a:p>
+            <a:r>
+              <a:rPr lang="en-US" b="1" dirty="0">
+                <a:solidFill>
+                  <a:srgbClr val="0070C0"/>
+                </a:solidFill>
+              </a:rPr>
+              <a:t>function</a:t>
+            </a:r>
+            <a:r>
+              <a:rPr lang="en-US" b="1" dirty="0"/>
+              <a:t> </a:t>
+            </a:r>
+            <a:r>
+              <a:rPr lang="en-US" b="1" dirty="0">
+                <a:solidFill>
+                  <a:schemeClr val="accent6">
+                    <a:lumMod val="75000"/>
+                  </a:schemeClr>
+                </a:solidFill>
+              </a:rPr>
+              <a:t>f</a:t>
+            </a:r>
+            <a:r>
+              <a:rPr lang="en-US" b="1" dirty="0"/>
+              <a:t>( ) { </a:t>
+            </a:r>
+          </a:p>
+          <a:p>
+            <a:r>
+              <a:rPr lang="en-US" b="1" dirty="0"/>
+              <a:t>	</a:t>
+            </a:r>
+            <a:r>
+              <a:rPr lang="en-US" b="1" dirty="0">
+                <a:solidFill>
+                  <a:srgbClr val="0070C0"/>
+                </a:solidFill>
+              </a:rPr>
+              <a:t>alert</a:t>
+            </a:r>
+            <a:r>
+              <a:rPr lang="en-US" b="1" dirty="0"/>
+              <a:t>(</a:t>
+            </a:r>
+            <a:r>
+              <a:rPr lang="en-US" b="1" dirty="0">
+                <a:solidFill>
+                  <a:schemeClr val="accent6">
+                    <a:lumMod val="75000"/>
+                  </a:schemeClr>
+                </a:solidFill>
+              </a:rPr>
+              <a:t>scope</a:t>
+            </a:r>
+            <a:r>
+              <a:rPr lang="en-US" b="1" dirty="0"/>
+              <a:t>);  </a:t>
+            </a:r>
+          </a:p>
+          <a:p>
+            <a:r>
+              <a:rPr lang="en-US" b="1" dirty="0"/>
+              <a:t>	</a:t>
+            </a:r>
+            <a:r>
+              <a:rPr lang="en-US" b="1" dirty="0" err="1">
+                <a:solidFill>
+                  <a:srgbClr val="0070C0"/>
+                </a:solidFill>
+              </a:rPr>
+              <a:t>var</a:t>
+            </a:r>
+            <a:r>
+              <a:rPr lang="en-US" b="1" dirty="0"/>
+              <a:t> </a:t>
+            </a:r>
+            <a:r>
+              <a:rPr lang="en-US" b="1" dirty="0">
+                <a:solidFill>
+                  <a:schemeClr val="accent6">
+                    <a:lumMod val="75000"/>
+                  </a:schemeClr>
+                </a:solidFill>
+              </a:rPr>
+              <a:t>scope</a:t>
+            </a:r>
+            <a:r>
+              <a:rPr lang="en-US" b="1" dirty="0"/>
+              <a:t> = "</a:t>
+            </a:r>
+            <a:r>
+              <a:rPr lang="en-US" b="1" dirty="0">
+                <a:solidFill>
+                  <a:srgbClr val="00B050"/>
+                </a:solidFill>
+              </a:rPr>
+              <a:t>local</a:t>
+            </a:r>
+            <a:r>
+              <a:rPr lang="en-US" b="1" dirty="0"/>
+              <a:t>";</a:t>
+            </a:r>
+            <a:endParaRPr lang="ru-RU" b="1" dirty="0"/>
+          </a:p>
+          <a:p>
+            <a:r>
+              <a:rPr lang="en-US" b="1" dirty="0"/>
+              <a:t>	</a:t>
+            </a:r>
+            <a:r>
+              <a:rPr lang="en-US" b="1" dirty="0">
+                <a:solidFill>
+                  <a:srgbClr val="0070C0"/>
+                </a:solidFill>
+              </a:rPr>
+              <a:t>alert</a:t>
+            </a:r>
+            <a:r>
+              <a:rPr lang="en-US" b="1" dirty="0"/>
+              <a:t>(</a:t>
+            </a:r>
+            <a:r>
+              <a:rPr lang="en-US" b="1" dirty="0">
+                <a:solidFill>
+                  <a:schemeClr val="accent6">
+                    <a:lumMod val="75000"/>
+                  </a:schemeClr>
+                </a:solidFill>
+              </a:rPr>
+              <a:t>scope</a:t>
+            </a:r>
+            <a:r>
+              <a:rPr lang="en-US" b="1" dirty="0"/>
+              <a:t>);</a:t>
+            </a:r>
+          </a:p>
+          <a:p>
+            <a:r>
+              <a:rPr lang="en-US" b="1" dirty="0"/>
+              <a:t>}</a:t>
+            </a:r>
+          </a:p>
+          <a:p>
+            <a:r>
+              <a:rPr lang="en-US" b="1" dirty="0"/>
+              <a:t> </a:t>
+            </a:r>
+            <a:r>
+              <a:rPr lang="en-US" b="1" dirty="0">
+                <a:solidFill>
+                  <a:srgbClr val="0070C0"/>
+                </a:solidFill>
+              </a:rPr>
+              <a:t>f</a:t>
+            </a:r>
+            <a:r>
+              <a:rPr lang="en-US" b="1" dirty="0"/>
+              <a:t>( ); </a:t>
+            </a:r>
+          </a:p>
+        </p:txBody>
+      </p:sp>
+      <p:sp>
+        <p:nvSpPr>
+          <p:cNvPr id="5" name="Rectangle 4"/>
+          <p:cNvSpPr/>
+          <p:nvPr/>
+        </p:nvSpPr>
+        <p:spPr>
+          <a:xfrm>
+            <a:off x="2024084" y="3573016"/>
+            <a:ext cx="8429684" cy="2308324"/>
+          </a:xfrm>
+          <a:prstGeom prst="rect">
+            <a:avLst/>
+          </a:prstGeom>
+        </p:spPr>
+        <p:style>
+          <a:lnRef idx="1">
+            <a:schemeClr val="dk1"/>
+          </a:lnRef>
+          <a:fillRef idx="1001">
+            <a:schemeClr val="lt2"/>
+          </a:fillRef>
+          <a:effectRef idx="1">
+            <a:schemeClr val="dk1"/>
+          </a:effectRef>
+          <a:fontRef idx="minor">
+            <a:schemeClr val="dk1"/>
+          </a:fontRef>
+        </p:style>
+        <p:txBody>
+          <a:bodyPr wrap="square">
+            <a:spAutoFit/>
+          </a:bodyPr>
+          <a:lstStyle/>
+          <a:p>
+            <a:r>
+              <a:rPr lang="en-US" b="1" dirty="0" err="1">
+                <a:solidFill>
+                  <a:srgbClr val="0070C0"/>
+                </a:solidFill>
+              </a:rPr>
+              <a:t>var</a:t>
+            </a:r>
+            <a:r>
+              <a:rPr lang="en-US" b="1" dirty="0"/>
+              <a:t> </a:t>
+            </a:r>
+            <a:r>
+              <a:rPr lang="en-US" b="1" dirty="0">
+                <a:solidFill>
+                  <a:schemeClr val="accent6">
+                    <a:lumMod val="75000"/>
+                  </a:schemeClr>
+                </a:solidFill>
+              </a:rPr>
+              <a:t>scope</a:t>
+            </a:r>
+            <a:r>
+              <a:rPr lang="en-US" b="1" dirty="0"/>
+              <a:t> = </a:t>
+            </a:r>
+            <a:r>
+              <a:rPr lang="en-US" b="1" dirty="0">
+                <a:solidFill>
+                  <a:srgbClr val="00B050"/>
+                </a:solidFill>
+              </a:rPr>
+              <a:t>"global "</a:t>
+            </a:r>
+            <a:r>
+              <a:rPr lang="en-US" b="1" dirty="0"/>
+              <a:t>;</a:t>
+            </a:r>
+            <a:endParaRPr lang="ru-RU" b="1" dirty="0">
+              <a:solidFill>
+                <a:srgbClr val="0070C0"/>
+              </a:solidFill>
+            </a:endParaRPr>
+          </a:p>
+          <a:p>
+            <a:r>
+              <a:rPr lang="en-US" b="1" dirty="0">
+                <a:solidFill>
+                  <a:srgbClr val="0070C0"/>
+                </a:solidFill>
+              </a:rPr>
+              <a:t>function</a:t>
+            </a:r>
+            <a:r>
+              <a:rPr lang="en-US" b="1" dirty="0"/>
+              <a:t> </a:t>
+            </a:r>
+            <a:r>
+              <a:rPr lang="en-US" b="1" dirty="0">
+                <a:solidFill>
+                  <a:schemeClr val="accent6">
+                    <a:lumMod val="75000"/>
+                  </a:schemeClr>
+                </a:solidFill>
+              </a:rPr>
+              <a:t>f</a:t>
+            </a:r>
+            <a:r>
+              <a:rPr lang="en-US" b="1" dirty="0"/>
+              <a:t>( ) {</a:t>
+            </a:r>
+          </a:p>
+          <a:p>
+            <a:r>
+              <a:rPr lang="en-US" b="1" dirty="0"/>
+              <a:t>	</a:t>
+            </a:r>
+            <a:r>
+              <a:rPr lang="en-US" b="1" u="sng" dirty="0" err="1">
+                <a:solidFill>
+                  <a:srgbClr val="0070C0"/>
+                </a:solidFill>
+              </a:rPr>
+              <a:t>var</a:t>
+            </a:r>
+            <a:r>
+              <a:rPr lang="en-US" b="1" u="sng" dirty="0">
+                <a:solidFill>
+                  <a:srgbClr val="0070C0"/>
+                </a:solidFill>
+              </a:rPr>
+              <a:t> </a:t>
+            </a:r>
+            <a:r>
+              <a:rPr lang="en-US" b="1" u="sng" dirty="0">
+                <a:solidFill>
+                  <a:schemeClr val="accent6">
+                    <a:lumMod val="75000"/>
+                  </a:schemeClr>
+                </a:solidFill>
+              </a:rPr>
+              <a:t>scope</a:t>
+            </a:r>
+            <a:r>
+              <a:rPr lang="en-US" b="1" u="sng" dirty="0"/>
+              <a:t>; </a:t>
+            </a:r>
+          </a:p>
+          <a:p>
+            <a:r>
+              <a:rPr lang="en-US" b="1" dirty="0"/>
+              <a:t>	</a:t>
+            </a:r>
+            <a:r>
+              <a:rPr lang="en-US" b="1" dirty="0">
+                <a:solidFill>
+                  <a:srgbClr val="0070C0"/>
+                </a:solidFill>
+              </a:rPr>
+              <a:t>alert</a:t>
+            </a:r>
+            <a:r>
+              <a:rPr lang="en-US" b="1" dirty="0"/>
+              <a:t>(</a:t>
+            </a:r>
+            <a:r>
+              <a:rPr lang="en-US" b="1" dirty="0">
+                <a:solidFill>
+                  <a:schemeClr val="accent6">
+                    <a:lumMod val="75000"/>
+                  </a:schemeClr>
+                </a:solidFill>
+              </a:rPr>
+              <a:t>scope</a:t>
+            </a:r>
+            <a:r>
+              <a:rPr lang="en-US" b="1" dirty="0"/>
+              <a:t>);  </a:t>
+            </a:r>
+          </a:p>
+          <a:p>
+            <a:r>
+              <a:rPr lang="en-US" b="1" dirty="0"/>
+              <a:t>	</a:t>
+            </a:r>
+            <a:r>
+              <a:rPr lang="en-US" b="1" dirty="0">
+                <a:solidFill>
+                  <a:schemeClr val="accent6">
+                    <a:lumMod val="75000"/>
+                  </a:schemeClr>
+                </a:solidFill>
+              </a:rPr>
+              <a:t>scope</a:t>
+            </a:r>
+            <a:r>
+              <a:rPr lang="en-US" b="1" dirty="0"/>
+              <a:t> = "</a:t>
+            </a:r>
+            <a:r>
+              <a:rPr lang="en-US" b="1" dirty="0">
+                <a:solidFill>
+                  <a:srgbClr val="00B050"/>
+                </a:solidFill>
+              </a:rPr>
+              <a:t>local</a:t>
+            </a:r>
+            <a:r>
+              <a:rPr lang="en-US" b="1" dirty="0"/>
+              <a:t>";</a:t>
+            </a:r>
+            <a:endParaRPr lang="ru-RU" b="1" dirty="0"/>
+          </a:p>
+          <a:p>
+            <a:r>
+              <a:rPr lang="en-US" b="1" dirty="0"/>
+              <a:t>	</a:t>
+            </a:r>
+            <a:r>
+              <a:rPr lang="en-US" b="1" dirty="0">
+                <a:solidFill>
+                  <a:srgbClr val="0070C0"/>
+                </a:solidFill>
+              </a:rPr>
+              <a:t>alert</a:t>
+            </a:r>
+            <a:r>
+              <a:rPr lang="en-US" b="1" dirty="0"/>
+              <a:t>(</a:t>
+            </a:r>
+            <a:r>
+              <a:rPr lang="en-US" b="1" dirty="0">
+                <a:solidFill>
+                  <a:schemeClr val="accent6">
+                    <a:lumMod val="75000"/>
+                  </a:schemeClr>
+                </a:solidFill>
+              </a:rPr>
+              <a:t>scope</a:t>
+            </a:r>
+            <a:r>
+              <a:rPr lang="en-US" b="1" dirty="0"/>
+              <a:t>);</a:t>
+            </a:r>
+          </a:p>
+          <a:p>
+            <a:r>
+              <a:rPr lang="en-US" b="1" dirty="0"/>
+              <a:t>}</a:t>
+            </a:r>
+          </a:p>
+          <a:p>
+            <a:r>
+              <a:rPr lang="en-US" b="1" dirty="0"/>
+              <a:t> </a:t>
+            </a:r>
+            <a:r>
+              <a:rPr lang="en-US" b="1" dirty="0">
+                <a:solidFill>
+                  <a:srgbClr val="0070C0"/>
+                </a:solidFill>
+              </a:rPr>
+              <a:t>f</a:t>
+            </a:r>
+            <a:r>
+              <a:rPr lang="en-US" b="1" dirty="0"/>
+              <a:t>( ); </a:t>
+            </a:r>
+          </a:p>
+        </p:txBody>
+      </p:sp>
+    </p:spTree>
+    <p:extLst>
+      <p:ext uri="{BB962C8B-B14F-4D97-AF65-F5344CB8AC3E}">
+        <p14:creationId xmlns:p14="http://schemas.microsoft.com/office/powerpoint/2010/main" val="3218895183"/>
       </p:ext>
     </p:extLst>
   </p:cSld>
@@ -7526,70 +6878,19 @@
       </p:grpSpPr>
       <p:sp>
         <p:nvSpPr>
-          <p:cNvPr id="2" name="Заголовок 1"/>
-          <p:cNvSpPr>
-            <a:spLocks noGrp="1"/>
-          </p:cNvSpPr>
-          <p:nvPr>
-            <p:ph type="ctrTitle"/>
-          </p:nvPr>
+          <p:cNvPr id="7" name="Rectangle 6"/>
+          <p:cNvSpPr/>
+          <p:nvPr/>
         </p:nvSpPr>
         <p:spPr>
           <a:xfrm>
-            <a:off x="2166910" y="142852"/>
-            <a:ext cx="7772400" cy="528640"/>
-          </a:xfrm>
-        </p:spPr>
-        <p:txBody>
-          <a:bodyPr>
-            <a:normAutofit fontScale="90000"/>
-          </a:bodyPr>
-          <a:lstStyle/>
-          <a:p>
-            <a:r>
-              <a:rPr lang="en-US" b="1" dirty="0"/>
-              <a:t>Hoisting</a:t>
-            </a:r>
-            <a:endParaRPr lang="en-US" b="1" dirty="0">
-              <a:solidFill>
-                <a:schemeClr val="tx1">
-                  <a:lumMod val="65000"/>
-                  <a:lumOff val="35000"/>
-                </a:schemeClr>
-              </a:solidFill>
-            </a:endParaRPr>
-          </a:p>
-        </p:txBody>
-      </p:sp>
-      <p:sp>
-        <p:nvSpPr>
-          <p:cNvPr id="4" name="Rectangle 3"/>
-          <p:cNvSpPr/>
-          <p:nvPr/>
-        </p:nvSpPr>
-        <p:spPr>
-          <a:xfrm>
-            <a:off x="2042340" y="836713"/>
-            <a:ext cx="8429684" cy="2031325"/>
+            <a:off x="3143672" y="1142984"/>
+            <a:ext cx="5440688" cy="2677656"/>
           </a:xfrm>
           <a:prstGeom prst="rect">
             <a:avLst/>
           </a:prstGeom>
         </p:spPr>
-        <p:style>
-          <a:lnRef idx="1">
-            <a:schemeClr val="dk1"/>
-          </a:lnRef>
-          <a:fillRef idx="1001">
-            <a:schemeClr val="lt2"/>
-          </a:fillRef>
-          <a:effectRef idx="1">
-            <a:schemeClr val="dk1"/>
-          </a:effectRef>
-          <a:fontRef idx="minor">
-            <a:schemeClr val="dk1"/>
-          </a:fontRef>
-        </p:style>
         <p:txBody>
           <a:bodyPr wrap="square">
             <a:spAutoFit/>
@@ -7597,474 +6898,63 @@
           <a:lstStyle/>
           <a:p>
             <a:r>
-              <a:rPr lang="en-US" b="1" dirty="0" err="1">
-                <a:solidFill>
-                  <a:srgbClr val="0070C0"/>
-                </a:solidFill>
-              </a:rPr>
+              <a:rPr lang="en-US" sz="2800" b="1" dirty="0">
+                <a:solidFill>
+                  <a:schemeClr val="bg1">
+                    <a:lumMod val="50000"/>
+                  </a:schemeClr>
+                </a:solidFill>
+              </a:rPr>
+              <a:t>&lt;script&gt;</a:t>
+            </a:r>
+            <a:endParaRPr lang="en-US" sz="2800" b="1" dirty="0"/>
+          </a:p>
+          <a:p>
+            <a:pPr lvl="1"/>
+            <a:r>
+              <a:rPr lang="en-US" sz="2800" b="1" dirty="0"/>
+              <a:t>if (("a" in window) == false) {</a:t>
+            </a:r>
+          </a:p>
+          <a:p>
+            <a:pPr lvl="1"/>
+            <a:r>
+              <a:rPr lang="en-US" sz="2800" b="1" dirty="0"/>
+              <a:t>    </a:t>
+            </a:r>
+            <a:r>
+              <a:rPr lang="en-US" sz="2800" b="1" dirty="0" err="1"/>
               <a:t>var</a:t>
             </a:r>
             <a:r>
-              <a:rPr lang="en-US" b="1" dirty="0"/>
-              <a:t> </a:t>
-            </a:r>
-            <a:r>
-              <a:rPr lang="en-US" b="1" dirty="0">
-                <a:solidFill>
-                  <a:schemeClr val="accent6">
-                    <a:lumMod val="75000"/>
+              <a:rPr lang="en-US" sz="2800" b="1" dirty="0"/>
+              <a:t> a = 1; </a:t>
+            </a:r>
+          </a:p>
+          <a:p>
+            <a:pPr lvl="1"/>
+            <a:r>
+              <a:rPr lang="en-US" sz="2800" b="1" dirty="0"/>
+              <a:t>}</a:t>
+            </a:r>
+          </a:p>
+          <a:p>
+            <a:pPr lvl="1"/>
+            <a:r>
+              <a:rPr lang="en-US" sz="2800" b="1" dirty="0"/>
+              <a:t>alert(a);</a:t>
+            </a:r>
+          </a:p>
+          <a:p>
+            <a:r>
+              <a:rPr lang="en-US" sz="2800" b="1" dirty="0">
+                <a:solidFill>
+                  <a:schemeClr val="bg1">
+                    <a:lumMod val="50000"/>
                   </a:schemeClr>
                 </a:solidFill>
               </a:rPr>
-              <a:t>scope</a:t>
-            </a:r>
-            <a:r>
-              <a:rPr lang="en-US" b="1" dirty="0"/>
-              <a:t> = </a:t>
-            </a:r>
-            <a:r>
-              <a:rPr lang="en-US" b="1" dirty="0">
-                <a:solidFill>
-                  <a:srgbClr val="00B050"/>
-                </a:solidFill>
-              </a:rPr>
-              <a:t>"global "</a:t>
-            </a:r>
-            <a:r>
-              <a:rPr lang="en-US" b="1" dirty="0"/>
-              <a:t>;</a:t>
-            </a:r>
-            <a:endParaRPr lang="ru-RU" b="1" dirty="0">
-              <a:solidFill>
-                <a:srgbClr val="0070C0"/>
-              </a:solidFill>
-            </a:endParaRPr>
-          </a:p>
-          <a:p>
-            <a:r>
-              <a:rPr lang="en-US" b="1" dirty="0">
-                <a:solidFill>
-                  <a:srgbClr val="0070C0"/>
-                </a:solidFill>
-              </a:rPr>
-              <a:t>function</a:t>
-            </a:r>
-            <a:r>
-              <a:rPr lang="en-US" b="1" dirty="0"/>
-              <a:t> </a:t>
-            </a:r>
-            <a:r>
-              <a:rPr lang="en-US" b="1" dirty="0">
-                <a:solidFill>
-                  <a:schemeClr val="accent6">
-                    <a:lumMod val="75000"/>
-                  </a:schemeClr>
-                </a:solidFill>
-              </a:rPr>
-              <a:t>f</a:t>
-            </a:r>
-            <a:r>
-              <a:rPr lang="en-US" b="1" dirty="0"/>
-              <a:t>( ) { </a:t>
-            </a:r>
-          </a:p>
-          <a:p>
-            <a:r>
-              <a:rPr lang="en-US" b="1" dirty="0"/>
-              <a:t>	</a:t>
-            </a:r>
-            <a:r>
-              <a:rPr lang="en-US" b="1" dirty="0">
-                <a:solidFill>
-                  <a:srgbClr val="0070C0"/>
-                </a:solidFill>
-              </a:rPr>
-              <a:t>alert</a:t>
-            </a:r>
-            <a:r>
-              <a:rPr lang="en-US" b="1" dirty="0"/>
-              <a:t>(</a:t>
-            </a:r>
-            <a:r>
-              <a:rPr lang="en-US" b="1" dirty="0">
-                <a:solidFill>
-                  <a:schemeClr val="accent6">
-                    <a:lumMod val="75000"/>
-                  </a:schemeClr>
-                </a:solidFill>
-              </a:rPr>
-              <a:t>scope</a:t>
-            </a:r>
-            <a:r>
-              <a:rPr lang="en-US" b="1" dirty="0"/>
-              <a:t>);  </a:t>
-            </a:r>
-          </a:p>
-          <a:p>
-            <a:r>
-              <a:rPr lang="en-US" b="1" dirty="0"/>
-              <a:t>	</a:t>
-            </a:r>
-            <a:r>
-              <a:rPr lang="en-US" b="1" dirty="0" err="1">
-                <a:solidFill>
-                  <a:srgbClr val="0070C0"/>
-                </a:solidFill>
-              </a:rPr>
-              <a:t>var</a:t>
-            </a:r>
-            <a:r>
-              <a:rPr lang="en-US" b="1" dirty="0"/>
-              <a:t> </a:t>
-            </a:r>
-            <a:r>
-              <a:rPr lang="en-US" b="1" dirty="0">
-                <a:solidFill>
-                  <a:schemeClr val="accent6">
-                    <a:lumMod val="75000"/>
-                  </a:schemeClr>
-                </a:solidFill>
-              </a:rPr>
-              <a:t>scope</a:t>
-            </a:r>
-            <a:r>
-              <a:rPr lang="en-US" b="1" dirty="0"/>
-              <a:t> = "</a:t>
-            </a:r>
-            <a:r>
-              <a:rPr lang="en-US" b="1" dirty="0">
-                <a:solidFill>
-                  <a:srgbClr val="00B050"/>
-                </a:solidFill>
-              </a:rPr>
-              <a:t>local</a:t>
-            </a:r>
-            <a:r>
-              <a:rPr lang="en-US" b="1" dirty="0"/>
-              <a:t>";</a:t>
-            </a:r>
-            <a:endParaRPr lang="ru-RU" b="1" dirty="0"/>
-          </a:p>
-          <a:p>
-            <a:r>
-              <a:rPr lang="en-US" b="1" dirty="0"/>
-              <a:t>	</a:t>
-            </a:r>
-            <a:r>
-              <a:rPr lang="en-US" b="1" dirty="0">
-                <a:solidFill>
-                  <a:srgbClr val="0070C0"/>
-                </a:solidFill>
-              </a:rPr>
-              <a:t>alert</a:t>
-            </a:r>
-            <a:r>
-              <a:rPr lang="en-US" b="1" dirty="0"/>
-              <a:t>(</a:t>
-            </a:r>
-            <a:r>
-              <a:rPr lang="en-US" b="1" dirty="0">
-                <a:solidFill>
-                  <a:schemeClr val="accent6">
-                    <a:lumMod val="75000"/>
-                  </a:schemeClr>
-                </a:solidFill>
-              </a:rPr>
-              <a:t>scope</a:t>
-            </a:r>
-            <a:r>
-              <a:rPr lang="en-US" b="1" dirty="0"/>
-              <a:t>);</a:t>
-            </a:r>
-          </a:p>
-          <a:p>
-            <a:r>
-              <a:rPr lang="en-US" b="1" dirty="0"/>
-              <a:t>}</a:t>
-            </a:r>
-          </a:p>
-          <a:p>
-            <a:r>
-              <a:rPr lang="en-US" b="1" dirty="0"/>
-              <a:t> </a:t>
-            </a:r>
-            <a:r>
-              <a:rPr lang="en-US" b="1" dirty="0">
-                <a:solidFill>
-                  <a:srgbClr val="0070C0"/>
-                </a:solidFill>
-              </a:rPr>
-              <a:t>f</a:t>
-            </a:r>
-            <a:r>
-              <a:rPr lang="en-US" b="1" dirty="0"/>
-              <a:t>( ); </a:t>
-            </a:r>
-          </a:p>
-        </p:txBody>
-      </p:sp>
-      <p:sp>
-        <p:nvSpPr>
-          <p:cNvPr id="5" name="Rectangle 4"/>
-          <p:cNvSpPr/>
-          <p:nvPr/>
-        </p:nvSpPr>
-        <p:spPr>
-          <a:xfrm>
-            <a:off x="2024084" y="3573016"/>
-            <a:ext cx="8429684" cy="2308324"/>
-          </a:xfrm>
-          <a:prstGeom prst="rect">
-            <a:avLst/>
-          </a:prstGeom>
-        </p:spPr>
-        <p:style>
-          <a:lnRef idx="1">
-            <a:schemeClr val="dk1"/>
-          </a:lnRef>
-          <a:fillRef idx="1001">
-            <a:schemeClr val="lt2"/>
-          </a:fillRef>
-          <a:effectRef idx="1">
-            <a:schemeClr val="dk1"/>
-          </a:effectRef>
-          <a:fontRef idx="minor">
-            <a:schemeClr val="dk1"/>
-          </a:fontRef>
-        </p:style>
-        <p:txBody>
-          <a:bodyPr wrap="square">
-            <a:spAutoFit/>
-          </a:bodyPr>
-          <a:lstStyle/>
-          <a:p>
-            <a:r>
-              <a:rPr lang="en-US" b="1" dirty="0" err="1">
-                <a:solidFill>
-                  <a:srgbClr val="0070C0"/>
-                </a:solidFill>
-              </a:rPr>
-              <a:t>var</a:t>
-            </a:r>
-            <a:r>
-              <a:rPr lang="en-US" b="1" dirty="0"/>
-              <a:t> </a:t>
-            </a:r>
-            <a:r>
-              <a:rPr lang="en-US" b="1" dirty="0">
-                <a:solidFill>
-                  <a:schemeClr val="accent6">
-                    <a:lumMod val="75000"/>
-                  </a:schemeClr>
-                </a:solidFill>
-              </a:rPr>
-              <a:t>scope</a:t>
-            </a:r>
-            <a:r>
-              <a:rPr lang="en-US" b="1" dirty="0"/>
-              <a:t> = </a:t>
-            </a:r>
-            <a:r>
-              <a:rPr lang="en-US" b="1" dirty="0">
-                <a:solidFill>
-                  <a:srgbClr val="00B050"/>
-                </a:solidFill>
-              </a:rPr>
-              <a:t>"global "</a:t>
-            </a:r>
-            <a:r>
-              <a:rPr lang="en-US" b="1" dirty="0"/>
-              <a:t>;</a:t>
-            </a:r>
-            <a:endParaRPr lang="ru-RU" b="1" dirty="0">
-              <a:solidFill>
-                <a:srgbClr val="0070C0"/>
-              </a:solidFill>
-            </a:endParaRPr>
-          </a:p>
-          <a:p>
-            <a:r>
-              <a:rPr lang="en-US" b="1" dirty="0">
-                <a:solidFill>
-                  <a:srgbClr val="0070C0"/>
-                </a:solidFill>
-              </a:rPr>
-              <a:t>function</a:t>
-            </a:r>
-            <a:r>
-              <a:rPr lang="en-US" b="1" dirty="0"/>
-              <a:t> </a:t>
-            </a:r>
-            <a:r>
-              <a:rPr lang="en-US" b="1" dirty="0">
-                <a:solidFill>
-                  <a:schemeClr val="accent6">
-                    <a:lumMod val="75000"/>
-                  </a:schemeClr>
-                </a:solidFill>
-              </a:rPr>
-              <a:t>f</a:t>
-            </a:r>
-            <a:r>
-              <a:rPr lang="en-US" b="1" dirty="0"/>
-              <a:t>( ) {</a:t>
-            </a:r>
-          </a:p>
-          <a:p>
-            <a:r>
-              <a:rPr lang="en-US" b="1" dirty="0"/>
-              <a:t>	</a:t>
-            </a:r>
-            <a:r>
-              <a:rPr lang="en-US" b="1" u="sng" dirty="0" err="1">
-                <a:solidFill>
-                  <a:srgbClr val="0070C0"/>
-                </a:solidFill>
-              </a:rPr>
-              <a:t>var</a:t>
-            </a:r>
-            <a:r>
-              <a:rPr lang="en-US" b="1" u="sng" dirty="0">
-                <a:solidFill>
-                  <a:srgbClr val="0070C0"/>
-                </a:solidFill>
-              </a:rPr>
-              <a:t> </a:t>
-            </a:r>
-            <a:r>
-              <a:rPr lang="en-US" b="1" u="sng" dirty="0">
-                <a:solidFill>
-                  <a:schemeClr val="accent6">
-                    <a:lumMod val="75000"/>
-                  </a:schemeClr>
-                </a:solidFill>
-              </a:rPr>
-              <a:t>scope</a:t>
-            </a:r>
-            <a:r>
-              <a:rPr lang="en-US" b="1" u="sng" dirty="0"/>
-              <a:t>; </a:t>
-            </a:r>
-          </a:p>
-          <a:p>
-            <a:r>
-              <a:rPr lang="en-US" b="1" dirty="0"/>
-              <a:t>	</a:t>
-            </a:r>
-            <a:r>
-              <a:rPr lang="en-US" b="1" dirty="0">
-                <a:solidFill>
-                  <a:srgbClr val="0070C0"/>
-                </a:solidFill>
-              </a:rPr>
-              <a:t>alert</a:t>
-            </a:r>
-            <a:r>
-              <a:rPr lang="en-US" b="1" dirty="0"/>
-              <a:t>(</a:t>
-            </a:r>
-            <a:r>
-              <a:rPr lang="en-US" b="1" dirty="0">
-                <a:solidFill>
-                  <a:schemeClr val="accent6">
-                    <a:lumMod val="75000"/>
-                  </a:schemeClr>
-                </a:solidFill>
-              </a:rPr>
-              <a:t>scope</a:t>
-            </a:r>
-            <a:r>
-              <a:rPr lang="en-US" b="1" dirty="0"/>
-              <a:t>);  </a:t>
-            </a:r>
-          </a:p>
-          <a:p>
-            <a:r>
-              <a:rPr lang="en-US" b="1" dirty="0"/>
-              <a:t>	</a:t>
-            </a:r>
-            <a:r>
-              <a:rPr lang="en-US" b="1" dirty="0">
-                <a:solidFill>
-                  <a:schemeClr val="accent6">
-                    <a:lumMod val="75000"/>
-                  </a:schemeClr>
-                </a:solidFill>
-              </a:rPr>
-              <a:t>scope</a:t>
-            </a:r>
-            <a:r>
-              <a:rPr lang="en-US" b="1" dirty="0"/>
-              <a:t> = "</a:t>
-            </a:r>
-            <a:r>
-              <a:rPr lang="en-US" b="1" dirty="0">
-                <a:solidFill>
-                  <a:srgbClr val="00B050"/>
-                </a:solidFill>
-              </a:rPr>
-              <a:t>local</a:t>
-            </a:r>
-            <a:r>
-              <a:rPr lang="en-US" b="1" dirty="0"/>
-              <a:t>";</a:t>
-            </a:r>
-            <a:endParaRPr lang="ru-RU" b="1" dirty="0"/>
-          </a:p>
-          <a:p>
-            <a:r>
-              <a:rPr lang="en-US" b="1" dirty="0"/>
-              <a:t>	</a:t>
-            </a:r>
-            <a:r>
-              <a:rPr lang="en-US" b="1" dirty="0">
-                <a:solidFill>
-                  <a:srgbClr val="0070C0"/>
-                </a:solidFill>
-              </a:rPr>
-              <a:t>alert</a:t>
-            </a:r>
-            <a:r>
-              <a:rPr lang="en-US" b="1" dirty="0"/>
-              <a:t>(</a:t>
-            </a:r>
-            <a:r>
-              <a:rPr lang="en-US" b="1" dirty="0">
-                <a:solidFill>
-                  <a:schemeClr val="accent6">
-                    <a:lumMod val="75000"/>
-                  </a:schemeClr>
-                </a:solidFill>
-              </a:rPr>
-              <a:t>scope</a:t>
-            </a:r>
-            <a:r>
-              <a:rPr lang="en-US" b="1" dirty="0"/>
-              <a:t>);</a:t>
-            </a:r>
-          </a:p>
-          <a:p>
-            <a:r>
-              <a:rPr lang="en-US" b="1" dirty="0"/>
-              <a:t>}</a:t>
-            </a:r>
-          </a:p>
-          <a:p>
-            <a:r>
-              <a:rPr lang="en-US" b="1" dirty="0"/>
-              <a:t> </a:t>
-            </a:r>
-            <a:r>
-              <a:rPr lang="en-US" b="1" dirty="0">
-                <a:solidFill>
-                  <a:srgbClr val="0070C0"/>
-                </a:solidFill>
-              </a:rPr>
-              <a:t>f</a:t>
-            </a:r>
-            <a:r>
-              <a:rPr lang="en-US" b="1" dirty="0"/>
-              <a:t>( ); </a:t>
+              <a:t>&lt;/script&gt;</a:t>
             </a:r>
           </a:p>
         </p:txBody>
@@ -8072,7 +6962,7 @@
     </p:spTree>
     <p:extLst>
       <p:ext uri="{BB962C8B-B14F-4D97-AF65-F5344CB8AC3E}">
-        <p14:creationId xmlns:p14="http://schemas.microsoft.com/office/powerpoint/2010/main" val="3218895183"/>
+        <p14:creationId xmlns:p14="http://schemas.microsoft.com/office/powerpoint/2010/main" val="3452623828"/>
       </p:ext>
     </p:extLst>
   </p:cSld>
@@ -8083,80 +6973,9 @@
   <p:timing>
     <p:tnLst>
       <p:par>
-        <p:cTn id="1" dur="indefinite" restart="never" nodeType="tmRoot">
-          <p:childTnLst>
-            <p:seq concurrent="1" nextAc="seek">
-              <p:cTn id="2" dur="indefinite" nodeType="mainSeq">
-                <p:childTnLst>
-                  <p:par>
-                    <p:cTn id="3" fill="hold">
-                      <p:stCondLst>
-                        <p:cond delay="indefinite"/>
-                      </p:stCondLst>
-                      <p:childTnLst>
-                        <p:par>
-                          <p:cTn id="4" fill="hold">
-                            <p:stCondLst>
-                              <p:cond delay="0"/>
-                            </p:stCondLst>
-                            <p:childTnLst>
-                              <p:par>
-                                <p:cTn id="5" presetID="1" presetClass="entr" presetSubtype="0" fill="hold" grpId="0" nodeType="clickEffect">
-                                  <p:stCondLst>
-                                    <p:cond delay="0"/>
-                                  </p:stCondLst>
-                                  <p:childTnLst>
-                                    <p:set>
-                                      <p:cBhvr>
-                                        <p:cTn id="6" dur="1" fill="hold">
-                                          <p:stCondLst>
-                                            <p:cond delay="0"/>
-                                          </p:stCondLst>
-                                        </p:cTn>
-                                        <p:tgtEl>
-                                          <p:spTgt spid="5"/>
-                                        </p:tgtEl>
-                                        <p:attrNameLst>
-                                          <p:attrName>style.visibility</p:attrName>
-                                        </p:attrNameLst>
-                                      </p:cBhvr>
-                                      <p:to>
-                                        <p:strVal val="visible"/>
-                                      </p:to>
-                                    </p:set>
-                                  </p:childTnLst>
-                                </p:cTn>
-                              </p:par>
-                            </p:childTnLst>
-                          </p:cTn>
-                        </p:par>
-                      </p:childTnLst>
-                    </p:cTn>
-                  </p:par>
-                </p:childTnLst>
-              </p:cTn>
-              <p:prevCondLst>
-                <p:cond evt="onPrev" delay="0">
-                  <p:tgtEl>
-                    <p:sldTgt/>
-                  </p:tgtEl>
-                </p:cond>
-              </p:prevCondLst>
-              <p:nextCondLst>
-                <p:cond evt="onNext" delay="0">
-                  <p:tgtEl>
-                    <p:sldTgt/>
-                  </p:tgtEl>
-                </p:cond>
-              </p:nextCondLst>
-            </p:seq>
-          </p:childTnLst>
-        </p:cTn>
+        <p:cTn id="1" dur="indefinite" restart="never" nodeType="tmRoot"/>
       </p:par>
     </p:tnLst>
-    <p:bldLst>
-      <p:bldP spid="5" grpId="0" animBg="1"/>
-    </p:bldLst>
   </p:timing>
 </p:sld>
 </file>
@@ -8201,32 +7020,15 @@
           <a:lstStyle/>
           <a:p>
             <a:r>
-              <a:rPr lang="en-US" b="1" dirty="0"/>
-              <a:t>Single </a:t>
-            </a:r>
-            <a:r>
-              <a:rPr lang="en-US" b="1" dirty="0" err="1">
-                <a:solidFill>
-                  <a:schemeClr val="accent6">
-                    <a:lumMod val="75000"/>
+              <a:rPr lang="en-US" b="1" dirty="0" smtClean="0">
+                <a:solidFill>
+                  <a:schemeClr val="tx1">
+                    <a:lumMod val="65000"/>
+                    <a:lumOff val="35000"/>
                   </a:schemeClr>
                 </a:solidFill>
               </a:rPr>
-              <a:t>var</a:t>
-            </a:r>
-            <a:r>
-              <a:rPr lang="en-US" b="1" dirty="0">
-                <a:solidFill>
-                  <a:schemeClr val="accent6">
-                    <a:lumMod val="75000"/>
-                  </a:schemeClr>
-                </a:solidFill>
-              </a:rPr>
-              <a:t> </a:t>
-            </a:r>
-            <a:r>
-              <a:rPr lang="en-US" b="1" dirty="0"/>
-              <a:t>Pattern</a:t>
+              <a:t>Scope</a:t>
             </a:r>
             <a:endParaRPr lang="en-US" b="1" dirty="0">
               <a:solidFill>
@@ -8241,14 +7043,14 @@
       </p:sp>
       <p:sp>
         <p:nvSpPr>
-          <p:cNvPr id="11" name="Rectangle 10"/>
+          <p:cNvPr id="5" name="Rectangle 4"/>
           <p:cNvSpPr/>
           <p:nvPr/>
         </p:nvSpPr>
         <p:spPr>
           <a:xfrm>
-            <a:off x="1703512" y="836712"/>
-            <a:ext cx="8784976" cy="5047536"/>
+            <a:off x="2014137" y="1196752"/>
+            <a:ext cx="8429684" cy="2862322"/>
           </a:xfrm>
           <a:prstGeom prst="rect">
             <a:avLst/>
@@ -8258,8 +7060,8 @@
           <a:lnRef idx="1">
             <a:schemeClr val="dk1"/>
           </a:lnRef>
-          <a:fillRef idx="2">
-            <a:schemeClr val="dk1"/>
+          <a:fillRef idx="1001">
+            <a:schemeClr val="lt2"/>
           </a:fillRef>
           <a:effectRef idx="1">
             <a:schemeClr val="dk1"/>
@@ -8275,85 +7077,26 @@
           <a:lstStyle/>
           <a:p>
             <a:r>
-              <a:rPr lang="en-US" sz="1400" b="1" dirty="0">
-                <a:solidFill>
-                  <a:srgbClr val="006400"/>
-                </a:solidFill>
-                <a:latin typeface="Consolas"/>
-              </a:rPr>
-              <a:t>/* Benefits:</a:t>
-            </a:r>
-          </a:p>
-          <a:p>
-            <a:r>
-              <a:rPr lang="en-US" sz="1400" b="1" dirty="0">
-                <a:solidFill>
-                  <a:srgbClr val="006400"/>
-                </a:solidFill>
-                <a:latin typeface="Consolas"/>
-              </a:rPr>
-              <a:t>* 1. Provides a single place to look for all the local variables needed by the function</a:t>
-            </a:r>
-          </a:p>
-          <a:p>
-            <a:r>
-              <a:rPr lang="en-US" sz="1400" b="1" dirty="0">
-                <a:solidFill>
-                  <a:srgbClr val="006400"/>
-                </a:solidFill>
-                <a:latin typeface="Consolas"/>
-              </a:rPr>
-              <a:t>* 2. Prevents logical errors when a variable is used before it's defined</a:t>
-            </a:r>
-          </a:p>
-          <a:p>
-            <a:r>
-              <a:rPr lang="en-US" sz="1400" b="1" dirty="0">
-                <a:solidFill>
-                  <a:srgbClr val="006400"/>
-                </a:solidFill>
-                <a:latin typeface="Consolas"/>
-              </a:rPr>
-              <a:t>* 3. Helps you remember to declare variables and therefore minimize </a:t>
-            </a:r>
-            <a:r>
-              <a:rPr lang="en-US" sz="1400" b="1" dirty="0" err="1">
-                <a:solidFill>
-                  <a:srgbClr val="006400"/>
-                </a:solidFill>
-                <a:latin typeface="Consolas"/>
-              </a:rPr>
-              <a:t>globals</a:t>
-            </a:r>
-            <a:endParaRPr lang="en-US" sz="1400" b="1" dirty="0">
-              <a:solidFill>
-                <a:srgbClr val="006400"/>
-              </a:solidFill>
-              <a:latin typeface="Consolas"/>
-            </a:endParaRPr>
-          </a:p>
-          <a:p>
-            <a:r>
-              <a:rPr lang="en-US" sz="1400" b="1" dirty="0">
-                <a:solidFill>
-                  <a:srgbClr val="006400"/>
-                </a:solidFill>
-                <a:latin typeface="Consolas"/>
-              </a:rPr>
-              <a:t>* 4. Is less code (to type and to transfer over the wire)</a:t>
-            </a:r>
-          </a:p>
-          <a:p>
-            <a:r>
-              <a:rPr lang="en-US" sz="1400" b="1" dirty="0">
-                <a:solidFill>
-                  <a:srgbClr val="006400"/>
-                </a:solidFill>
-                <a:latin typeface="Consolas"/>
-              </a:rPr>
-              <a:t>*/</a:t>
-            </a:r>
-            <a:endParaRPr lang="en-US" sz="1400" b="1" dirty="0">
+              <a:rPr lang="en-US" b="1" dirty="0" err="1">
+                <a:solidFill>
+                  <a:srgbClr val="0000FF"/>
+                </a:solidFill>
+                <a:latin typeface="Consolas"/>
+              </a:rPr>
+              <a:t>var</a:t>
+            </a:r>
+            <a:r>
+              <a:rPr lang="en-US" b="1" dirty="0">
+                <a:solidFill>
+                  <a:prstClr val="black"/>
+                </a:solidFill>
+                <a:latin typeface="Consolas"/>
+              </a:rPr>
+              <a:t> foo = 1;</a:t>
+            </a:r>
+          </a:p>
+          <a:p>
+            <a:endParaRPr lang="en-US" b="1" dirty="0">
               <a:solidFill>
                 <a:prstClr val="black"/>
               </a:solidFill>
@@ -8361,7 +7104,109 @@
             </a:endParaRPr>
           </a:p>
           <a:p>
-            <a:endParaRPr lang="en-US" sz="1400" b="1" dirty="0">
+            <a:r>
+              <a:rPr lang="en-US" b="1" dirty="0">
+                <a:solidFill>
+                  <a:srgbClr val="0000FF"/>
+                </a:solidFill>
+                <a:latin typeface="Consolas"/>
+              </a:rPr>
+              <a:t>function</a:t>
+            </a:r>
+            <a:r>
+              <a:rPr lang="en-US" b="1" dirty="0">
+                <a:solidFill>
+                  <a:prstClr val="black"/>
+                </a:solidFill>
+                <a:latin typeface="Consolas"/>
+              </a:rPr>
+              <a:t> bar() {</a:t>
+            </a:r>
+          </a:p>
+          <a:p>
+            <a:r>
+              <a:rPr lang="en-US" b="1" dirty="0">
+                <a:solidFill>
+                  <a:srgbClr val="0000FF"/>
+                </a:solidFill>
+                <a:latin typeface="Consolas"/>
+              </a:rPr>
+              <a:t>	if</a:t>
+            </a:r>
+            <a:r>
+              <a:rPr lang="en-US" b="1" dirty="0">
+                <a:solidFill>
+                  <a:prstClr val="black"/>
+                </a:solidFill>
+                <a:latin typeface="Consolas"/>
+              </a:rPr>
+              <a:t> (!foo) {</a:t>
+            </a:r>
+          </a:p>
+          <a:p>
+            <a:r>
+              <a:rPr lang="en-US" b="1" dirty="0">
+                <a:solidFill>
+                  <a:srgbClr val="0000FF"/>
+                </a:solidFill>
+                <a:latin typeface="Consolas"/>
+              </a:rPr>
+              <a:t>		</a:t>
+            </a:r>
+            <a:r>
+              <a:rPr lang="en-US" b="1" dirty="0" err="1">
+                <a:solidFill>
+                  <a:srgbClr val="0000FF"/>
+                </a:solidFill>
+                <a:latin typeface="Consolas"/>
+              </a:rPr>
+              <a:t>var</a:t>
+            </a:r>
+            <a:r>
+              <a:rPr lang="en-US" b="1" dirty="0">
+                <a:solidFill>
+                  <a:prstClr val="black"/>
+                </a:solidFill>
+                <a:latin typeface="Consolas"/>
+              </a:rPr>
+              <a:t> foo = 10;</a:t>
+            </a:r>
+          </a:p>
+          <a:p>
+            <a:r>
+              <a:rPr lang="en-US" b="1" dirty="0">
+                <a:solidFill>
+                  <a:prstClr val="black"/>
+                </a:solidFill>
+                <a:latin typeface="Consolas"/>
+              </a:rPr>
+              <a:t>	}</a:t>
+            </a:r>
+          </a:p>
+          <a:p>
+            <a:r>
+              <a:rPr lang="en-US" b="1" dirty="0">
+                <a:solidFill>
+                  <a:prstClr val="black"/>
+                </a:solidFill>
+                <a:latin typeface="Consolas"/>
+              </a:rPr>
+              <a:t>	alert(foo);</a:t>
+            </a:r>
+          </a:p>
+          <a:p>
+            <a:r>
+              <a:rPr lang="en-US" b="1" dirty="0">
+                <a:solidFill>
+                  <a:prstClr val="black"/>
+                </a:solidFill>
+                <a:latin typeface="Consolas"/>
+              </a:rPr>
+              <a:t>}</a:t>
+            </a:r>
+          </a:p>
+          <a:p>
+            <a:endParaRPr lang="en-US" b="1" dirty="0">
               <a:solidFill>
                 <a:prstClr val="black"/>
               </a:solidFill>
@@ -8370,373 +7215,13 @@
           </a:p>
           <a:p>
             <a:r>
-              <a:rPr lang="en-US" sz="1400" b="1" dirty="0">
-                <a:solidFill>
-                  <a:srgbClr val="0000FF"/>
-                </a:solidFill>
-                <a:latin typeface="Consolas"/>
-              </a:rPr>
-              <a:t>function</a:t>
-            </a:r>
-            <a:r>
-              <a:rPr lang="en-US" sz="1400" b="1" dirty="0">
+              <a:rPr lang="en-US" b="1" dirty="0">
                 <a:solidFill>
                   <a:prstClr val="black"/>
                 </a:solidFill>
                 <a:latin typeface="Consolas"/>
               </a:rPr>
-              <a:t> </a:t>
-            </a:r>
-            <a:r>
-              <a:rPr lang="en-US" sz="1400" b="1" dirty="0" err="1">
-                <a:solidFill>
-                  <a:prstClr val="black"/>
-                </a:solidFill>
-                <a:latin typeface="Consolas"/>
-              </a:rPr>
-              <a:t>func</a:t>
-            </a:r>
-            <a:r>
-              <a:rPr lang="en-US" sz="1400" b="1" dirty="0">
-                <a:solidFill>
-                  <a:prstClr val="black"/>
-                </a:solidFill>
-                <a:latin typeface="Consolas"/>
-              </a:rPr>
-              <a:t>() {</a:t>
-            </a:r>
-          </a:p>
-          <a:p>
-            <a:pPr lvl="1"/>
-            <a:r>
-              <a:rPr lang="en-US" sz="1400" b="1" dirty="0" err="1">
-                <a:solidFill>
-                  <a:srgbClr val="0000FF"/>
-                </a:solidFill>
-                <a:latin typeface="Consolas"/>
-              </a:rPr>
-              <a:t>var</a:t>
-            </a:r>
-            <a:r>
-              <a:rPr lang="en-US" sz="1400" b="1" dirty="0">
-                <a:solidFill>
-                  <a:prstClr val="black"/>
-                </a:solidFill>
-                <a:latin typeface="Consolas"/>
-              </a:rPr>
-              <a:t> a = 1,</a:t>
-            </a:r>
-          </a:p>
-          <a:p>
-            <a:pPr lvl="1"/>
-            <a:r>
-              <a:rPr lang="en-US" sz="1400" b="1" dirty="0">
-                <a:solidFill>
-                  <a:prstClr val="black"/>
-                </a:solidFill>
-                <a:latin typeface="Consolas"/>
-              </a:rPr>
-              <a:t>        b = 2,</a:t>
-            </a:r>
-          </a:p>
-          <a:p>
-            <a:pPr lvl="1"/>
-            <a:r>
-              <a:rPr lang="en-US" sz="1400" b="1" dirty="0">
-                <a:solidFill>
-                  <a:prstClr val="black"/>
-                </a:solidFill>
-                <a:latin typeface="Consolas"/>
-              </a:rPr>
-              <a:t>        sum = a + b,</a:t>
-            </a:r>
-          </a:p>
-          <a:p>
-            <a:pPr lvl="1"/>
-            <a:r>
-              <a:rPr lang="en-US" sz="1400" b="1" dirty="0">
-                <a:solidFill>
-                  <a:prstClr val="black"/>
-                </a:solidFill>
-                <a:latin typeface="Consolas"/>
-              </a:rPr>
-              <a:t>        </a:t>
-            </a:r>
-            <a:r>
-              <a:rPr lang="en-US" sz="1400" b="1" dirty="0" err="1">
-                <a:solidFill>
-                  <a:prstClr val="black"/>
-                </a:solidFill>
-                <a:latin typeface="Consolas"/>
-              </a:rPr>
-              <a:t>myobject</a:t>
-            </a:r>
-            <a:r>
-              <a:rPr lang="en-US" sz="1400" b="1" dirty="0">
-                <a:solidFill>
-                  <a:prstClr val="black"/>
-                </a:solidFill>
-                <a:latin typeface="Consolas"/>
-              </a:rPr>
-              <a:t> = {},</a:t>
-            </a:r>
-          </a:p>
-          <a:p>
-            <a:pPr lvl="1"/>
-            <a:r>
-              <a:rPr lang="en-US" sz="1400" b="1" dirty="0">
-                <a:solidFill>
-                  <a:prstClr val="black"/>
-                </a:solidFill>
-                <a:latin typeface="Consolas"/>
-              </a:rPr>
-              <a:t>        </a:t>
-            </a:r>
-            <a:r>
-              <a:rPr lang="en-US" sz="1400" b="1" dirty="0" err="1">
-                <a:solidFill>
-                  <a:prstClr val="black"/>
-                </a:solidFill>
-                <a:latin typeface="Consolas"/>
-              </a:rPr>
-              <a:t>i</a:t>
-            </a:r>
-            <a:r>
-              <a:rPr lang="en-US" sz="1400" b="1" dirty="0">
-                <a:solidFill>
-                  <a:prstClr val="black"/>
-                </a:solidFill>
-                <a:latin typeface="Consolas"/>
-              </a:rPr>
-              <a:t>,</a:t>
-            </a:r>
-          </a:p>
-          <a:p>
-            <a:pPr lvl="1"/>
-            <a:r>
-              <a:rPr lang="en-US" sz="1400" b="1" dirty="0">
-                <a:solidFill>
-                  <a:prstClr val="black"/>
-                </a:solidFill>
-                <a:latin typeface="Consolas"/>
-              </a:rPr>
-              <a:t>        j;</a:t>
-            </a:r>
-          </a:p>
-          <a:p>
-            <a:endParaRPr lang="en-US" sz="1400" b="1" dirty="0">
-              <a:solidFill>
-                <a:prstClr val="black"/>
-              </a:solidFill>
-              <a:latin typeface="Consolas"/>
-            </a:endParaRPr>
-          </a:p>
-          <a:p>
-            <a:r>
-              <a:rPr lang="en-US" sz="1400" b="1" dirty="0">
-                <a:solidFill>
-                  <a:srgbClr val="006400"/>
-                </a:solidFill>
-                <a:latin typeface="Consolas"/>
-              </a:rPr>
-              <a:t> </a:t>
-            </a:r>
-            <a:r>
-              <a:rPr lang="en-US" sz="1400" b="1" dirty="0">
-                <a:solidFill>
-                  <a:srgbClr val="006400"/>
-                </a:solidFill>
-                <a:latin typeface="Consolas"/>
-              </a:rPr>
-              <a:t>    // </a:t>
-            </a:r>
-            <a:r>
-              <a:rPr lang="en-US" sz="1400" b="1" dirty="0">
-                <a:solidFill>
-                  <a:srgbClr val="006400"/>
-                </a:solidFill>
-                <a:latin typeface="Consolas"/>
-              </a:rPr>
-              <a:t>function body...</a:t>
-            </a:r>
-            <a:endParaRPr lang="en-US" sz="1400" b="1" dirty="0">
-              <a:solidFill>
-                <a:prstClr val="black"/>
-              </a:solidFill>
-              <a:latin typeface="Consolas"/>
-            </a:endParaRPr>
-          </a:p>
-          <a:p>
-            <a:r>
-              <a:rPr lang="en-US" sz="1400" b="1" dirty="0">
-                <a:solidFill>
-                  <a:prstClr val="black"/>
-                </a:solidFill>
-                <a:latin typeface="Consolas"/>
-              </a:rPr>
-              <a:t>}</a:t>
-            </a:r>
-          </a:p>
-          <a:p>
-            <a:endParaRPr lang="en-US" sz="1400" b="1" dirty="0">
-              <a:solidFill>
-                <a:prstClr val="black"/>
-              </a:solidFill>
-              <a:latin typeface="Consolas"/>
-            </a:endParaRPr>
-          </a:p>
-          <a:p>
-            <a:r>
-              <a:rPr lang="en-US" sz="1400" b="1" dirty="0">
-                <a:solidFill>
-                  <a:srgbClr val="0000FF"/>
-                </a:solidFill>
-                <a:latin typeface="Consolas"/>
-              </a:rPr>
-              <a:t>function</a:t>
-            </a:r>
-            <a:r>
-              <a:rPr lang="en-US" sz="1400" b="1" dirty="0">
-                <a:solidFill>
-                  <a:prstClr val="black"/>
-                </a:solidFill>
-                <a:latin typeface="Consolas"/>
-              </a:rPr>
-              <a:t> </a:t>
-            </a:r>
-            <a:r>
-              <a:rPr lang="en-US" sz="1400" b="1" dirty="0" err="1">
-                <a:solidFill>
-                  <a:prstClr val="black"/>
-                </a:solidFill>
-                <a:latin typeface="Consolas"/>
-              </a:rPr>
-              <a:t>updateElement</a:t>
-            </a:r>
-            <a:r>
-              <a:rPr lang="en-US" sz="1400" b="1" dirty="0">
-                <a:solidFill>
-                  <a:prstClr val="black"/>
-                </a:solidFill>
-                <a:latin typeface="Consolas"/>
-              </a:rPr>
-              <a:t>() {</a:t>
-            </a:r>
-          </a:p>
-          <a:p>
-            <a:pPr lvl="1"/>
-            <a:r>
-              <a:rPr lang="en-US" sz="1400" b="1" dirty="0" err="1">
-                <a:solidFill>
-                  <a:srgbClr val="0000FF"/>
-                </a:solidFill>
-                <a:latin typeface="Consolas"/>
-              </a:rPr>
-              <a:t>var</a:t>
-            </a:r>
-            <a:r>
-              <a:rPr lang="en-US" sz="1400" b="1" dirty="0">
-                <a:solidFill>
-                  <a:prstClr val="black"/>
-                </a:solidFill>
-                <a:latin typeface="Consolas"/>
-              </a:rPr>
-              <a:t> el = </a:t>
-            </a:r>
-            <a:r>
-              <a:rPr lang="en-US" sz="1400" b="1" dirty="0" err="1">
-                <a:solidFill>
-                  <a:prstClr val="black"/>
-                </a:solidFill>
-                <a:latin typeface="Consolas"/>
-              </a:rPr>
-              <a:t>document.getElementById</a:t>
-            </a:r>
-            <a:r>
-              <a:rPr lang="en-US" sz="1400" b="1" dirty="0">
-                <a:solidFill>
-                  <a:prstClr val="black"/>
-                </a:solidFill>
-                <a:latin typeface="Consolas"/>
-              </a:rPr>
-              <a:t>(</a:t>
-            </a:r>
-            <a:r>
-              <a:rPr lang="en-US" sz="1400" b="1" dirty="0">
-                <a:solidFill>
-                  <a:srgbClr val="800000"/>
-                </a:solidFill>
-                <a:latin typeface="Consolas"/>
-              </a:rPr>
-              <a:t>"result"</a:t>
-            </a:r>
-            <a:r>
-              <a:rPr lang="en-US" sz="1400" b="1" dirty="0">
-                <a:solidFill>
-                  <a:prstClr val="black"/>
-                </a:solidFill>
-                <a:latin typeface="Consolas"/>
-              </a:rPr>
-              <a:t>),</a:t>
-            </a:r>
-          </a:p>
-          <a:p>
-            <a:pPr lvl="1"/>
-            <a:r>
-              <a:rPr lang="en-US" sz="1400" b="1" dirty="0">
-                <a:solidFill>
-                  <a:prstClr val="black"/>
-                </a:solidFill>
-                <a:latin typeface="Consolas"/>
-              </a:rPr>
-              <a:t>        style = </a:t>
-            </a:r>
-            <a:r>
-              <a:rPr lang="en-US" sz="1400" b="1" dirty="0" err="1">
-                <a:solidFill>
-                  <a:prstClr val="black"/>
-                </a:solidFill>
-                <a:latin typeface="Consolas"/>
-              </a:rPr>
-              <a:t>el.style</a:t>
-            </a:r>
-            <a:r>
-              <a:rPr lang="en-US" sz="1400" b="1" dirty="0">
-                <a:solidFill>
-                  <a:prstClr val="black"/>
-                </a:solidFill>
-                <a:latin typeface="Consolas"/>
-              </a:rPr>
-              <a:t>;</a:t>
-            </a:r>
-          </a:p>
-          <a:p>
-            <a:pPr lvl="1"/>
-            <a:r>
-              <a:rPr lang="en-US" sz="1400" b="1" dirty="0">
-                <a:solidFill>
-                  <a:srgbClr val="006400"/>
-                </a:solidFill>
-                <a:latin typeface="Consolas"/>
-              </a:rPr>
-              <a:t>// do something with el and style...</a:t>
-            </a:r>
-            <a:endParaRPr lang="en-US" sz="1400" b="1" dirty="0">
-              <a:solidFill>
-                <a:prstClr val="black"/>
-              </a:solidFill>
-              <a:latin typeface="Consolas"/>
-            </a:endParaRPr>
-          </a:p>
-          <a:p>
-            <a:r>
-              <a:rPr lang="en-US" sz="1400" b="1" dirty="0">
-                <a:solidFill>
-                  <a:prstClr val="black"/>
-                </a:solidFill>
-                <a:latin typeface="Consolas"/>
-              </a:rPr>
-              <a:t>}</a:t>
+              <a:t>bar();</a:t>
             </a:r>
           </a:p>
         </p:txBody>
@@ -8744,7 +7229,7 @@
     </p:spTree>
     <p:extLst>
       <p:ext uri="{BB962C8B-B14F-4D97-AF65-F5344CB8AC3E}">
-        <p14:creationId xmlns:p14="http://schemas.microsoft.com/office/powerpoint/2010/main" val="568991721"/>
+        <p14:creationId xmlns:p14="http://schemas.microsoft.com/office/powerpoint/2010/main" val="853967430"/>
       </p:ext>
     </p:extLst>
   </p:cSld>
@@ -8781,14 +7266,51 @@
       </p:grpSpPr>
       <p:sp>
         <p:nvSpPr>
-          <p:cNvPr id="7" name="Rectangle 6"/>
+          <p:cNvPr id="2" name="Заголовок 1"/>
+          <p:cNvSpPr>
+            <a:spLocks noGrp="1"/>
+          </p:cNvSpPr>
+          <p:nvPr>
+            <p:ph type="ctrTitle"/>
+          </p:nvPr>
+        </p:nvSpPr>
+        <p:spPr>
+          <a:xfrm>
+            <a:off x="2166910" y="142852"/>
+            <a:ext cx="7772400" cy="528640"/>
+          </a:xfrm>
+        </p:spPr>
+        <p:txBody>
+          <a:bodyPr>
+            <a:normAutofit fontScale="90000"/>
+          </a:bodyPr>
+          <a:lstStyle/>
+          <a:p>
+            <a:r>
+              <a:rPr lang="en-US" b="1" dirty="0" smtClean="0"/>
+              <a:t>Code generation</a:t>
+            </a:r>
+            <a:endParaRPr lang="en-US" b="1" dirty="0">
+              <a:solidFill>
+                <a:schemeClr val="tx1">
+                  <a:lumMod val="65000"/>
+                  <a:lumOff val="35000"/>
+                </a:schemeClr>
+              </a:solidFill>
+            </a:endParaRPr>
+          </a:p>
+        </p:txBody>
+      </p:sp>
+      <p:sp>
+        <p:nvSpPr>
+          <p:cNvPr id="9" name="Rectangle 8"/>
           <p:cNvSpPr/>
           <p:nvPr/>
         </p:nvSpPr>
         <p:spPr>
           <a:xfrm>
-            <a:off x="3143672" y="1142984"/>
-            <a:ext cx="5440688" cy="2677656"/>
+            <a:off x="1919536" y="1124744"/>
+            <a:ext cx="8424936" cy="3416320"/>
           </a:xfrm>
           <a:prstGeom prst="rect">
             <a:avLst/>
@@ -8801,92 +7323,81 @@
           <a:lstStyle/>
           <a:p>
             <a:r>
-              <a:rPr lang="en-US" sz="2800" b="1" dirty="0">
-                <a:solidFill>
-                  <a:schemeClr val="bg1">
-                    <a:lumMod val="50000"/>
-                  </a:schemeClr>
-                </a:solidFill>
-              </a:rPr>
-              <a:t>&lt;script&gt;</a:t>
-            </a:r>
-            <a:endParaRPr lang="en-US" sz="2800" b="1" dirty="0"/>
-          </a:p>
-          <a:p>
-            <a:pPr lvl="1"/>
-            <a:r>
-              <a:rPr lang="en-US" sz="2800" b="1" dirty="0"/>
-              <a:t>if (("</a:t>
-            </a:r>
-            <a:r>
-              <a:rPr lang="en-US" sz="2800" b="1" dirty="0"/>
-              <a:t>a" in window</a:t>
-            </a:r>
-            <a:r>
-              <a:rPr lang="en-US" sz="2800" b="1" dirty="0"/>
-              <a:t>) == false) </a:t>
-            </a:r>
-            <a:r>
-              <a:rPr lang="en-US" sz="2800" b="1" dirty="0"/>
-              <a:t>{</a:t>
-            </a:r>
-          </a:p>
-          <a:p>
-            <a:pPr lvl="1"/>
-            <a:r>
-              <a:rPr lang="en-US" sz="2800" b="1" dirty="0"/>
-              <a:t>    </a:t>
-            </a:r>
-            <a:r>
-              <a:rPr lang="en-US" sz="2800" b="1" dirty="0" err="1"/>
-              <a:t>var</a:t>
-            </a:r>
-            <a:r>
-              <a:rPr lang="en-US" sz="2800" b="1" dirty="0"/>
-              <a:t> a = 1</a:t>
-            </a:r>
-            <a:r>
-              <a:rPr lang="en-US" sz="2800" b="1" dirty="0"/>
-              <a:t>; </a:t>
-            </a:r>
-            <a:endParaRPr lang="en-US" sz="2800" b="1" dirty="0"/>
-          </a:p>
-          <a:p>
-            <a:pPr lvl="1"/>
-            <a:r>
-              <a:rPr lang="en-US" sz="2800" b="1" dirty="0"/>
-              <a:t>}</a:t>
-            </a:r>
-          </a:p>
-          <a:p>
-            <a:pPr lvl="1"/>
-            <a:r>
-              <a:rPr lang="en-US" sz="2800" b="1" dirty="0"/>
-              <a:t>alert(a</a:t>
-            </a:r>
-            <a:r>
-              <a:rPr lang="en-US" sz="2800" b="1" dirty="0"/>
-              <a:t>);</a:t>
-            </a:r>
-          </a:p>
-          <a:p>
-            <a:r>
-              <a:rPr lang="en-US" sz="2800" b="1" dirty="0">
-                <a:solidFill>
-                  <a:schemeClr val="bg1">
-                    <a:lumMod val="50000"/>
-                  </a:schemeClr>
-                </a:solidFill>
-              </a:rPr>
-              <a:t>&lt;/script&gt;</a:t>
-            </a:r>
+              <a:rPr lang="en-US" sz="2400" dirty="0" err="1"/>
+              <a:t>Javascript</a:t>
+            </a:r>
+            <a:r>
+              <a:rPr lang="en-US" sz="2400" dirty="0"/>
+              <a:t> can compile text to an executable code:</a:t>
+            </a:r>
+          </a:p>
+          <a:p>
+            <a:endParaRPr lang="en-US" sz="2400" dirty="0"/>
+          </a:p>
+          <a:p>
+            <a:pPr marL="457200" indent="-457200">
+              <a:buFont typeface="+mj-lt"/>
+              <a:buAutoNum type="arabicPeriod"/>
+            </a:pPr>
+            <a:r>
+              <a:rPr lang="en-US" sz="2400" dirty="0" err="1"/>
+              <a:t>eval</a:t>
+            </a:r>
+            <a:r>
+              <a:rPr lang="en-US" sz="2400" dirty="0"/>
+              <a:t>() - compile a string as JavaScript.</a:t>
+            </a:r>
+          </a:p>
+          <a:p>
+            <a:pPr marL="457200" indent="-457200">
+              <a:buFont typeface="+mj-lt"/>
+              <a:buAutoNum type="arabicPeriod"/>
+            </a:pPr>
+            <a:r>
+              <a:rPr lang="en-US" sz="2400" dirty="0"/>
+              <a:t>new Function() - compile a function.</a:t>
+            </a:r>
+          </a:p>
+          <a:p>
+            <a:pPr marL="457200" indent="-457200">
+              <a:buFont typeface="+mj-lt"/>
+              <a:buAutoNum type="arabicPeriod"/>
+            </a:pPr>
+            <a:r>
+              <a:rPr lang="en-US" sz="2400" dirty="0" err="1"/>
+              <a:t>setTimeout</a:t>
+            </a:r>
+            <a:r>
+              <a:rPr lang="en-US" sz="2400" dirty="0"/>
+              <a:t>, </a:t>
+            </a:r>
+            <a:r>
+              <a:rPr lang="en-US" sz="2400" dirty="0" err="1"/>
+              <a:t>setInterval</a:t>
+            </a:r>
+            <a:r>
+              <a:rPr lang="en-US" sz="2400" dirty="0"/>
+              <a:t> - can both take a string as their first argument</a:t>
+            </a:r>
+          </a:p>
+          <a:p>
+            <a:endParaRPr lang="en-US" sz="2400" dirty="0"/>
+          </a:p>
+          <a:p>
+            <a:r>
+              <a:rPr lang="en-US" sz="2400" dirty="0"/>
+              <a:t> </a:t>
+            </a:r>
+          </a:p>
+          <a:p>
+            <a:endParaRPr lang="en-US" sz="2400" dirty="0"/>
           </a:p>
         </p:txBody>
       </p:sp>
     </p:spTree>
     <p:extLst>
       <p:ext uri="{BB962C8B-B14F-4D97-AF65-F5344CB8AC3E}">
-        <p14:creationId xmlns:p14="http://schemas.microsoft.com/office/powerpoint/2010/main" val="3452623828"/>
+        <p14:creationId xmlns:p14="http://schemas.microsoft.com/office/powerpoint/2010/main" val="2551204262"/>
       </p:ext>
     </p:extLst>
   </p:cSld>
@@ -8944,15 +7455,16 @@
           <a:lstStyle/>
           <a:p>
             <a:r>
-              <a:rPr lang="en-US" b="1" dirty="0" smtClean="0">
-                <a:solidFill>
-                  <a:schemeClr val="tx1">
-                    <a:lumMod val="65000"/>
-                    <a:lumOff val="35000"/>
-                  </a:schemeClr>
-                </a:solidFill>
-              </a:rPr>
-              <a:t>Scope</a:t>
+              <a:rPr lang="en-US" b="1" dirty="0" err="1"/>
+              <a:t>e</a:t>
+            </a:r>
+            <a:r>
+              <a:rPr lang="en-US" b="1" dirty="0" err="1" smtClean="0"/>
+              <a:t>val</a:t>
+            </a:r>
+            <a:r>
+              <a:rPr lang="en-US" b="1" dirty="0" smtClean="0"/>
+              <a:t> is evil</a:t>
             </a:r>
             <a:endParaRPr lang="en-US" b="1" dirty="0">
               <a:solidFill>
@@ -8973,8 +7485,44 @@
         </p:nvSpPr>
         <p:spPr>
           <a:xfrm>
-            <a:off x="2014137" y="1196752"/>
-            <a:ext cx="8429684" cy="2862322"/>
+            <a:off x="2063552" y="908721"/>
+            <a:ext cx="8064896" cy="830997"/>
+          </a:xfrm>
+          <a:prstGeom prst="rect">
+            <a:avLst/>
+          </a:prstGeom>
+        </p:spPr>
+        <p:txBody>
+          <a:bodyPr wrap="square">
+            <a:spAutoFit/>
+          </a:bodyPr>
+          <a:lstStyle/>
+          <a:p>
+            <a:r>
+              <a:rPr lang="en-US" sz="2400" dirty="0"/>
+              <a:t>The </a:t>
+            </a:r>
+            <a:r>
+              <a:rPr lang="en-US" sz="2400" dirty="0" err="1"/>
+              <a:t>eval</a:t>
+            </a:r>
+            <a:r>
+              <a:rPr lang="en-US" sz="2400" dirty="0"/>
+              <a:t> function will execute a string of JavaScript code in the current scope</a:t>
+            </a:r>
+          </a:p>
+        </p:txBody>
+      </p:sp>
+      <p:sp>
+        <p:nvSpPr>
+          <p:cNvPr id="6" name="Rectangle 5"/>
+          <p:cNvSpPr/>
+          <p:nvPr/>
+        </p:nvSpPr>
+        <p:spPr>
+          <a:xfrm>
+            <a:off x="2063552" y="1855545"/>
+            <a:ext cx="4572000" cy="2862322"/>
           </a:xfrm>
           <a:prstGeom prst="rect">
             <a:avLst/>
@@ -9001,193 +7549,80 @@
           <a:lstStyle/>
           <a:p>
             <a:r>
-              <a:rPr lang="en-US" b="1" dirty="0" err="1">
-                <a:solidFill>
-                  <a:srgbClr val="0000FF"/>
-                </a:solidFill>
-                <a:latin typeface="Consolas"/>
-              </a:rPr>
+              <a:rPr lang="en-US" sz="2000" b="1" dirty="0" err="1"/>
               <a:t>var</a:t>
             </a:r>
             <a:r>
-              <a:rPr lang="en-US" b="1" dirty="0">
-                <a:solidFill>
-                  <a:prstClr val="black"/>
-                </a:solidFill>
-                <a:latin typeface="Consolas"/>
-              </a:rPr>
-              <a:t> foo = 1</a:t>
-            </a:r>
-            <a:r>
-              <a:rPr lang="en-US" b="1" dirty="0">
-                <a:solidFill>
-                  <a:prstClr val="black"/>
-                </a:solidFill>
-                <a:latin typeface="Consolas"/>
-              </a:rPr>
-              <a:t>;</a:t>
-            </a:r>
-          </a:p>
-          <a:p>
-            <a:endParaRPr lang="en-US" b="1" dirty="0">
-              <a:solidFill>
-                <a:prstClr val="black"/>
-              </a:solidFill>
-              <a:latin typeface="Consolas"/>
-            </a:endParaRPr>
-          </a:p>
-          <a:p>
-            <a:r>
-              <a:rPr lang="en-US" b="1" dirty="0">
-                <a:solidFill>
-                  <a:srgbClr val="0000FF"/>
-                </a:solidFill>
-                <a:latin typeface="Consolas"/>
-              </a:rPr>
-              <a:t>function</a:t>
-            </a:r>
-            <a:r>
-              <a:rPr lang="en-US" b="1" dirty="0">
-                <a:solidFill>
-                  <a:prstClr val="black"/>
-                </a:solidFill>
-                <a:latin typeface="Consolas"/>
-              </a:rPr>
-              <a:t> bar() {</a:t>
-            </a:r>
-          </a:p>
-          <a:p>
-            <a:r>
-              <a:rPr lang="en-US" b="1" dirty="0">
-                <a:solidFill>
-                  <a:srgbClr val="0000FF"/>
-                </a:solidFill>
-                <a:latin typeface="Consolas"/>
-              </a:rPr>
-              <a:t>	if</a:t>
-            </a:r>
-            <a:r>
-              <a:rPr lang="en-US" b="1" dirty="0">
-                <a:solidFill>
-                  <a:prstClr val="black"/>
-                </a:solidFill>
-                <a:latin typeface="Consolas"/>
-              </a:rPr>
-              <a:t> </a:t>
-            </a:r>
-            <a:r>
-              <a:rPr lang="en-US" b="1" dirty="0">
-                <a:solidFill>
-                  <a:prstClr val="black"/>
-                </a:solidFill>
-                <a:latin typeface="Consolas"/>
-              </a:rPr>
-              <a:t>(!foo) {</a:t>
-            </a:r>
-          </a:p>
-          <a:p>
-            <a:r>
-              <a:rPr lang="en-US" b="1" dirty="0">
-                <a:solidFill>
-                  <a:srgbClr val="0000FF"/>
-                </a:solidFill>
-                <a:latin typeface="Consolas"/>
-              </a:rPr>
-              <a:t>		</a:t>
-            </a:r>
-            <a:r>
-              <a:rPr lang="en-US" b="1" dirty="0" err="1">
-                <a:solidFill>
-                  <a:srgbClr val="0000FF"/>
-                </a:solidFill>
-                <a:latin typeface="Consolas"/>
-              </a:rPr>
+              <a:rPr lang="en-US" sz="2000" b="1" dirty="0"/>
+              <a:t> foo = 1;</a:t>
+            </a:r>
+          </a:p>
+          <a:p>
+            <a:endParaRPr lang="en-US" sz="2000" b="1" dirty="0"/>
+          </a:p>
+          <a:p>
+            <a:r>
+              <a:rPr lang="en-US" sz="2000" b="1" dirty="0"/>
+              <a:t>function test1() {</a:t>
+            </a:r>
+          </a:p>
+          <a:p>
+            <a:r>
+              <a:rPr lang="en-US" sz="2000" b="1" dirty="0"/>
+              <a:t>	</a:t>
+            </a:r>
+            <a:r>
+              <a:rPr lang="en-US" sz="2000" b="1" dirty="0" err="1"/>
               <a:t>var</a:t>
             </a:r>
             <a:r>
-              <a:rPr lang="en-US" b="1" dirty="0">
-                <a:solidFill>
-                  <a:prstClr val="black"/>
-                </a:solidFill>
-                <a:latin typeface="Consolas"/>
-              </a:rPr>
-              <a:t> </a:t>
-            </a:r>
-            <a:r>
-              <a:rPr lang="en-US" b="1" dirty="0">
-                <a:solidFill>
-                  <a:prstClr val="black"/>
-                </a:solidFill>
-                <a:latin typeface="Consolas"/>
-              </a:rPr>
-              <a:t>foo = 10;</a:t>
-            </a:r>
-          </a:p>
-          <a:p>
-            <a:r>
-              <a:rPr lang="en-US" b="1" dirty="0">
-                <a:solidFill>
-                  <a:prstClr val="black"/>
-                </a:solidFill>
-                <a:latin typeface="Consolas"/>
-              </a:rPr>
-              <a:t>	}</a:t>
-            </a:r>
-            <a:endParaRPr lang="en-US" b="1" dirty="0">
-              <a:solidFill>
-                <a:prstClr val="black"/>
-              </a:solidFill>
-              <a:latin typeface="Consolas"/>
-            </a:endParaRPr>
-          </a:p>
-          <a:p>
-            <a:r>
-              <a:rPr lang="en-US" b="1" dirty="0">
-                <a:solidFill>
-                  <a:prstClr val="black"/>
-                </a:solidFill>
-                <a:latin typeface="Consolas"/>
-              </a:rPr>
-              <a:t>	alert(foo</a:t>
-            </a:r>
-            <a:r>
-              <a:rPr lang="en-US" b="1" dirty="0">
-                <a:solidFill>
-                  <a:prstClr val="black"/>
-                </a:solidFill>
-                <a:latin typeface="Consolas"/>
-              </a:rPr>
-              <a:t>);</a:t>
-            </a:r>
-          </a:p>
-          <a:p>
-            <a:r>
-              <a:rPr lang="en-US" b="1" dirty="0">
-                <a:solidFill>
-                  <a:prstClr val="black"/>
-                </a:solidFill>
-                <a:latin typeface="Consolas"/>
-              </a:rPr>
+              <a:rPr lang="en-US" sz="2000" b="1" dirty="0"/>
+              <a:t> foo = 2;</a:t>
+            </a:r>
+          </a:p>
+          <a:p>
+            <a:r>
+              <a:rPr lang="en-US" sz="2000" b="1" dirty="0"/>
+              <a:t>	</a:t>
+            </a:r>
+            <a:r>
+              <a:rPr lang="en-US" sz="2000" b="1" dirty="0" err="1"/>
+              <a:t>eval</a:t>
+            </a:r>
+            <a:r>
+              <a:rPr lang="en-US" sz="2000" b="1" dirty="0"/>
+              <a:t>("foo = 3"); </a:t>
+            </a:r>
+          </a:p>
+          <a:p>
+            <a:r>
+              <a:rPr lang="en-US" sz="2000" b="1" dirty="0"/>
               <a:t>}</a:t>
             </a:r>
           </a:p>
           <a:p>
-            <a:endParaRPr lang="en-US" b="1" dirty="0">
-              <a:solidFill>
-                <a:prstClr val="black"/>
-              </a:solidFill>
-              <a:latin typeface="Consolas"/>
-            </a:endParaRPr>
-          </a:p>
-          <a:p>
-            <a:r>
-              <a:rPr lang="en-US" b="1" dirty="0">
-                <a:solidFill>
-                  <a:prstClr val="black"/>
-                </a:solidFill>
-                <a:latin typeface="Consolas"/>
-              </a:rPr>
-              <a:t>bar();</a:t>
+            <a:endParaRPr lang="en-US" sz="2000" b="1" dirty="0"/>
+          </a:p>
+          <a:p>
+            <a:r>
+              <a:rPr lang="en-US" sz="2000" b="1" dirty="0"/>
+              <a:t>test1();</a:t>
+            </a:r>
+          </a:p>
+          <a:p>
+            <a:r>
+              <a:rPr lang="en-US" sz="2000" b="1" dirty="0"/>
+              <a:t>console.log(foo); </a:t>
+            </a:r>
+            <a:r>
+              <a:rPr lang="en-US" sz="2000" b="1" dirty="0">
+                <a:solidFill>
+                  <a:schemeClr val="bg1">
+                    <a:lumMod val="50000"/>
+                  </a:schemeClr>
+                </a:solidFill>
+              </a:rPr>
+              <a:t>// 1</a:t>
             </a:r>
           </a:p>
         </p:txBody>
@@ -9195,7 +7630,7 @@
     </p:spTree>
     <p:extLst>
       <p:ext uri="{BB962C8B-B14F-4D97-AF65-F5344CB8AC3E}">
-        <p14:creationId xmlns:p14="http://schemas.microsoft.com/office/powerpoint/2010/main" val="853967430"/>
+        <p14:creationId xmlns:p14="http://schemas.microsoft.com/office/powerpoint/2010/main" val="3323698446"/>
       </p:ext>
     </p:extLst>
   </p:cSld>
@@ -9253,8 +7688,16 @@
           <a:lstStyle/>
           <a:p>
             <a:r>
+              <a:rPr lang="en-US" b="1" dirty="0" err="1"/>
+              <a:t>e</a:t>
+            </a:r>
+            <a:r>
+              <a:rPr lang="en-US" b="1" dirty="0" err="1" smtClean="0"/>
+              <a:t>val</a:t>
+            </a:r>
+            <a:r>
               <a:rPr lang="en-US" b="1" dirty="0" smtClean="0"/>
-              <a:t>Code generation</a:t>
+              <a:t> is evil</a:t>
             </a:r>
             <a:endParaRPr lang="en-US" b="1" dirty="0">
               <a:solidFill>
@@ -9269,19 +7712,33 @@
       </p:sp>
       <p:sp>
         <p:nvSpPr>
-          <p:cNvPr id="9" name="Rectangle 8"/>
+          <p:cNvPr id="3" name="Rectangle 2"/>
           <p:cNvSpPr/>
           <p:nvPr/>
         </p:nvSpPr>
         <p:spPr>
           <a:xfrm>
-            <a:off x="1919536" y="1124744"/>
-            <a:ext cx="8424936" cy="3416320"/>
+            <a:off x="1919536" y="836712"/>
+            <a:ext cx="8136904" cy="3539430"/>
           </a:xfrm>
           <a:prstGeom prst="rect">
             <a:avLst/>
           </a:prstGeom>
         </p:spPr>
+        <p:style>
+          <a:lnRef idx="1">
+            <a:schemeClr val="dk1"/>
+          </a:lnRef>
+          <a:fillRef idx="1001">
+            <a:schemeClr val="lt2"/>
+          </a:fillRef>
+          <a:effectRef idx="1">
+            <a:schemeClr val="dk1"/>
+          </a:effectRef>
+          <a:fontRef idx="minor">
+            <a:schemeClr val="dk1"/>
+          </a:fontRef>
+        </p:style>
         <p:txBody>
           <a:bodyPr wrap="square">
             <a:spAutoFit/>
@@ -9289,86 +7746,164 @@
           <a:lstStyle/>
           <a:p>
             <a:r>
-              <a:rPr lang="en-US" sz="2400" dirty="0" err="1"/>
-              <a:t>Javascript</a:t>
-            </a:r>
-            <a:r>
-              <a:rPr lang="en-US" sz="2400" dirty="0"/>
-              <a:t> can compile text to an executable code:</a:t>
-            </a:r>
-          </a:p>
-          <a:p>
-            <a:endParaRPr lang="en-US" sz="2400" dirty="0"/>
-          </a:p>
-          <a:p>
-            <a:pPr marL="457200" indent="-457200">
-              <a:buFont typeface="+mj-lt"/>
-              <a:buAutoNum type="arabicPeriod"/>
-            </a:pPr>
-            <a:r>
-              <a:rPr lang="en-US" sz="2400" dirty="0" err="1"/>
+              <a:rPr lang="en-US" sz="1600" b="1" dirty="0" err="1"/>
+              <a:t>var</a:t>
+            </a:r>
+            <a:r>
+              <a:rPr lang="en-US" sz="1600" b="1" dirty="0"/>
+              <a:t> foo = 1;</a:t>
+            </a:r>
+          </a:p>
+          <a:p>
+            <a:endParaRPr lang="en-US" sz="1600" b="1" dirty="0"/>
+          </a:p>
+          <a:p>
+            <a:r>
+              <a:rPr lang="en-US" sz="1600" b="1" dirty="0"/>
+              <a:t>function </a:t>
+            </a:r>
+            <a:r>
+              <a:rPr lang="en-US" sz="1600" b="1" dirty="0" err="1">
+                <a:solidFill>
+                  <a:schemeClr val="accent6">
+                    <a:lumMod val="75000"/>
+                  </a:schemeClr>
+                </a:solidFill>
+              </a:rPr>
+              <a:t>myEval</a:t>
+            </a:r>
+            <a:r>
+              <a:rPr lang="en-US" sz="1600" b="1" dirty="0"/>
+              <a:t>(code) {</a:t>
+            </a:r>
+          </a:p>
+          <a:p>
+            <a:r>
+              <a:rPr lang="en-US" sz="1600" b="1" dirty="0"/>
+              <a:t>	</a:t>
+            </a:r>
+            <a:r>
+              <a:rPr lang="en-US" sz="1600" b="1" dirty="0" err="1"/>
               <a:t>eval</a:t>
             </a:r>
             <a:r>
-              <a:rPr lang="en-US" sz="2400" dirty="0"/>
-              <a:t>() - compile a string as JavaScript.</a:t>
-            </a:r>
-          </a:p>
-          <a:p>
-            <a:pPr marL="457200" indent="-457200">
-              <a:buFont typeface="+mj-lt"/>
-              <a:buAutoNum type="arabicPeriod"/>
-            </a:pPr>
-            <a:r>
-              <a:rPr lang="en-US" sz="2400" dirty="0"/>
-              <a:t>new Function() - compile a function.</a:t>
-            </a:r>
-          </a:p>
-          <a:p>
-            <a:pPr marL="457200" indent="-457200">
-              <a:buFont typeface="+mj-lt"/>
-              <a:buAutoNum type="arabicPeriod"/>
-            </a:pPr>
-            <a:r>
-              <a:rPr lang="en-US" sz="2400" dirty="0" err="1"/>
-              <a:t>setTimeout</a:t>
-            </a:r>
-            <a:r>
-              <a:rPr lang="en-US" sz="2400" dirty="0"/>
-              <a:t>, </a:t>
-            </a:r>
-            <a:r>
-              <a:rPr lang="en-US" sz="2400" dirty="0" err="1"/>
-              <a:t>setInterval</a:t>
-            </a:r>
-            <a:r>
-              <a:rPr lang="en-US" sz="2400" dirty="0"/>
-              <a:t> - </a:t>
-            </a:r>
-            <a:r>
-              <a:rPr lang="en-US" sz="2400" dirty="0"/>
-              <a:t>can both take a string as their first argument</a:t>
-            </a:r>
-            <a:endParaRPr lang="en-US" sz="2400" dirty="0"/>
-          </a:p>
-          <a:p>
-            <a:endParaRPr lang="en-US" sz="2400" dirty="0"/>
-          </a:p>
-          <a:p>
-            <a:r>
-              <a:rPr lang="en-US" sz="2400" dirty="0"/>
-              <a:t> </a:t>
-            </a:r>
-          </a:p>
-          <a:p>
-            <a:endParaRPr lang="en-US" sz="2400" dirty="0"/>
+              <a:rPr lang="en-US" sz="1600" b="1" dirty="0"/>
+              <a:t>(code);</a:t>
+            </a:r>
+          </a:p>
+          <a:p>
+            <a:r>
+              <a:rPr lang="en-US" sz="1600" b="1" dirty="0"/>
+              <a:t>}</a:t>
+            </a:r>
+          </a:p>
+          <a:p>
+            <a:endParaRPr lang="en-US" sz="1600" b="1" dirty="0"/>
+          </a:p>
+          <a:p>
+            <a:r>
+              <a:rPr lang="en-US" sz="1600" b="1" dirty="0"/>
+              <a:t>function </a:t>
+            </a:r>
+            <a:r>
+              <a:rPr lang="en-US" sz="1600" b="1" dirty="0">
+                <a:solidFill>
+                  <a:schemeClr val="accent6">
+                    <a:lumMod val="75000"/>
+                  </a:schemeClr>
+                </a:solidFill>
+              </a:rPr>
+              <a:t>test2</a:t>
+            </a:r>
+            <a:r>
+              <a:rPr lang="en-US" sz="1600" b="1" dirty="0"/>
+              <a:t>() {</a:t>
+            </a:r>
+          </a:p>
+          <a:p>
+            <a:r>
+              <a:rPr lang="en-US" sz="1600" b="1" dirty="0"/>
+              <a:t>	</a:t>
+            </a:r>
+            <a:r>
+              <a:rPr lang="en-US" sz="1600" b="1" dirty="0" err="1"/>
+              <a:t>var</a:t>
+            </a:r>
+            <a:r>
+              <a:rPr lang="en-US" sz="1600" b="1" dirty="0"/>
+              <a:t> foo = 2;</a:t>
+            </a:r>
+          </a:p>
+          <a:p>
+            <a:r>
+              <a:rPr lang="en-US" sz="1600" b="1" dirty="0"/>
+              <a:t>	</a:t>
+            </a:r>
+            <a:r>
+              <a:rPr lang="en-US" sz="1600" b="1" dirty="0" err="1">
+                <a:solidFill>
+                  <a:schemeClr val="accent6">
+                    <a:lumMod val="75000"/>
+                  </a:schemeClr>
+                </a:solidFill>
+              </a:rPr>
+              <a:t>myEval</a:t>
+            </a:r>
+            <a:r>
+              <a:rPr lang="en-US" sz="1600" b="1" dirty="0"/>
+              <a:t>("foo = 3");</a:t>
+            </a:r>
+          </a:p>
+          <a:p>
+            <a:r>
+              <a:rPr lang="en-US" sz="1600" b="1" dirty="0"/>
+              <a:t>}</a:t>
+            </a:r>
+          </a:p>
+          <a:p>
+            <a:endParaRPr lang="en-US" sz="1600" b="1" dirty="0"/>
+          </a:p>
+          <a:p>
+            <a:r>
+              <a:rPr lang="en-US" sz="1600" b="1" dirty="0">
+                <a:solidFill>
+                  <a:schemeClr val="accent6">
+                    <a:lumMod val="75000"/>
+                  </a:schemeClr>
+                </a:solidFill>
+              </a:rPr>
+              <a:t>test2</a:t>
+            </a:r>
+            <a:r>
+              <a:rPr lang="en-US" sz="1600" b="1" dirty="0"/>
+              <a:t>();</a:t>
+            </a:r>
+          </a:p>
+          <a:p>
+            <a:r>
+              <a:rPr lang="en-US" sz="1600" b="1" dirty="0"/>
+              <a:t>console.log(foo); </a:t>
+            </a:r>
+            <a:r>
+              <a:rPr lang="en-US" sz="1600" b="1" dirty="0">
+                <a:solidFill>
+                  <a:schemeClr val="bg1">
+                    <a:lumMod val="50000"/>
+                  </a:schemeClr>
+                </a:solidFill>
+              </a:rPr>
+              <a:t>//3</a:t>
+            </a:r>
+          </a:p>
+          <a:p>
+            <a:endParaRPr lang="en-US" sz="1600" b="1" dirty="0"/>
           </a:p>
         </p:txBody>
       </p:sp>
     </p:spTree>
     <p:extLst>
       <p:ext uri="{BB962C8B-B14F-4D97-AF65-F5344CB8AC3E}">
-        <p14:creationId xmlns:p14="http://schemas.microsoft.com/office/powerpoint/2010/main" val="2551204262"/>
+        <p14:creationId xmlns:p14="http://schemas.microsoft.com/office/powerpoint/2010/main" val="1167244014"/>
       </p:ext>
     </p:extLst>
   </p:cSld>
@@ -9790,540 +8325,6 @@
       </p:sp>
       <p:sp>
         <p:nvSpPr>
-          <p:cNvPr id="5" name="Rectangle 4"/>
-          <p:cNvSpPr/>
-          <p:nvPr/>
-        </p:nvSpPr>
-        <p:spPr>
-          <a:xfrm>
-            <a:off x="2063552" y="908721"/>
-            <a:ext cx="8064896" cy="830997"/>
-          </a:xfrm>
-          <a:prstGeom prst="rect">
-            <a:avLst/>
-          </a:prstGeom>
-        </p:spPr>
-        <p:txBody>
-          <a:bodyPr wrap="square">
-            <a:spAutoFit/>
-          </a:bodyPr>
-          <a:lstStyle/>
-          <a:p>
-            <a:r>
-              <a:rPr lang="en-US" sz="2400" dirty="0"/>
-              <a:t>The </a:t>
-            </a:r>
-            <a:r>
-              <a:rPr lang="en-US" sz="2400" dirty="0" err="1"/>
-              <a:t>eval</a:t>
-            </a:r>
-            <a:r>
-              <a:rPr lang="en-US" sz="2400" dirty="0"/>
-              <a:t> function will execute a string of JavaScript code in the </a:t>
-            </a:r>
-            <a:r>
-              <a:rPr lang="en-US" sz="2400" dirty="0"/>
-              <a:t>current scope</a:t>
-            </a:r>
-            <a:endParaRPr lang="en-US" sz="2400" dirty="0"/>
-          </a:p>
-        </p:txBody>
-      </p:sp>
-      <p:sp>
-        <p:nvSpPr>
-          <p:cNvPr id="6" name="Rectangle 5"/>
-          <p:cNvSpPr/>
-          <p:nvPr/>
-        </p:nvSpPr>
-        <p:spPr>
-          <a:xfrm>
-            <a:off x="2063552" y="1855545"/>
-            <a:ext cx="4572000" cy="2862322"/>
-          </a:xfrm>
-          <a:prstGeom prst="rect">
-            <a:avLst/>
-          </a:prstGeom>
-        </p:spPr>
-        <p:style>
-          <a:lnRef idx="1">
-            <a:schemeClr val="dk1"/>
-          </a:lnRef>
-          <a:fillRef idx="1001">
-            <a:schemeClr val="lt2"/>
-          </a:fillRef>
-          <a:effectRef idx="1">
-            <a:schemeClr val="dk1"/>
-          </a:effectRef>
-          <a:fontRef idx="minor">
-            <a:schemeClr val="dk1"/>
-          </a:fontRef>
-        </p:style>
-        <p:txBody>
-          <a:bodyPr wrap="square">
-            <a:spAutoFit/>
-          </a:bodyPr>
-          <a:lstStyle/>
-          <a:p>
-            <a:r>
-              <a:rPr lang="en-US" sz="2000" b="1" dirty="0" err="1"/>
-              <a:t>var</a:t>
-            </a:r>
-            <a:r>
-              <a:rPr lang="en-US" sz="2000" b="1" dirty="0"/>
-              <a:t> foo = 1;</a:t>
-            </a:r>
-          </a:p>
-          <a:p>
-            <a:endParaRPr lang="en-US" sz="2000" b="1" dirty="0"/>
-          </a:p>
-          <a:p>
-            <a:r>
-              <a:rPr lang="en-US" sz="2000" b="1" dirty="0"/>
-              <a:t>function test1() {</a:t>
-            </a:r>
-          </a:p>
-          <a:p>
-            <a:r>
-              <a:rPr lang="en-US" sz="2000" b="1" dirty="0"/>
-              <a:t>	</a:t>
-            </a:r>
-            <a:r>
-              <a:rPr lang="en-US" sz="2000" b="1" dirty="0" err="1"/>
-              <a:t>var</a:t>
-            </a:r>
-            <a:r>
-              <a:rPr lang="en-US" sz="2000" b="1" dirty="0"/>
-              <a:t> foo = 2;</a:t>
-            </a:r>
-          </a:p>
-          <a:p>
-            <a:r>
-              <a:rPr lang="en-US" sz="2000" b="1" dirty="0"/>
-              <a:t>	</a:t>
-            </a:r>
-            <a:r>
-              <a:rPr lang="en-US" sz="2000" b="1" dirty="0" err="1"/>
-              <a:t>eval</a:t>
-            </a:r>
-            <a:r>
-              <a:rPr lang="en-US" sz="2000" b="1" dirty="0"/>
-              <a:t>("foo = 3"); </a:t>
-            </a:r>
-          </a:p>
-          <a:p>
-            <a:r>
-              <a:rPr lang="en-US" sz="2000" b="1" dirty="0"/>
-              <a:t>}</a:t>
-            </a:r>
-          </a:p>
-          <a:p>
-            <a:endParaRPr lang="en-US" sz="2000" b="1" dirty="0"/>
-          </a:p>
-          <a:p>
-            <a:r>
-              <a:rPr lang="en-US" sz="2000" b="1" dirty="0"/>
-              <a:t>test1();</a:t>
-            </a:r>
-          </a:p>
-          <a:p>
-            <a:r>
-              <a:rPr lang="en-US" sz="2000" b="1" dirty="0"/>
-              <a:t>console.log(foo</a:t>
-            </a:r>
-            <a:r>
-              <a:rPr lang="en-US" sz="2000" b="1" dirty="0"/>
-              <a:t>); </a:t>
-            </a:r>
-            <a:r>
-              <a:rPr lang="en-US" sz="2000" b="1" dirty="0">
-                <a:solidFill>
-                  <a:schemeClr val="bg1">
-                    <a:lumMod val="50000"/>
-                  </a:schemeClr>
-                </a:solidFill>
-              </a:rPr>
-              <a:t>// 1</a:t>
-            </a:r>
-            <a:endParaRPr lang="en-US" sz="2000" b="1" dirty="0">
-              <a:solidFill>
-                <a:schemeClr val="bg1">
-                  <a:lumMod val="50000"/>
-                </a:schemeClr>
-              </a:solidFill>
-            </a:endParaRPr>
-          </a:p>
-        </p:txBody>
-      </p:sp>
-    </p:spTree>
-    <p:extLst>
-      <p:ext uri="{BB962C8B-B14F-4D97-AF65-F5344CB8AC3E}">
-        <p14:creationId xmlns:p14="http://schemas.microsoft.com/office/powerpoint/2010/main" val="3323698446"/>
-      </p:ext>
-    </p:extLst>
-  </p:cSld>
-  <p:clrMapOvr>
-    <a:masterClrMapping/>
-  </p:clrMapOvr>
-  <p:transition/>
-  <p:timing>
-    <p:tnLst>
-      <p:par>
-        <p:cTn id="1" dur="indefinite" restart="never" nodeType="tmRoot"/>
-      </p:par>
-    </p:tnLst>
-  </p:timing>
-</p:sld>
-</file>
-
-<file path=ppt/slides/slide21.xml><?xml version="1.0" encoding="utf-8"?>
-<p:sld xmlns:a="http://schemas.openxmlformats.org/drawingml/2006/main" xmlns:r="http://schemas.openxmlformats.org/officeDocument/2006/relationships" xmlns:p="http://schemas.openxmlformats.org/presentationml/2006/main">
-  <p:cSld>
-    <p:spTree>
-      <p:nvGrpSpPr>
-        <p:cNvPr id="1" name=""/>
-        <p:cNvGrpSpPr/>
-        <p:nvPr/>
-      </p:nvGrpSpPr>
-      <p:grpSpPr>
-        <a:xfrm>
-          <a:off x="0" y="0"/>
-          <a:ext cx="0" cy="0"/>
-          <a:chOff x="0" y="0"/>
-          <a:chExt cx="0" cy="0"/>
-        </a:xfrm>
-      </p:grpSpPr>
-      <p:sp>
-        <p:nvSpPr>
-          <p:cNvPr id="2" name="Заголовок 1"/>
-          <p:cNvSpPr>
-            <a:spLocks noGrp="1"/>
-          </p:cNvSpPr>
-          <p:nvPr>
-            <p:ph type="ctrTitle"/>
-          </p:nvPr>
-        </p:nvSpPr>
-        <p:spPr>
-          <a:xfrm>
-            <a:off x="2166910" y="142852"/>
-            <a:ext cx="7772400" cy="528640"/>
-          </a:xfrm>
-        </p:spPr>
-        <p:txBody>
-          <a:bodyPr>
-            <a:normAutofit fontScale="90000"/>
-          </a:bodyPr>
-          <a:lstStyle/>
-          <a:p>
-            <a:r>
-              <a:rPr lang="en-US" b="1" dirty="0" err="1"/>
-              <a:t>e</a:t>
-            </a:r>
-            <a:r>
-              <a:rPr lang="en-US" b="1" dirty="0" err="1" smtClean="0"/>
-              <a:t>val</a:t>
-            </a:r>
-            <a:r>
-              <a:rPr lang="en-US" b="1" dirty="0" smtClean="0"/>
-              <a:t> is evil</a:t>
-            </a:r>
-            <a:endParaRPr lang="en-US" b="1" dirty="0">
-              <a:solidFill>
-                <a:schemeClr val="tx1">
-                  <a:lumMod val="65000"/>
-                  <a:lumOff val="35000"/>
-                </a:schemeClr>
-              </a:solidFill>
-            </a:endParaRPr>
-          </a:p>
-        </p:txBody>
-      </p:sp>
-      <p:sp>
-        <p:nvSpPr>
-          <p:cNvPr id="3" name="Rectangle 2"/>
-          <p:cNvSpPr/>
-          <p:nvPr/>
-        </p:nvSpPr>
-        <p:spPr>
-          <a:xfrm>
-            <a:off x="1919536" y="836712"/>
-            <a:ext cx="8136904" cy="3539430"/>
-          </a:xfrm>
-          <a:prstGeom prst="rect">
-            <a:avLst/>
-          </a:prstGeom>
-        </p:spPr>
-        <p:style>
-          <a:lnRef idx="1">
-            <a:schemeClr val="dk1"/>
-          </a:lnRef>
-          <a:fillRef idx="1001">
-            <a:schemeClr val="lt2"/>
-          </a:fillRef>
-          <a:effectRef idx="1">
-            <a:schemeClr val="dk1"/>
-          </a:effectRef>
-          <a:fontRef idx="minor">
-            <a:schemeClr val="dk1"/>
-          </a:fontRef>
-        </p:style>
-        <p:txBody>
-          <a:bodyPr wrap="square">
-            <a:spAutoFit/>
-          </a:bodyPr>
-          <a:lstStyle/>
-          <a:p>
-            <a:r>
-              <a:rPr lang="en-US" sz="1600" b="1" dirty="0" err="1"/>
-              <a:t>var</a:t>
-            </a:r>
-            <a:r>
-              <a:rPr lang="en-US" sz="1600" b="1" dirty="0"/>
-              <a:t> foo = 1</a:t>
-            </a:r>
-            <a:r>
-              <a:rPr lang="en-US" sz="1600" b="1" dirty="0"/>
-              <a:t>;</a:t>
-            </a:r>
-          </a:p>
-          <a:p>
-            <a:endParaRPr lang="en-US" sz="1600" b="1" dirty="0"/>
-          </a:p>
-          <a:p>
-            <a:r>
-              <a:rPr lang="en-US" sz="1600" b="1" dirty="0"/>
-              <a:t>function </a:t>
-            </a:r>
-            <a:r>
-              <a:rPr lang="en-US" sz="1600" b="1" dirty="0" err="1">
-                <a:solidFill>
-                  <a:schemeClr val="accent6">
-                    <a:lumMod val="75000"/>
-                  </a:schemeClr>
-                </a:solidFill>
-              </a:rPr>
-              <a:t>myEval</a:t>
-            </a:r>
-            <a:r>
-              <a:rPr lang="en-US" sz="1600" b="1" dirty="0"/>
-              <a:t>(code) {</a:t>
-            </a:r>
-          </a:p>
-          <a:p>
-            <a:r>
-              <a:rPr lang="en-US" sz="1600" b="1" dirty="0"/>
-              <a:t>	</a:t>
-            </a:r>
-            <a:r>
-              <a:rPr lang="en-US" sz="1600" b="1" dirty="0" err="1"/>
-              <a:t>eval</a:t>
-            </a:r>
-            <a:r>
-              <a:rPr lang="en-US" sz="1600" b="1" dirty="0"/>
-              <a:t>(code);</a:t>
-            </a:r>
-          </a:p>
-          <a:p>
-            <a:r>
-              <a:rPr lang="en-US" sz="1600" b="1" dirty="0"/>
-              <a:t>}</a:t>
-            </a:r>
-            <a:endParaRPr lang="en-US" sz="1600" b="1" dirty="0"/>
-          </a:p>
-          <a:p>
-            <a:endParaRPr lang="en-US" sz="1600" b="1" dirty="0"/>
-          </a:p>
-          <a:p>
-            <a:r>
-              <a:rPr lang="en-US" sz="1600" b="1" dirty="0"/>
-              <a:t>function </a:t>
-            </a:r>
-            <a:r>
-              <a:rPr lang="en-US" sz="1600" b="1" dirty="0">
-                <a:solidFill>
-                  <a:schemeClr val="accent6">
-                    <a:lumMod val="75000"/>
-                  </a:schemeClr>
-                </a:solidFill>
-              </a:rPr>
-              <a:t>test2</a:t>
-            </a:r>
-            <a:r>
-              <a:rPr lang="en-US" sz="1600" b="1" dirty="0"/>
-              <a:t>() {</a:t>
-            </a:r>
-          </a:p>
-          <a:p>
-            <a:r>
-              <a:rPr lang="en-US" sz="1600" b="1" dirty="0"/>
-              <a:t>	</a:t>
-            </a:r>
-            <a:r>
-              <a:rPr lang="en-US" sz="1600" b="1" dirty="0" err="1"/>
-              <a:t>var</a:t>
-            </a:r>
-            <a:r>
-              <a:rPr lang="en-US" sz="1600" b="1" dirty="0"/>
-              <a:t> foo = 2;</a:t>
-            </a:r>
-          </a:p>
-          <a:p>
-            <a:r>
-              <a:rPr lang="en-US" sz="1600" b="1" dirty="0"/>
-              <a:t>	</a:t>
-            </a:r>
-            <a:r>
-              <a:rPr lang="en-US" sz="1600" b="1" dirty="0" err="1">
-                <a:solidFill>
-                  <a:schemeClr val="accent6">
-                    <a:lumMod val="75000"/>
-                  </a:schemeClr>
-                </a:solidFill>
-              </a:rPr>
-              <a:t>myEval</a:t>
-            </a:r>
-            <a:r>
-              <a:rPr lang="en-US" sz="1600" b="1" dirty="0"/>
-              <a:t>("foo = 3");</a:t>
-            </a:r>
-          </a:p>
-          <a:p>
-            <a:r>
-              <a:rPr lang="en-US" sz="1600" b="1" dirty="0"/>
-              <a:t>}</a:t>
-            </a:r>
-          </a:p>
-          <a:p>
-            <a:endParaRPr lang="en-US" sz="1600" b="1" dirty="0"/>
-          </a:p>
-          <a:p>
-            <a:r>
-              <a:rPr lang="en-US" sz="1600" b="1" dirty="0">
-                <a:solidFill>
-                  <a:schemeClr val="accent6">
-                    <a:lumMod val="75000"/>
-                  </a:schemeClr>
-                </a:solidFill>
-              </a:rPr>
-              <a:t>test2</a:t>
-            </a:r>
-            <a:r>
-              <a:rPr lang="en-US" sz="1600" b="1" dirty="0"/>
-              <a:t>();</a:t>
-            </a:r>
-          </a:p>
-          <a:p>
-            <a:r>
-              <a:rPr lang="en-US" sz="1600" b="1" dirty="0"/>
-              <a:t>console.log(foo); </a:t>
-            </a:r>
-            <a:r>
-              <a:rPr lang="en-US" sz="1600" b="1" dirty="0">
-                <a:solidFill>
-                  <a:schemeClr val="bg1">
-                    <a:lumMod val="50000"/>
-                  </a:schemeClr>
-                </a:solidFill>
-              </a:rPr>
-              <a:t>//3</a:t>
-            </a:r>
-            <a:endParaRPr lang="en-US" sz="1600" b="1" dirty="0">
-              <a:solidFill>
-                <a:schemeClr val="bg1">
-                  <a:lumMod val="50000"/>
-                </a:schemeClr>
-              </a:solidFill>
-            </a:endParaRPr>
-          </a:p>
-          <a:p>
-            <a:endParaRPr lang="en-US" sz="1600" b="1" dirty="0"/>
-          </a:p>
-        </p:txBody>
-      </p:sp>
-    </p:spTree>
-    <p:extLst>
-      <p:ext uri="{BB962C8B-B14F-4D97-AF65-F5344CB8AC3E}">
-        <p14:creationId xmlns:p14="http://schemas.microsoft.com/office/powerpoint/2010/main" val="1167244014"/>
-      </p:ext>
-    </p:extLst>
-  </p:cSld>
-  <p:clrMapOvr>
-    <a:masterClrMapping/>
-  </p:clrMapOvr>
-  <p:transition/>
-  <p:timing>
-    <p:tnLst>
-      <p:par>
-        <p:cTn id="1" dur="indefinite" restart="never" nodeType="tmRoot"/>
-      </p:par>
-    </p:tnLst>
-  </p:timing>
-</p:sld>
-</file>
-
-<file path=ppt/slides/slide22.xml><?xml version="1.0" encoding="utf-8"?>
-<p:sld xmlns:a="http://schemas.openxmlformats.org/drawingml/2006/main" xmlns:r="http://schemas.openxmlformats.org/officeDocument/2006/relationships" xmlns:p="http://schemas.openxmlformats.org/presentationml/2006/main">
-  <p:cSld>
-    <p:spTree>
-      <p:nvGrpSpPr>
-        <p:cNvPr id="1" name=""/>
-        <p:cNvGrpSpPr/>
-        <p:nvPr/>
-      </p:nvGrpSpPr>
-      <p:grpSpPr>
-        <a:xfrm>
-          <a:off x="0" y="0"/>
-          <a:ext cx="0" cy="0"/>
-          <a:chOff x="0" y="0"/>
-          <a:chExt cx="0" cy="0"/>
-        </a:xfrm>
-      </p:grpSpPr>
-      <p:sp>
-        <p:nvSpPr>
-          <p:cNvPr id="2" name="Заголовок 1"/>
-          <p:cNvSpPr>
-            <a:spLocks noGrp="1"/>
-          </p:cNvSpPr>
-          <p:nvPr>
-            <p:ph type="ctrTitle"/>
-          </p:nvPr>
-        </p:nvSpPr>
-        <p:spPr>
-          <a:xfrm>
-            <a:off x="2166910" y="142852"/>
-            <a:ext cx="7772400" cy="528640"/>
-          </a:xfrm>
-        </p:spPr>
-        <p:txBody>
-          <a:bodyPr>
-            <a:normAutofit fontScale="90000"/>
-          </a:bodyPr>
-          <a:lstStyle/>
-          <a:p>
-            <a:r>
-              <a:rPr lang="en-US" b="1" dirty="0" err="1"/>
-              <a:t>e</a:t>
-            </a:r>
-            <a:r>
-              <a:rPr lang="en-US" b="1" dirty="0" err="1" smtClean="0"/>
-              <a:t>val</a:t>
-            </a:r>
-            <a:r>
-              <a:rPr lang="en-US" b="1" dirty="0" smtClean="0"/>
-              <a:t> is evil</a:t>
-            </a:r>
-            <a:endParaRPr lang="en-US" b="1" dirty="0">
-              <a:solidFill>
-                <a:schemeClr val="tx1">
-                  <a:lumMod val="65000"/>
-                  <a:lumOff val="35000"/>
-                </a:schemeClr>
-              </a:solidFill>
-            </a:endParaRPr>
-          </a:p>
-        </p:txBody>
-      </p:sp>
-      <p:sp>
-        <p:nvSpPr>
           <p:cNvPr id="4" name="Rectangle 3"/>
           <p:cNvSpPr/>
           <p:nvPr/>
@@ -10346,11 +8347,7 @@
             <a:pPr fontAlgn="base"/>
             <a:r>
               <a:rPr lang="en-US" sz="2800" dirty="0"/>
-              <a:t>+ Security </a:t>
-            </a:r>
-            <a:r>
-              <a:rPr lang="en-US" sz="2800" dirty="0"/>
-              <a:t>Issues</a:t>
+              <a:t>+ Security Issues</a:t>
             </a:r>
           </a:p>
           <a:p>
@@ -10367,11 +8364,7 @@
             </a:r>
             <a:r>
               <a:rPr lang="en-US" sz="2800" dirty="0"/>
-              <a:t> </a:t>
-            </a:r>
-            <a:r>
-              <a:rPr lang="en-US" sz="2800" dirty="0"/>
-              <a:t>requires a compile and is therefore slow</a:t>
+              <a:t> requires a compile and is therefore slow</a:t>
             </a:r>
           </a:p>
         </p:txBody>
@@ -10618,93 +8611,9 @@
           <a:p>
             <a:r>
               <a:rPr lang="en-US" b="1" dirty="0" smtClean="0"/>
-              <a:t>Variables</a:t>
+              <a:t>Scope</a:t>
             </a:r>
             <a:endParaRPr lang="en-US" b="1" dirty="0"/>
-          </a:p>
-        </p:txBody>
-      </p:sp>
-      <p:sp>
-        <p:nvSpPr>
-          <p:cNvPr id="5" name="Заголовок 1"/>
-          <p:cNvSpPr txBox="1">
-            <a:spLocks/>
-          </p:cNvSpPr>
-          <p:nvPr/>
-        </p:nvSpPr>
-        <p:spPr>
-          <a:xfrm>
-            <a:off x="2095472" y="1285860"/>
-            <a:ext cx="7772400" cy="3786214"/>
-          </a:xfrm>
-          <a:prstGeom prst="rect">
-            <a:avLst/>
-          </a:prstGeom>
-        </p:spPr>
-        <p:txBody>
-          <a:bodyPr vert="horz" lIns="91440" tIns="45720" rIns="91440" bIns="45720" rtlCol="0" anchor="ctr">
-            <a:normAutofit/>
-          </a:bodyPr>
-          <a:lstStyle/>
-          <a:p>
-            <a:pPr>
-              <a:spcBef>
-                <a:spcPct val="0"/>
-              </a:spcBef>
-            </a:pPr>
-            <a:endParaRPr lang="be-BY"/>
-          </a:p>
-          <a:p>
-            <a:pPr>
-              <a:spcBef>
-                <a:spcPct val="0"/>
-              </a:spcBef>
-              <a:defRPr/>
-            </a:pPr>
-            <a:endParaRPr lang="be-BY" sz="4400" dirty="0">
-              <a:latin typeface="+mj-lt"/>
-              <a:ea typeface="+mj-ea"/>
-              <a:cs typeface="+mj-cs"/>
-            </a:endParaRPr>
-          </a:p>
-        </p:txBody>
-      </p:sp>
-      <p:sp>
-        <p:nvSpPr>
-          <p:cNvPr id="13" name="Rectangle 12"/>
-          <p:cNvSpPr/>
-          <p:nvPr/>
-        </p:nvSpPr>
-        <p:spPr>
-          <a:xfrm>
-            <a:off x="2381224" y="1142985"/>
-            <a:ext cx="7572428" cy="830997"/>
-          </a:xfrm>
-          <a:prstGeom prst="rect">
-            <a:avLst/>
-          </a:prstGeom>
-        </p:spPr>
-        <p:txBody>
-          <a:bodyPr wrap="square">
-            <a:spAutoFit/>
-          </a:bodyPr>
-          <a:lstStyle/>
-          <a:p>
-            <a:r>
-              <a:rPr lang="en-US" sz="2400" b="1" dirty="0">
-                <a:solidFill>
-                  <a:srgbClr val="FF0000"/>
-                </a:solidFill>
-              </a:rPr>
-              <a:t>JavaScript variables are loosely typed</a:t>
-            </a:r>
-          </a:p>
-          <a:p>
-            <a:pPr>
-              <a:buFont typeface="Arial" pitchFamily="34" charset="0"/>
-              <a:buChar char="•"/>
-            </a:pPr>
-            <a:endParaRPr lang="en-US" sz="2400" b="1" dirty="0"/>
           </a:p>
         </p:txBody>
       </p:sp>
@@ -10716,8 +8625,8 @@
         </p:nvSpPr>
         <p:spPr>
           <a:xfrm>
-            <a:off x="2238348" y="2071678"/>
-            <a:ext cx="7643866" cy="2308324"/>
+            <a:off x="1952596" y="1857365"/>
+            <a:ext cx="8429684" cy="3693319"/>
           </a:xfrm>
           <a:prstGeom prst="rect">
             <a:avLst/>
@@ -10744,150 +8653,488 @@
           <a:lstStyle/>
           <a:p>
             <a:r>
-              <a:rPr lang="en-US" sz="2400" b="1" dirty="0" err="1">
+              <a:rPr lang="en-US" b="1" dirty="0">
                 <a:solidFill>
                   <a:srgbClr val="0070C0"/>
                 </a:solidFill>
               </a:rPr>
-              <a:t>var</a:t>
-            </a:r>
-            <a:r>
-              <a:rPr lang="en-US" sz="2400" b="1" dirty="0"/>
+              <a:t>function</a:t>
+            </a:r>
+            <a:r>
+              <a:rPr lang="en-US" b="1" dirty="0"/>
               <a:t> </a:t>
             </a:r>
             <a:r>
-              <a:rPr lang="en-US" sz="2400" b="1" dirty="0" err="1">
+              <a:rPr lang="en-US" b="1" dirty="0">
                 <a:solidFill>
                   <a:schemeClr val="accent6">
                     <a:lumMod val="75000"/>
                   </a:schemeClr>
                 </a:solidFill>
               </a:rPr>
-              <a:t>myVariable</a:t>
-            </a:r>
-            <a:r>
-              <a:rPr lang="en-US" sz="2400" b="1" dirty="0"/>
-              <a:t>; // undefined</a:t>
-            </a:r>
-          </a:p>
-          <a:p>
-            <a:r>
-              <a:rPr lang="en-US" sz="2400" b="1" dirty="0" err="1">
+              <a:t>test</a:t>
+            </a:r>
+            <a:r>
+              <a:rPr lang="en-US" b="1" dirty="0"/>
+              <a:t>(</a:t>
+            </a:r>
+            <a:r>
+              <a:rPr lang="en-US" b="1" dirty="0">
                 <a:solidFill>
                   <a:schemeClr val="accent6">
                     <a:lumMod val="75000"/>
                   </a:schemeClr>
                 </a:solidFill>
               </a:rPr>
-              <a:t>myVariable</a:t>
-            </a:r>
-            <a:r>
-              <a:rPr lang="en-US" sz="2400" b="1" dirty="0"/>
-              <a:t> = </a:t>
-            </a:r>
-            <a:r>
-              <a:rPr lang="en-US" sz="2400" b="1" dirty="0">
-                <a:solidFill>
-                  <a:srgbClr val="00B050"/>
-                </a:solidFill>
-              </a:rPr>
-              <a:t>5</a:t>
-            </a:r>
-            <a:r>
-              <a:rPr lang="en-US" sz="2400" b="1" dirty="0"/>
-              <a:t>; // number</a:t>
-            </a:r>
-          </a:p>
-          <a:p>
-            <a:r>
-              <a:rPr lang="en-US" sz="2400" b="1" dirty="0" err="1">
+              <a:t>o</a:t>
+            </a:r>
+            <a:r>
+              <a:rPr lang="en-US" b="1" dirty="0"/>
+              <a:t>) {</a:t>
+            </a:r>
+          </a:p>
+          <a:p>
+            <a:r>
+              <a:rPr lang="en-US" b="1" dirty="0"/>
+              <a:t>        </a:t>
+            </a:r>
+            <a:r>
+              <a:rPr lang="en-US" b="1" dirty="0" err="1">
+                <a:solidFill>
+                  <a:srgbClr val="0070C0"/>
+                </a:solidFill>
+              </a:rPr>
+              <a:t>var</a:t>
+            </a:r>
+            <a:r>
+              <a:rPr lang="en-US" b="1" dirty="0"/>
+              <a:t> </a:t>
+            </a:r>
+            <a:r>
+              <a:rPr lang="en-US" b="1" dirty="0" err="1">
                 <a:solidFill>
                   <a:schemeClr val="accent6">
                     <a:lumMod val="75000"/>
                   </a:schemeClr>
                 </a:solidFill>
               </a:rPr>
-              <a:t>myVariable</a:t>
-            </a:r>
-            <a:r>
-              <a:rPr lang="en-US" sz="2400" b="1" dirty="0"/>
-              <a:t> += </a:t>
-            </a:r>
-            <a:r>
-              <a:rPr lang="en-US" sz="2400" b="1" dirty="0">
+              <a:t>i</a:t>
+            </a:r>
+            <a:r>
+              <a:rPr lang="en-US" b="1" dirty="0"/>
+              <a:t> = </a:t>
+            </a:r>
+            <a:r>
+              <a:rPr lang="en-US" b="1" dirty="0">
                 <a:solidFill>
                   <a:srgbClr val="00B050"/>
                 </a:solidFill>
               </a:rPr>
-              <a:t>" dollars"</a:t>
-            </a:r>
-            <a:r>
-              <a:rPr lang="en-US" sz="2400" b="1" dirty="0"/>
-              <a:t>; //string</a:t>
-            </a:r>
-          </a:p>
-          <a:p>
-            <a:r>
-              <a:rPr lang="en-US" sz="2400" b="1" dirty="0" err="1">
+              <a:t>0</a:t>
+            </a:r>
+            <a:r>
+              <a:rPr lang="en-US" b="1" dirty="0"/>
+              <a:t>;       // </a:t>
+            </a:r>
+            <a:r>
+              <a:rPr lang="en-US" b="1" dirty="0" err="1"/>
+              <a:t>i</a:t>
+            </a:r>
+            <a:r>
+              <a:rPr lang="en-US" b="1" dirty="0"/>
+              <a:t> is defined throughout function </a:t>
+            </a:r>
+          </a:p>
+          <a:p>
+            <a:r>
+              <a:rPr lang="en-US" b="1" dirty="0"/>
+              <a:t>        </a:t>
+            </a:r>
+            <a:r>
+              <a:rPr lang="en-US" b="1" dirty="0">
+                <a:solidFill>
+                  <a:srgbClr val="0070C0"/>
+                </a:solidFill>
+              </a:rPr>
+              <a:t>if</a:t>
+            </a:r>
+            <a:r>
+              <a:rPr lang="en-US" b="1" dirty="0"/>
+              <a:t> (</a:t>
+            </a:r>
+            <a:r>
+              <a:rPr lang="en-US" b="1" dirty="0" err="1">
+                <a:solidFill>
+                  <a:srgbClr val="0070C0"/>
+                </a:solidFill>
+              </a:rPr>
+              <a:t>typeof</a:t>
+            </a:r>
+            <a:r>
+              <a:rPr lang="en-US" b="1" dirty="0"/>
+              <a:t> </a:t>
+            </a:r>
+            <a:r>
+              <a:rPr lang="en-US" b="1" dirty="0">
                 <a:solidFill>
                   <a:schemeClr val="accent6">
                     <a:lumMod val="75000"/>
                   </a:schemeClr>
                 </a:solidFill>
               </a:rPr>
-              <a:t>myVariable</a:t>
-            </a:r>
-            <a:r>
-              <a:rPr lang="en-US" sz="2400" b="1" dirty="0"/>
+              <a:t>o</a:t>
+            </a:r>
+            <a:r>
+              <a:rPr lang="en-US" b="1" dirty="0"/>
+              <a:t> == "</a:t>
+            </a:r>
+            <a:r>
+              <a:rPr lang="en-US" b="1" dirty="0">
+                <a:solidFill>
+                  <a:srgbClr val="00B050"/>
+                </a:solidFill>
+              </a:rPr>
+              <a:t>object</a:t>
+            </a:r>
+            <a:r>
+              <a:rPr lang="en-US" b="1" dirty="0"/>
+              <a:t>") { </a:t>
+            </a:r>
+          </a:p>
+          <a:p>
+            <a:r>
+              <a:rPr lang="en-US" b="1" dirty="0"/>
+              <a:t>                </a:t>
+            </a:r>
+            <a:r>
+              <a:rPr lang="en-US" b="1" dirty="0" err="1">
+                <a:solidFill>
+                  <a:srgbClr val="0070C0"/>
+                </a:solidFill>
+              </a:rPr>
+              <a:t>var</a:t>
+            </a:r>
+            <a:r>
+              <a:rPr lang="en-US" b="1" dirty="0"/>
+              <a:t> </a:t>
+            </a:r>
+            <a:r>
+              <a:rPr lang="en-US" b="1" dirty="0">
+                <a:solidFill>
+                  <a:schemeClr val="accent6">
+                    <a:lumMod val="75000"/>
+                  </a:schemeClr>
+                </a:solidFill>
+              </a:rPr>
+              <a:t>j</a:t>
+            </a:r>
+            <a:r>
+              <a:rPr lang="en-US" b="1" dirty="0"/>
               <a:t> = </a:t>
             </a:r>
             <a:r>
-              <a:rPr lang="en-US" sz="2400" b="1" dirty="0">
+              <a:rPr lang="en-US" b="1" dirty="0">
+                <a:solidFill>
+                  <a:srgbClr val="00B050"/>
+                </a:solidFill>
+              </a:rPr>
+              <a:t>0</a:t>
+            </a:r>
+            <a:r>
+              <a:rPr lang="en-US" b="1" dirty="0"/>
+              <a:t>;     // j is defined everywhere, not just block </a:t>
+            </a:r>
+          </a:p>
+          <a:p>
+            <a:endParaRPr lang="en-US" b="1" dirty="0"/>
+          </a:p>
+          <a:p>
+            <a:r>
+              <a:rPr lang="en-US" b="1" dirty="0"/>
+              <a:t>                </a:t>
+            </a:r>
+            <a:r>
+              <a:rPr lang="en-US" b="1" dirty="0">
                 <a:solidFill>
                   <a:srgbClr val="0070C0"/>
                 </a:solidFill>
               </a:rPr>
-              <a:t>function</a:t>
-            </a:r>
-            <a:r>
-              <a:rPr lang="en-US" sz="2400" b="1" dirty="0"/>
-              <a:t>() {  //function</a:t>
-            </a:r>
-          </a:p>
-          <a:p>
-            <a:r>
-              <a:rPr lang="en-US" sz="2400" b="1" dirty="0"/>
-              <a:t>	</a:t>
-            </a:r>
-            <a:r>
-              <a:rPr lang="en-US" sz="2400" b="1" dirty="0">
+              <a:t>for(</a:t>
+            </a:r>
+            <a:r>
+              <a:rPr lang="en-US" b="1" dirty="0" err="1">
                 <a:solidFill>
                   <a:srgbClr val="0070C0"/>
                 </a:solidFill>
               </a:rPr>
-              <a:t>return</a:t>
-            </a:r>
-            <a:r>
-              <a:rPr lang="en-US" sz="2400" b="1" dirty="0"/>
+              <a:t>var</a:t>
+            </a:r>
+            <a:r>
+              <a:rPr lang="en-US" b="1" dirty="0"/>
               <a:t> </a:t>
             </a:r>
             <a:r>
-              <a:rPr lang="en-US" sz="2400" b="1" dirty="0">
+              <a:rPr lang="en-US" b="1" dirty="0">
+                <a:solidFill>
+                  <a:schemeClr val="accent6">
+                    <a:lumMod val="75000"/>
+                  </a:schemeClr>
+                </a:solidFill>
+              </a:rPr>
+              <a:t>k</a:t>
+            </a:r>
+            <a:r>
+              <a:rPr lang="en-US" b="1" dirty="0"/>
+              <a:t>=</a:t>
+            </a:r>
+            <a:r>
+              <a:rPr lang="en-US" b="1" dirty="0">
                 <a:solidFill>
                   <a:srgbClr val="00B050"/>
                 </a:solidFill>
               </a:rPr>
-              <a:t>3.14159265</a:t>
-            </a:r>
-            <a:r>
-              <a:rPr lang="en-US" sz="2400" b="1" dirty="0"/>
-              <a:t>;</a:t>
-            </a:r>
-          </a:p>
-          <a:p>
-            <a:r>
-              <a:rPr lang="en-US" sz="2400" b="1" dirty="0"/>
-              <a:t>}</a:t>
+              <a:t>0</a:t>
+            </a:r>
+            <a:r>
+              <a:rPr lang="en-US" b="1" dirty="0"/>
+              <a:t>; </a:t>
+            </a:r>
+            <a:r>
+              <a:rPr lang="en-US" b="1" dirty="0">
+                <a:solidFill>
+                  <a:schemeClr val="accent6">
+                    <a:lumMod val="75000"/>
+                  </a:schemeClr>
+                </a:solidFill>
+              </a:rPr>
+              <a:t>k</a:t>
+            </a:r>
+            <a:r>
+              <a:rPr lang="en-US" b="1" dirty="0"/>
+              <a:t> &lt; </a:t>
+            </a:r>
+            <a:r>
+              <a:rPr lang="en-US" b="1" dirty="0">
+                <a:solidFill>
+                  <a:srgbClr val="00B050"/>
+                </a:solidFill>
+              </a:rPr>
+              <a:t>10</a:t>
+            </a:r>
+            <a:r>
+              <a:rPr lang="en-US" b="1" dirty="0"/>
+              <a:t>; </a:t>
+            </a:r>
+            <a:r>
+              <a:rPr lang="en-US" b="1" dirty="0">
+                <a:solidFill>
+                  <a:schemeClr val="accent6">
+                    <a:lumMod val="75000"/>
+                  </a:schemeClr>
+                </a:solidFill>
+              </a:rPr>
+              <a:t>k</a:t>
+            </a:r>
+            <a:r>
+              <a:rPr lang="en-US" b="1" dirty="0"/>
+              <a:t>++) {    // k is defined everywhere, not just loop </a:t>
+            </a:r>
+          </a:p>
+          <a:p>
+            <a:r>
+              <a:rPr lang="en-US" b="1" dirty="0"/>
+              <a:t>                      </a:t>
+            </a:r>
+            <a:r>
+              <a:rPr lang="en-US" b="1" dirty="0" err="1">
+                <a:solidFill>
+                  <a:schemeClr val="accent6">
+                    <a:lumMod val="75000"/>
+                  </a:schemeClr>
+                </a:solidFill>
+              </a:rPr>
+              <a:t>document</a:t>
+            </a:r>
+            <a:r>
+              <a:rPr lang="en-US" b="1" dirty="0" err="1"/>
+              <a:t>.</a:t>
+            </a:r>
+            <a:r>
+              <a:rPr lang="en-US" b="1" dirty="0" err="1">
+                <a:solidFill>
+                  <a:srgbClr val="0070C0"/>
+                </a:solidFill>
+              </a:rPr>
+              <a:t>write</a:t>
+            </a:r>
+            <a:r>
+              <a:rPr lang="en-US" b="1" dirty="0"/>
+              <a:t>(</a:t>
+            </a:r>
+            <a:r>
+              <a:rPr lang="en-US" b="1" dirty="0">
+                <a:solidFill>
+                  <a:schemeClr val="accent6">
+                    <a:lumMod val="75000"/>
+                  </a:schemeClr>
+                </a:solidFill>
+              </a:rPr>
+              <a:t>k</a:t>
+            </a:r>
+            <a:r>
+              <a:rPr lang="en-US" b="1" dirty="0"/>
+              <a:t>); </a:t>
+            </a:r>
+          </a:p>
+          <a:p>
+            <a:r>
+              <a:rPr lang="en-US" b="1" dirty="0"/>
+              <a:t>                } </a:t>
+            </a:r>
+          </a:p>
+          <a:p>
+            <a:endParaRPr lang="en-US" b="1" dirty="0"/>
+          </a:p>
+          <a:p>
+            <a:r>
+              <a:rPr lang="en-US" b="1" dirty="0"/>
+              <a:t>                </a:t>
+            </a:r>
+            <a:r>
+              <a:rPr lang="en-US" b="1" dirty="0" err="1">
+                <a:solidFill>
+                  <a:schemeClr val="accent6">
+                    <a:lumMod val="75000"/>
+                  </a:schemeClr>
+                </a:solidFill>
+              </a:rPr>
+              <a:t>document</a:t>
+            </a:r>
+            <a:r>
+              <a:rPr lang="en-US" b="1" dirty="0" err="1"/>
+              <a:t>.</a:t>
+            </a:r>
+            <a:r>
+              <a:rPr lang="en-US" b="1" dirty="0" err="1">
+                <a:solidFill>
+                  <a:srgbClr val="0070C0"/>
+                </a:solidFill>
+              </a:rPr>
+              <a:t>write</a:t>
+            </a:r>
+            <a:r>
+              <a:rPr lang="en-US" b="1" dirty="0"/>
+              <a:t>(</a:t>
+            </a:r>
+            <a:r>
+              <a:rPr lang="en-US" b="1" dirty="0">
+                <a:solidFill>
+                  <a:schemeClr val="accent6">
+                    <a:lumMod val="75000"/>
+                  </a:schemeClr>
+                </a:solidFill>
+              </a:rPr>
+              <a:t>k</a:t>
+            </a:r>
+            <a:r>
+              <a:rPr lang="en-US" b="1" dirty="0"/>
+              <a:t>);   // k is still defined: prints 10 </a:t>
+            </a:r>
+          </a:p>
+          <a:p>
+            <a:r>
+              <a:rPr lang="en-US" b="1" dirty="0"/>
+              <a:t>       } </a:t>
+            </a:r>
+          </a:p>
+          <a:p>
+            <a:r>
+              <a:rPr lang="en-US" b="1" dirty="0"/>
+              <a:t>       </a:t>
+            </a:r>
+            <a:r>
+              <a:rPr lang="en-US" b="1" dirty="0" err="1">
+                <a:solidFill>
+                  <a:schemeClr val="accent6">
+                    <a:lumMod val="75000"/>
+                  </a:schemeClr>
+                </a:solidFill>
+              </a:rPr>
+              <a:t>document</a:t>
+            </a:r>
+            <a:r>
+              <a:rPr lang="en-US" b="1" dirty="0" err="1"/>
+              <a:t>.</a:t>
+            </a:r>
+            <a:r>
+              <a:rPr lang="en-US" b="1" dirty="0" err="1">
+                <a:solidFill>
+                  <a:srgbClr val="0070C0"/>
+                </a:solidFill>
+              </a:rPr>
+              <a:t>write</a:t>
+            </a:r>
+            <a:r>
+              <a:rPr lang="en-US" b="1" dirty="0"/>
+              <a:t>(</a:t>
+            </a:r>
+            <a:r>
+              <a:rPr lang="en-US" b="1" dirty="0">
+                <a:solidFill>
+                  <a:schemeClr val="accent6">
+                    <a:lumMod val="75000"/>
+                  </a:schemeClr>
+                </a:solidFill>
+              </a:rPr>
+              <a:t>j</a:t>
+            </a:r>
+            <a:r>
+              <a:rPr lang="en-US" b="1" dirty="0"/>
+              <a:t>);    // j is defined, but may not be initialized </a:t>
+            </a:r>
+          </a:p>
+          <a:p>
+            <a:r>
+              <a:rPr lang="en-US" b="1" dirty="0"/>
+              <a:t>} </a:t>
+            </a:r>
+          </a:p>
+        </p:txBody>
+      </p:sp>
+      <p:sp>
+        <p:nvSpPr>
+          <p:cNvPr id="7" name="Rectangle 6"/>
+          <p:cNvSpPr/>
+          <p:nvPr/>
+        </p:nvSpPr>
+        <p:spPr>
+          <a:xfrm>
+            <a:off x="2381224" y="785795"/>
+            <a:ext cx="4178836" cy="954107"/>
+          </a:xfrm>
+          <a:prstGeom prst="rect">
+            <a:avLst/>
+          </a:prstGeom>
+        </p:spPr>
+        <p:txBody>
+          <a:bodyPr wrap="none">
+            <a:spAutoFit/>
+          </a:bodyPr>
+          <a:lstStyle/>
+          <a:p>
+            <a:r>
+              <a:rPr lang="en-US" sz="2800" b="1" dirty="0">
+                <a:solidFill>
+                  <a:srgbClr val="FF0000"/>
+                </a:solidFill>
+              </a:rPr>
+              <a:t>No Block Scope</a:t>
+            </a:r>
+          </a:p>
+          <a:p>
+            <a:r>
+              <a:rPr lang="en-US" sz="2800" b="1" dirty="0"/>
+              <a:t>Only functions have scope.</a:t>
             </a:r>
           </a:p>
         </p:txBody>
@@ -10895,7 +9142,7 @@
     </p:spTree>
     <p:extLst>
       <p:ext uri="{BB962C8B-B14F-4D97-AF65-F5344CB8AC3E}">
-        <p14:creationId xmlns:p14="http://schemas.microsoft.com/office/powerpoint/2010/main" val="2521451994"/>
+        <p14:creationId xmlns:p14="http://schemas.microsoft.com/office/powerpoint/2010/main" val="990286409"/>
       </p:ext>
     </p:extLst>
   </p:cSld>
@@ -10953,596 +9200,6 @@
           <a:lstStyle/>
           <a:p>
             <a:r>
-              <a:rPr lang="en-US" b="1" dirty="0" smtClean="0"/>
-              <a:t>Scope</a:t>
-            </a:r>
-            <a:endParaRPr lang="en-US" b="1" dirty="0"/>
-          </a:p>
-        </p:txBody>
-      </p:sp>
-      <p:sp>
-        <p:nvSpPr>
-          <p:cNvPr id="6" name="Rectangle 5"/>
-          <p:cNvSpPr/>
-          <p:nvPr/>
-        </p:nvSpPr>
-        <p:spPr>
-          <a:xfrm>
-            <a:off x="1952596" y="1857365"/>
-            <a:ext cx="8429684" cy="3693319"/>
-          </a:xfrm>
-          <a:prstGeom prst="rect">
-            <a:avLst/>
-          </a:prstGeom>
-        </p:spPr>
-        <p:style>
-          <a:lnRef idx="1">
-            <a:schemeClr val="dk1"/>
-          </a:lnRef>
-          <a:fillRef idx="1001">
-            <a:schemeClr val="lt2"/>
-          </a:fillRef>
-          <a:effectRef idx="1">
-            <a:schemeClr val="dk1"/>
-          </a:effectRef>
-          <a:fontRef idx="minor">
-            <a:schemeClr val="dk1"/>
-          </a:fontRef>
-        </p:style>
-        <p:txBody>
-          <a:bodyPr wrap="square">
-            <a:spAutoFit/>
-          </a:bodyPr>
-          <a:lstStyle/>
-          <a:p>
-            <a:r>
-              <a:rPr lang="en-US" b="1" dirty="0">
-                <a:solidFill>
-                  <a:srgbClr val="0070C0"/>
-                </a:solidFill>
-              </a:rPr>
-              <a:t>function</a:t>
-            </a:r>
-            <a:r>
-              <a:rPr lang="en-US" b="1" dirty="0"/>
-              <a:t> </a:t>
-            </a:r>
-            <a:r>
-              <a:rPr lang="en-US" b="1" dirty="0">
-                <a:solidFill>
-                  <a:schemeClr val="accent6">
-                    <a:lumMod val="75000"/>
-                  </a:schemeClr>
-                </a:solidFill>
-              </a:rPr>
-              <a:t>test</a:t>
-            </a:r>
-            <a:r>
-              <a:rPr lang="en-US" b="1" dirty="0"/>
-              <a:t>(</a:t>
-            </a:r>
-            <a:r>
-              <a:rPr lang="en-US" b="1" dirty="0">
-                <a:solidFill>
-                  <a:schemeClr val="accent6">
-                    <a:lumMod val="75000"/>
-                  </a:schemeClr>
-                </a:solidFill>
-              </a:rPr>
-              <a:t>o</a:t>
-            </a:r>
-            <a:r>
-              <a:rPr lang="en-US" b="1" dirty="0"/>
-              <a:t>) {</a:t>
-            </a:r>
-          </a:p>
-          <a:p>
-            <a:r>
-              <a:rPr lang="en-US" b="1" dirty="0"/>
-              <a:t>        </a:t>
-            </a:r>
-            <a:r>
-              <a:rPr lang="en-US" b="1" dirty="0" err="1">
-                <a:solidFill>
-                  <a:srgbClr val="0070C0"/>
-                </a:solidFill>
-              </a:rPr>
-              <a:t>var</a:t>
-            </a:r>
-            <a:r>
-              <a:rPr lang="en-US" b="1" dirty="0"/>
-              <a:t> </a:t>
-            </a:r>
-            <a:r>
-              <a:rPr lang="en-US" b="1" dirty="0" err="1">
-                <a:solidFill>
-                  <a:schemeClr val="accent6">
-                    <a:lumMod val="75000"/>
-                  </a:schemeClr>
-                </a:solidFill>
-              </a:rPr>
-              <a:t>i</a:t>
-            </a:r>
-            <a:r>
-              <a:rPr lang="en-US" b="1" dirty="0"/>
-              <a:t> = </a:t>
-            </a:r>
-            <a:r>
-              <a:rPr lang="en-US" b="1" dirty="0">
-                <a:solidFill>
-                  <a:srgbClr val="00B050"/>
-                </a:solidFill>
-              </a:rPr>
-              <a:t>0</a:t>
-            </a:r>
-            <a:r>
-              <a:rPr lang="en-US" b="1" dirty="0"/>
-              <a:t>;       // </a:t>
-            </a:r>
-            <a:r>
-              <a:rPr lang="en-US" b="1" dirty="0" err="1"/>
-              <a:t>i</a:t>
-            </a:r>
-            <a:r>
-              <a:rPr lang="en-US" b="1" dirty="0"/>
-              <a:t> is defined throughout function </a:t>
-            </a:r>
-          </a:p>
-          <a:p>
-            <a:r>
-              <a:rPr lang="en-US" b="1" dirty="0"/>
-              <a:t>        </a:t>
-            </a:r>
-            <a:r>
-              <a:rPr lang="en-US" b="1" dirty="0">
-                <a:solidFill>
-                  <a:srgbClr val="0070C0"/>
-                </a:solidFill>
-              </a:rPr>
-              <a:t>if</a:t>
-            </a:r>
-            <a:r>
-              <a:rPr lang="en-US" b="1" dirty="0"/>
-              <a:t> (</a:t>
-            </a:r>
-            <a:r>
-              <a:rPr lang="en-US" b="1" dirty="0" err="1">
-                <a:solidFill>
-                  <a:srgbClr val="0070C0"/>
-                </a:solidFill>
-              </a:rPr>
-              <a:t>typeof</a:t>
-            </a:r>
-            <a:r>
-              <a:rPr lang="en-US" b="1" dirty="0"/>
-              <a:t> </a:t>
-            </a:r>
-            <a:r>
-              <a:rPr lang="en-US" b="1" dirty="0">
-                <a:solidFill>
-                  <a:schemeClr val="accent6">
-                    <a:lumMod val="75000"/>
-                  </a:schemeClr>
-                </a:solidFill>
-              </a:rPr>
-              <a:t>o</a:t>
-            </a:r>
-            <a:r>
-              <a:rPr lang="en-US" b="1" dirty="0"/>
-              <a:t> == "</a:t>
-            </a:r>
-            <a:r>
-              <a:rPr lang="en-US" b="1" dirty="0">
-                <a:solidFill>
-                  <a:srgbClr val="00B050"/>
-                </a:solidFill>
-              </a:rPr>
-              <a:t>object</a:t>
-            </a:r>
-            <a:r>
-              <a:rPr lang="en-US" b="1" dirty="0"/>
-              <a:t>") { </a:t>
-            </a:r>
-          </a:p>
-          <a:p>
-            <a:r>
-              <a:rPr lang="en-US" b="1" dirty="0"/>
-              <a:t>                </a:t>
-            </a:r>
-            <a:r>
-              <a:rPr lang="en-US" b="1" dirty="0" err="1">
-                <a:solidFill>
-                  <a:srgbClr val="0070C0"/>
-                </a:solidFill>
-              </a:rPr>
-              <a:t>var</a:t>
-            </a:r>
-            <a:r>
-              <a:rPr lang="en-US" b="1" dirty="0"/>
-              <a:t> </a:t>
-            </a:r>
-            <a:r>
-              <a:rPr lang="en-US" b="1" dirty="0">
-                <a:solidFill>
-                  <a:schemeClr val="accent6">
-                    <a:lumMod val="75000"/>
-                  </a:schemeClr>
-                </a:solidFill>
-              </a:rPr>
-              <a:t>j</a:t>
-            </a:r>
-            <a:r>
-              <a:rPr lang="en-US" b="1" dirty="0"/>
-              <a:t> = </a:t>
-            </a:r>
-            <a:r>
-              <a:rPr lang="en-US" b="1" dirty="0">
-                <a:solidFill>
-                  <a:srgbClr val="00B050"/>
-                </a:solidFill>
-              </a:rPr>
-              <a:t>0</a:t>
-            </a:r>
-            <a:r>
-              <a:rPr lang="en-US" b="1" dirty="0"/>
-              <a:t>;     // j is defined everywhere, not just block </a:t>
-            </a:r>
-          </a:p>
-          <a:p>
-            <a:endParaRPr lang="en-US" b="1" dirty="0"/>
-          </a:p>
-          <a:p>
-            <a:r>
-              <a:rPr lang="en-US" b="1" dirty="0"/>
-              <a:t>                </a:t>
-            </a:r>
-            <a:r>
-              <a:rPr lang="en-US" b="1" dirty="0">
-                <a:solidFill>
-                  <a:srgbClr val="0070C0"/>
-                </a:solidFill>
-              </a:rPr>
-              <a:t>for(</a:t>
-            </a:r>
-            <a:r>
-              <a:rPr lang="en-US" b="1" dirty="0" err="1">
-                <a:solidFill>
-                  <a:srgbClr val="0070C0"/>
-                </a:solidFill>
-              </a:rPr>
-              <a:t>var</a:t>
-            </a:r>
-            <a:r>
-              <a:rPr lang="en-US" b="1" dirty="0"/>
-              <a:t> </a:t>
-            </a:r>
-            <a:r>
-              <a:rPr lang="en-US" b="1" dirty="0">
-                <a:solidFill>
-                  <a:schemeClr val="accent6">
-                    <a:lumMod val="75000"/>
-                  </a:schemeClr>
-                </a:solidFill>
-              </a:rPr>
-              <a:t>k</a:t>
-            </a:r>
-            <a:r>
-              <a:rPr lang="en-US" b="1" dirty="0"/>
-              <a:t>=</a:t>
-            </a:r>
-            <a:r>
-              <a:rPr lang="en-US" b="1" dirty="0">
-                <a:solidFill>
-                  <a:srgbClr val="00B050"/>
-                </a:solidFill>
-              </a:rPr>
-              <a:t>0</a:t>
-            </a:r>
-            <a:r>
-              <a:rPr lang="en-US" b="1" dirty="0"/>
-              <a:t>; </a:t>
-            </a:r>
-            <a:r>
-              <a:rPr lang="en-US" b="1" dirty="0">
-                <a:solidFill>
-                  <a:schemeClr val="accent6">
-                    <a:lumMod val="75000"/>
-                  </a:schemeClr>
-                </a:solidFill>
-              </a:rPr>
-              <a:t>k</a:t>
-            </a:r>
-            <a:r>
-              <a:rPr lang="en-US" b="1" dirty="0"/>
-              <a:t> &lt; </a:t>
-            </a:r>
-            <a:r>
-              <a:rPr lang="en-US" b="1" dirty="0">
-                <a:solidFill>
-                  <a:srgbClr val="00B050"/>
-                </a:solidFill>
-              </a:rPr>
-              <a:t>10</a:t>
-            </a:r>
-            <a:r>
-              <a:rPr lang="en-US" b="1" dirty="0"/>
-              <a:t>; </a:t>
-            </a:r>
-            <a:r>
-              <a:rPr lang="en-US" b="1" dirty="0">
-                <a:solidFill>
-                  <a:schemeClr val="accent6">
-                    <a:lumMod val="75000"/>
-                  </a:schemeClr>
-                </a:solidFill>
-              </a:rPr>
-              <a:t>k</a:t>
-            </a:r>
-            <a:r>
-              <a:rPr lang="en-US" b="1" dirty="0"/>
-              <a:t>++) {    // k is defined everywhere, not just loop </a:t>
-            </a:r>
-          </a:p>
-          <a:p>
-            <a:r>
-              <a:rPr lang="en-US" b="1" dirty="0"/>
-              <a:t>                      </a:t>
-            </a:r>
-            <a:r>
-              <a:rPr lang="en-US" b="1" dirty="0" err="1">
-                <a:solidFill>
-                  <a:schemeClr val="accent6">
-                    <a:lumMod val="75000"/>
-                  </a:schemeClr>
-                </a:solidFill>
-              </a:rPr>
-              <a:t>document</a:t>
-            </a:r>
-            <a:r>
-              <a:rPr lang="en-US" b="1" dirty="0" err="1"/>
-              <a:t>.</a:t>
-            </a:r>
-            <a:r>
-              <a:rPr lang="en-US" b="1" dirty="0" err="1">
-                <a:solidFill>
-                  <a:srgbClr val="0070C0"/>
-                </a:solidFill>
-              </a:rPr>
-              <a:t>write</a:t>
-            </a:r>
-            <a:r>
-              <a:rPr lang="en-US" b="1" dirty="0"/>
-              <a:t>(</a:t>
-            </a:r>
-            <a:r>
-              <a:rPr lang="en-US" b="1" dirty="0">
-                <a:solidFill>
-                  <a:schemeClr val="accent6">
-                    <a:lumMod val="75000"/>
-                  </a:schemeClr>
-                </a:solidFill>
-              </a:rPr>
-              <a:t>k</a:t>
-            </a:r>
-            <a:r>
-              <a:rPr lang="en-US" b="1" dirty="0"/>
-              <a:t>); </a:t>
-            </a:r>
-          </a:p>
-          <a:p>
-            <a:r>
-              <a:rPr lang="en-US" b="1" dirty="0"/>
-              <a:t>                } </a:t>
-            </a:r>
-          </a:p>
-          <a:p>
-            <a:endParaRPr lang="en-US" b="1" dirty="0"/>
-          </a:p>
-          <a:p>
-            <a:r>
-              <a:rPr lang="en-US" b="1" dirty="0"/>
-              <a:t>                </a:t>
-            </a:r>
-            <a:r>
-              <a:rPr lang="en-US" b="1" dirty="0" err="1">
-                <a:solidFill>
-                  <a:schemeClr val="accent6">
-                    <a:lumMod val="75000"/>
-                  </a:schemeClr>
-                </a:solidFill>
-              </a:rPr>
-              <a:t>document</a:t>
-            </a:r>
-            <a:r>
-              <a:rPr lang="en-US" b="1" dirty="0" err="1"/>
-              <a:t>.</a:t>
-            </a:r>
-            <a:r>
-              <a:rPr lang="en-US" b="1" dirty="0" err="1">
-                <a:solidFill>
-                  <a:srgbClr val="0070C0"/>
-                </a:solidFill>
-              </a:rPr>
-              <a:t>write</a:t>
-            </a:r>
-            <a:r>
-              <a:rPr lang="en-US" b="1" dirty="0"/>
-              <a:t>(</a:t>
-            </a:r>
-            <a:r>
-              <a:rPr lang="en-US" b="1" dirty="0">
-                <a:solidFill>
-                  <a:schemeClr val="accent6">
-                    <a:lumMod val="75000"/>
-                  </a:schemeClr>
-                </a:solidFill>
-              </a:rPr>
-              <a:t>k</a:t>
-            </a:r>
-            <a:r>
-              <a:rPr lang="en-US" b="1" dirty="0"/>
-              <a:t>);   // k is still defined: prints 10 </a:t>
-            </a:r>
-          </a:p>
-          <a:p>
-            <a:r>
-              <a:rPr lang="en-US" b="1" dirty="0"/>
-              <a:t>       } </a:t>
-            </a:r>
-          </a:p>
-          <a:p>
-            <a:r>
-              <a:rPr lang="en-US" b="1" dirty="0"/>
-              <a:t>       </a:t>
-            </a:r>
-            <a:r>
-              <a:rPr lang="en-US" b="1" dirty="0" err="1">
-                <a:solidFill>
-                  <a:schemeClr val="accent6">
-                    <a:lumMod val="75000"/>
-                  </a:schemeClr>
-                </a:solidFill>
-              </a:rPr>
-              <a:t>document</a:t>
-            </a:r>
-            <a:r>
-              <a:rPr lang="en-US" b="1" dirty="0" err="1"/>
-              <a:t>.</a:t>
-            </a:r>
-            <a:r>
-              <a:rPr lang="en-US" b="1" dirty="0" err="1">
-                <a:solidFill>
-                  <a:srgbClr val="0070C0"/>
-                </a:solidFill>
-              </a:rPr>
-              <a:t>write</a:t>
-            </a:r>
-            <a:r>
-              <a:rPr lang="en-US" b="1" dirty="0"/>
-              <a:t>(</a:t>
-            </a:r>
-            <a:r>
-              <a:rPr lang="en-US" b="1" dirty="0">
-                <a:solidFill>
-                  <a:schemeClr val="accent6">
-                    <a:lumMod val="75000"/>
-                  </a:schemeClr>
-                </a:solidFill>
-              </a:rPr>
-              <a:t>j</a:t>
-            </a:r>
-            <a:r>
-              <a:rPr lang="en-US" b="1" dirty="0"/>
-              <a:t>);    // j is defined, but may not be initialized </a:t>
-            </a:r>
-          </a:p>
-          <a:p>
-            <a:r>
-              <a:rPr lang="en-US" b="1" dirty="0"/>
-              <a:t>} </a:t>
-            </a:r>
-          </a:p>
-        </p:txBody>
-      </p:sp>
-      <p:sp>
-        <p:nvSpPr>
-          <p:cNvPr id="7" name="Rectangle 6"/>
-          <p:cNvSpPr/>
-          <p:nvPr/>
-        </p:nvSpPr>
-        <p:spPr>
-          <a:xfrm>
-            <a:off x="2381224" y="785795"/>
-            <a:ext cx="4178836" cy="954107"/>
-          </a:xfrm>
-          <a:prstGeom prst="rect">
-            <a:avLst/>
-          </a:prstGeom>
-        </p:spPr>
-        <p:txBody>
-          <a:bodyPr wrap="none">
-            <a:spAutoFit/>
-          </a:bodyPr>
-          <a:lstStyle/>
-          <a:p>
-            <a:r>
-              <a:rPr lang="en-US" sz="2800" b="1" dirty="0">
-                <a:solidFill>
-                  <a:srgbClr val="FF0000"/>
-                </a:solidFill>
-              </a:rPr>
-              <a:t>No Block Scope</a:t>
-            </a:r>
-          </a:p>
-          <a:p>
-            <a:r>
-              <a:rPr lang="en-US" sz="2800" b="1" dirty="0"/>
-              <a:t>Only functions have scope.</a:t>
-            </a:r>
-          </a:p>
-        </p:txBody>
-      </p:sp>
-    </p:spTree>
-    <p:extLst>
-      <p:ext uri="{BB962C8B-B14F-4D97-AF65-F5344CB8AC3E}">
-        <p14:creationId xmlns:p14="http://schemas.microsoft.com/office/powerpoint/2010/main" val="990286409"/>
-      </p:ext>
-    </p:extLst>
-  </p:cSld>
-  <p:clrMapOvr>
-    <a:masterClrMapping/>
-  </p:clrMapOvr>
-  <p:transition/>
-  <p:timing>
-    <p:tnLst>
-      <p:par>
-        <p:cTn id="1" dur="indefinite" restart="never" nodeType="tmRoot"/>
-      </p:par>
-    </p:tnLst>
-  </p:timing>
-</p:sld>
-</file>
-
-<file path=ppt/slides/slide7.xml><?xml version="1.0" encoding="utf-8"?>
-<p:sld xmlns:a="http://schemas.openxmlformats.org/drawingml/2006/main" xmlns:r="http://schemas.openxmlformats.org/officeDocument/2006/relationships" xmlns:p="http://schemas.openxmlformats.org/presentationml/2006/main">
-  <p:cSld>
-    <p:spTree>
-      <p:nvGrpSpPr>
-        <p:cNvPr id="1" name=""/>
-        <p:cNvGrpSpPr/>
-        <p:nvPr/>
-      </p:nvGrpSpPr>
-      <p:grpSpPr>
-        <a:xfrm>
-          <a:off x="0" y="0"/>
-          <a:ext cx="0" cy="0"/>
-          <a:chOff x="0" y="0"/>
-          <a:chExt cx="0" cy="0"/>
-        </a:xfrm>
-      </p:grpSpPr>
-      <p:sp>
-        <p:nvSpPr>
-          <p:cNvPr id="2" name="Заголовок 1"/>
-          <p:cNvSpPr>
-            <a:spLocks noGrp="1"/>
-          </p:cNvSpPr>
-          <p:nvPr>
-            <p:ph type="ctrTitle"/>
-          </p:nvPr>
-        </p:nvSpPr>
-        <p:spPr>
-          <a:xfrm>
-            <a:off x="2166910" y="142852"/>
-            <a:ext cx="7772400" cy="528640"/>
-          </a:xfrm>
-        </p:spPr>
-        <p:txBody>
-          <a:bodyPr>
-            <a:normAutofit fontScale="90000"/>
-          </a:bodyPr>
-          <a:lstStyle/>
-          <a:p>
-            <a:r>
               <a:rPr lang="en-US" b="1" dirty="0"/>
               <a:t>Static (lexical) scope</a:t>
             </a:r>
@@ -11639,16 +9296,7 @@
                 </a:solidFill>
                 <a:latin typeface="Consolas"/>
               </a:rPr>
-              <a:t>	alert(z</a:t>
-            </a:r>
-            <a:r>
-              <a:rPr lang="en-US" sz="1400" dirty="0">
-                <a:solidFill>
-                  <a:prstClr val="black"/>
-                </a:solidFill>
-                <a:latin typeface="Consolas"/>
-              </a:rPr>
-              <a:t>);</a:t>
+              <a:t>	alert(z);</a:t>
             </a:r>
           </a:p>
           <a:p>
@@ -11680,6 +9328,8 @@
               </a:rPr>
               <a:t>foo(); </a:t>
             </a:r>
+          </a:p>
+          <a:p>
             <a:endParaRPr lang="en-US" sz="1400" dirty="0">
               <a:solidFill>
                 <a:prstClr val="black"/>
@@ -11688,14 +9338,6 @@
             </a:endParaRPr>
           </a:p>
           <a:p>
-            <a:endParaRPr lang="en-US" sz="1400" dirty="0">
-              <a:solidFill>
-                <a:prstClr val="black"/>
-              </a:solidFill>
-              <a:latin typeface="Consolas"/>
-            </a:endParaRPr>
-          </a:p>
-          <a:p>
             <a:r>
               <a:rPr lang="en-US" sz="1400" dirty="0">
                 <a:solidFill>
@@ -11721,7 +9363,19 @@
                 </a:solidFill>
                 <a:latin typeface="Consolas"/>
               </a:rPr>
-              <a:t> () </a:t>
+              <a:t> () {</a:t>
+            </a:r>
+          </a:p>
+          <a:p>
+            <a:pPr lvl="1"/>
+            <a:r>
+              <a:rPr lang="en-US" sz="1400" dirty="0" err="1">
+                <a:solidFill>
+                  <a:srgbClr val="0000FF"/>
+                </a:solidFill>
+                <a:latin typeface="Consolas"/>
+              </a:rPr>
+              <a:t>var</a:t>
             </a:r>
             <a:r>
               <a:rPr lang="en-US" sz="1400" dirty="0">
@@ -11730,38 +9384,22 @@
                 </a:solidFill>
                 <a:latin typeface="Consolas"/>
               </a:rPr>
-              <a:t>{</a:t>
-            </a:r>
-            <a:endParaRPr lang="en-US" sz="1400" dirty="0">
-              <a:solidFill>
-                <a:prstClr val="black"/>
-              </a:solidFill>
-              <a:latin typeface="Consolas"/>
-            </a:endParaRPr>
+              <a:t> z = 20;</a:t>
+            </a:r>
           </a:p>
           <a:p>
             <a:pPr lvl="1"/>
             <a:r>
-              <a:rPr lang="en-US" sz="1400" dirty="0" err="1">
-                <a:solidFill>
-                  <a:srgbClr val="0000FF"/>
-                </a:solidFill>
-                <a:latin typeface="Consolas"/>
-              </a:rPr>
-              <a:t>var</a:t>
-            </a:r>
-            <a:r>
               <a:rPr lang="en-US" sz="1400" dirty="0">
                 <a:solidFill>
                   <a:prstClr val="black"/>
                 </a:solidFill>
                 <a:latin typeface="Consolas"/>
               </a:rPr>
-              <a:t> z = 20;</a:t>
-            </a:r>
-          </a:p>
-          <a:p>
-            <a:pPr lvl="1"/>
+              <a:t>foo();</a:t>
+            </a:r>
+          </a:p>
+          <a:p>
             <a:r>
               <a:rPr lang="en-US" sz="1400" dirty="0">
                 <a:solidFill>
@@ -11769,34 +9407,8 @@
                 </a:solidFill>
                 <a:latin typeface="Consolas"/>
               </a:rPr>
-              <a:t>foo</a:t>
-            </a:r>
-            <a:r>
-              <a:rPr lang="en-US" sz="1400" dirty="0">
-                <a:solidFill>
-                  <a:prstClr val="black"/>
-                </a:solidFill>
-                <a:latin typeface="Consolas"/>
-              </a:rPr>
-              <a:t>();</a:t>
-            </a:r>
-          </a:p>
-          <a:p>
-            <a:r>
-              <a:rPr lang="en-US" sz="1400" dirty="0">
-                <a:solidFill>
-                  <a:prstClr val="black"/>
-                </a:solidFill>
-                <a:latin typeface="Consolas"/>
-              </a:rPr>
               <a:t>})();</a:t>
             </a:r>
-            <a:endParaRPr lang="en-US" sz="1400" dirty="0">
-              <a:solidFill>
-                <a:prstClr val="black"/>
-              </a:solidFill>
-              <a:latin typeface="Consolas"/>
-            </a:endParaRPr>
           </a:p>
         </p:txBody>
       </p:sp>
@@ -11823,11 +9435,7 @@
           <a:p>
             <a:r>
               <a:rPr lang="en-US" sz="2400" b="1" dirty="0"/>
-              <a:t>The word “static” relates to ability to determine the scope of an identifier during the parsing stage of a program</a:t>
-            </a:r>
-            <a:r>
-              <a:rPr lang="en-US" sz="2400" b="1" dirty="0"/>
-              <a:t>.</a:t>
+              <a:t>The word “static” relates to ability to determine the scope of an identifier during the parsing stage of a program.</a:t>
             </a:r>
           </a:p>
         </p:txBody>
@@ -12066,7 +9674,7 @@
 </p:sld>
 </file>
 
-<file path=ppt/slides/slide8.xml><?xml version="1.0" encoding="utf-8"?>
+<file path=ppt/slides/slide7.xml><?xml version="1.0" encoding="utf-8"?>
 <p:sld xmlns:a="http://schemas.openxmlformats.org/drawingml/2006/main" xmlns:r="http://schemas.openxmlformats.org/officeDocument/2006/relationships" xmlns:p="http://schemas.openxmlformats.org/presentationml/2006/main">
   <p:cSld>
     <p:spTree>
@@ -12493,7 +10101,7 @@
 </p:sld>
 </file>
 
-<file path=ppt/slides/slide9.xml><?xml version="1.0" encoding="utf-8"?>
+<file path=ppt/slides/slide8.xml><?xml version="1.0" encoding="utf-8"?>
 <p:sld xmlns:a="http://schemas.openxmlformats.org/drawingml/2006/main" xmlns:r="http://schemas.openxmlformats.org/officeDocument/2006/relationships" xmlns:p="http://schemas.openxmlformats.org/presentationml/2006/main">
   <p:cSld>
     <p:spTree>
@@ -13043,7 +10651,6 @@
               <a:rPr lang="en-US" sz="2400" b="1" dirty="0"/>
               <a:t>();</a:t>
             </a:r>
-            <a:endParaRPr lang="en-US" sz="2400" b="1" dirty="0"/>
           </a:p>
         </p:txBody>
       </p:sp>
@@ -13143,6 +10750,1139 @@
     <p:bldLst>
       <p:bldP spid="6" grpId="0" animBg="1"/>
     </p:bldLst>
+  </p:timing>
+</p:sld>
+</file>
+
+<file path=ppt/slides/slide9.xml><?xml version="1.0" encoding="utf-8"?>
+<p:sld xmlns:a="http://schemas.openxmlformats.org/drawingml/2006/main" xmlns:r="http://schemas.openxmlformats.org/officeDocument/2006/relationships" xmlns:p="http://schemas.openxmlformats.org/presentationml/2006/main">
+  <p:cSld>
+    <p:spTree>
+      <p:nvGrpSpPr>
+        <p:cNvPr id="1" name=""/>
+        <p:cNvGrpSpPr/>
+        <p:nvPr/>
+      </p:nvGrpSpPr>
+      <p:grpSpPr>
+        <a:xfrm>
+          <a:off x="0" y="0"/>
+          <a:ext cx="0" cy="0"/>
+          <a:chOff x="0" y="0"/>
+          <a:chExt cx="0" cy="0"/>
+        </a:xfrm>
+      </p:grpSpPr>
+      <p:sp>
+        <p:nvSpPr>
+          <p:cNvPr id="2" name="Заголовок 1"/>
+          <p:cNvSpPr>
+            <a:spLocks noGrp="1"/>
+          </p:cNvSpPr>
+          <p:nvPr>
+            <p:ph type="ctrTitle"/>
+          </p:nvPr>
+        </p:nvSpPr>
+        <p:spPr>
+          <a:xfrm>
+            <a:off x="2166910" y="142852"/>
+            <a:ext cx="7772400" cy="528640"/>
+          </a:xfrm>
+        </p:spPr>
+        <p:txBody>
+          <a:bodyPr>
+            <a:normAutofit fontScale="90000"/>
+          </a:bodyPr>
+          <a:lstStyle/>
+          <a:p>
+            <a:r>
+              <a:rPr lang="en-US" b="1" dirty="0" smtClean="0"/>
+              <a:t>Code in global scope</a:t>
+            </a:r>
+            <a:endParaRPr lang="en-US" b="1" dirty="0">
+              <a:solidFill>
+                <a:schemeClr val="tx1">
+                  <a:lumMod val="65000"/>
+                  <a:lumOff val="35000"/>
+                </a:schemeClr>
+              </a:solidFill>
+            </a:endParaRPr>
+          </a:p>
+        </p:txBody>
+      </p:sp>
+      <p:sp>
+        <p:nvSpPr>
+          <p:cNvPr id="7" name="Rectangle 6"/>
+          <p:cNvSpPr/>
+          <p:nvPr/>
+        </p:nvSpPr>
+        <p:spPr>
+          <a:xfrm>
+            <a:off x="1991544" y="1052736"/>
+            <a:ext cx="5760640" cy="4832092"/>
+          </a:xfrm>
+          <a:prstGeom prst="rect">
+            <a:avLst/>
+          </a:prstGeom>
+        </p:spPr>
+        <p:style>
+          <a:lnRef idx="1">
+            <a:schemeClr val="accent6"/>
+          </a:lnRef>
+          <a:fillRef idx="2">
+            <a:schemeClr val="accent6"/>
+          </a:fillRef>
+          <a:effectRef idx="1">
+            <a:schemeClr val="accent6"/>
+          </a:effectRef>
+          <a:fontRef idx="minor">
+            <a:schemeClr val="dk1"/>
+          </a:fontRef>
+        </p:style>
+        <p:txBody>
+          <a:bodyPr wrap="square">
+            <a:spAutoFit/>
+          </a:bodyPr>
+          <a:lstStyle/>
+          <a:p>
+            <a:r>
+              <a:rPr lang="en-US" sz="1400" dirty="0">
+                <a:solidFill>
+                  <a:srgbClr val="0000FF"/>
+                </a:solidFill>
+                <a:latin typeface="Consolas"/>
+              </a:rPr>
+              <a:t>&lt;!</a:t>
+            </a:r>
+            <a:r>
+              <a:rPr lang="en-US" sz="1400" dirty="0">
+                <a:solidFill>
+                  <a:srgbClr val="800000"/>
+                </a:solidFill>
+                <a:latin typeface="Consolas"/>
+              </a:rPr>
+              <a:t>DOCTYPE</a:t>
+            </a:r>
+            <a:r>
+              <a:rPr lang="en-US" sz="1400" dirty="0">
+                <a:solidFill>
+                  <a:prstClr val="black"/>
+                </a:solidFill>
+                <a:latin typeface="Consolas"/>
+              </a:rPr>
+              <a:t> </a:t>
+            </a:r>
+            <a:r>
+              <a:rPr lang="en-US" sz="1400" dirty="0">
+                <a:solidFill>
+                  <a:srgbClr val="FF0000"/>
+                </a:solidFill>
+                <a:latin typeface="Consolas"/>
+              </a:rPr>
+              <a:t>html</a:t>
+            </a:r>
+            <a:r>
+              <a:rPr lang="en-US" sz="1400" dirty="0">
+                <a:solidFill>
+                  <a:srgbClr val="0000FF"/>
+                </a:solidFill>
+                <a:latin typeface="Consolas"/>
+              </a:rPr>
+              <a:t>&gt;</a:t>
+            </a:r>
+            <a:endParaRPr lang="en-US" sz="1400" dirty="0">
+              <a:solidFill>
+                <a:prstClr val="black"/>
+              </a:solidFill>
+              <a:latin typeface="Consolas"/>
+            </a:endParaRPr>
+          </a:p>
+          <a:p>
+            <a:r>
+              <a:rPr lang="en-US" sz="1400" dirty="0">
+                <a:solidFill>
+                  <a:srgbClr val="0000FF"/>
+                </a:solidFill>
+                <a:latin typeface="Consolas"/>
+              </a:rPr>
+              <a:t>&lt;</a:t>
+            </a:r>
+            <a:r>
+              <a:rPr lang="en-US" sz="1400" dirty="0">
+                <a:solidFill>
+                  <a:srgbClr val="800000"/>
+                </a:solidFill>
+                <a:latin typeface="Consolas"/>
+              </a:rPr>
+              <a:t>html</a:t>
+            </a:r>
+            <a:r>
+              <a:rPr lang="en-US" sz="1400" dirty="0">
+                <a:solidFill>
+                  <a:srgbClr val="0000FF"/>
+                </a:solidFill>
+                <a:latin typeface="Consolas"/>
+              </a:rPr>
+              <a:t>&gt;</a:t>
+            </a:r>
+            <a:endParaRPr lang="en-US" sz="1400" dirty="0">
+              <a:solidFill>
+                <a:prstClr val="black"/>
+              </a:solidFill>
+              <a:latin typeface="Consolas"/>
+            </a:endParaRPr>
+          </a:p>
+          <a:p>
+            <a:r>
+              <a:rPr lang="en-US" sz="1400" dirty="0">
+                <a:solidFill>
+                  <a:srgbClr val="0000FF"/>
+                </a:solidFill>
+                <a:latin typeface="Consolas"/>
+              </a:rPr>
+              <a:t>&lt;</a:t>
+            </a:r>
+            <a:r>
+              <a:rPr lang="en-US" sz="1400" dirty="0">
+                <a:solidFill>
+                  <a:srgbClr val="800000"/>
+                </a:solidFill>
+                <a:latin typeface="Consolas"/>
+              </a:rPr>
+              <a:t>head</a:t>
+            </a:r>
+            <a:r>
+              <a:rPr lang="en-US" sz="1400" dirty="0">
+                <a:solidFill>
+                  <a:srgbClr val="0000FF"/>
+                </a:solidFill>
+                <a:latin typeface="Consolas"/>
+              </a:rPr>
+              <a:t>&gt;</a:t>
+            </a:r>
+            <a:endParaRPr lang="en-US" sz="1400" dirty="0">
+              <a:solidFill>
+                <a:prstClr val="black"/>
+              </a:solidFill>
+              <a:latin typeface="Consolas"/>
+            </a:endParaRPr>
+          </a:p>
+          <a:p>
+            <a:r>
+              <a:rPr lang="en-US" sz="1400" dirty="0">
+                <a:solidFill>
+                  <a:prstClr val="black"/>
+                </a:solidFill>
+                <a:latin typeface="Consolas"/>
+              </a:rPr>
+              <a:t>    </a:t>
+            </a:r>
+            <a:r>
+              <a:rPr lang="en-US" sz="1400" dirty="0">
+                <a:solidFill>
+                  <a:srgbClr val="0000FF"/>
+                </a:solidFill>
+                <a:latin typeface="Consolas"/>
+              </a:rPr>
+              <a:t>&lt;</a:t>
+            </a:r>
+            <a:r>
+              <a:rPr lang="en-US" sz="1400" dirty="0">
+                <a:solidFill>
+                  <a:srgbClr val="800000"/>
+                </a:solidFill>
+                <a:latin typeface="Consolas"/>
+              </a:rPr>
+              <a:t>title</a:t>
+            </a:r>
+            <a:r>
+              <a:rPr lang="en-US" sz="1400" dirty="0">
+                <a:solidFill>
+                  <a:srgbClr val="0000FF"/>
+                </a:solidFill>
+                <a:latin typeface="Consolas"/>
+              </a:rPr>
+              <a:t>&gt;</a:t>
+            </a:r>
+            <a:r>
+              <a:rPr lang="en-US" sz="1400" dirty="0">
+                <a:solidFill>
+                  <a:prstClr val="black"/>
+                </a:solidFill>
+                <a:latin typeface="Consolas"/>
+              </a:rPr>
+              <a:t>Untitled Page</a:t>
+            </a:r>
+            <a:r>
+              <a:rPr lang="en-US" sz="1400" dirty="0">
+                <a:solidFill>
+                  <a:srgbClr val="0000FF"/>
+                </a:solidFill>
+                <a:latin typeface="Consolas"/>
+              </a:rPr>
+              <a:t>&lt;/</a:t>
+            </a:r>
+            <a:r>
+              <a:rPr lang="en-US" sz="1400" dirty="0">
+                <a:solidFill>
+                  <a:srgbClr val="800000"/>
+                </a:solidFill>
+                <a:latin typeface="Consolas"/>
+              </a:rPr>
+              <a:t>title</a:t>
+            </a:r>
+            <a:r>
+              <a:rPr lang="en-US" sz="1400" dirty="0">
+                <a:solidFill>
+                  <a:srgbClr val="0000FF"/>
+                </a:solidFill>
+                <a:latin typeface="Consolas"/>
+              </a:rPr>
+              <a:t>&gt;</a:t>
+            </a:r>
+          </a:p>
+          <a:p>
+            <a:r>
+              <a:rPr lang="en-US" sz="1400" dirty="0">
+                <a:solidFill>
+                  <a:srgbClr val="0000FF"/>
+                </a:solidFill>
+                <a:latin typeface="Consolas"/>
+              </a:rPr>
+              <a:t>&lt;</a:t>
+            </a:r>
+            <a:r>
+              <a:rPr lang="en-US" sz="1400" dirty="0">
+                <a:solidFill>
+                  <a:srgbClr val="800000"/>
+                </a:solidFill>
+                <a:latin typeface="Consolas"/>
+              </a:rPr>
+              <a:t>script</a:t>
+            </a:r>
+            <a:r>
+              <a:rPr lang="en-US" sz="1400" dirty="0">
+                <a:solidFill>
+                  <a:prstClr val="black"/>
+                </a:solidFill>
+                <a:latin typeface="Consolas"/>
+              </a:rPr>
+              <a:t> </a:t>
+            </a:r>
+            <a:r>
+              <a:rPr lang="en-US" sz="1400" dirty="0">
+                <a:solidFill>
+                  <a:srgbClr val="FF0000"/>
+                </a:solidFill>
+                <a:latin typeface="Consolas"/>
+              </a:rPr>
+              <a:t>type</a:t>
+            </a:r>
+            <a:r>
+              <a:rPr lang="en-US" sz="1400" dirty="0">
+                <a:solidFill>
+                  <a:srgbClr val="0000FF"/>
+                </a:solidFill>
+                <a:latin typeface="Consolas"/>
+              </a:rPr>
+              <a:t>="text/</a:t>
+            </a:r>
+            <a:r>
+              <a:rPr lang="en-US" sz="1400" dirty="0" err="1">
+                <a:solidFill>
+                  <a:srgbClr val="0000FF"/>
+                </a:solidFill>
+                <a:latin typeface="Consolas"/>
+              </a:rPr>
+              <a:t>javascript</a:t>
+            </a:r>
+            <a:r>
+              <a:rPr lang="en-US" sz="1400" dirty="0">
+                <a:solidFill>
+                  <a:srgbClr val="0000FF"/>
+                </a:solidFill>
+                <a:latin typeface="Consolas"/>
+              </a:rPr>
+              <a:t>" </a:t>
+            </a:r>
+            <a:r>
+              <a:rPr lang="en-US" sz="1400" dirty="0" err="1">
+                <a:solidFill>
+                  <a:srgbClr val="FF0000"/>
+                </a:solidFill>
+                <a:latin typeface="Consolas"/>
+              </a:rPr>
+              <a:t>src</a:t>
+            </a:r>
+            <a:r>
+              <a:rPr lang="en-US" sz="1400" dirty="0">
+                <a:solidFill>
+                  <a:srgbClr val="0000FF"/>
+                </a:solidFill>
+                <a:latin typeface="Consolas"/>
+              </a:rPr>
+              <a:t>="script.js"&gt;&lt;/</a:t>
+            </a:r>
+            <a:r>
+              <a:rPr lang="en-US" sz="1400" dirty="0">
+                <a:solidFill>
+                  <a:srgbClr val="800000"/>
+                </a:solidFill>
+                <a:latin typeface="Consolas"/>
+              </a:rPr>
+              <a:t>script</a:t>
+            </a:r>
+            <a:r>
+              <a:rPr lang="en-US" sz="1400" dirty="0">
+                <a:solidFill>
+                  <a:srgbClr val="0000FF"/>
+                </a:solidFill>
+                <a:latin typeface="Consolas"/>
+              </a:rPr>
+              <a:t>&gt;</a:t>
+            </a:r>
+          </a:p>
+          <a:p>
+            <a:endParaRPr lang="en-US" sz="1400" dirty="0">
+              <a:solidFill>
+                <a:prstClr val="black"/>
+              </a:solidFill>
+              <a:latin typeface="Consolas"/>
+            </a:endParaRPr>
+          </a:p>
+          <a:p>
+            <a:r>
+              <a:rPr lang="en-US" sz="1400" dirty="0">
+                <a:solidFill>
+                  <a:srgbClr val="0000FF"/>
+                </a:solidFill>
+                <a:latin typeface="Consolas"/>
+              </a:rPr>
+              <a:t>&lt;/</a:t>
+            </a:r>
+            <a:r>
+              <a:rPr lang="en-US" sz="1400" dirty="0">
+                <a:solidFill>
+                  <a:srgbClr val="800000"/>
+                </a:solidFill>
+                <a:latin typeface="Consolas"/>
+              </a:rPr>
+              <a:t>head</a:t>
+            </a:r>
+            <a:r>
+              <a:rPr lang="en-US" sz="1400" dirty="0">
+                <a:solidFill>
+                  <a:srgbClr val="0000FF"/>
+                </a:solidFill>
+                <a:latin typeface="Consolas"/>
+              </a:rPr>
+              <a:t>&gt;</a:t>
+            </a:r>
+            <a:endParaRPr lang="en-US" sz="1400" dirty="0">
+              <a:solidFill>
+                <a:prstClr val="black"/>
+              </a:solidFill>
+              <a:latin typeface="Consolas"/>
+            </a:endParaRPr>
+          </a:p>
+          <a:p>
+            <a:r>
+              <a:rPr lang="en-US" sz="1400" dirty="0">
+                <a:solidFill>
+                  <a:srgbClr val="0000FF"/>
+                </a:solidFill>
+                <a:latin typeface="Consolas"/>
+              </a:rPr>
+              <a:t>&lt;</a:t>
+            </a:r>
+            <a:r>
+              <a:rPr lang="en-US" sz="1400" dirty="0">
+                <a:solidFill>
+                  <a:srgbClr val="800000"/>
+                </a:solidFill>
+                <a:latin typeface="Consolas"/>
+              </a:rPr>
+              <a:t>body</a:t>
+            </a:r>
+            <a:r>
+              <a:rPr lang="en-US" sz="1400" dirty="0">
+                <a:solidFill>
+                  <a:srgbClr val="0000FF"/>
+                </a:solidFill>
+                <a:latin typeface="Consolas"/>
+              </a:rPr>
+              <a:t>&gt;</a:t>
+            </a:r>
+            <a:endParaRPr lang="en-US" sz="1400" dirty="0">
+              <a:solidFill>
+                <a:prstClr val="black"/>
+              </a:solidFill>
+              <a:latin typeface="Consolas"/>
+            </a:endParaRPr>
+          </a:p>
+          <a:p>
+            <a:r>
+              <a:rPr lang="en-US" sz="1400" dirty="0">
+                <a:solidFill>
+                  <a:srgbClr val="0000FF"/>
+                </a:solidFill>
+                <a:latin typeface="Consolas"/>
+              </a:rPr>
+              <a:t>&lt;</a:t>
+            </a:r>
+            <a:r>
+              <a:rPr lang="en-US" sz="1400" dirty="0">
+                <a:solidFill>
+                  <a:srgbClr val="800000"/>
+                </a:solidFill>
+                <a:latin typeface="Consolas"/>
+              </a:rPr>
+              <a:t>script</a:t>
+            </a:r>
+            <a:r>
+              <a:rPr lang="en-US" sz="1400" dirty="0">
+                <a:solidFill>
+                  <a:prstClr val="black"/>
+                </a:solidFill>
+                <a:latin typeface="Consolas"/>
+              </a:rPr>
+              <a:t> </a:t>
+            </a:r>
+            <a:r>
+              <a:rPr lang="en-US" sz="1400" dirty="0">
+                <a:solidFill>
+                  <a:srgbClr val="FF0000"/>
+                </a:solidFill>
+                <a:latin typeface="Consolas"/>
+              </a:rPr>
+              <a:t>type</a:t>
+            </a:r>
+            <a:r>
+              <a:rPr lang="en-US" sz="1400" dirty="0">
+                <a:solidFill>
+                  <a:srgbClr val="0000FF"/>
+                </a:solidFill>
+                <a:latin typeface="Consolas"/>
+              </a:rPr>
+              <a:t>="text/</a:t>
+            </a:r>
+            <a:r>
+              <a:rPr lang="en-US" sz="1400" dirty="0" err="1">
+                <a:solidFill>
+                  <a:srgbClr val="0000FF"/>
+                </a:solidFill>
+                <a:latin typeface="Consolas"/>
+              </a:rPr>
+              <a:t>javascript</a:t>
+            </a:r>
+            <a:r>
+              <a:rPr lang="en-US" sz="1400" dirty="0">
+                <a:solidFill>
+                  <a:srgbClr val="0000FF"/>
+                </a:solidFill>
+                <a:latin typeface="Consolas"/>
+              </a:rPr>
+              <a:t>"&gt;</a:t>
+            </a:r>
+            <a:endParaRPr lang="en-US" sz="1400" dirty="0">
+              <a:solidFill>
+                <a:prstClr val="black"/>
+              </a:solidFill>
+              <a:latin typeface="Consolas"/>
+            </a:endParaRPr>
+          </a:p>
+          <a:p>
+            <a:pPr lvl="1"/>
+            <a:r>
+              <a:rPr lang="en-US" sz="1400" u="sng" dirty="0" err="1">
+                <a:solidFill>
+                  <a:srgbClr val="0000FF"/>
+                </a:solidFill>
+                <a:latin typeface="Consolas"/>
+              </a:rPr>
+              <a:t>var</a:t>
+            </a:r>
+            <a:r>
+              <a:rPr lang="en-US" sz="1400" u="sng" dirty="0">
+                <a:solidFill>
+                  <a:prstClr val="black"/>
+                </a:solidFill>
+                <a:latin typeface="Consolas"/>
+              </a:rPr>
+              <a:t> a = 5;</a:t>
+            </a:r>
+          </a:p>
+          <a:p>
+            <a:pPr lvl="1"/>
+            <a:r>
+              <a:rPr lang="en-US" sz="1400" u="sng" dirty="0" err="1">
+                <a:solidFill>
+                  <a:srgbClr val="0000FF"/>
+                </a:solidFill>
+                <a:latin typeface="Consolas"/>
+              </a:rPr>
+              <a:t>var</a:t>
+            </a:r>
+            <a:r>
+              <a:rPr lang="en-US" sz="1400" u="sng" dirty="0">
+                <a:solidFill>
+                  <a:prstClr val="black"/>
+                </a:solidFill>
+                <a:latin typeface="Consolas"/>
+              </a:rPr>
+              <a:t> b = 2;</a:t>
+            </a:r>
+          </a:p>
+          <a:p>
+            <a:pPr lvl="1"/>
+            <a:endParaRPr lang="en-US" sz="1400" dirty="0">
+              <a:solidFill>
+                <a:prstClr val="black"/>
+              </a:solidFill>
+              <a:latin typeface="Consolas"/>
+            </a:endParaRPr>
+          </a:p>
+          <a:p>
+            <a:pPr lvl="1"/>
+            <a:r>
+              <a:rPr lang="en-US" sz="1400" u="sng" dirty="0">
+                <a:solidFill>
+                  <a:srgbClr val="0000FF"/>
+                </a:solidFill>
+                <a:latin typeface="Consolas"/>
+              </a:rPr>
+              <a:t>function</a:t>
+            </a:r>
+            <a:r>
+              <a:rPr lang="en-US" sz="1400" u="sng" dirty="0">
+                <a:solidFill>
+                  <a:prstClr val="black"/>
+                </a:solidFill>
+                <a:latin typeface="Consolas"/>
+              </a:rPr>
+              <a:t> sum</a:t>
+            </a:r>
+            <a:r>
+              <a:rPr lang="en-US" sz="1400" dirty="0">
+                <a:solidFill>
+                  <a:prstClr val="black"/>
+                </a:solidFill>
+                <a:latin typeface="Consolas"/>
+              </a:rPr>
+              <a:t>(x, y) {</a:t>
+            </a:r>
+          </a:p>
+          <a:p>
+            <a:pPr lvl="1"/>
+            <a:r>
+              <a:rPr lang="en-US" sz="1400" dirty="0">
+                <a:solidFill>
+                  <a:srgbClr val="0000FF"/>
+                </a:solidFill>
+                <a:latin typeface="Consolas"/>
+              </a:rPr>
+              <a:t>	return</a:t>
+            </a:r>
+            <a:r>
+              <a:rPr lang="en-US" sz="1400" dirty="0">
+                <a:solidFill>
+                  <a:prstClr val="black"/>
+                </a:solidFill>
+                <a:latin typeface="Consolas"/>
+              </a:rPr>
+              <a:t> x + y;</a:t>
+            </a:r>
+          </a:p>
+          <a:p>
+            <a:pPr lvl="1"/>
+            <a:r>
+              <a:rPr lang="en-US" sz="1400" dirty="0">
+                <a:solidFill>
+                  <a:prstClr val="black"/>
+                </a:solidFill>
+                <a:latin typeface="Consolas"/>
+              </a:rPr>
+              <a:t>}</a:t>
+            </a:r>
+          </a:p>
+          <a:p>
+            <a:pPr lvl="1"/>
+            <a:endParaRPr lang="en-US" sz="1400" dirty="0">
+              <a:solidFill>
+                <a:prstClr val="black"/>
+              </a:solidFill>
+              <a:latin typeface="Consolas"/>
+            </a:endParaRPr>
+          </a:p>
+          <a:p>
+            <a:pPr lvl="1"/>
+            <a:r>
+              <a:rPr lang="en-US" sz="1400" u="sng" dirty="0">
+                <a:solidFill>
+                  <a:srgbClr val="0000FF"/>
+                </a:solidFill>
+                <a:latin typeface="Consolas"/>
+              </a:rPr>
+              <a:t>function</a:t>
+            </a:r>
+            <a:r>
+              <a:rPr lang="en-US" sz="1400" u="sng" dirty="0">
+                <a:solidFill>
+                  <a:prstClr val="black"/>
+                </a:solidFill>
+                <a:latin typeface="Consolas"/>
+              </a:rPr>
+              <a:t> </a:t>
+            </a:r>
+            <a:r>
+              <a:rPr lang="en-US" sz="1400" u="sng" dirty="0" err="1">
+                <a:solidFill>
+                  <a:prstClr val="black"/>
+                </a:solidFill>
+                <a:latin typeface="Consolas"/>
+              </a:rPr>
+              <a:t>mul</a:t>
+            </a:r>
+            <a:r>
+              <a:rPr lang="en-US" sz="1400" dirty="0">
+                <a:solidFill>
+                  <a:prstClr val="black"/>
+                </a:solidFill>
+                <a:latin typeface="Consolas"/>
+              </a:rPr>
+              <a:t>(x, y) {</a:t>
+            </a:r>
+          </a:p>
+          <a:p>
+            <a:pPr lvl="1"/>
+            <a:r>
+              <a:rPr lang="en-US" sz="1400" dirty="0">
+                <a:solidFill>
+                  <a:srgbClr val="0000FF"/>
+                </a:solidFill>
+                <a:latin typeface="Consolas"/>
+              </a:rPr>
+              <a:t>	return</a:t>
+            </a:r>
+            <a:r>
+              <a:rPr lang="en-US" sz="1400" dirty="0">
+                <a:solidFill>
+                  <a:prstClr val="black"/>
+                </a:solidFill>
+                <a:latin typeface="Consolas"/>
+              </a:rPr>
+              <a:t> x * y;</a:t>
+            </a:r>
+          </a:p>
+          <a:p>
+            <a:pPr lvl="1"/>
+            <a:r>
+              <a:rPr lang="en-US" sz="1400" dirty="0">
+                <a:solidFill>
+                  <a:prstClr val="black"/>
+                </a:solidFill>
+                <a:latin typeface="Consolas"/>
+              </a:rPr>
+              <a:t>} </a:t>
+            </a:r>
+          </a:p>
+          <a:p>
+            <a:r>
+              <a:rPr lang="en-US" sz="1400" dirty="0">
+                <a:solidFill>
+                  <a:srgbClr val="0000FF"/>
+                </a:solidFill>
+                <a:latin typeface="Consolas"/>
+              </a:rPr>
+              <a:t>&lt;/</a:t>
+            </a:r>
+            <a:r>
+              <a:rPr lang="en-US" sz="1400" dirty="0">
+                <a:solidFill>
+                  <a:srgbClr val="800000"/>
+                </a:solidFill>
+                <a:latin typeface="Consolas"/>
+              </a:rPr>
+              <a:t>script</a:t>
+            </a:r>
+            <a:r>
+              <a:rPr lang="en-US" sz="1400" dirty="0">
+                <a:solidFill>
+                  <a:srgbClr val="0000FF"/>
+                </a:solidFill>
+                <a:latin typeface="Consolas"/>
+              </a:rPr>
+              <a:t>&gt;</a:t>
+            </a:r>
+            <a:endParaRPr lang="en-US" sz="1400" dirty="0">
+              <a:solidFill>
+                <a:prstClr val="black"/>
+              </a:solidFill>
+              <a:latin typeface="Consolas"/>
+            </a:endParaRPr>
+          </a:p>
+          <a:p>
+            <a:r>
+              <a:rPr lang="en-US" sz="1400" dirty="0">
+                <a:solidFill>
+                  <a:srgbClr val="0000FF"/>
+                </a:solidFill>
+                <a:latin typeface="Consolas"/>
+              </a:rPr>
+              <a:t>&lt;/</a:t>
+            </a:r>
+            <a:r>
+              <a:rPr lang="en-US" sz="1400" dirty="0">
+                <a:solidFill>
+                  <a:srgbClr val="800000"/>
+                </a:solidFill>
+                <a:latin typeface="Consolas"/>
+              </a:rPr>
+              <a:t>body</a:t>
+            </a:r>
+            <a:r>
+              <a:rPr lang="en-US" sz="1400" dirty="0">
+                <a:solidFill>
+                  <a:srgbClr val="0000FF"/>
+                </a:solidFill>
+                <a:latin typeface="Consolas"/>
+              </a:rPr>
+              <a:t>&gt;</a:t>
+            </a:r>
+            <a:endParaRPr lang="en-US" sz="1400" dirty="0">
+              <a:solidFill>
+                <a:prstClr val="black"/>
+              </a:solidFill>
+              <a:latin typeface="Consolas"/>
+            </a:endParaRPr>
+          </a:p>
+          <a:p>
+            <a:r>
+              <a:rPr lang="en-US" sz="1400" dirty="0">
+                <a:solidFill>
+                  <a:srgbClr val="0000FF"/>
+                </a:solidFill>
+                <a:latin typeface="Consolas"/>
+              </a:rPr>
+              <a:t>&lt;/</a:t>
+            </a:r>
+            <a:r>
+              <a:rPr lang="en-US" sz="1400" dirty="0">
+                <a:solidFill>
+                  <a:srgbClr val="800000"/>
+                </a:solidFill>
+                <a:latin typeface="Consolas"/>
+              </a:rPr>
+              <a:t>html</a:t>
+            </a:r>
+            <a:r>
+              <a:rPr lang="en-US" sz="1400" dirty="0">
+                <a:solidFill>
+                  <a:srgbClr val="0000FF"/>
+                </a:solidFill>
+                <a:latin typeface="Consolas"/>
+              </a:rPr>
+              <a:t>&gt;</a:t>
+            </a:r>
+          </a:p>
+        </p:txBody>
+      </p:sp>
+      <p:sp>
+        <p:nvSpPr>
+          <p:cNvPr id="13" name="TextBox 12"/>
+          <p:cNvSpPr txBox="1"/>
+          <p:nvPr/>
+        </p:nvSpPr>
+        <p:spPr>
+          <a:xfrm>
+            <a:off x="6312024" y="868070"/>
+            <a:ext cx="1332148" cy="369332"/>
+          </a:xfrm>
+          <a:prstGeom prst="rect">
+            <a:avLst/>
+          </a:prstGeom>
+        </p:spPr>
+        <p:style>
+          <a:lnRef idx="1">
+            <a:schemeClr val="accent2"/>
+          </a:lnRef>
+          <a:fillRef idx="2">
+            <a:schemeClr val="accent2"/>
+          </a:fillRef>
+          <a:effectRef idx="1">
+            <a:schemeClr val="accent2"/>
+          </a:effectRef>
+          <a:fontRef idx="minor">
+            <a:schemeClr val="dk1"/>
+          </a:fontRef>
+        </p:style>
+        <p:txBody>
+          <a:bodyPr wrap="square" rtlCol="0">
+            <a:spAutoFit/>
+          </a:bodyPr>
+          <a:lstStyle/>
+          <a:p>
+            <a:r>
+              <a:rPr lang="en-US" dirty="0"/>
+              <a:t>Index.html</a:t>
+            </a:r>
+          </a:p>
+        </p:txBody>
+      </p:sp>
+      <p:grpSp>
+        <p:nvGrpSpPr>
+          <p:cNvPr id="15" name="Group 14"/>
+          <p:cNvGrpSpPr/>
+          <p:nvPr/>
+        </p:nvGrpSpPr>
+        <p:grpSpPr>
+          <a:xfrm>
+            <a:off x="5303912" y="2204865"/>
+            <a:ext cx="4752528" cy="3072537"/>
+            <a:chOff x="3779912" y="2204864"/>
+            <a:chExt cx="4752528" cy="3072537"/>
+          </a:xfrm>
+        </p:grpSpPr>
+        <p:grpSp>
+          <p:nvGrpSpPr>
+            <p:cNvPr id="12" name="Group 11"/>
+            <p:cNvGrpSpPr/>
+            <p:nvPr/>
+          </p:nvGrpSpPr>
+          <p:grpSpPr>
+            <a:xfrm>
+              <a:off x="3779912" y="2204864"/>
+              <a:ext cx="4752528" cy="3072537"/>
+              <a:chOff x="3779912" y="2204864"/>
+              <a:chExt cx="4752528" cy="3072537"/>
+            </a:xfrm>
+          </p:grpSpPr>
+          <p:sp>
+            <p:nvSpPr>
+              <p:cNvPr id="9" name="Rectangle 8"/>
+              <p:cNvSpPr/>
+              <p:nvPr/>
+            </p:nvSpPr>
+            <p:spPr>
+              <a:xfrm>
+                <a:off x="4860032" y="4077072"/>
+                <a:ext cx="3672408" cy="1200329"/>
+              </a:xfrm>
+              <a:prstGeom prst="rect">
+                <a:avLst/>
+              </a:prstGeom>
+            </p:spPr>
+            <p:style>
+              <a:lnRef idx="1">
+                <a:schemeClr val="accent5"/>
+              </a:lnRef>
+              <a:fillRef idx="2">
+                <a:schemeClr val="accent5"/>
+              </a:fillRef>
+              <a:effectRef idx="1">
+                <a:schemeClr val="accent5"/>
+              </a:effectRef>
+              <a:fontRef idx="minor">
+                <a:schemeClr val="dk1"/>
+              </a:fontRef>
+            </p:style>
+            <p:txBody>
+              <a:bodyPr wrap="square">
+                <a:spAutoFit/>
+              </a:bodyPr>
+              <a:lstStyle/>
+              <a:p>
+                <a:r>
+                  <a:rPr lang="en-US" u="sng" dirty="0" err="1">
+                    <a:solidFill>
+                      <a:srgbClr val="0000FF"/>
+                    </a:solidFill>
+                    <a:latin typeface="Consolas"/>
+                  </a:rPr>
+                  <a:t>var</a:t>
+                </a:r>
+                <a:r>
+                  <a:rPr lang="en-US" u="sng" dirty="0">
+                    <a:solidFill>
+                      <a:prstClr val="black"/>
+                    </a:solidFill>
+                    <a:latin typeface="Consolas"/>
+                  </a:rPr>
+                  <a:t> </a:t>
+                </a:r>
+                <a:r>
+                  <a:rPr lang="en-US" u="sng" dirty="0" err="1">
+                    <a:solidFill>
+                      <a:prstClr val="black"/>
+                    </a:solidFill>
+                    <a:latin typeface="Consolas"/>
+                  </a:rPr>
+                  <a:t>gloabalVar</a:t>
+                </a:r>
+                <a:r>
+                  <a:rPr lang="en-US" u="sng" dirty="0">
+                    <a:solidFill>
+                      <a:prstClr val="black"/>
+                    </a:solidFill>
+                    <a:latin typeface="Consolas"/>
+                  </a:rPr>
+                  <a:t> = 5;</a:t>
+                </a:r>
+              </a:p>
+              <a:p>
+                <a:r>
+                  <a:rPr lang="en-US" u="sng" dirty="0">
+                    <a:solidFill>
+                      <a:srgbClr val="0000FF"/>
+                    </a:solidFill>
+                    <a:latin typeface="Consolas"/>
+                  </a:rPr>
+                  <a:t>function</a:t>
+                </a:r>
+                <a:r>
+                  <a:rPr lang="en-US" u="sng" dirty="0">
+                    <a:solidFill>
+                      <a:prstClr val="black"/>
+                    </a:solidFill>
+                    <a:latin typeface="Consolas"/>
+                  </a:rPr>
+                  <a:t> square</a:t>
+                </a:r>
+                <a:r>
+                  <a:rPr lang="en-US" dirty="0">
+                    <a:solidFill>
+                      <a:prstClr val="black"/>
+                    </a:solidFill>
+                    <a:latin typeface="Consolas"/>
+                  </a:rPr>
+                  <a:t>(x) {</a:t>
+                </a:r>
+              </a:p>
+              <a:p>
+                <a:r>
+                  <a:rPr lang="en-US" dirty="0">
+                    <a:solidFill>
+                      <a:srgbClr val="0000FF"/>
+                    </a:solidFill>
+                    <a:latin typeface="Consolas"/>
+                  </a:rPr>
+                  <a:t>	return</a:t>
+                </a:r>
+                <a:r>
+                  <a:rPr lang="en-US" dirty="0">
+                    <a:solidFill>
+                      <a:prstClr val="black"/>
+                    </a:solidFill>
+                    <a:latin typeface="Consolas"/>
+                  </a:rPr>
+                  <a:t> x * x;</a:t>
+                </a:r>
+              </a:p>
+              <a:p>
+                <a:r>
+                  <a:rPr lang="en-US" dirty="0">
+                    <a:solidFill>
+                      <a:prstClr val="black"/>
+                    </a:solidFill>
+                    <a:latin typeface="Consolas"/>
+                  </a:rPr>
+                  <a:t>}</a:t>
+                </a:r>
+              </a:p>
+            </p:txBody>
+          </p:sp>
+          <p:cxnSp>
+            <p:nvCxnSpPr>
+              <p:cNvPr id="11" name="Straight Arrow Connector 10"/>
+              <p:cNvCxnSpPr/>
+              <p:nvPr/>
+            </p:nvCxnSpPr>
+            <p:spPr>
+              <a:xfrm>
+                <a:off x="3779912" y="2204864"/>
+                <a:ext cx="1656184" cy="1944216"/>
+              </a:xfrm>
+              <a:prstGeom prst="straightConnector1">
+                <a:avLst/>
+              </a:prstGeom>
+              <a:ln w="28575">
+                <a:tailEnd type="arrow"/>
+              </a:ln>
+            </p:spPr>
+            <p:style>
+              <a:lnRef idx="1">
+                <a:schemeClr val="accent1"/>
+              </a:lnRef>
+              <a:fillRef idx="0">
+                <a:schemeClr val="accent1"/>
+              </a:fillRef>
+              <a:effectRef idx="0">
+                <a:schemeClr val="accent1"/>
+              </a:effectRef>
+              <a:fontRef idx="minor">
+                <a:schemeClr val="tx1"/>
+              </a:fontRef>
+            </p:style>
+          </p:cxnSp>
+        </p:grpSp>
+        <p:sp>
+          <p:nvSpPr>
+            <p:cNvPr id="14" name="TextBox 13"/>
+            <p:cNvSpPr txBox="1"/>
+            <p:nvPr/>
+          </p:nvSpPr>
+          <p:spPr>
+            <a:xfrm>
+              <a:off x="7380312" y="3779748"/>
+              <a:ext cx="1008112" cy="369332"/>
+            </a:xfrm>
+            <a:prstGeom prst="rect">
+              <a:avLst/>
+            </a:prstGeom>
+          </p:spPr>
+          <p:style>
+            <a:lnRef idx="1">
+              <a:schemeClr val="accent2"/>
+            </a:lnRef>
+            <a:fillRef idx="2">
+              <a:schemeClr val="accent2"/>
+            </a:fillRef>
+            <a:effectRef idx="1">
+              <a:schemeClr val="accent2"/>
+            </a:effectRef>
+            <a:fontRef idx="minor">
+              <a:schemeClr val="dk1"/>
+            </a:fontRef>
+          </p:style>
+          <p:txBody>
+            <a:bodyPr wrap="square" rtlCol="0">
+              <a:spAutoFit/>
+            </a:bodyPr>
+            <a:lstStyle/>
+            <a:p>
+              <a:r>
+                <a:rPr lang="en-US" dirty="0"/>
+                <a:t>script.js</a:t>
+              </a:r>
+            </a:p>
+          </p:txBody>
+        </p:sp>
+      </p:grpSp>
+    </p:spTree>
+    <p:extLst>
+      <p:ext uri="{BB962C8B-B14F-4D97-AF65-F5344CB8AC3E}">
+        <p14:creationId xmlns:p14="http://schemas.microsoft.com/office/powerpoint/2010/main" val="4281616118"/>
+      </p:ext>
+    </p:extLst>
+  </p:cSld>
+  <p:clrMapOvr>
+    <a:masterClrMapping/>
+  </p:clrMapOvr>
+  <p:transition/>
+  <p:timing>
+    <p:tnLst>
+      <p:par>
+        <p:cTn id="1" dur="indefinite" restart="never" nodeType="tmRoot"/>
+      </p:par>
+    </p:tnLst>
   </p:timing>
 </p:sld>
 </file>

--- a/es6/Presentation1.pptx
+++ b/es6/Presentation1.pptx
@@ -5,12 +5,20 @@
     <p:sldMasterId id="2147483648" r:id="rId1"/>
   </p:sldMasterIdLst>
   <p:notesMasterIdLst>
-    <p:notesMasterId r:id="rId5"/>
+    <p:notesMasterId r:id="rId13"/>
   </p:notesMasterIdLst>
   <p:sldIdLst>
-    <p:sldId id="256" r:id="rId2"/>
-    <p:sldId id="257" r:id="rId3"/>
-    <p:sldId id="258" r:id="rId4"/>
+    <p:sldId id="259" r:id="rId2"/>
+    <p:sldId id="260" r:id="rId3"/>
+    <p:sldId id="261" r:id="rId4"/>
+    <p:sldId id="262" r:id="rId5"/>
+    <p:sldId id="264" r:id="rId6"/>
+    <p:sldId id="269" r:id="rId7"/>
+    <p:sldId id="270" r:id="rId8"/>
+    <p:sldId id="265" r:id="rId9"/>
+    <p:sldId id="266" r:id="rId10"/>
+    <p:sldId id="267" r:id="rId11"/>
+    <p:sldId id="268" r:id="rId12"/>
   </p:sldIdLst>
   <p:sldSz cx="12192000" cy="6858000"/>
   <p:notesSz cx="6858000" cy="9144000"/>
@@ -114,9 +122,17 @@
       <p14:sectionLst xmlns:p14="http://schemas.microsoft.com/office/powerpoint/2010/main">
         <p14:section name="Default Section" id="{E0195571-FD13-43A4-8C9B-8E6B3916FAE7}">
           <p14:sldIdLst>
-            <p14:sldId id="256"/>
-            <p14:sldId id="257"/>
-            <p14:sldId id="258"/>
+            <p14:sldId id="259"/>
+            <p14:sldId id="260"/>
+            <p14:sldId id="261"/>
+            <p14:sldId id="262"/>
+            <p14:sldId id="264"/>
+            <p14:sldId id="269"/>
+            <p14:sldId id="270"/>
+            <p14:sldId id="265"/>
+            <p14:sldId id="266"/>
+            <p14:sldId id="267"/>
+            <p14:sldId id="268"/>
           </p14:sldIdLst>
         </p14:section>
         <p14:section name="Untitled Section" id="{3BAAB572-16B3-4937-BBEC-98975E9E6E9C}">
@@ -479,6 +495,698 @@
     </a:lvl9pPr>
   </p:notesStyle>
 </p:notesMaster>
+</file>
+
+<file path=ppt/notesSlides/notesSlide1.xml><?xml version="1.0" encoding="utf-8"?>
+<p:notes xmlns:a="http://schemas.openxmlformats.org/drawingml/2006/main" xmlns:r="http://schemas.openxmlformats.org/officeDocument/2006/relationships" xmlns:p="http://schemas.openxmlformats.org/presentationml/2006/main">
+  <p:cSld>
+    <p:spTree>
+      <p:nvGrpSpPr>
+        <p:cNvPr id="1" name=""/>
+        <p:cNvGrpSpPr/>
+        <p:nvPr/>
+      </p:nvGrpSpPr>
+      <p:grpSpPr>
+        <a:xfrm>
+          <a:off x="0" y="0"/>
+          <a:ext cx="0" cy="0"/>
+          <a:chOff x="0" y="0"/>
+          <a:chExt cx="0" cy="0"/>
+        </a:xfrm>
+      </p:grpSpPr>
+      <p:sp>
+        <p:nvSpPr>
+          <p:cNvPr id="2" name="Slide Image Placeholder 1"/>
+          <p:cNvSpPr>
+            <a:spLocks noGrp="1" noRot="1" noChangeAspect="1"/>
+          </p:cNvSpPr>
+          <p:nvPr>
+            <p:ph type="sldImg"/>
+          </p:nvPr>
+        </p:nvSpPr>
+        <p:spPr/>
+      </p:sp>
+      <p:sp>
+        <p:nvSpPr>
+          <p:cNvPr id="3" name="Notes Placeholder 2"/>
+          <p:cNvSpPr>
+            <a:spLocks noGrp="1"/>
+          </p:cNvSpPr>
+          <p:nvPr>
+            <p:ph type="body" idx="1"/>
+          </p:nvPr>
+        </p:nvSpPr>
+        <p:spPr/>
+        <p:txBody>
+          <a:bodyPr/>
+          <a:lstStyle/>
+          <a:p>
+            <a:endParaRPr lang="en-US" dirty="0"/>
+          </a:p>
+        </p:txBody>
+      </p:sp>
+      <p:sp>
+        <p:nvSpPr>
+          <p:cNvPr id="4" name="Slide Number Placeholder 3"/>
+          <p:cNvSpPr>
+            <a:spLocks noGrp="1"/>
+          </p:cNvSpPr>
+          <p:nvPr>
+            <p:ph type="sldNum" sz="quarter" idx="10"/>
+          </p:nvPr>
+        </p:nvSpPr>
+        <p:spPr/>
+        <p:txBody>
+          <a:bodyPr/>
+          <a:lstStyle/>
+          <a:p>
+            <a:fld id="{B6DB43F0-FEFD-424B-AFAA-1D3C2B01CC9C}" type="slidenum">
+              <a:rPr lang="be-BY" smtClean="0"/>
+              <a:pPr/>
+              <a:t>2</a:t>
+            </a:fld>
+            <a:endParaRPr lang="be-BY"/>
+          </a:p>
+        </p:txBody>
+      </p:sp>
+    </p:spTree>
+    <p:extLst>
+      <p:ext uri="{BB962C8B-B14F-4D97-AF65-F5344CB8AC3E}">
+        <p14:creationId xmlns:p14="http://schemas.microsoft.com/office/powerpoint/2010/main" val="1317849039"/>
+      </p:ext>
+    </p:extLst>
+  </p:cSld>
+  <p:clrMapOvr>
+    <a:masterClrMapping/>
+  </p:clrMapOvr>
+</p:notes>
+</file>
+
+<file path=ppt/notesSlides/notesSlide2.xml><?xml version="1.0" encoding="utf-8"?>
+<p:notes xmlns:a="http://schemas.openxmlformats.org/drawingml/2006/main" xmlns:r="http://schemas.openxmlformats.org/officeDocument/2006/relationships" xmlns:p="http://schemas.openxmlformats.org/presentationml/2006/main">
+  <p:cSld>
+    <p:spTree>
+      <p:nvGrpSpPr>
+        <p:cNvPr id="1" name=""/>
+        <p:cNvGrpSpPr/>
+        <p:nvPr/>
+      </p:nvGrpSpPr>
+      <p:grpSpPr>
+        <a:xfrm>
+          <a:off x="0" y="0"/>
+          <a:ext cx="0" cy="0"/>
+          <a:chOff x="0" y="0"/>
+          <a:chExt cx="0" cy="0"/>
+        </a:xfrm>
+      </p:grpSpPr>
+      <p:sp>
+        <p:nvSpPr>
+          <p:cNvPr id="2" name="Slide Image Placeholder 1"/>
+          <p:cNvSpPr>
+            <a:spLocks noGrp="1" noRot="1" noChangeAspect="1"/>
+          </p:cNvSpPr>
+          <p:nvPr>
+            <p:ph type="sldImg"/>
+          </p:nvPr>
+        </p:nvSpPr>
+        <p:spPr/>
+      </p:sp>
+      <p:sp>
+        <p:nvSpPr>
+          <p:cNvPr id="3" name="Notes Placeholder 2"/>
+          <p:cNvSpPr>
+            <a:spLocks noGrp="1"/>
+          </p:cNvSpPr>
+          <p:nvPr>
+            <p:ph type="body" idx="1"/>
+          </p:nvPr>
+        </p:nvSpPr>
+        <p:spPr/>
+        <p:txBody>
+          <a:bodyPr/>
+          <a:lstStyle/>
+          <a:p>
+            <a:endParaRPr lang="en-US" dirty="0"/>
+          </a:p>
+        </p:txBody>
+      </p:sp>
+      <p:sp>
+        <p:nvSpPr>
+          <p:cNvPr id="4" name="Slide Number Placeholder 3"/>
+          <p:cNvSpPr>
+            <a:spLocks noGrp="1"/>
+          </p:cNvSpPr>
+          <p:nvPr>
+            <p:ph type="sldNum" sz="quarter" idx="10"/>
+          </p:nvPr>
+        </p:nvSpPr>
+        <p:spPr/>
+        <p:txBody>
+          <a:bodyPr/>
+          <a:lstStyle/>
+          <a:p>
+            <a:fld id="{B6DB43F0-FEFD-424B-AFAA-1D3C2B01CC9C}" type="slidenum">
+              <a:rPr lang="be-BY" smtClean="0"/>
+              <a:pPr/>
+              <a:t>3</a:t>
+            </a:fld>
+            <a:endParaRPr lang="be-BY"/>
+          </a:p>
+        </p:txBody>
+      </p:sp>
+    </p:spTree>
+    <p:extLst>
+      <p:ext uri="{BB962C8B-B14F-4D97-AF65-F5344CB8AC3E}">
+        <p14:creationId xmlns:p14="http://schemas.microsoft.com/office/powerpoint/2010/main" val="3528200497"/>
+      </p:ext>
+    </p:extLst>
+  </p:cSld>
+  <p:clrMapOvr>
+    <a:masterClrMapping/>
+  </p:clrMapOvr>
+</p:notes>
+</file>
+
+<file path=ppt/notesSlides/notesSlide3.xml><?xml version="1.0" encoding="utf-8"?>
+<p:notes xmlns:a="http://schemas.openxmlformats.org/drawingml/2006/main" xmlns:r="http://schemas.openxmlformats.org/officeDocument/2006/relationships" xmlns:p="http://schemas.openxmlformats.org/presentationml/2006/main">
+  <p:cSld>
+    <p:spTree>
+      <p:nvGrpSpPr>
+        <p:cNvPr id="1" name=""/>
+        <p:cNvGrpSpPr/>
+        <p:nvPr/>
+      </p:nvGrpSpPr>
+      <p:grpSpPr>
+        <a:xfrm>
+          <a:off x="0" y="0"/>
+          <a:ext cx="0" cy="0"/>
+          <a:chOff x="0" y="0"/>
+          <a:chExt cx="0" cy="0"/>
+        </a:xfrm>
+      </p:grpSpPr>
+      <p:sp>
+        <p:nvSpPr>
+          <p:cNvPr id="2" name="Slide Image Placeholder 1"/>
+          <p:cNvSpPr>
+            <a:spLocks noGrp="1" noRot="1" noChangeAspect="1"/>
+          </p:cNvSpPr>
+          <p:nvPr>
+            <p:ph type="sldImg"/>
+          </p:nvPr>
+        </p:nvSpPr>
+        <p:spPr/>
+      </p:sp>
+      <p:sp>
+        <p:nvSpPr>
+          <p:cNvPr id="3" name="Notes Placeholder 2"/>
+          <p:cNvSpPr>
+            <a:spLocks noGrp="1"/>
+          </p:cNvSpPr>
+          <p:nvPr>
+            <p:ph type="body" idx="1"/>
+          </p:nvPr>
+        </p:nvSpPr>
+        <p:spPr/>
+        <p:txBody>
+          <a:bodyPr>
+            <a:normAutofit/>
+          </a:bodyPr>
+          <a:lstStyle/>
+          <a:p>
+            <a:endParaRPr lang="ru-RU" baseline="0" dirty="0" smtClean="0"/>
+          </a:p>
+        </p:txBody>
+      </p:sp>
+      <p:sp>
+        <p:nvSpPr>
+          <p:cNvPr id="4" name="Slide Number Placeholder 3"/>
+          <p:cNvSpPr>
+            <a:spLocks noGrp="1"/>
+          </p:cNvSpPr>
+          <p:nvPr>
+            <p:ph type="sldNum" sz="quarter" idx="10"/>
+          </p:nvPr>
+        </p:nvSpPr>
+        <p:spPr/>
+        <p:txBody>
+          <a:bodyPr/>
+          <a:lstStyle/>
+          <a:p>
+            <a:fld id="{B6DB43F0-FEFD-424B-AFAA-1D3C2B01CC9C}" type="slidenum">
+              <a:rPr lang="be-BY" smtClean="0"/>
+              <a:pPr/>
+              <a:t>5</a:t>
+            </a:fld>
+            <a:endParaRPr lang="be-BY"/>
+          </a:p>
+        </p:txBody>
+      </p:sp>
+    </p:spTree>
+    <p:extLst>
+      <p:ext uri="{BB962C8B-B14F-4D97-AF65-F5344CB8AC3E}">
+        <p14:creationId xmlns:p14="http://schemas.microsoft.com/office/powerpoint/2010/main" val="1439180827"/>
+      </p:ext>
+    </p:extLst>
+  </p:cSld>
+  <p:clrMapOvr>
+    <a:masterClrMapping/>
+  </p:clrMapOvr>
+</p:notes>
+</file>
+
+<file path=ppt/notesSlides/notesSlide4.xml><?xml version="1.0" encoding="utf-8"?>
+<p:notes xmlns:a="http://schemas.openxmlformats.org/drawingml/2006/main" xmlns:r="http://schemas.openxmlformats.org/officeDocument/2006/relationships" xmlns:p="http://schemas.openxmlformats.org/presentationml/2006/main">
+  <p:cSld>
+    <p:spTree>
+      <p:nvGrpSpPr>
+        <p:cNvPr id="1" name=""/>
+        <p:cNvGrpSpPr/>
+        <p:nvPr/>
+      </p:nvGrpSpPr>
+      <p:grpSpPr>
+        <a:xfrm>
+          <a:off x="0" y="0"/>
+          <a:ext cx="0" cy="0"/>
+          <a:chOff x="0" y="0"/>
+          <a:chExt cx="0" cy="0"/>
+        </a:xfrm>
+      </p:grpSpPr>
+      <p:sp>
+        <p:nvSpPr>
+          <p:cNvPr id="2" name="Slide Image Placeholder 1"/>
+          <p:cNvSpPr>
+            <a:spLocks noGrp="1" noRot="1" noChangeAspect="1"/>
+          </p:cNvSpPr>
+          <p:nvPr>
+            <p:ph type="sldImg"/>
+          </p:nvPr>
+        </p:nvSpPr>
+        <p:spPr/>
+      </p:sp>
+      <p:sp>
+        <p:nvSpPr>
+          <p:cNvPr id="3" name="Notes Placeholder 2"/>
+          <p:cNvSpPr>
+            <a:spLocks noGrp="1"/>
+          </p:cNvSpPr>
+          <p:nvPr>
+            <p:ph type="body" idx="1"/>
+          </p:nvPr>
+        </p:nvSpPr>
+        <p:spPr/>
+        <p:txBody>
+          <a:bodyPr>
+            <a:normAutofit/>
+          </a:bodyPr>
+          <a:lstStyle/>
+          <a:p>
+            <a:endParaRPr lang="en-US" i="0" dirty="0"/>
+          </a:p>
+        </p:txBody>
+      </p:sp>
+      <p:sp>
+        <p:nvSpPr>
+          <p:cNvPr id="4" name="Slide Number Placeholder 3"/>
+          <p:cNvSpPr>
+            <a:spLocks noGrp="1"/>
+          </p:cNvSpPr>
+          <p:nvPr>
+            <p:ph type="sldNum" sz="quarter" idx="10"/>
+          </p:nvPr>
+        </p:nvSpPr>
+        <p:spPr/>
+        <p:txBody>
+          <a:bodyPr/>
+          <a:lstStyle/>
+          <a:p>
+            <a:fld id="{B6DB43F0-FEFD-424B-AFAA-1D3C2B01CC9C}" type="slidenum">
+              <a:rPr lang="be-BY" smtClean="0"/>
+              <a:pPr/>
+              <a:t>7</a:t>
+            </a:fld>
+            <a:endParaRPr lang="be-BY"/>
+          </a:p>
+        </p:txBody>
+      </p:sp>
+    </p:spTree>
+    <p:extLst>
+      <p:ext uri="{BB962C8B-B14F-4D97-AF65-F5344CB8AC3E}">
+        <p14:creationId xmlns:p14="http://schemas.microsoft.com/office/powerpoint/2010/main" val="74313919"/>
+      </p:ext>
+    </p:extLst>
+  </p:cSld>
+  <p:clrMapOvr>
+    <a:masterClrMapping/>
+  </p:clrMapOvr>
+</p:notes>
+</file>
+
+<file path=ppt/notesSlides/notesSlide5.xml><?xml version="1.0" encoding="utf-8"?>
+<p:notes xmlns:a="http://schemas.openxmlformats.org/drawingml/2006/main" xmlns:r="http://schemas.openxmlformats.org/officeDocument/2006/relationships" xmlns:p="http://schemas.openxmlformats.org/presentationml/2006/main">
+  <p:cSld>
+    <p:spTree>
+      <p:nvGrpSpPr>
+        <p:cNvPr id="1" name=""/>
+        <p:cNvGrpSpPr/>
+        <p:nvPr/>
+      </p:nvGrpSpPr>
+      <p:grpSpPr>
+        <a:xfrm>
+          <a:off x="0" y="0"/>
+          <a:ext cx="0" cy="0"/>
+          <a:chOff x="0" y="0"/>
+          <a:chExt cx="0" cy="0"/>
+        </a:xfrm>
+      </p:grpSpPr>
+      <p:sp>
+        <p:nvSpPr>
+          <p:cNvPr id="2" name="Slide Image Placeholder 1"/>
+          <p:cNvSpPr>
+            <a:spLocks noGrp="1" noRot="1" noChangeAspect="1"/>
+          </p:cNvSpPr>
+          <p:nvPr>
+            <p:ph type="sldImg"/>
+          </p:nvPr>
+        </p:nvSpPr>
+        <p:spPr/>
+      </p:sp>
+      <p:sp>
+        <p:nvSpPr>
+          <p:cNvPr id="3" name="Notes Placeholder 2"/>
+          <p:cNvSpPr>
+            <a:spLocks noGrp="1"/>
+          </p:cNvSpPr>
+          <p:nvPr>
+            <p:ph type="body" idx="1"/>
+          </p:nvPr>
+        </p:nvSpPr>
+        <p:spPr/>
+        <p:txBody>
+          <a:bodyPr>
+            <a:normAutofit/>
+          </a:bodyPr>
+          <a:lstStyle/>
+          <a:p>
+            <a:endParaRPr lang="ru-RU" dirty="0" smtClean="0"/>
+          </a:p>
+        </p:txBody>
+      </p:sp>
+      <p:sp>
+        <p:nvSpPr>
+          <p:cNvPr id="4" name="Slide Number Placeholder 3"/>
+          <p:cNvSpPr>
+            <a:spLocks noGrp="1"/>
+          </p:cNvSpPr>
+          <p:nvPr>
+            <p:ph type="sldNum" sz="quarter" idx="10"/>
+          </p:nvPr>
+        </p:nvSpPr>
+        <p:spPr/>
+        <p:txBody>
+          <a:bodyPr/>
+          <a:lstStyle/>
+          <a:p>
+            <a:fld id="{B6DB43F0-FEFD-424B-AFAA-1D3C2B01CC9C}" type="slidenum">
+              <a:rPr lang="be-BY" smtClean="0"/>
+              <a:pPr/>
+              <a:t>8</a:t>
+            </a:fld>
+            <a:endParaRPr lang="be-BY"/>
+          </a:p>
+        </p:txBody>
+      </p:sp>
+    </p:spTree>
+    <p:extLst>
+      <p:ext uri="{BB962C8B-B14F-4D97-AF65-F5344CB8AC3E}">
+        <p14:creationId xmlns:p14="http://schemas.microsoft.com/office/powerpoint/2010/main" val="3836380141"/>
+      </p:ext>
+    </p:extLst>
+  </p:cSld>
+  <p:clrMapOvr>
+    <a:masterClrMapping/>
+  </p:clrMapOvr>
+</p:notes>
+</file>
+
+<file path=ppt/notesSlides/notesSlide6.xml><?xml version="1.0" encoding="utf-8"?>
+<p:notes xmlns:a="http://schemas.openxmlformats.org/drawingml/2006/main" xmlns:r="http://schemas.openxmlformats.org/officeDocument/2006/relationships" xmlns:p="http://schemas.openxmlformats.org/presentationml/2006/main">
+  <p:cSld>
+    <p:spTree>
+      <p:nvGrpSpPr>
+        <p:cNvPr id="1" name=""/>
+        <p:cNvGrpSpPr/>
+        <p:nvPr/>
+      </p:nvGrpSpPr>
+      <p:grpSpPr>
+        <a:xfrm>
+          <a:off x="0" y="0"/>
+          <a:ext cx="0" cy="0"/>
+          <a:chOff x="0" y="0"/>
+          <a:chExt cx="0" cy="0"/>
+        </a:xfrm>
+      </p:grpSpPr>
+      <p:sp>
+        <p:nvSpPr>
+          <p:cNvPr id="2" name="Slide Image Placeholder 1"/>
+          <p:cNvSpPr>
+            <a:spLocks noGrp="1" noRot="1" noChangeAspect="1"/>
+          </p:cNvSpPr>
+          <p:nvPr>
+            <p:ph type="sldImg"/>
+          </p:nvPr>
+        </p:nvSpPr>
+        <p:spPr/>
+      </p:sp>
+      <p:sp>
+        <p:nvSpPr>
+          <p:cNvPr id="3" name="Notes Placeholder 2"/>
+          <p:cNvSpPr>
+            <a:spLocks noGrp="1"/>
+          </p:cNvSpPr>
+          <p:nvPr>
+            <p:ph type="body" idx="1"/>
+          </p:nvPr>
+        </p:nvSpPr>
+        <p:spPr/>
+        <p:txBody>
+          <a:bodyPr>
+            <a:normAutofit/>
+          </a:bodyPr>
+          <a:lstStyle/>
+          <a:p>
+            <a:endParaRPr lang="ru-RU" dirty="0" smtClean="0"/>
+          </a:p>
+        </p:txBody>
+      </p:sp>
+      <p:sp>
+        <p:nvSpPr>
+          <p:cNvPr id="4" name="Slide Number Placeholder 3"/>
+          <p:cNvSpPr>
+            <a:spLocks noGrp="1"/>
+          </p:cNvSpPr>
+          <p:nvPr>
+            <p:ph type="sldNum" sz="quarter" idx="10"/>
+          </p:nvPr>
+        </p:nvSpPr>
+        <p:spPr/>
+        <p:txBody>
+          <a:bodyPr/>
+          <a:lstStyle/>
+          <a:p>
+            <a:fld id="{B6DB43F0-FEFD-424B-AFAA-1D3C2B01CC9C}" type="slidenum">
+              <a:rPr lang="be-BY" smtClean="0"/>
+              <a:pPr/>
+              <a:t>9</a:t>
+            </a:fld>
+            <a:endParaRPr lang="be-BY"/>
+          </a:p>
+        </p:txBody>
+      </p:sp>
+    </p:spTree>
+    <p:extLst>
+      <p:ext uri="{BB962C8B-B14F-4D97-AF65-F5344CB8AC3E}">
+        <p14:creationId xmlns:p14="http://schemas.microsoft.com/office/powerpoint/2010/main" val="3729258001"/>
+      </p:ext>
+    </p:extLst>
+  </p:cSld>
+  <p:clrMapOvr>
+    <a:masterClrMapping/>
+  </p:clrMapOvr>
+</p:notes>
+</file>
+
+<file path=ppt/notesSlides/notesSlide7.xml><?xml version="1.0" encoding="utf-8"?>
+<p:notes xmlns:a="http://schemas.openxmlformats.org/drawingml/2006/main" xmlns:r="http://schemas.openxmlformats.org/officeDocument/2006/relationships" xmlns:p="http://schemas.openxmlformats.org/presentationml/2006/main">
+  <p:cSld>
+    <p:spTree>
+      <p:nvGrpSpPr>
+        <p:cNvPr id="1" name=""/>
+        <p:cNvGrpSpPr/>
+        <p:nvPr/>
+      </p:nvGrpSpPr>
+      <p:grpSpPr>
+        <a:xfrm>
+          <a:off x="0" y="0"/>
+          <a:ext cx="0" cy="0"/>
+          <a:chOff x="0" y="0"/>
+          <a:chExt cx="0" cy="0"/>
+        </a:xfrm>
+      </p:grpSpPr>
+      <p:sp>
+        <p:nvSpPr>
+          <p:cNvPr id="2" name="Slide Image Placeholder 1"/>
+          <p:cNvSpPr>
+            <a:spLocks noGrp="1" noRot="1" noChangeAspect="1"/>
+          </p:cNvSpPr>
+          <p:nvPr>
+            <p:ph type="sldImg"/>
+          </p:nvPr>
+        </p:nvSpPr>
+        <p:spPr/>
+      </p:sp>
+      <p:sp>
+        <p:nvSpPr>
+          <p:cNvPr id="3" name="Notes Placeholder 2"/>
+          <p:cNvSpPr>
+            <a:spLocks noGrp="1"/>
+          </p:cNvSpPr>
+          <p:nvPr>
+            <p:ph type="body" idx="1"/>
+          </p:nvPr>
+        </p:nvSpPr>
+        <p:spPr/>
+        <p:txBody>
+          <a:bodyPr>
+            <a:normAutofit/>
+          </a:bodyPr>
+          <a:lstStyle/>
+          <a:p>
+            <a:endParaRPr lang="ru-RU" dirty="0" smtClean="0"/>
+          </a:p>
+        </p:txBody>
+      </p:sp>
+      <p:sp>
+        <p:nvSpPr>
+          <p:cNvPr id="4" name="Slide Number Placeholder 3"/>
+          <p:cNvSpPr>
+            <a:spLocks noGrp="1"/>
+          </p:cNvSpPr>
+          <p:nvPr>
+            <p:ph type="sldNum" sz="quarter" idx="10"/>
+          </p:nvPr>
+        </p:nvSpPr>
+        <p:spPr/>
+        <p:txBody>
+          <a:bodyPr/>
+          <a:lstStyle/>
+          <a:p>
+            <a:fld id="{B6DB43F0-FEFD-424B-AFAA-1D3C2B01CC9C}" type="slidenum">
+              <a:rPr lang="be-BY" smtClean="0"/>
+              <a:pPr/>
+              <a:t>10</a:t>
+            </a:fld>
+            <a:endParaRPr lang="be-BY"/>
+          </a:p>
+        </p:txBody>
+      </p:sp>
+    </p:spTree>
+    <p:extLst>
+      <p:ext uri="{BB962C8B-B14F-4D97-AF65-F5344CB8AC3E}">
+        <p14:creationId xmlns:p14="http://schemas.microsoft.com/office/powerpoint/2010/main" val="3510900309"/>
+      </p:ext>
+    </p:extLst>
+  </p:cSld>
+  <p:clrMapOvr>
+    <a:masterClrMapping/>
+  </p:clrMapOvr>
+</p:notes>
+</file>
+
+<file path=ppt/notesSlides/notesSlide8.xml><?xml version="1.0" encoding="utf-8"?>
+<p:notes xmlns:a="http://schemas.openxmlformats.org/drawingml/2006/main" xmlns:r="http://schemas.openxmlformats.org/officeDocument/2006/relationships" xmlns:p="http://schemas.openxmlformats.org/presentationml/2006/main">
+  <p:cSld>
+    <p:spTree>
+      <p:nvGrpSpPr>
+        <p:cNvPr id="1" name=""/>
+        <p:cNvGrpSpPr/>
+        <p:nvPr/>
+      </p:nvGrpSpPr>
+      <p:grpSpPr>
+        <a:xfrm>
+          <a:off x="0" y="0"/>
+          <a:ext cx="0" cy="0"/>
+          <a:chOff x="0" y="0"/>
+          <a:chExt cx="0" cy="0"/>
+        </a:xfrm>
+      </p:grpSpPr>
+      <p:sp>
+        <p:nvSpPr>
+          <p:cNvPr id="2" name="Slide Image Placeholder 1"/>
+          <p:cNvSpPr>
+            <a:spLocks noGrp="1" noRot="1" noChangeAspect="1"/>
+          </p:cNvSpPr>
+          <p:nvPr>
+            <p:ph type="sldImg"/>
+          </p:nvPr>
+        </p:nvSpPr>
+        <p:spPr/>
+      </p:sp>
+      <p:sp>
+        <p:nvSpPr>
+          <p:cNvPr id="3" name="Notes Placeholder 2"/>
+          <p:cNvSpPr>
+            <a:spLocks noGrp="1"/>
+          </p:cNvSpPr>
+          <p:nvPr>
+            <p:ph type="body" idx="1"/>
+          </p:nvPr>
+        </p:nvSpPr>
+        <p:spPr/>
+        <p:txBody>
+          <a:bodyPr>
+            <a:normAutofit/>
+          </a:bodyPr>
+          <a:lstStyle/>
+          <a:p>
+            <a:endParaRPr lang="ru-RU" dirty="0" smtClean="0"/>
+          </a:p>
+        </p:txBody>
+      </p:sp>
+      <p:sp>
+        <p:nvSpPr>
+          <p:cNvPr id="4" name="Slide Number Placeholder 3"/>
+          <p:cNvSpPr>
+            <a:spLocks noGrp="1"/>
+          </p:cNvSpPr>
+          <p:nvPr>
+            <p:ph type="sldNum" sz="quarter" idx="10"/>
+          </p:nvPr>
+        </p:nvSpPr>
+        <p:spPr/>
+        <p:txBody>
+          <a:bodyPr/>
+          <a:lstStyle/>
+          <a:p>
+            <a:fld id="{B6DB43F0-FEFD-424B-AFAA-1D3C2B01CC9C}" type="slidenum">
+              <a:rPr lang="be-BY" smtClean="0"/>
+              <a:pPr/>
+              <a:t>11</a:t>
+            </a:fld>
+            <a:endParaRPr lang="be-BY"/>
+          </a:p>
+        </p:txBody>
+      </p:sp>
+    </p:spTree>
+    <p:extLst>
+      <p:ext uri="{BB962C8B-B14F-4D97-AF65-F5344CB8AC3E}">
+        <p14:creationId xmlns:p14="http://schemas.microsoft.com/office/powerpoint/2010/main" val="1543117238"/>
+      </p:ext>
+    </p:extLst>
+  </p:cSld>
+  <p:clrMapOvr>
+    <a:masterClrMapping/>
+  </p:clrMapOvr>
+</p:notes>
 </file>
 
 <file path=ppt/slideLayouts/slideLayout1.xml><?xml version="1.0" encoding="utf-8"?>
@@ -3354,12 +4062,12 @@
           <a:lstStyle/>
           <a:p>
             <a:r>
-              <a:rPr lang="en-US" b="1" dirty="0"/>
-              <a:t>Statements Versus </a:t>
-            </a:r>
-            <a:r>
-              <a:rPr lang="en-US" b="1" dirty="0" smtClean="0"/>
-              <a:t>Expressions</a:t>
+              <a:rPr lang="en-US" dirty="0" err="1" smtClean="0"/>
+              <a:t>Polyfills</a:t>
+            </a:r>
+            <a:r>
+              <a:rPr lang="en-US" dirty="0" smtClean="0"/>
+              <a:t>	</a:t>
             </a:r>
             <a:endParaRPr lang="en-US" dirty="0"/>
           </a:p>
@@ -3377,68 +4085,91 @@
         </p:nvSpPr>
         <p:spPr/>
         <p:txBody>
-          <a:bodyPr/>
-          <a:lstStyle/>
+          <a:bodyPr>
+            <a:normAutofit lnSpcReduction="10000"/>
+          </a:bodyPr>
+          <a:lstStyle/>
+          <a:p>
+            <a:r>
+              <a:rPr lang="en-US" dirty="0">
+                <a:hlinkClick r:id="rId2"/>
+              </a:rPr>
+              <a:t>https://</a:t>
+            </a:r>
+            <a:r>
+              <a:rPr lang="en-US" dirty="0" smtClean="0">
+                <a:hlinkClick r:id="rId2"/>
+              </a:rPr>
+              <a:t>github.com/Modernizr/Modernizr/wiki/HTML5-Cross-browser-Polyfills</a:t>
+            </a:r>
+            <a:endParaRPr lang="en-US" dirty="0" smtClean="0"/>
+          </a:p>
+          <a:p>
+            <a:endParaRPr lang="en-US" dirty="0"/>
+          </a:p>
+          <a:p>
+            <a:r>
+              <a:rPr lang="en-US" dirty="0"/>
+              <a:t>A </a:t>
+            </a:r>
+            <a:r>
+              <a:rPr lang="en-US" i="1" dirty="0"/>
+              <a:t>shim</a:t>
+            </a:r>
+            <a:r>
+              <a:rPr lang="en-US" dirty="0"/>
+              <a:t> is a library that brings a new API to an older environment, using only the means of that environment</a:t>
+            </a:r>
+            <a:r>
+              <a:rPr lang="en-US" dirty="0" smtClean="0"/>
+              <a:t>. – “similar functionality but different API - </a:t>
+            </a:r>
+            <a:r>
+              <a:rPr lang="en-US" dirty="0"/>
+              <a:t>thin </a:t>
+            </a:r>
+            <a:r>
+              <a:rPr lang="en-US" dirty="0">
+                <a:hlinkClick r:id="rId3" tooltip="Compatibility layer"/>
+              </a:rPr>
+              <a:t>compatibility layer</a:t>
+            </a:r>
+            <a:r>
+              <a:rPr lang="en-US" dirty="0" smtClean="0"/>
+              <a:t>”</a:t>
+            </a:r>
+            <a:endParaRPr lang="en-US" dirty="0"/>
+          </a:p>
+          <a:p>
+            <a:r>
+              <a:rPr lang="en-US" dirty="0"/>
+              <a:t>A </a:t>
+            </a:r>
+            <a:r>
+              <a:rPr lang="en-US" i="1" dirty="0" err="1"/>
+              <a:t>polyfill</a:t>
+            </a:r>
+            <a:r>
+              <a:rPr lang="en-US" dirty="0"/>
+              <a:t> is a shim for a browser API. It typically checks if a browser supports an API. If it doesn’t, the </a:t>
+            </a:r>
+            <a:r>
+              <a:rPr lang="en-US" dirty="0" err="1"/>
+              <a:t>polyfill</a:t>
+            </a:r>
+            <a:r>
+              <a:rPr lang="en-US" dirty="0"/>
+              <a:t> installs its own implementation. That allows you to use the API in either case. </a:t>
+            </a:r>
+            <a:endParaRPr lang="en-US" dirty="0" smtClean="0"/>
+          </a:p>
           <a:p>
             <a:pPr marL="0" indent="0">
               <a:buNone/>
             </a:pPr>
             <a:r>
-              <a:rPr lang="en-US" dirty="0" err="1"/>
-              <a:t>var</a:t>
-            </a:r>
-            <a:r>
-              <a:rPr lang="en-US" dirty="0"/>
-              <a:t> foo; // statement</a:t>
-            </a:r>
-          </a:p>
-          <a:p>
-            <a:pPr marL="0" indent="0">
-              <a:buNone/>
-            </a:pPr>
-            <a:r>
-              <a:rPr lang="en-US" dirty="0" err="1"/>
-              <a:t>var</a:t>
-            </a:r>
-            <a:r>
-              <a:rPr lang="en-US" dirty="0"/>
-              <a:t> x = y &gt;= 0 ? y : -y; //expression</a:t>
-            </a:r>
-          </a:p>
-          <a:p>
-            <a:pPr marL="0" indent="0">
-              <a:buNone/>
-            </a:pPr>
-            <a:r>
-              <a:rPr lang="en-US" dirty="0" err="1"/>
-              <a:t>myFunction</a:t>
-            </a:r>
-            <a:r>
-              <a:rPr lang="en-US" dirty="0"/>
-              <a:t>(y &gt;= 0 ? y : -y) // </a:t>
-            </a:r>
-            <a:r>
               <a:rPr lang="en-US" dirty="0" smtClean="0"/>
-              <a:t>expression</a:t>
-            </a:r>
-          </a:p>
-          <a:p>
-            <a:pPr marL="0" indent="0">
-              <a:buNone/>
-            </a:pPr>
-            <a:endParaRPr lang="en-US" dirty="0" smtClean="0"/>
-          </a:p>
-          <a:p>
-            <a:pPr marL="0" indent="0">
-              <a:buNone/>
-            </a:pPr>
-            <a:r>
-              <a:rPr lang="en-US" dirty="0" err="1" smtClean="0"/>
-              <a:t>var</a:t>
-            </a:r>
-            <a:r>
-              <a:rPr lang="en-US" dirty="0" smtClean="0"/>
-              <a:t> foo = 6; //assignment </a:t>
+              <a:t>	“fill the hole”</a:t>
             </a:r>
             <a:endParaRPr lang="en-US" dirty="0"/>
           </a:p>
@@ -3447,13 +4178,408 @@
     </p:spTree>
     <p:extLst>
       <p:ext uri="{BB962C8B-B14F-4D97-AF65-F5344CB8AC3E}">
-        <p14:creationId xmlns:p14="http://schemas.microsoft.com/office/powerpoint/2010/main" val="2279569439"/>
+        <p14:creationId xmlns:p14="http://schemas.microsoft.com/office/powerpoint/2010/main" val="258571884"/>
       </p:ext>
     </p:extLst>
   </p:cSld>
   <p:clrMapOvr>
     <a:masterClrMapping/>
   </p:clrMapOvr>
+</p:sld>
+</file>
+
+<file path=ppt/slides/slide10.xml><?xml version="1.0" encoding="utf-8"?>
+<p:sld xmlns:a="http://schemas.openxmlformats.org/drawingml/2006/main" xmlns:r="http://schemas.openxmlformats.org/officeDocument/2006/relationships" xmlns:p="http://schemas.openxmlformats.org/presentationml/2006/main">
+  <p:cSld>
+    <p:spTree>
+      <p:nvGrpSpPr>
+        <p:cNvPr id="1" name=""/>
+        <p:cNvGrpSpPr/>
+        <p:nvPr/>
+      </p:nvGrpSpPr>
+      <p:grpSpPr>
+        <a:xfrm>
+          <a:off x="0" y="0"/>
+          <a:ext cx="0" cy="0"/>
+          <a:chOff x="0" y="0"/>
+          <a:chExt cx="0" cy="0"/>
+        </a:xfrm>
+      </p:grpSpPr>
+      <p:sp>
+        <p:nvSpPr>
+          <p:cNvPr id="2" name="Заголовок 1"/>
+          <p:cNvSpPr>
+            <a:spLocks noGrp="1"/>
+          </p:cNvSpPr>
+          <p:nvPr>
+            <p:ph type="ctrTitle"/>
+          </p:nvPr>
+        </p:nvSpPr>
+        <p:spPr>
+          <a:xfrm>
+            <a:off x="3149183" y="964389"/>
+            <a:ext cx="5829300" cy="396480"/>
+          </a:xfrm>
+        </p:spPr>
+        <p:txBody>
+          <a:bodyPr>
+            <a:normAutofit fontScale="90000"/>
+          </a:bodyPr>
+          <a:lstStyle/>
+          <a:p>
+            <a:r>
+              <a:rPr lang="en-US" b="1" dirty="0" err="1"/>
+              <a:t>e</a:t>
+            </a:r>
+            <a:r>
+              <a:rPr lang="en-US" b="1" dirty="0" err="1" smtClean="0"/>
+              <a:t>val</a:t>
+            </a:r>
+            <a:r>
+              <a:rPr lang="en-US" b="1" dirty="0" smtClean="0"/>
+              <a:t> is evil</a:t>
+            </a:r>
+            <a:endParaRPr lang="en-US" b="1" dirty="0">
+              <a:solidFill>
+                <a:schemeClr val="tx1">
+                  <a:lumMod val="65000"/>
+                  <a:lumOff val="35000"/>
+                </a:schemeClr>
+              </a:solidFill>
+            </a:endParaRPr>
+          </a:p>
+        </p:txBody>
+      </p:sp>
+      <p:sp>
+        <p:nvSpPr>
+          <p:cNvPr id="3" name="Rectangle 2"/>
+          <p:cNvSpPr/>
+          <p:nvPr/>
+        </p:nvSpPr>
+        <p:spPr>
+          <a:xfrm>
+            <a:off x="2963652" y="1484784"/>
+            <a:ext cx="6102678" cy="2677656"/>
+          </a:xfrm>
+          <a:prstGeom prst="rect">
+            <a:avLst/>
+          </a:prstGeom>
+        </p:spPr>
+        <p:style>
+          <a:lnRef idx="1">
+            <a:schemeClr val="dk1"/>
+          </a:lnRef>
+          <a:fillRef idx="1001">
+            <a:schemeClr val="lt2"/>
+          </a:fillRef>
+          <a:effectRef idx="1">
+            <a:schemeClr val="dk1"/>
+          </a:effectRef>
+          <a:fontRef idx="minor">
+            <a:schemeClr val="dk1"/>
+          </a:fontRef>
+        </p:style>
+        <p:txBody>
+          <a:bodyPr wrap="square">
+            <a:spAutoFit/>
+          </a:bodyPr>
+          <a:lstStyle/>
+          <a:p>
+            <a:r>
+              <a:rPr lang="en-US" sz="1200" b="1" dirty="0" err="1"/>
+              <a:t>var</a:t>
+            </a:r>
+            <a:r>
+              <a:rPr lang="en-US" sz="1200" b="1" dirty="0"/>
+              <a:t> foo = 1;</a:t>
+            </a:r>
+          </a:p>
+          <a:p>
+            <a:endParaRPr lang="en-US" sz="1200" b="1" dirty="0"/>
+          </a:p>
+          <a:p>
+            <a:r>
+              <a:rPr lang="en-US" sz="1200" b="1" dirty="0"/>
+              <a:t>function </a:t>
+            </a:r>
+            <a:r>
+              <a:rPr lang="en-US" sz="1200" b="1" dirty="0" err="1">
+                <a:solidFill>
+                  <a:schemeClr val="accent6">
+                    <a:lumMod val="75000"/>
+                  </a:schemeClr>
+                </a:solidFill>
+              </a:rPr>
+              <a:t>myEval</a:t>
+            </a:r>
+            <a:r>
+              <a:rPr lang="en-US" sz="1200" b="1" dirty="0"/>
+              <a:t>(code) {</a:t>
+            </a:r>
+          </a:p>
+          <a:p>
+            <a:r>
+              <a:rPr lang="en-US" sz="1200" b="1" dirty="0"/>
+              <a:t>	</a:t>
+            </a:r>
+            <a:r>
+              <a:rPr lang="en-US" sz="1200" b="1" dirty="0" err="1"/>
+              <a:t>eval</a:t>
+            </a:r>
+            <a:r>
+              <a:rPr lang="en-US" sz="1200" b="1" dirty="0"/>
+              <a:t>(code);</a:t>
+            </a:r>
+          </a:p>
+          <a:p>
+            <a:r>
+              <a:rPr lang="en-US" sz="1200" b="1" dirty="0"/>
+              <a:t>}</a:t>
+            </a:r>
+          </a:p>
+          <a:p>
+            <a:endParaRPr lang="en-US" sz="1200" b="1" dirty="0"/>
+          </a:p>
+          <a:p>
+            <a:r>
+              <a:rPr lang="en-US" sz="1200" b="1" dirty="0"/>
+              <a:t>function </a:t>
+            </a:r>
+            <a:r>
+              <a:rPr lang="en-US" sz="1200" b="1" dirty="0">
+                <a:solidFill>
+                  <a:schemeClr val="accent6">
+                    <a:lumMod val="75000"/>
+                  </a:schemeClr>
+                </a:solidFill>
+              </a:rPr>
+              <a:t>test2</a:t>
+            </a:r>
+            <a:r>
+              <a:rPr lang="en-US" sz="1200" b="1" dirty="0"/>
+              <a:t>() {</a:t>
+            </a:r>
+          </a:p>
+          <a:p>
+            <a:r>
+              <a:rPr lang="en-US" sz="1200" b="1" dirty="0"/>
+              <a:t>	</a:t>
+            </a:r>
+            <a:r>
+              <a:rPr lang="en-US" sz="1200" b="1" dirty="0" err="1"/>
+              <a:t>var</a:t>
+            </a:r>
+            <a:r>
+              <a:rPr lang="en-US" sz="1200" b="1" dirty="0"/>
+              <a:t> foo = 2;</a:t>
+            </a:r>
+          </a:p>
+          <a:p>
+            <a:r>
+              <a:rPr lang="en-US" sz="1200" b="1" dirty="0"/>
+              <a:t>	</a:t>
+            </a:r>
+            <a:r>
+              <a:rPr lang="en-US" sz="1200" b="1" dirty="0" err="1">
+                <a:solidFill>
+                  <a:schemeClr val="accent6">
+                    <a:lumMod val="75000"/>
+                  </a:schemeClr>
+                </a:solidFill>
+              </a:rPr>
+              <a:t>myEval</a:t>
+            </a:r>
+            <a:r>
+              <a:rPr lang="en-US" sz="1200" b="1" dirty="0"/>
+              <a:t>("foo = 3");</a:t>
+            </a:r>
+          </a:p>
+          <a:p>
+            <a:r>
+              <a:rPr lang="en-US" sz="1200" b="1" dirty="0"/>
+              <a:t>}</a:t>
+            </a:r>
+          </a:p>
+          <a:p>
+            <a:endParaRPr lang="en-US" sz="1200" b="1" dirty="0"/>
+          </a:p>
+          <a:p>
+            <a:r>
+              <a:rPr lang="en-US" sz="1200" b="1" dirty="0">
+                <a:solidFill>
+                  <a:schemeClr val="accent6">
+                    <a:lumMod val="75000"/>
+                  </a:schemeClr>
+                </a:solidFill>
+              </a:rPr>
+              <a:t>test2</a:t>
+            </a:r>
+            <a:r>
+              <a:rPr lang="en-US" sz="1200" b="1" dirty="0"/>
+              <a:t>();</a:t>
+            </a:r>
+          </a:p>
+          <a:p>
+            <a:r>
+              <a:rPr lang="en-US" sz="1200" b="1" dirty="0"/>
+              <a:t>console.log(foo); </a:t>
+            </a:r>
+            <a:r>
+              <a:rPr lang="en-US" sz="1200" b="1" dirty="0">
+                <a:solidFill>
+                  <a:schemeClr val="bg1">
+                    <a:lumMod val="50000"/>
+                  </a:schemeClr>
+                </a:solidFill>
+              </a:rPr>
+              <a:t>//3</a:t>
+            </a:r>
+          </a:p>
+          <a:p>
+            <a:endParaRPr lang="en-US" sz="1200" b="1" dirty="0"/>
+          </a:p>
+        </p:txBody>
+      </p:sp>
+    </p:spTree>
+    <p:extLst>
+      <p:ext uri="{BB962C8B-B14F-4D97-AF65-F5344CB8AC3E}">
+        <p14:creationId xmlns:p14="http://schemas.microsoft.com/office/powerpoint/2010/main" val="3721311051"/>
+      </p:ext>
+    </p:extLst>
+  </p:cSld>
+  <p:clrMapOvr>
+    <a:masterClrMapping/>
+  </p:clrMapOvr>
+  <p:transition/>
+  <p:timing>
+    <p:tnLst>
+      <p:par>
+        <p:cTn id="1" dur="indefinite" restart="never" nodeType="tmRoot"/>
+      </p:par>
+    </p:tnLst>
+  </p:timing>
+</p:sld>
+</file>
+
+<file path=ppt/slides/slide11.xml><?xml version="1.0" encoding="utf-8"?>
+<p:sld xmlns:a="http://schemas.openxmlformats.org/drawingml/2006/main" xmlns:r="http://schemas.openxmlformats.org/officeDocument/2006/relationships" xmlns:p="http://schemas.openxmlformats.org/presentationml/2006/main">
+  <p:cSld>
+    <p:spTree>
+      <p:nvGrpSpPr>
+        <p:cNvPr id="1" name=""/>
+        <p:cNvGrpSpPr/>
+        <p:nvPr/>
+      </p:nvGrpSpPr>
+      <p:grpSpPr>
+        <a:xfrm>
+          <a:off x="0" y="0"/>
+          <a:ext cx="0" cy="0"/>
+          <a:chOff x="0" y="0"/>
+          <a:chExt cx="0" cy="0"/>
+        </a:xfrm>
+      </p:grpSpPr>
+      <p:sp>
+        <p:nvSpPr>
+          <p:cNvPr id="2" name="Заголовок 1"/>
+          <p:cNvSpPr>
+            <a:spLocks noGrp="1"/>
+          </p:cNvSpPr>
+          <p:nvPr>
+            <p:ph type="ctrTitle"/>
+          </p:nvPr>
+        </p:nvSpPr>
+        <p:spPr>
+          <a:xfrm>
+            <a:off x="3149183" y="964389"/>
+            <a:ext cx="5829300" cy="396480"/>
+          </a:xfrm>
+        </p:spPr>
+        <p:txBody>
+          <a:bodyPr>
+            <a:normAutofit fontScale="90000"/>
+          </a:bodyPr>
+          <a:lstStyle/>
+          <a:p>
+            <a:r>
+              <a:rPr lang="en-US" b="1" dirty="0" err="1"/>
+              <a:t>e</a:t>
+            </a:r>
+            <a:r>
+              <a:rPr lang="en-US" b="1" dirty="0" err="1" smtClean="0"/>
+              <a:t>val</a:t>
+            </a:r>
+            <a:r>
+              <a:rPr lang="en-US" b="1" dirty="0" smtClean="0"/>
+              <a:t> is evil</a:t>
+            </a:r>
+            <a:endParaRPr lang="en-US" b="1" dirty="0">
+              <a:solidFill>
+                <a:schemeClr val="tx1">
+                  <a:lumMod val="65000"/>
+                  <a:lumOff val="35000"/>
+                </a:schemeClr>
+              </a:solidFill>
+            </a:endParaRPr>
+          </a:p>
+        </p:txBody>
+      </p:sp>
+      <p:sp>
+        <p:nvSpPr>
+          <p:cNvPr id="4" name="Rectangle 3"/>
+          <p:cNvSpPr/>
+          <p:nvPr/>
+        </p:nvSpPr>
+        <p:spPr>
+          <a:xfrm>
+            <a:off x="2909646" y="1538792"/>
+            <a:ext cx="6210690" cy="1061829"/>
+          </a:xfrm>
+          <a:prstGeom prst="rect">
+            <a:avLst/>
+          </a:prstGeom>
+        </p:spPr>
+        <p:txBody>
+          <a:bodyPr wrap="square">
+            <a:spAutoFit/>
+          </a:bodyPr>
+          <a:lstStyle/>
+          <a:p>
+            <a:pPr fontAlgn="base"/>
+            <a:r>
+              <a:rPr lang="en-US" sz="2100" dirty="0"/>
+              <a:t>+ Security Issues</a:t>
+            </a:r>
+          </a:p>
+          <a:p>
+            <a:endParaRPr lang="en-US" sz="2100" dirty="0"/>
+          </a:p>
+          <a:p>
+            <a:r>
+              <a:rPr lang="en-US" sz="2100" dirty="0"/>
+              <a:t>+ </a:t>
+            </a:r>
+            <a:r>
+              <a:rPr lang="en-US" sz="2100" dirty="0" err="1"/>
+              <a:t>eval</a:t>
+            </a:r>
+            <a:r>
+              <a:rPr lang="en-US" sz="2100" dirty="0"/>
+              <a:t> requires a compile and is therefore slow</a:t>
+            </a:r>
+          </a:p>
+        </p:txBody>
+      </p:sp>
+    </p:spTree>
+    <p:extLst>
+      <p:ext uri="{BB962C8B-B14F-4D97-AF65-F5344CB8AC3E}">
+        <p14:creationId xmlns:p14="http://schemas.microsoft.com/office/powerpoint/2010/main" val="2165194029"/>
+      </p:ext>
+    </p:extLst>
+  </p:cSld>
+  <p:clrMapOvr>
+    <a:masterClrMapping/>
+  </p:clrMapOvr>
+  <p:transition/>
   <p:timing>
     <p:tnLst>
       <p:par>
@@ -3483,79 +4609,219 @@
       </p:grpSpPr>
       <p:sp>
         <p:nvSpPr>
-          <p:cNvPr id="2" name="Title 1"/>
-          <p:cNvSpPr>
-            <a:spLocks noGrp="1"/>
-          </p:cNvSpPr>
-          <p:nvPr>
-            <p:ph type="title"/>
-          </p:nvPr>
-        </p:nvSpPr>
-        <p:spPr/>
-        <p:txBody>
-          <a:bodyPr/>
-          <a:lstStyle/>
-          <a:p>
-            <a:r>
-              <a:rPr lang="en-US" dirty="0" smtClean="0"/>
-              <a:t>Numbers</a:t>
-            </a:r>
-            <a:endParaRPr lang="en-US" dirty="0"/>
-          </a:p>
-        </p:txBody>
-      </p:sp>
-      <p:sp>
-        <p:nvSpPr>
-          <p:cNvPr id="3" name="Content Placeholder 2"/>
-          <p:cNvSpPr>
-            <a:spLocks noGrp="1"/>
-          </p:cNvSpPr>
-          <p:nvPr>
-            <p:ph idx="1"/>
-          </p:nvPr>
-        </p:nvSpPr>
-        <p:spPr/>
-        <p:txBody>
-          <a:bodyPr/>
-          <a:lstStyle/>
-          <a:p>
-            <a:r>
-              <a:rPr lang="en-US" dirty="0" smtClean="0"/>
-              <a:t>All </a:t>
-            </a:r>
-            <a:r>
-              <a:rPr lang="en-US" dirty="0"/>
-              <a:t>numbers in JavaScript are floating-point:</a:t>
-            </a:r>
-          </a:p>
-          <a:p>
-            <a:r>
-              <a:rPr lang="en-US" dirty="0" smtClean="0"/>
-              <a:t>1 </a:t>
-            </a:r>
-            <a:r>
-              <a:rPr lang="en-US" dirty="0"/>
-              <a:t>=== 1.0</a:t>
-            </a:r>
-          </a:p>
-          <a:p>
-            <a:r>
-              <a:rPr lang="en-US" dirty="0"/>
-              <a:t>true</a:t>
-            </a:r>
+          <p:cNvPr id="90115" name="Rectangle 3"/>
+          <p:cNvSpPr>
+            <a:spLocks noGrp="1" noChangeArrowheads="1"/>
+          </p:cNvSpPr>
+          <p:nvPr>
+            <p:ph type="body" idx="1"/>
+          </p:nvPr>
+        </p:nvSpPr>
+        <p:spPr>
+          <a:xfrm>
+            <a:off x="2024034" y="857233"/>
+            <a:ext cx="8229600" cy="4525963"/>
+          </a:xfrm>
+        </p:spPr>
+        <p:txBody>
+          <a:bodyPr>
+            <a:normAutofit fontScale="92500" lnSpcReduction="10000"/>
+          </a:bodyPr>
+          <a:lstStyle/>
+          <a:p>
+            <a:pPr eaLnBrk="1" hangingPunct="1">
+              <a:lnSpc>
+                <a:spcPct val="80000"/>
+              </a:lnSpc>
+            </a:pPr>
+            <a:r>
+              <a:rPr lang="da-DK" sz="2400" b="1" dirty="0"/>
+              <a:t>'' == '0'          // false</a:t>
+            </a:r>
+          </a:p>
+          <a:p>
+            <a:pPr eaLnBrk="1" hangingPunct="1">
+              <a:lnSpc>
+                <a:spcPct val="80000"/>
+              </a:lnSpc>
+            </a:pPr>
+            <a:r>
+              <a:rPr lang="da-DK" sz="2400" b="1" dirty="0"/>
+              <a:t>0 == ''            // true</a:t>
+            </a:r>
+          </a:p>
+          <a:p>
+            <a:pPr eaLnBrk="1" hangingPunct="1">
+              <a:lnSpc>
+                <a:spcPct val="80000"/>
+              </a:lnSpc>
+            </a:pPr>
+            <a:r>
+              <a:rPr lang="da-DK" sz="2400" b="1" dirty="0"/>
+              <a:t>0 == '0'           // true</a:t>
+            </a:r>
+          </a:p>
+          <a:p>
+            <a:pPr eaLnBrk="1" hangingPunct="1">
+              <a:lnSpc>
+                <a:spcPct val="80000"/>
+              </a:lnSpc>
+            </a:pPr>
+            <a:endParaRPr lang="da-DK" sz="2400" b="1" dirty="0"/>
+          </a:p>
+          <a:p>
+            <a:pPr eaLnBrk="1" hangingPunct="1">
+              <a:lnSpc>
+                <a:spcPct val="80000"/>
+              </a:lnSpc>
+            </a:pPr>
+            <a:r>
+              <a:rPr lang="da-DK" sz="2400" b="1" dirty="0"/>
+              <a:t>false == 'false'   // false</a:t>
+            </a:r>
+          </a:p>
+          <a:p>
+            <a:pPr eaLnBrk="1" hangingPunct="1">
+              <a:lnSpc>
+                <a:spcPct val="80000"/>
+              </a:lnSpc>
+            </a:pPr>
+            <a:r>
+              <a:rPr lang="da-DK" sz="2400" b="1" dirty="0"/>
+              <a:t>false == '0'       // true</a:t>
+            </a:r>
+          </a:p>
+          <a:p>
+            <a:pPr eaLnBrk="1" hangingPunct="1">
+              <a:lnSpc>
+                <a:spcPct val="80000"/>
+              </a:lnSpc>
+            </a:pPr>
+            <a:endParaRPr lang="da-DK" sz="2400" b="1" dirty="0"/>
+          </a:p>
+          <a:p>
+            <a:pPr eaLnBrk="1" hangingPunct="1">
+              <a:lnSpc>
+                <a:spcPct val="80000"/>
+              </a:lnSpc>
+            </a:pPr>
+            <a:r>
+              <a:rPr lang="da-DK" sz="2400" b="1" dirty="0"/>
+              <a:t>false == undefined // false</a:t>
+            </a:r>
+          </a:p>
+          <a:p>
+            <a:pPr eaLnBrk="1" hangingPunct="1">
+              <a:lnSpc>
+                <a:spcPct val="80000"/>
+              </a:lnSpc>
+            </a:pPr>
+            <a:r>
+              <a:rPr lang="da-DK" sz="2400" b="1" dirty="0"/>
+              <a:t>false == null      // false</a:t>
+            </a:r>
+          </a:p>
+          <a:p>
+            <a:pPr eaLnBrk="1" hangingPunct="1">
+              <a:lnSpc>
+                <a:spcPct val="80000"/>
+              </a:lnSpc>
+            </a:pPr>
+            <a:r>
+              <a:rPr lang="da-DK" sz="2400" b="1" dirty="0"/>
+              <a:t>null == undefined  // true</a:t>
+            </a:r>
+          </a:p>
+          <a:p>
+            <a:pPr eaLnBrk="1" hangingPunct="1">
+              <a:lnSpc>
+                <a:spcPct val="80000"/>
+              </a:lnSpc>
+            </a:pPr>
+            <a:endParaRPr lang="da-DK" sz="2400" b="1" dirty="0"/>
+          </a:p>
+          <a:p>
+            <a:pPr eaLnBrk="1" hangingPunct="1">
+              <a:lnSpc>
+                <a:spcPct val="80000"/>
+              </a:lnSpc>
+            </a:pPr>
+            <a:r>
+              <a:rPr lang="da-DK" sz="2400" b="1" dirty="0"/>
+              <a:t>‘ \t\r\n ' == 0    // true</a:t>
+            </a:r>
+            <a:endParaRPr lang="en-US" sz="2400" b="1" dirty="0"/>
+          </a:p>
+        </p:txBody>
+      </p:sp>
+      <p:sp>
+        <p:nvSpPr>
+          <p:cNvPr id="4" name="Заголовок 1"/>
+          <p:cNvSpPr txBox="1">
+            <a:spLocks/>
+          </p:cNvSpPr>
+          <p:nvPr/>
+        </p:nvSpPr>
+        <p:spPr>
+          <a:xfrm>
+            <a:off x="2166910" y="142852"/>
+            <a:ext cx="7772400" cy="528640"/>
+          </a:xfrm>
+          <a:prstGeom prst="rect">
+            <a:avLst/>
+          </a:prstGeom>
+        </p:spPr>
+        <p:txBody>
+          <a:bodyPr vert="horz" lIns="91440" tIns="45720" rIns="91440" bIns="45720" rtlCol="0" anchor="ctr">
+            <a:noAutofit/>
+          </a:bodyPr>
+          <a:lstStyle/>
+          <a:p>
+            <a:pPr algn="ctr">
+              <a:spcBef>
+                <a:spcPct val="0"/>
+              </a:spcBef>
+              <a:defRPr/>
+            </a:pPr>
+            <a:r>
+              <a:rPr lang="en-US" sz="4000" b="1" dirty="0">
+                <a:solidFill>
+                  <a:schemeClr val="tx1">
+                    <a:lumMod val="65000"/>
+                    <a:lumOff val="35000"/>
+                  </a:schemeClr>
+                </a:solidFill>
+                <a:latin typeface="+mj-lt"/>
+                <a:ea typeface="+mj-ea"/>
+                <a:cs typeface="+mj-cs"/>
+              </a:rPr>
+              <a:t>Evils of type coercion (recap)</a:t>
+            </a:r>
+            <a:endParaRPr lang="en-US" sz="4000" b="1" dirty="0">
+              <a:solidFill>
+                <a:schemeClr val="tx1">
+                  <a:lumMod val="65000"/>
+                  <a:lumOff val="35000"/>
+                </a:schemeClr>
+              </a:solidFill>
+              <a:latin typeface="+mj-lt"/>
+              <a:ea typeface="+mj-ea"/>
+              <a:cs typeface="+mj-cs"/>
+            </a:endParaRPr>
           </a:p>
         </p:txBody>
       </p:sp>
     </p:spTree>
     <p:extLst>
       <p:ext uri="{BB962C8B-B14F-4D97-AF65-F5344CB8AC3E}">
-        <p14:creationId xmlns:p14="http://schemas.microsoft.com/office/powerpoint/2010/main" val="1849741995"/>
+        <p14:creationId xmlns:p14="http://schemas.microsoft.com/office/powerpoint/2010/main" val="3862782628"/>
       </p:ext>
     </p:extLst>
   </p:cSld>
   <p:clrMapOvr>
     <a:masterClrMapping/>
   </p:clrMapOvr>
+  <p:transition/>
   <p:timing>
     <p:tnLst>
       <p:par>
@@ -3585,143 +4851,2375 @@
       </p:grpSpPr>
       <p:sp>
         <p:nvSpPr>
-          <p:cNvPr id="2" name="Title 1"/>
-          <p:cNvSpPr>
-            <a:spLocks noGrp="1"/>
-          </p:cNvSpPr>
-          <p:nvPr>
-            <p:ph type="title"/>
-          </p:nvPr>
-        </p:nvSpPr>
-        <p:spPr/>
-        <p:txBody>
-          <a:bodyPr/>
-          <a:lstStyle/>
-          <a:p>
-            <a:r>
-              <a:rPr lang="en-US" dirty="0" smtClean="0"/>
-              <a:t>Infinity</a:t>
-            </a:r>
-            <a:endParaRPr lang="en-US" dirty="0"/>
-          </a:p>
-        </p:txBody>
-      </p:sp>
-      <p:sp>
-        <p:nvSpPr>
-          <p:cNvPr id="3" name="Content Placeholder 2"/>
-          <p:cNvSpPr>
-            <a:spLocks noGrp="1"/>
-          </p:cNvSpPr>
-          <p:nvPr>
-            <p:ph idx="1"/>
-          </p:nvPr>
-        </p:nvSpPr>
-        <p:spPr/>
-        <p:txBody>
-          <a:bodyPr>
-            <a:normAutofit/>
+          <p:cNvPr id="4" name="Заголовок 1"/>
+          <p:cNvSpPr txBox="1">
+            <a:spLocks/>
+          </p:cNvSpPr>
+          <p:nvPr/>
+        </p:nvSpPr>
+        <p:spPr>
+          <a:xfrm>
+            <a:off x="2166910" y="142852"/>
+            <a:ext cx="7772400" cy="528640"/>
+          </a:xfrm>
+          <a:prstGeom prst="rect">
+            <a:avLst/>
+          </a:prstGeom>
+        </p:spPr>
+        <p:txBody>
+          <a:bodyPr vert="horz" lIns="91440" tIns="45720" rIns="91440" bIns="45720" rtlCol="0" anchor="ctr">
+            <a:noAutofit/>
           </a:bodyPr>
           <a:lstStyle/>
           <a:p>
-            <a:pPr marL="0" indent="0">
-              <a:buNone/>
+            <a:pPr lvl="0" algn="ctr">
+              <a:spcBef>
+                <a:spcPct val="0"/>
+              </a:spcBef>
+              <a:defRPr/>
             </a:pPr>
             <a:r>
-              <a:rPr lang="en-US" dirty="0"/>
-              <a:t>Infinity is larger than any other number (except </a:t>
-            </a:r>
-            <a:r>
-              <a:rPr lang="en-US" dirty="0" err="1"/>
-              <a:t>NaN</a:t>
-            </a:r>
-            <a:r>
-              <a:rPr lang="en-US" dirty="0"/>
-              <a:t>). Similarly, -Infinity is smaller than any other number (except </a:t>
-            </a:r>
-            <a:r>
-              <a:rPr lang="en-US" dirty="0" err="1"/>
-              <a:t>NaN</a:t>
-            </a:r>
-            <a:r>
-              <a:rPr lang="en-US" dirty="0"/>
-              <a:t>).</a:t>
-            </a:r>
-          </a:p>
-          <a:p>
-            <a:pPr marL="0" indent="0">
-              <a:buNone/>
-            </a:pPr>
-            <a:r>
-              <a:rPr lang="en-US" dirty="0"/>
-              <a:t> That makes these numbers useful as default values (e.g., when you are looking for a minimum or a maximum</a:t>
-            </a:r>
-            <a:r>
-              <a:rPr lang="en-US" dirty="0" smtClean="0"/>
-              <a:t>).</a:t>
-            </a:r>
-          </a:p>
-          <a:p>
-            <a:pPr marL="0" indent="0">
-              <a:buNone/>
-            </a:pPr>
-            <a:endParaRPr lang="en-US" dirty="0"/>
-          </a:p>
-          <a:p>
-            <a:pPr marL="0" indent="0">
-              <a:buNone/>
-            </a:pPr>
-            <a:r>
-              <a:rPr lang="en-US" dirty="0"/>
-              <a:t>&gt; 3 / 0</a:t>
-            </a:r>
-          </a:p>
-          <a:p>
-            <a:pPr marL="0" indent="0">
-              <a:buNone/>
-            </a:pPr>
-            <a:r>
-              <a:rPr lang="en-US" dirty="0"/>
-              <a:t>Infinity</a:t>
-            </a:r>
-          </a:p>
-          <a:p>
-            <a:pPr marL="0" indent="0">
-              <a:buNone/>
-            </a:pPr>
-            <a:r>
-              <a:rPr lang="en-US" dirty="0"/>
-              <a:t>&gt; </a:t>
-            </a:r>
-            <a:r>
-              <a:rPr lang="en-US" dirty="0" err="1"/>
-              <a:t>Math.pow</a:t>
-            </a:r>
-            <a:r>
-              <a:rPr lang="en-US" dirty="0"/>
-              <a:t>(2, 1024)  // number too large</a:t>
-            </a:r>
-          </a:p>
-          <a:p>
-            <a:pPr marL="0" indent="0">
-              <a:buNone/>
-            </a:pPr>
-            <a:r>
-              <a:rPr lang="en-US" dirty="0"/>
-              <a:t>Infinity</a:t>
-            </a:r>
+              <a:rPr lang="en-US" sz="4000" b="1" dirty="0">
+                <a:solidFill>
+                  <a:schemeClr val="tx1">
+                    <a:lumMod val="65000"/>
+                    <a:lumOff val="35000"/>
+                  </a:schemeClr>
+                </a:solidFill>
+                <a:latin typeface="+mj-lt"/>
+                <a:ea typeface="+mj-ea"/>
+                <a:cs typeface="+mj-cs"/>
+              </a:rPr>
+              <a:t>Implicit Typecasting</a:t>
+            </a:r>
+            <a:endParaRPr lang="en-US" sz="4000" b="1" dirty="0">
+              <a:solidFill>
+                <a:schemeClr val="tx1">
+                  <a:lumMod val="65000"/>
+                  <a:lumOff val="35000"/>
+                </a:schemeClr>
+              </a:solidFill>
+              <a:latin typeface="+mj-lt"/>
+              <a:ea typeface="+mj-ea"/>
+              <a:cs typeface="+mj-cs"/>
+            </a:endParaRPr>
+          </a:p>
+        </p:txBody>
+      </p:sp>
+      <p:sp>
+        <p:nvSpPr>
+          <p:cNvPr id="2" name="Rectangle 1"/>
+          <p:cNvSpPr/>
+          <p:nvPr/>
+        </p:nvSpPr>
+        <p:spPr>
+          <a:xfrm>
+            <a:off x="1847528" y="1196753"/>
+            <a:ext cx="8280920" cy="3139321"/>
+          </a:xfrm>
+          <a:prstGeom prst="rect">
+            <a:avLst/>
+          </a:prstGeom>
+        </p:spPr>
+        <p:style>
+          <a:lnRef idx="1">
+            <a:schemeClr val="accent6"/>
+          </a:lnRef>
+          <a:fillRef idx="2">
+            <a:schemeClr val="accent6"/>
+          </a:fillRef>
+          <a:effectRef idx="1">
+            <a:schemeClr val="accent6"/>
+          </a:effectRef>
+          <a:fontRef idx="minor">
+            <a:schemeClr val="dk1"/>
+          </a:fontRef>
+        </p:style>
+        <p:txBody>
+          <a:bodyPr wrap="square">
+            <a:spAutoFit/>
+          </a:bodyPr>
+          <a:lstStyle/>
+          <a:p>
+            <a:r>
+              <a:rPr lang="en-US" dirty="0" err="1">
+                <a:solidFill>
+                  <a:srgbClr val="0000FF"/>
+                </a:solidFill>
+                <a:latin typeface="Consolas"/>
+              </a:rPr>
+              <a:t>var</a:t>
+            </a:r>
+            <a:r>
+              <a:rPr lang="en-US" dirty="0">
+                <a:solidFill>
+                  <a:prstClr val="black"/>
+                </a:solidFill>
+                <a:latin typeface="Consolas"/>
+              </a:rPr>
+              <a:t> zero = 0;</a:t>
+            </a:r>
+          </a:p>
+          <a:p>
+            <a:endParaRPr lang="en-US" dirty="0">
+              <a:solidFill>
+                <a:prstClr val="black"/>
+              </a:solidFill>
+              <a:latin typeface="Consolas"/>
+            </a:endParaRPr>
+          </a:p>
+          <a:p>
+            <a:r>
+              <a:rPr lang="en-US" dirty="0">
+                <a:solidFill>
+                  <a:srgbClr val="006400"/>
+                </a:solidFill>
+                <a:latin typeface="Consolas"/>
+              </a:rPr>
+              <a:t>/* </a:t>
+            </a:r>
+            <a:r>
+              <a:rPr lang="en-US" dirty="0" err="1">
+                <a:solidFill>
+                  <a:srgbClr val="006400"/>
+                </a:solidFill>
+                <a:latin typeface="Consolas"/>
+              </a:rPr>
+              <a:t>antipattern</a:t>
+            </a:r>
+            <a:r>
+              <a:rPr lang="en-US" dirty="0">
+                <a:solidFill>
+                  <a:srgbClr val="006400"/>
+                </a:solidFill>
+                <a:latin typeface="Consolas"/>
+              </a:rPr>
+              <a:t> */</a:t>
+            </a:r>
+            <a:endParaRPr lang="en-US" dirty="0">
+              <a:solidFill>
+                <a:prstClr val="black"/>
+              </a:solidFill>
+              <a:latin typeface="Consolas"/>
+            </a:endParaRPr>
+          </a:p>
+          <a:p>
+            <a:r>
+              <a:rPr lang="en-US" dirty="0">
+                <a:solidFill>
+                  <a:srgbClr val="0000FF"/>
+                </a:solidFill>
+                <a:latin typeface="Consolas"/>
+              </a:rPr>
+              <a:t>if</a:t>
+            </a:r>
+            <a:r>
+              <a:rPr lang="en-US" dirty="0">
+                <a:solidFill>
+                  <a:prstClr val="black"/>
+                </a:solidFill>
+                <a:latin typeface="Consolas"/>
+              </a:rPr>
+              <a:t> (zero == </a:t>
+            </a:r>
+            <a:r>
+              <a:rPr lang="en-US" dirty="0">
+                <a:solidFill>
+                  <a:srgbClr val="0000FF"/>
+                </a:solidFill>
+                <a:latin typeface="Consolas"/>
+              </a:rPr>
+              <a:t>false</a:t>
+            </a:r>
+            <a:r>
+              <a:rPr lang="en-US" dirty="0">
+                <a:solidFill>
+                  <a:prstClr val="black"/>
+                </a:solidFill>
+                <a:latin typeface="Consolas"/>
+              </a:rPr>
+              <a:t>) {</a:t>
+            </a:r>
+          </a:p>
+          <a:p>
+            <a:r>
+              <a:rPr lang="en-US" dirty="0">
+                <a:solidFill>
+                  <a:srgbClr val="006400"/>
+                </a:solidFill>
+                <a:latin typeface="Consolas"/>
+              </a:rPr>
+              <a:t>	// </a:t>
+            </a:r>
+            <a:r>
+              <a:rPr lang="en-US" dirty="0">
+                <a:solidFill>
+                  <a:srgbClr val="006400"/>
+                </a:solidFill>
+                <a:latin typeface="Consolas"/>
+              </a:rPr>
+              <a:t>this block is executed...</a:t>
+            </a:r>
+            <a:endParaRPr lang="en-US" dirty="0">
+              <a:solidFill>
+                <a:prstClr val="black"/>
+              </a:solidFill>
+              <a:latin typeface="Consolas"/>
+            </a:endParaRPr>
+          </a:p>
+          <a:p>
+            <a:r>
+              <a:rPr lang="en-US" dirty="0">
+                <a:solidFill>
+                  <a:prstClr val="black"/>
+                </a:solidFill>
+                <a:latin typeface="Consolas"/>
+              </a:rPr>
+              <a:t>}</a:t>
+            </a:r>
+          </a:p>
+          <a:p>
+            <a:endParaRPr lang="en-US" dirty="0">
+              <a:solidFill>
+                <a:prstClr val="black"/>
+              </a:solidFill>
+              <a:latin typeface="Consolas"/>
+            </a:endParaRPr>
+          </a:p>
+          <a:p>
+            <a:r>
+              <a:rPr lang="en-US" dirty="0">
+                <a:solidFill>
+                  <a:srgbClr val="006400"/>
+                </a:solidFill>
+                <a:latin typeface="Consolas"/>
+              </a:rPr>
+              <a:t>// preferred</a:t>
+            </a:r>
+            <a:endParaRPr lang="en-US" dirty="0">
+              <a:solidFill>
+                <a:prstClr val="black"/>
+              </a:solidFill>
+              <a:latin typeface="Consolas"/>
+            </a:endParaRPr>
+          </a:p>
+          <a:p>
+            <a:r>
+              <a:rPr lang="en-US" dirty="0">
+                <a:solidFill>
+                  <a:srgbClr val="0000FF"/>
+                </a:solidFill>
+                <a:latin typeface="Consolas"/>
+              </a:rPr>
+              <a:t>if</a:t>
+            </a:r>
+            <a:r>
+              <a:rPr lang="en-US" dirty="0">
+                <a:solidFill>
+                  <a:prstClr val="black"/>
+                </a:solidFill>
+                <a:latin typeface="Consolas"/>
+              </a:rPr>
+              <a:t> </a:t>
+            </a:r>
+            <a:r>
+              <a:rPr lang="en-US" dirty="0">
+                <a:solidFill>
+                  <a:prstClr val="black"/>
+                </a:solidFill>
+                <a:latin typeface="Consolas"/>
+              </a:rPr>
+              <a:t>(zero === </a:t>
+            </a:r>
+            <a:r>
+              <a:rPr lang="en-US" dirty="0">
+                <a:solidFill>
+                  <a:srgbClr val="0000FF"/>
+                </a:solidFill>
+                <a:latin typeface="Consolas"/>
+              </a:rPr>
+              <a:t>false</a:t>
+            </a:r>
+            <a:r>
+              <a:rPr lang="en-US" dirty="0">
+                <a:solidFill>
+                  <a:prstClr val="black"/>
+                </a:solidFill>
+                <a:latin typeface="Consolas"/>
+              </a:rPr>
+              <a:t>) {</a:t>
+            </a:r>
+          </a:p>
+          <a:p>
+            <a:r>
+              <a:rPr lang="en-US" dirty="0">
+                <a:solidFill>
+                  <a:srgbClr val="006400"/>
+                </a:solidFill>
+                <a:latin typeface="Consolas"/>
+              </a:rPr>
+              <a:t>	// </a:t>
+            </a:r>
+            <a:r>
+              <a:rPr lang="en-US" dirty="0">
+                <a:solidFill>
+                  <a:srgbClr val="006400"/>
+                </a:solidFill>
+                <a:latin typeface="Consolas"/>
+              </a:rPr>
+              <a:t>not executing because zero is 0, not false</a:t>
+            </a:r>
+            <a:endParaRPr lang="en-US" dirty="0">
+              <a:solidFill>
+                <a:prstClr val="black"/>
+              </a:solidFill>
+              <a:latin typeface="Consolas"/>
+            </a:endParaRPr>
+          </a:p>
+          <a:p>
+            <a:r>
+              <a:rPr lang="en-US" dirty="0">
+                <a:solidFill>
+                  <a:prstClr val="black"/>
+                </a:solidFill>
+                <a:latin typeface="Consolas"/>
+              </a:rPr>
+              <a:t>}</a:t>
+            </a:r>
+            <a:endParaRPr lang="en-US" dirty="0">
+              <a:solidFill>
+                <a:prstClr val="black"/>
+              </a:solidFill>
+              <a:latin typeface="Consolas"/>
+            </a:endParaRPr>
           </a:p>
         </p:txBody>
       </p:sp>
     </p:spTree>
     <p:extLst>
       <p:ext uri="{BB962C8B-B14F-4D97-AF65-F5344CB8AC3E}">
-        <p14:creationId xmlns:p14="http://schemas.microsoft.com/office/powerpoint/2010/main" val="1556878157"/>
+        <p14:creationId xmlns:p14="http://schemas.microsoft.com/office/powerpoint/2010/main" val="3003972562"/>
       </p:ext>
     </p:extLst>
   </p:cSld>
   <p:clrMapOvr>
     <a:masterClrMapping/>
   </p:clrMapOvr>
+  <p:transition/>
+  <p:timing>
+    <p:tnLst>
+      <p:par>
+        <p:cTn id="1" dur="indefinite" restart="never" nodeType="tmRoot"/>
+      </p:par>
+    </p:tnLst>
+  </p:timing>
+</p:sld>
+</file>
+
+<file path=ppt/slides/slide4.xml><?xml version="1.0" encoding="utf-8"?>
+<p:sld xmlns:a="http://schemas.openxmlformats.org/drawingml/2006/main" xmlns:r="http://schemas.openxmlformats.org/officeDocument/2006/relationships" xmlns:p="http://schemas.openxmlformats.org/presentationml/2006/main">
+  <p:cSld>
+    <p:spTree>
+      <p:nvGrpSpPr>
+        <p:cNvPr id="1" name=""/>
+        <p:cNvGrpSpPr/>
+        <p:nvPr/>
+      </p:nvGrpSpPr>
+      <p:grpSpPr>
+        <a:xfrm>
+          <a:off x="0" y="0"/>
+          <a:ext cx="0" cy="0"/>
+          <a:chOff x="0" y="0"/>
+          <a:chExt cx="0" cy="0"/>
+        </a:xfrm>
+      </p:grpSpPr>
+      <p:sp>
+        <p:nvSpPr>
+          <p:cNvPr id="4" name="Заголовок 1"/>
+          <p:cNvSpPr txBox="1">
+            <a:spLocks/>
+          </p:cNvSpPr>
+          <p:nvPr/>
+        </p:nvSpPr>
+        <p:spPr>
+          <a:xfrm>
+            <a:off x="2166910" y="142852"/>
+            <a:ext cx="7772400" cy="528640"/>
+          </a:xfrm>
+          <a:prstGeom prst="rect">
+            <a:avLst/>
+          </a:prstGeom>
+        </p:spPr>
+        <p:txBody>
+          <a:bodyPr vert="horz" lIns="91440" tIns="45720" rIns="91440" bIns="45720" rtlCol="0" anchor="ctr">
+            <a:noAutofit/>
+          </a:bodyPr>
+          <a:lstStyle/>
+          <a:p>
+            <a:pPr lvl="0" algn="ctr">
+              <a:spcBef>
+                <a:spcPct val="0"/>
+              </a:spcBef>
+              <a:defRPr/>
+            </a:pPr>
+            <a:r>
+              <a:rPr lang="en-US" sz="4000" b="1" dirty="0">
+                <a:solidFill>
+                  <a:schemeClr val="tx1">
+                    <a:lumMod val="65000"/>
+                    <a:lumOff val="35000"/>
+                  </a:schemeClr>
+                </a:solidFill>
+                <a:latin typeface="+mj-lt"/>
+                <a:ea typeface="+mj-ea"/>
+                <a:cs typeface="+mj-cs"/>
+              </a:rPr>
+              <a:t>semicolon</a:t>
+            </a:r>
+            <a:endParaRPr lang="en-US" sz="4000" b="1" dirty="0">
+              <a:solidFill>
+                <a:schemeClr val="tx1">
+                  <a:lumMod val="65000"/>
+                  <a:lumOff val="35000"/>
+                </a:schemeClr>
+              </a:solidFill>
+              <a:latin typeface="+mj-lt"/>
+              <a:ea typeface="+mj-ea"/>
+              <a:cs typeface="+mj-cs"/>
+            </a:endParaRPr>
+          </a:p>
+        </p:txBody>
+      </p:sp>
+      <p:sp>
+        <p:nvSpPr>
+          <p:cNvPr id="5" name="Rectangle 5"/>
+          <p:cNvSpPr/>
+          <p:nvPr/>
+        </p:nvSpPr>
+        <p:spPr>
+          <a:xfrm>
+            <a:off x="1952596" y="928671"/>
+            <a:ext cx="8286808" cy="830997"/>
+          </a:xfrm>
+          <a:prstGeom prst="rect">
+            <a:avLst/>
+          </a:prstGeom>
+        </p:spPr>
+        <p:style>
+          <a:lnRef idx="1">
+            <a:schemeClr val="dk1"/>
+          </a:lnRef>
+          <a:fillRef idx="1001">
+            <a:schemeClr val="lt2"/>
+          </a:fillRef>
+          <a:effectRef idx="1">
+            <a:schemeClr val="dk1"/>
+          </a:effectRef>
+          <a:fontRef idx="minor">
+            <a:schemeClr val="dk1"/>
+          </a:fontRef>
+        </p:style>
+        <p:txBody>
+          <a:bodyPr wrap="square">
+            <a:spAutoFit/>
+          </a:bodyPr>
+          <a:lstStyle/>
+          <a:p>
+            <a:pPr>
+              <a:lnSpc>
+                <a:spcPct val="80000"/>
+              </a:lnSpc>
+              <a:buNone/>
+            </a:pPr>
+            <a:r>
+              <a:rPr lang="en-US" sz="2000" b="1" dirty="0" err="1"/>
+              <a:t>var</a:t>
+            </a:r>
+            <a:r>
+              <a:rPr lang="en-US" sz="2000" b="1" dirty="0"/>
+              <a:t> a = b</a:t>
+            </a:r>
+          </a:p>
+          <a:p>
+            <a:pPr>
+              <a:lnSpc>
+                <a:spcPct val="80000"/>
+              </a:lnSpc>
+              <a:buNone/>
+            </a:pPr>
+            <a:r>
+              <a:rPr lang="en-US" sz="2000" b="1" dirty="0">
+                <a:solidFill>
+                  <a:schemeClr val="bg1">
+                    <a:lumMod val="50000"/>
+                  </a:schemeClr>
+                </a:solidFill>
+              </a:rPr>
+              <a:t>//blah </a:t>
+            </a:r>
+            <a:r>
+              <a:rPr lang="en-US" sz="2000" b="1" dirty="0" err="1">
+                <a:solidFill>
+                  <a:schemeClr val="bg1">
+                    <a:lumMod val="50000"/>
+                  </a:schemeClr>
+                </a:solidFill>
+              </a:rPr>
+              <a:t>blah</a:t>
+            </a:r>
+            <a:r>
+              <a:rPr lang="en-US" sz="2000" b="1" dirty="0">
+                <a:solidFill>
+                  <a:schemeClr val="bg1">
+                    <a:lumMod val="50000"/>
+                  </a:schemeClr>
+                </a:solidFill>
+              </a:rPr>
+              <a:t> </a:t>
+            </a:r>
+            <a:r>
+              <a:rPr lang="en-US" sz="2000" b="1" dirty="0" err="1">
+                <a:solidFill>
+                  <a:schemeClr val="bg1">
+                    <a:lumMod val="50000"/>
+                  </a:schemeClr>
+                </a:solidFill>
+              </a:rPr>
+              <a:t>blah</a:t>
+            </a:r>
+            <a:endParaRPr lang="en-US" sz="2000" b="1" dirty="0">
+              <a:solidFill>
+                <a:schemeClr val="bg1">
+                  <a:lumMod val="50000"/>
+                </a:schemeClr>
+              </a:solidFill>
+            </a:endParaRPr>
+          </a:p>
+          <a:p>
+            <a:pPr>
+              <a:lnSpc>
+                <a:spcPct val="80000"/>
+              </a:lnSpc>
+              <a:buNone/>
+            </a:pPr>
+            <a:r>
+              <a:rPr lang="en-US" sz="2000" b="1" dirty="0"/>
+              <a:t>(function() {alert(1)})()</a:t>
+            </a:r>
+          </a:p>
+        </p:txBody>
+      </p:sp>
+    </p:spTree>
+    <p:extLst>
+      <p:ext uri="{BB962C8B-B14F-4D97-AF65-F5344CB8AC3E}">
+        <p14:creationId xmlns:p14="http://schemas.microsoft.com/office/powerpoint/2010/main" val="137695554"/>
+      </p:ext>
+    </p:extLst>
+  </p:cSld>
+  <p:clrMapOvr>
+    <a:masterClrMapping/>
+  </p:clrMapOvr>
+  <p:transition/>
+  <p:timing>
+    <p:tnLst>
+      <p:par>
+        <p:cTn id="1" dur="indefinite" restart="never" nodeType="tmRoot"/>
+      </p:par>
+    </p:tnLst>
+  </p:timing>
+</p:sld>
+</file>
+
+<file path=ppt/slides/slide5.xml><?xml version="1.0" encoding="utf-8"?>
+<p:sld xmlns:a="http://schemas.openxmlformats.org/drawingml/2006/main" xmlns:r="http://schemas.openxmlformats.org/officeDocument/2006/relationships" xmlns:p="http://schemas.openxmlformats.org/presentationml/2006/main">
+  <p:cSld>
+    <p:spTree>
+      <p:nvGrpSpPr>
+        <p:cNvPr id="1" name=""/>
+        <p:cNvGrpSpPr/>
+        <p:nvPr/>
+      </p:nvGrpSpPr>
+      <p:grpSpPr>
+        <a:xfrm>
+          <a:off x="0" y="0"/>
+          <a:ext cx="0" cy="0"/>
+          <a:chOff x="0" y="0"/>
+          <a:chExt cx="0" cy="0"/>
+        </a:xfrm>
+      </p:grpSpPr>
+      <p:sp>
+        <p:nvSpPr>
+          <p:cNvPr id="2" name="Заголовок 1"/>
+          <p:cNvSpPr>
+            <a:spLocks noGrp="1"/>
+          </p:cNvSpPr>
+          <p:nvPr>
+            <p:ph type="ctrTitle"/>
+          </p:nvPr>
+        </p:nvSpPr>
+        <p:spPr>
+          <a:xfrm>
+            <a:off x="2166910" y="142852"/>
+            <a:ext cx="7772400" cy="528640"/>
+          </a:xfrm>
+        </p:spPr>
+        <p:txBody>
+          <a:bodyPr>
+            <a:normAutofit fontScale="90000"/>
+          </a:bodyPr>
+          <a:lstStyle/>
+          <a:p>
+            <a:r>
+              <a:rPr lang="en-US" b="1" dirty="0" smtClean="0">
+                <a:solidFill>
+                  <a:schemeClr val="tx1">
+                    <a:lumMod val="65000"/>
+                    <a:lumOff val="35000"/>
+                  </a:schemeClr>
+                </a:solidFill>
+              </a:rPr>
+              <a:t>Embedding scripts in HTML</a:t>
+            </a:r>
+            <a:endParaRPr lang="be-BY" b="1" dirty="0">
+              <a:solidFill>
+                <a:schemeClr val="tx1">
+                  <a:lumMod val="65000"/>
+                  <a:lumOff val="35000"/>
+                </a:schemeClr>
+              </a:solidFill>
+            </a:endParaRPr>
+          </a:p>
+        </p:txBody>
+      </p:sp>
+      <p:sp>
+        <p:nvSpPr>
+          <p:cNvPr id="5" name="Заголовок 1"/>
+          <p:cNvSpPr txBox="1">
+            <a:spLocks/>
+          </p:cNvSpPr>
+          <p:nvPr/>
+        </p:nvSpPr>
+        <p:spPr>
+          <a:xfrm>
+            <a:off x="2095472" y="1285860"/>
+            <a:ext cx="7772400" cy="3786214"/>
+          </a:xfrm>
+          <a:prstGeom prst="rect">
+            <a:avLst/>
+          </a:prstGeom>
+        </p:spPr>
+        <p:txBody>
+          <a:bodyPr vert="horz" lIns="91440" tIns="45720" rIns="91440" bIns="45720" rtlCol="0" anchor="ctr">
+            <a:normAutofit/>
+          </a:bodyPr>
+          <a:lstStyle/>
+          <a:p>
+            <a:pPr>
+              <a:spcBef>
+                <a:spcPct val="0"/>
+              </a:spcBef>
+            </a:pPr>
+            <a:endParaRPr lang="be-BY" dirty="0"/>
+          </a:p>
+          <a:p>
+            <a:pPr>
+              <a:spcBef>
+                <a:spcPct val="0"/>
+              </a:spcBef>
+              <a:defRPr/>
+            </a:pPr>
+            <a:endParaRPr lang="be-BY" sz="4400" dirty="0">
+              <a:latin typeface="+mj-lt"/>
+              <a:ea typeface="+mj-ea"/>
+              <a:cs typeface="+mj-cs"/>
+            </a:endParaRPr>
+          </a:p>
+        </p:txBody>
+      </p:sp>
+      <p:grpSp>
+        <p:nvGrpSpPr>
+          <p:cNvPr id="15" name="Group 14"/>
+          <p:cNvGrpSpPr/>
+          <p:nvPr/>
+        </p:nvGrpSpPr>
+        <p:grpSpPr>
+          <a:xfrm>
+            <a:off x="1881158" y="714356"/>
+            <a:ext cx="7781924" cy="1280520"/>
+            <a:chOff x="357158" y="714356"/>
+            <a:chExt cx="7781924" cy="1280520"/>
+          </a:xfrm>
+        </p:grpSpPr>
+        <p:sp>
+          <p:nvSpPr>
+            <p:cNvPr id="4" name="Заголовок 1"/>
+            <p:cNvSpPr txBox="1">
+              <a:spLocks/>
+            </p:cNvSpPr>
+            <p:nvPr/>
+          </p:nvSpPr>
+          <p:spPr>
+            <a:xfrm>
+              <a:off x="357158" y="714356"/>
+              <a:ext cx="7781924" cy="428628"/>
+            </a:xfrm>
+            <a:prstGeom prst="rect">
+              <a:avLst/>
+            </a:prstGeom>
+          </p:spPr>
+          <p:txBody>
+            <a:bodyPr vert="horz" lIns="91440" tIns="45720" rIns="91440" bIns="45720" rtlCol="0" anchor="ctr">
+              <a:normAutofit/>
+            </a:bodyPr>
+            <a:lstStyle/>
+            <a:p>
+              <a:pPr marL="457200" indent="-457200"/>
+              <a:r>
+                <a:rPr lang="en-US" sz="2200" dirty="0"/>
+                <a:t>a) Between a pair of </a:t>
+              </a:r>
+              <a:r>
+                <a:rPr lang="en-US" sz="2200" b="1" dirty="0">
+                  <a:solidFill>
+                    <a:srgbClr val="0070C0"/>
+                  </a:solidFill>
+                </a:rPr>
+                <a:t>&lt;script&gt; </a:t>
+              </a:r>
+              <a:r>
+                <a:rPr lang="en-US" sz="2200" dirty="0"/>
+                <a:t>and </a:t>
+              </a:r>
+              <a:r>
+                <a:rPr lang="en-US" sz="2200" b="1" dirty="0">
+                  <a:solidFill>
+                    <a:srgbClr val="0070C0"/>
+                  </a:solidFill>
+                </a:rPr>
+                <a:t>&lt;/script&gt; </a:t>
+              </a:r>
+              <a:r>
+                <a:rPr lang="en-US" sz="2200" dirty="0"/>
+                <a:t>tags</a:t>
+              </a:r>
+              <a:endParaRPr lang="be-BY" sz="2200" dirty="0">
+                <a:latin typeface="+mj-lt"/>
+                <a:ea typeface="+mj-ea"/>
+                <a:cs typeface="+mj-cs"/>
+              </a:endParaRPr>
+            </a:p>
+          </p:txBody>
+        </p:sp>
+        <p:sp>
+          <p:nvSpPr>
+            <p:cNvPr id="6" name="Rectangle 8"/>
+            <p:cNvSpPr/>
+            <p:nvPr/>
+          </p:nvSpPr>
+          <p:spPr>
+            <a:xfrm>
+              <a:off x="428596" y="1071546"/>
+              <a:ext cx="7643866" cy="923330"/>
+            </a:xfrm>
+            <a:prstGeom prst="rect">
+              <a:avLst/>
+            </a:prstGeom>
+          </p:spPr>
+          <p:style>
+            <a:lnRef idx="1">
+              <a:schemeClr val="dk1"/>
+            </a:lnRef>
+            <a:fillRef idx="1001">
+              <a:schemeClr val="lt2"/>
+            </a:fillRef>
+            <a:effectRef idx="1">
+              <a:schemeClr val="dk1"/>
+            </a:effectRef>
+            <a:fontRef idx="minor">
+              <a:schemeClr val="dk1"/>
+            </a:fontRef>
+          </p:style>
+          <p:txBody>
+            <a:bodyPr wrap="square">
+              <a:spAutoFit/>
+            </a:bodyPr>
+            <a:lstStyle/>
+            <a:p>
+              <a:r>
+                <a:rPr lang="en-US" b="1" dirty="0"/>
+                <a:t>&lt;script </a:t>
+              </a:r>
+              <a:r>
+                <a:rPr lang="en-US" b="1" dirty="0">
+                  <a:solidFill>
+                    <a:srgbClr val="C00000"/>
+                  </a:solidFill>
+                </a:rPr>
+                <a:t>type</a:t>
+              </a:r>
+              <a:r>
+                <a:rPr lang="en-US" b="1" dirty="0"/>
+                <a:t>="</a:t>
+              </a:r>
+              <a:r>
+                <a:rPr lang="en-US" b="1" dirty="0">
+                  <a:solidFill>
+                    <a:srgbClr val="00B050"/>
+                  </a:solidFill>
+                </a:rPr>
+                <a:t>text/</a:t>
+              </a:r>
+              <a:r>
+                <a:rPr lang="en-US" b="1" dirty="0" err="1">
+                  <a:solidFill>
+                    <a:srgbClr val="00B050"/>
+                  </a:solidFill>
+                </a:rPr>
+                <a:t>javascript</a:t>
+              </a:r>
+              <a:r>
+                <a:rPr lang="en-US" b="1" dirty="0"/>
+                <a:t>"&gt;</a:t>
+              </a:r>
+            </a:p>
+            <a:p>
+              <a:r>
+                <a:rPr lang="en-US" b="1" dirty="0"/>
+                <a:t>	</a:t>
+              </a:r>
+              <a:r>
+                <a:rPr lang="en-US" b="1" dirty="0">
+                  <a:solidFill>
+                    <a:srgbClr val="0070C0"/>
+                  </a:solidFill>
+                </a:rPr>
+                <a:t>alert</a:t>
+              </a:r>
+              <a:r>
+                <a:rPr lang="en-US" b="1" dirty="0"/>
+                <a:t>(</a:t>
+              </a:r>
+              <a:r>
+                <a:rPr lang="en-US" b="1" dirty="0">
+                  <a:solidFill>
+                    <a:srgbClr val="00B050"/>
+                  </a:solidFill>
+                </a:rPr>
+                <a:t>“hello world!”</a:t>
+              </a:r>
+              <a:r>
+                <a:rPr lang="en-US" b="1" dirty="0"/>
+                <a:t>);</a:t>
+              </a:r>
+            </a:p>
+            <a:p>
+              <a:r>
+                <a:rPr lang="en-US" b="1" dirty="0"/>
+                <a:t>&lt;/script&gt;</a:t>
+              </a:r>
+            </a:p>
+          </p:txBody>
+        </p:sp>
+      </p:grpSp>
+      <p:grpSp>
+        <p:nvGrpSpPr>
+          <p:cNvPr id="16" name="Group 15"/>
+          <p:cNvGrpSpPr/>
+          <p:nvPr/>
+        </p:nvGrpSpPr>
+        <p:grpSpPr>
+          <a:xfrm>
+            <a:off x="1952596" y="2500306"/>
+            <a:ext cx="7781924" cy="797960"/>
+            <a:chOff x="428596" y="2500306"/>
+            <a:chExt cx="7781924" cy="797960"/>
+          </a:xfrm>
+        </p:grpSpPr>
+        <p:sp>
+          <p:nvSpPr>
+            <p:cNvPr id="7" name="Rectangle 8"/>
+            <p:cNvSpPr/>
+            <p:nvPr/>
+          </p:nvSpPr>
+          <p:spPr>
+            <a:xfrm>
+              <a:off x="428596" y="2928934"/>
+              <a:ext cx="7715304" cy="369332"/>
+            </a:xfrm>
+            <a:prstGeom prst="rect">
+              <a:avLst/>
+            </a:prstGeom>
+          </p:spPr>
+          <p:style>
+            <a:lnRef idx="1">
+              <a:schemeClr val="dk1"/>
+            </a:lnRef>
+            <a:fillRef idx="1001">
+              <a:schemeClr val="lt2"/>
+            </a:fillRef>
+            <a:effectRef idx="1">
+              <a:schemeClr val="dk1"/>
+            </a:effectRef>
+            <a:fontRef idx="minor">
+              <a:schemeClr val="dk1"/>
+            </a:fontRef>
+          </p:style>
+          <p:txBody>
+            <a:bodyPr wrap="square">
+              <a:spAutoFit/>
+            </a:bodyPr>
+            <a:lstStyle/>
+            <a:p>
+              <a:r>
+                <a:rPr lang="en-US" b="1" dirty="0"/>
+                <a:t> &lt;script </a:t>
+              </a:r>
+              <a:r>
+                <a:rPr lang="en-US" b="1" dirty="0">
+                  <a:solidFill>
+                    <a:srgbClr val="C00000"/>
+                  </a:solidFill>
+                </a:rPr>
+                <a:t>type</a:t>
+              </a:r>
+              <a:r>
+                <a:rPr lang="en-US" b="1" dirty="0"/>
+                <a:t>="</a:t>
+              </a:r>
+              <a:r>
+                <a:rPr lang="en-US" b="1" dirty="0">
+                  <a:solidFill>
+                    <a:srgbClr val="00B050"/>
+                  </a:solidFill>
+                </a:rPr>
+                <a:t>text/</a:t>
+              </a:r>
+              <a:r>
+                <a:rPr lang="en-US" b="1" dirty="0" err="1">
+                  <a:solidFill>
+                    <a:srgbClr val="00B050"/>
+                  </a:solidFill>
+                </a:rPr>
+                <a:t>javascript</a:t>
+              </a:r>
+              <a:r>
+                <a:rPr lang="en-US" b="1" dirty="0"/>
+                <a:t>" </a:t>
+              </a:r>
+              <a:r>
+                <a:rPr lang="en-US" b="1" dirty="0" err="1">
+                  <a:solidFill>
+                    <a:srgbClr val="C00000"/>
+                  </a:solidFill>
+                </a:rPr>
+                <a:t>src</a:t>
+              </a:r>
+              <a:r>
+                <a:rPr lang="en-US" b="1" dirty="0"/>
+                <a:t>=</a:t>
+              </a:r>
+              <a:r>
+                <a:rPr lang="en-US" b="1" dirty="0">
+                  <a:solidFill>
+                    <a:srgbClr val="00B050"/>
+                  </a:solidFill>
+                </a:rPr>
+                <a:t>"script.js”</a:t>
+              </a:r>
+              <a:r>
+                <a:rPr lang="en-US" b="1" dirty="0"/>
+                <a:t>&gt;&lt;/script&gt;</a:t>
+              </a:r>
+            </a:p>
+          </p:txBody>
+        </p:sp>
+        <p:sp>
+          <p:nvSpPr>
+            <p:cNvPr id="12" name="Заголовок 1"/>
+            <p:cNvSpPr txBox="1">
+              <a:spLocks/>
+            </p:cNvSpPr>
+            <p:nvPr/>
+          </p:nvSpPr>
+          <p:spPr>
+            <a:xfrm>
+              <a:off x="428596" y="2500306"/>
+              <a:ext cx="7781924" cy="428628"/>
+            </a:xfrm>
+            <a:prstGeom prst="rect">
+              <a:avLst/>
+            </a:prstGeom>
+          </p:spPr>
+          <p:txBody>
+            <a:bodyPr vert="horz" lIns="91440" tIns="45720" rIns="91440" bIns="45720" rtlCol="0" anchor="ctr">
+              <a:normAutofit fontScale="92500"/>
+            </a:bodyPr>
+            <a:lstStyle/>
+            <a:p>
+              <a:pPr marL="457200" indent="-457200"/>
+              <a:r>
+                <a:rPr lang="en-US" sz="2200" dirty="0"/>
+                <a:t>b) From an external file specified by the </a:t>
+              </a:r>
+              <a:r>
+                <a:rPr lang="en-US" sz="2200" b="1" dirty="0" err="1">
+                  <a:solidFill>
+                    <a:srgbClr val="0070C0"/>
+                  </a:solidFill>
+                </a:rPr>
+                <a:t>src</a:t>
+              </a:r>
+              <a:r>
+                <a:rPr lang="en-US" sz="2200" dirty="0"/>
+                <a:t> attribute of a </a:t>
+              </a:r>
+              <a:r>
+                <a:rPr lang="en-US" sz="2200" b="1" dirty="0">
+                  <a:solidFill>
+                    <a:srgbClr val="0070C0"/>
+                  </a:solidFill>
+                </a:rPr>
+                <a:t>&lt;script&gt; </a:t>
+              </a:r>
+              <a:r>
+                <a:rPr lang="en-US" sz="2200" dirty="0"/>
+                <a:t>tag</a:t>
+              </a:r>
+            </a:p>
+          </p:txBody>
+        </p:sp>
+      </p:grpSp>
+      <p:grpSp>
+        <p:nvGrpSpPr>
+          <p:cNvPr id="17" name="Group 16"/>
+          <p:cNvGrpSpPr/>
+          <p:nvPr/>
+        </p:nvGrpSpPr>
+        <p:grpSpPr>
+          <a:xfrm>
+            <a:off x="1952596" y="3714752"/>
+            <a:ext cx="8215370" cy="1083712"/>
+            <a:chOff x="428596" y="3714752"/>
+            <a:chExt cx="8215370" cy="1083712"/>
+          </a:xfrm>
+        </p:grpSpPr>
+        <p:sp>
+          <p:nvSpPr>
+            <p:cNvPr id="8" name="Rectangle 8"/>
+            <p:cNvSpPr/>
+            <p:nvPr/>
+          </p:nvSpPr>
+          <p:spPr>
+            <a:xfrm>
+              <a:off x="428596" y="4429132"/>
+              <a:ext cx="7715304" cy="369332"/>
+            </a:xfrm>
+            <a:prstGeom prst="rect">
+              <a:avLst/>
+            </a:prstGeom>
+          </p:spPr>
+          <p:style>
+            <a:lnRef idx="1">
+              <a:schemeClr val="dk1"/>
+            </a:lnRef>
+            <a:fillRef idx="1001">
+              <a:schemeClr val="lt2"/>
+            </a:fillRef>
+            <a:effectRef idx="1">
+              <a:schemeClr val="dk1"/>
+            </a:effectRef>
+            <a:fontRef idx="minor">
+              <a:schemeClr val="dk1"/>
+            </a:fontRef>
+          </p:style>
+          <p:txBody>
+            <a:bodyPr wrap="square">
+              <a:spAutoFit/>
+            </a:bodyPr>
+            <a:lstStyle/>
+            <a:p>
+              <a:r>
+                <a:rPr lang="en-US" b="1" dirty="0"/>
+                <a:t> &lt;button </a:t>
+              </a:r>
+              <a:r>
+                <a:rPr lang="en-US" b="1" dirty="0" err="1">
+                  <a:solidFill>
+                    <a:srgbClr val="C00000"/>
+                  </a:solidFill>
+                </a:rPr>
+                <a:t>onclick</a:t>
+              </a:r>
+              <a:r>
+                <a:rPr lang="en-US" b="1" dirty="0"/>
+                <a:t>="</a:t>
+              </a:r>
+              <a:r>
+                <a:rPr lang="en-US" b="1" dirty="0" err="1">
+                  <a:solidFill>
+                    <a:srgbClr val="0070C0"/>
+                  </a:solidFill>
+                </a:rPr>
+                <a:t>sayHello</a:t>
+              </a:r>
+              <a:r>
+                <a:rPr lang="en-US" b="1" dirty="0"/>
+                <a:t>();"&gt;execute function "</a:t>
+              </a:r>
+              <a:r>
+                <a:rPr lang="en-US" b="1" dirty="0" err="1"/>
+                <a:t>sayHello</a:t>
+              </a:r>
+              <a:r>
+                <a:rPr lang="en-US" b="1" dirty="0"/>
+                <a:t>"&lt;/button&gt;</a:t>
+              </a:r>
+            </a:p>
+          </p:txBody>
+        </p:sp>
+        <p:sp>
+          <p:nvSpPr>
+            <p:cNvPr id="13" name="Заголовок 1"/>
+            <p:cNvSpPr txBox="1">
+              <a:spLocks/>
+            </p:cNvSpPr>
+            <p:nvPr/>
+          </p:nvSpPr>
+          <p:spPr>
+            <a:xfrm>
+              <a:off x="428596" y="3714752"/>
+              <a:ext cx="8215370" cy="714380"/>
+            </a:xfrm>
+            <a:prstGeom prst="rect">
+              <a:avLst/>
+            </a:prstGeom>
+          </p:spPr>
+          <p:txBody>
+            <a:bodyPr vert="horz" lIns="91440" tIns="45720" rIns="91440" bIns="45720" rtlCol="0" anchor="ctr">
+              <a:noAutofit/>
+            </a:bodyPr>
+            <a:lstStyle/>
+            <a:p>
+              <a:pPr marL="457200" indent="-457200"/>
+              <a:r>
+                <a:rPr lang="en-US" sz="2200" dirty="0"/>
+                <a:t>c) In an event handler, specified as the value of an HTML attribute </a:t>
+              </a:r>
+            </a:p>
+            <a:p>
+              <a:pPr marL="457200" indent="-457200"/>
+              <a:r>
+                <a:rPr lang="en-US" sz="2200" dirty="0"/>
+                <a:t>such as </a:t>
+              </a:r>
+              <a:r>
+                <a:rPr lang="en-US" sz="2200" b="1" dirty="0" err="1">
+                  <a:solidFill>
+                    <a:srgbClr val="0070C0"/>
+                  </a:solidFill>
+                </a:rPr>
+                <a:t>onclick</a:t>
+              </a:r>
+              <a:r>
+                <a:rPr lang="en-US" sz="2200" dirty="0"/>
+                <a:t> or </a:t>
+              </a:r>
+              <a:r>
+                <a:rPr lang="en-US" sz="2200" b="1" dirty="0" err="1">
+                  <a:solidFill>
+                    <a:srgbClr val="0070C0"/>
+                  </a:solidFill>
+                </a:rPr>
+                <a:t>onmouseover</a:t>
+              </a:r>
+              <a:endParaRPr lang="en-US" sz="2200" b="1" dirty="0">
+                <a:solidFill>
+                  <a:srgbClr val="0070C0"/>
+                </a:solidFill>
+              </a:endParaRPr>
+            </a:p>
+          </p:txBody>
+        </p:sp>
+      </p:grpSp>
+      <p:grpSp>
+        <p:nvGrpSpPr>
+          <p:cNvPr id="18" name="Group 17"/>
+          <p:cNvGrpSpPr/>
+          <p:nvPr/>
+        </p:nvGrpSpPr>
+        <p:grpSpPr>
+          <a:xfrm>
+            <a:off x="1952596" y="5286388"/>
+            <a:ext cx="7786742" cy="797960"/>
+            <a:chOff x="428596" y="5286388"/>
+            <a:chExt cx="7786742" cy="797960"/>
+          </a:xfrm>
+        </p:grpSpPr>
+        <p:sp>
+          <p:nvSpPr>
+            <p:cNvPr id="9" name="Rectangle 8"/>
+            <p:cNvSpPr/>
+            <p:nvPr/>
+          </p:nvSpPr>
+          <p:spPr>
+            <a:xfrm>
+              <a:off x="500034" y="5715016"/>
+              <a:ext cx="7715304" cy="369332"/>
+            </a:xfrm>
+            <a:prstGeom prst="rect">
+              <a:avLst/>
+            </a:prstGeom>
+          </p:spPr>
+          <p:style>
+            <a:lnRef idx="1">
+              <a:schemeClr val="dk1"/>
+            </a:lnRef>
+            <a:fillRef idx="1001">
+              <a:schemeClr val="lt2"/>
+            </a:fillRef>
+            <a:effectRef idx="1">
+              <a:schemeClr val="dk1"/>
+            </a:effectRef>
+            <a:fontRef idx="minor">
+              <a:schemeClr val="dk1"/>
+            </a:fontRef>
+          </p:style>
+          <p:txBody>
+            <a:bodyPr wrap="square">
+              <a:spAutoFit/>
+            </a:bodyPr>
+            <a:lstStyle/>
+            <a:p>
+              <a:r>
+                <a:rPr lang="en-US" b="1" dirty="0"/>
+                <a:t> </a:t>
+              </a:r>
+              <a:r>
+                <a:rPr lang="en-US" b="1" dirty="0" err="1">
+                  <a:solidFill>
+                    <a:srgbClr val="C00000"/>
+                  </a:solidFill>
+                </a:rPr>
+                <a:t>javascript</a:t>
+              </a:r>
+              <a:r>
+                <a:rPr lang="en-US" b="1" dirty="0" err="1"/>
+                <a:t>:</a:t>
+              </a:r>
+              <a:r>
+                <a:rPr lang="en-US" b="1" dirty="0" err="1">
+                  <a:solidFill>
+                    <a:srgbClr val="0070C0"/>
+                  </a:solidFill>
+                </a:rPr>
+                <a:t>alert</a:t>
+              </a:r>
+              <a:r>
+                <a:rPr lang="en-US" b="1" dirty="0"/>
+                <a:t>(</a:t>
+              </a:r>
+              <a:r>
+                <a:rPr lang="en-US" b="1" dirty="0">
+                  <a:solidFill>
+                    <a:srgbClr val="00B050"/>
+                  </a:solidFill>
+                </a:rPr>
+                <a:t>“Hello world”</a:t>
+              </a:r>
+              <a:r>
+                <a:rPr lang="en-US" b="1" dirty="0"/>
+                <a:t>);</a:t>
+              </a:r>
+            </a:p>
+          </p:txBody>
+        </p:sp>
+        <p:sp>
+          <p:nvSpPr>
+            <p:cNvPr id="14" name="Заголовок 1"/>
+            <p:cNvSpPr txBox="1">
+              <a:spLocks/>
+            </p:cNvSpPr>
+            <p:nvPr/>
+          </p:nvSpPr>
+          <p:spPr>
+            <a:xfrm>
+              <a:off x="428596" y="5286388"/>
+              <a:ext cx="7781924" cy="428628"/>
+            </a:xfrm>
+            <a:prstGeom prst="rect">
+              <a:avLst/>
+            </a:prstGeom>
+          </p:spPr>
+          <p:txBody>
+            <a:bodyPr vert="horz" lIns="91440" tIns="45720" rIns="91440" bIns="45720" rtlCol="0" anchor="ctr">
+              <a:normAutofit/>
+            </a:bodyPr>
+            <a:lstStyle/>
+            <a:p>
+              <a:pPr marL="457200" indent="-457200"/>
+              <a:r>
+                <a:rPr lang="en-US" sz="2200" dirty="0"/>
+                <a:t>d) In a URL, uses the special </a:t>
+              </a:r>
+              <a:r>
+                <a:rPr lang="en-US" sz="2200" b="1" dirty="0" err="1">
+                  <a:solidFill>
+                    <a:srgbClr val="0070C0"/>
+                  </a:solidFill>
+                </a:rPr>
+                <a:t>javascript</a:t>
+              </a:r>
+              <a:r>
+                <a:rPr lang="en-US" sz="2200" b="1" dirty="0">
+                  <a:solidFill>
+                    <a:srgbClr val="0070C0"/>
+                  </a:solidFill>
+                </a:rPr>
+                <a:t>: </a:t>
+              </a:r>
+              <a:r>
+                <a:rPr lang="en-US" sz="2200" dirty="0"/>
+                <a:t>protocol</a:t>
+              </a:r>
+              <a:endParaRPr lang="en-US" sz="2200" b="1" dirty="0">
+                <a:solidFill>
+                  <a:srgbClr val="0070C0"/>
+                </a:solidFill>
+              </a:endParaRPr>
+            </a:p>
+          </p:txBody>
+        </p:sp>
+      </p:grpSp>
+    </p:spTree>
+    <p:extLst>
+      <p:ext uri="{BB962C8B-B14F-4D97-AF65-F5344CB8AC3E}">
+        <p14:creationId xmlns:p14="http://schemas.microsoft.com/office/powerpoint/2010/main" val="1323761927"/>
+      </p:ext>
+    </p:extLst>
+  </p:cSld>
+  <p:clrMapOvr>
+    <a:masterClrMapping/>
+  </p:clrMapOvr>
+  <p:transition/>
+  <p:timing>
+    <p:tnLst>
+      <p:par>
+        <p:cTn id="1" dur="indefinite" restart="never" nodeType="tmRoot">
+          <p:childTnLst>
+            <p:seq concurrent="1" nextAc="seek">
+              <p:cTn id="2" dur="indefinite" nodeType="mainSeq">
+                <p:childTnLst>
+                  <p:par>
+                    <p:cTn id="3" fill="hold">
+                      <p:stCondLst>
+                        <p:cond delay="indefinite"/>
+                      </p:stCondLst>
+                      <p:childTnLst>
+                        <p:par>
+                          <p:cTn id="4" fill="hold">
+                            <p:stCondLst>
+                              <p:cond delay="0"/>
+                            </p:stCondLst>
+                            <p:childTnLst>
+                              <p:par>
+                                <p:cTn id="5" presetID="47" presetClass="entr" presetSubtype="0" fill="hold" nodeType="clickEffect">
+                                  <p:stCondLst>
+                                    <p:cond delay="0"/>
+                                  </p:stCondLst>
+                                  <p:childTnLst>
+                                    <p:set>
+                                      <p:cBhvr>
+                                        <p:cTn id="6" dur="1" fill="hold">
+                                          <p:stCondLst>
+                                            <p:cond delay="0"/>
+                                          </p:stCondLst>
+                                        </p:cTn>
+                                        <p:tgtEl>
+                                          <p:spTgt spid="16"/>
+                                        </p:tgtEl>
+                                        <p:attrNameLst>
+                                          <p:attrName>style.visibility</p:attrName>
+                                        </p:attrNameLst>
+                                      </p:cBhvr>
+                                      <p:to>
+                                        <p:strVal val="visible"/>
+                                      </p:to>
+                                    </p:set>
+                                    <p:animEffect transition="in" filter="fade">
+                                      <p:cBhvr>
+                                        <p:cTn id="7" dur="1000"/>
+                                        <p:tgtEl>
+                                          <p:spTgt spid="16"/>
+                                        </p:tgtEl>
+                                      </p:cBhvr>
+                                    </p:animEffect>
+                                    <p:anim calcmode="lin" valueType="num">
+                                      <p:cBhvr>
+                                        <p:cTn id="8" dur="1000" fill="hold"/>
+                                        <p:tgtEl>
+                                          <p:spTgt spid="16"/>
+                                        </p:tgtEl>
+                                        <p:attrNameLst>
+                                          <p:attrName>ppt_x</p:attrName>
+                                        </p:attrNameLst>
+                                      </p:cBhvr>
+                                      <p:tavLst>
+                                        <p:tav tm="0">
+                                          <p:val>
+                                            <p:strVal val="#ppt_x"/>
+                                          </p:val>
+                                        </p:tav>
+                                        <p:tav tm="100000">
+                                          <p:val>
+                                            <p:strVal val="#ppt_x"/>
+                                          </p:val>
+                                        </p:tav>
+                                      </p:tavLst>
+                                    </p:anim>
+                                    <p:anim calcmode="lin" valueType="num">
+                                      <p:cBhvr>
+                                        <p:cTn id="9" dur="1000" fill="hold"/>
+                                        <p:tgtEl>
+                                          <p:spTgt spid="16"/>
+                                        </p:tgtEl>
+                                        <p:attrNameLst>
+                                          <p:attrName>ppt_y</p:attrName>
+                                        </p:attrNameLst>
+                                      </p:cBhvr>
+                                      <p:tavLst>
+                                        <p:tav tm="0">
+                                          <p:val>
+                                            <p:strVal val="#ppt_y-.1"/>
+                                          </p:val>
+                                        </p:tav>
+                                        <p:tav tm="100000">
+                                          <p:val>
+                                            <p:strVal val="#ppt_y"/>
+                                          </p:val>
+                                        </p:tav>
+                                      </p:tavLst>
+                                    </p:anim>
+                                  </p:childTnLst>
+                                </p:cTn>
+                              </p:par>
+                            </p:childTnLst>
+                          </p:cTn>
+                        </p:par>
+                      </p:childTnLst>
+                    </p:cTn>
+                  </p:par>
+                  <p:par>
+                    <p:cTn id="10" fill="hold">
+                      <p:stCondLst>
+                        <p:cond delay="indefinite"/>
+                      </p:stCondLst>
+                      <p:childTnLst>
+                        <p:par>
+                          <p:cTn id="11" fill="hold">
+                            <p:stCondLst>
+                              <p:cond delay="0"/>
+                            </p:stCondLst>
+                            <p:childTnLst>
+                              <p:par>
+                                <p:cTn id="12" presetID="47" presetClass="entr" presetSubtype="0" fill="hold" nodeType="clickEffect">
+                                  <p:stCondLst>
+                                    <p:cond delay="0"/>
+                                  </p:stCondLst>
+                                  <p:childTnLst>
+                                    <p:set>
+                                      <p:cBhvr>
+                                        <p:cTn id="13" dur="1" fill="hold">
+                                          <p:stCondLst>
+                                            <p:cond delay="0"/>
+                                          </p:stCondLst>
+                                        </p:cTn>
+                                        <p:tgtEl>
+                                          <p:spTgt spid="17"/>
+                                        </p:tgtEl>
+                                        <p:attrNameLst>
+                                          <p:attrName>style.visibility</p:attrName>
+                                        </p:attrNameLst>
+                                      </p:cBhvr>
+                                      <p:to>
+                                        <p:strVal val="visible"/>
+                                      </p:to>
+                                    </p:set>
+                                    <p:animEffect transition="in" filter="fade">
+                                      <p:cBhvr>
+                                        <p:cTn id="14" dur="1000"/>
+                                        <p:tgtEl>
+                                          <p:spTgt spid="17"/>
+                                        </p:tgtEl>
+                                      </p:cBhvr>
+                                    </p:animEffect>
+                                    <p:anim calcmode="lin" valueType="num">
+                                      <p:cBhvr>
+                                        <p:cTn id="15" dur="1000" fill="hold"/>
+                                        <p:tgtEl>
+                                          <p:spTgt spid="17"/>
+                                        </p:tgtEl>
+                                        <p:attrNameLst>
+                                          <p:attrName>ppt_x</p:attrName>
+                                        </p:attrNameLst>
+                                      </p:cBhvr>
+                                      <p:tavLst>
+                                        <p:tav tm="0">
+                                          <p:val>
+                                            <p:strVal val="#ppt_x"/>
+                                          </p:val>
+                                        </p:tav>
+                                        <p:tav tm="100000">
+                                          <p:val>
+                                            <p:strVal val="#ppt_x"/>
+                                          </p:val>
+                                        </p:tav>
+                                      </p:tavLst>
+                                    </p:anim>
+                                    <p:anim calcmode="lin" valueType="num">
+                                      <p:cBhvr>
+                                        <p:cTn id="16" dur="1000" fill="hold"/>
+                                        <p:tgtEl>
+                                          <p:spTgt spid="17"/>
+                                        </p:tgtEl>
+                                        <p:attrNameLst>
+                                          <p:attrName>ppt_y</p:attrName>
+                                        </p:attrNameLst>
+                                      </p:cBhvr>
+                                      <p:tavLst>
+                                        <p:tav tm="0">
+                                          <p:val>
+                                            <p:strVal val="#ppt_y-.1"/>
+                                          </p:val>
+                                        </p:tav>
+                                        <p:tav tm="100000">
+                                          <p:val>
+                                            <p:strVal val="#ppt_y"/>
+                                          </p:val>
+                                        </p:tav>
+                                      </p:tavLst>
+                                    </p:anim>
+                                  </p:childTnLst>
+                                </p:cTn>
+                              </p:par>
+                            </p:childTnLst>
+                          </p:cTn>
+                        </p:par>
+                      </p:childTnLst>
+                    </p:cTn>
+                  </p:par>
+                  <p:par>
+                    <p:cTn id="17" fill="hold">
+                      <p:stCondLst>
+                        <p:cond delay="indefinite"/>
+                      </p:stCondLst>
+                      <p:childTnLst>
+                        <p:par>
+                          <p:cTn id="18" fill="hold">
+                            <p:stCondLst>
+                              <p:cond delay="0"/>
+                            </p:stCondLst>
+                            <p:childTnLst>
+                              <p:par>
+                                <p:cTn id="19" presetID="47" presetClass="entr" presetSubtype="0" fill="hold" nodeType="clickEffect">
+                                  <p:stCondLst>
+                                    <p:cond delay="0"/>
+                                  </p:stCondLst>
+                                  <p:childTnLst>
+                                    <p:set>
+                                      <p:cBhvr>
+                                        <p:cTn id="20" dur="1" fill="hold">
+                                          <p:stCondLst>
+                                            <p:cond delay="0"/>
+                                          </p:stCondLst>
+                                        </p:cTn>
+                                        <p:tgtEl>
+                                          <p:spTgt spid="18"/>
+                                        </p:tgtEl>
+                                        <p:attrNameLst>
+                                          <p:attrName>style.visibility</p:attrName>
+                                        </p:attrNameLst>
+                                      </p:cBhvr>
+                                      <p:to>
+                                        <p:strVal val="visible"/>
+                                      </p:to>
+                                    </p:set>
+                                    <p:animEffect transition="in" filter="fade">
+                                      <p:cBhvr>
+                                        <p:cTn id="21" dur="1000"/>
+                                        <p:tgtEl>
+                                          <p:spTgt spid="18"/>
+                                        </p:tgtEl>
+                                      </p:cBhvr>
+                                    </p:animEffect>
+                                    <p:anim calcmode="lin" valueType="num">
+                                      <p:cBhvr>
+                                        <p:cTn id="22" dur="1000" fill="hold"/>
+                                        <p:tgtEl>
+                                          <p:spTgt spid="18"/>
+                                        </p:tgtEl>
+                                        <p:attrNameLst>
+                                          <p:attrName>ppt_x</p:attrName>
+                                        </p:attrNameLst>
+                                      </p:cBhvr>
+                                      <p:tavLst>
+                                        <p:tav tm="0">
+                                          <p:val>
+                                            <p:strVal val="#ppt_x"/>
+                                          </p:val>
+                                        </p:tav>
+                                        <p:tav tm="100000">
+                                          <p:val>
+                                            <p:strVal val="#ppt_x"/>
+                                          </p:val>
+                                        </p:tav>
+                                      </p:tavLst>
+                                    </p:anim>
+                                    <p:anim calcmode="lin" valueType="num">
+                                      <p:cBhvr>
+                                        <p:cTn id="23" dur="1000" fill="hold"/>
+                                        <p:tgtEl>
+                                          <p:spTgt spid="18"/>
+                                        </p:tgtEl>
+                                        <p:attrNameLst>
+                                          <p:attrName>ppt_y</p:attrName>
+                                        </p:attrNameLst>
+                                      </p:cBhvr>
+                                      <p:tavLst>
+                                        <p:tav tm="0">
+                                          <p:val>
+                                            <p:strVal val="#ppt_y-.1"/>
+                                          </p:val>
+                                        </p:tav>
+                                        <p:tav tm="100000">
+                                          <p:val>
+                                            <p:strVal val="#ppt_y"/>
+                                          </p:val>
+                                        </p:tav>
+                                      </p:tavLst>
+                                    </p:anim>
+                                  </p:childTnLst>
+                                </p:cTn>
+                              </p:par>
+                            </p:childTnLst>
+                          </p:cTn>
+                        </p:par>
+                      </p:childTnLst>
+                    </p:cTn>
+                  </p:par>
+                </p:childTnLst>
+              </p:cTn>
+              <p:prevCondLst>
+                <p:cond evt="onPrev" delay="0">
+                  <p:tgtEl>
+                    <p:sldTgt/>
+                  </p:tgtEl>
+                </p:cond>
+              </p:prevCondLst>
+              <p:nextCondLst>
+                <p:cond evt="onNext" delay="0">
+                  <p:tgtEl>
+                    <p:sldTgt/>
+                  </p:tgtEl>
+                </p:cond>
+              </p:nextCondLst>
+            </p:seq>
+          </p:childTnLst>
+        </p:cTn>
+      </p:par>
+    </p:tnLst>
+  </p:timing>
+</p:sld>
+</file>
+
+<file path=ppt/slides/slide6.xml><?xml version="1.0" encoding="utf-8"?>
+<p:sld xmlns:a="http://schemas.openxmlformats.org/drawingml/2006/main" xmlns:r="http://schemas.openxmlformats.org/officeDocument/2006/relationships" xmlns:p="http://schemas.openxmlformats.org/presentationml/2006/main">
+  <p:cSld>
+    <p:spTree>
+      <p:nvGrpSpPr>
+        <p:cNvPr id="1" name=""/>
+        <p:cNvGrpSpPr/>
+        <p:nvPr/>
+      </p:nvGrpSpPr>
+      <p:grpSpPr>
+        <a:xfrm>
+          <a:off x="0" y="0"/>
+          <a:ext cx="0" cy="0"/>
+          <a:chOff x="0" y="0"/>
+          <a:chExt cx="0" cy="0"/>
+        </a:xfrm>
+      </p:grpSpPr>
+      <p:sp>
+        <p:nvSpPr>
+          <p:cNvPr id="2" name="Title 1"/>
+          <p:cNvSpPr>
+            <a:spLocks noGrp="1"/>
+          </p:cNvSpPr>
+          <p:nvPr>
+            <p:ph type="title"/>
+          </p:nvPr>
+        </p:nvSpPr>
+        <p:spPr/>
+        <p:txBody>
+          <a:bodyPr/>
+          <a:lstStyle/>
+          <a:p>
+            <a:endParaRPr lang="en-US"/>
+          </a:p>
+        </p:txBody>
+      </p:sp>
+      <p:sp>
+        <p:nvSpPr>
+          <p:cNvPr id="3" name="Content Placeholder 2"/>
+          <p:cNvSpPr>
+            <a:spLocks noGrp="1"/>
+          </p:cNvSpPr>
+          <p:nvPr>
+            <p:ph idx="1"/>
+          </p:nvPr>
+        </p:nvSpPr>
+        <p:spPr/>
+        <p:txBody>
+          <a:bodyPr/>
+          <a:lstStyle/>
+          <a:p>
+            <a:pPr marL="0" indent="0">
+              <a:buNone/>
+            </a:pPr>
+            <a:r>
+              <a:rPr lang="en-US" dirty="0" smtClean="0"/>
+              <a:t>Airbnb guideline</a:t>
+            </a:r>
+          </a:p>
+          <a:p>
+            <a:pPr marL="0" indent="0">
+              <a:buNone/>
+            </a:pPr>
+            <a:r>
+              <a:rPr lang="en-US" dirty="0" smtClean="0"/>
+              <a:t>Google guideline</a:t>
+            </a:r>
+            <a:endParaRPr lang="en-US" dirty="0"/>
+          </a:p>
+        </p:txBody>
+      </p:sp>
+    </p:spTree>
+    <p:extLst>
+      <p:ext uri="{BB962C8B-B14F-4D97-AF65-F5344CB8AC3E}">
+        <p14:creationId xmlns:p14="http://schemas.microsoft.com/office/powerpoint/2010/main" val="4273084638"/>
+      </p:ext>
+    </p:extLst>
+  </p:cSld>
+  <p:clrMapOvr>
+    <a:masterClrMapping/>
+  </p:clrMapOvr>
+</p:sld>
+</file>
+
+<file path=ppt/slides/slide7.xml><?xml version="1.0" encoding="utf-8"?>
+<p:sld xmlns:a="http://schemas.openxmlformats.org/drawingml/2006/main" xmlns:r="http://schemas.openxmlformats.org/officeDocument/2006/relationships" xmlns:p="http://schemas.openxmlformats.org/presentationml/2006/main">
+  <p:cSld>
+    <p:spTree>
+      <p:nvGrpSpPr>
+        <p:cNvPr id="1" name=""/>
+        <p:cNvGrpSpPr/>
+        <p:nvPr/>
+      </p:nvGrpSpPr>
+      <p:grpSpPr>
+        <a:xfrm>
+          <a:off x="0" y="0"/>
+          <a:ext cx="0" cy="0"/>
+          <a:chOff x="0" y="0"/>
+          <a:chExt cx="0" cy="0"/>
+        </a:xfrm>
+      </p:grpSpPr>
+      <p:sp>
+        <p:nvSpPr>
+          <p:cNvPr id="2" name="Заголовок 1"/>
+          <p:cNvSpPr>
+            <a:spLocks noGrp="1"/>
+          </p:cNvSpPr>
+          <p:nvPr>
+            <p:ph type="ctrTitle"/>
+          </p:nvPr>
+        </p:nvSpPr>
+        <p:spPr>
+          <a:xfrm>
+            <a:off x="2166910" y="142852"/>
+            <a:ext cx="7772400" cy="528640"/>
+          </a:xfrm>
+        </p:spPr>
+        <p:txBody>
+          <a:bodyPr>
+            <a:normAutofit fontScale="90000"/>
+          </a:bodyPr>
+          <a:lstStyle/>
+          <a:p>
+            <a:r>
+              <a:rPr lang="en-US" b="1" dirty="0" smtClean="0">
+                <a:solidFill>
+                  <a:schemeClr val="tx1">
+                    <a:lumMod val="65000"/>
+                    <a:lumOff val="35000"/>
+                  </a:schemeClr>
+                </a:solidFill>
+              </a:rPr>
+              <a:t>Identifiers</a:t>
+            </a:r>
+            <a:endParaRPr lang="en-US" b="1" dirty="0">
+              <a:solidFill>
+                <a:schemeClr val="tx1">
+                  <a:lumMod val="65000"/>
+                  <a:lumOff val="35000"/>
+                </a:schemeClr>
+              </a:solidFill>
+            </a:endParaRPr>
+          </a:p>
+        </p:txBody>
+      </p:sp>
+      <p:sp>
+        <p:nvSpPr>
+          <p:cNvPr id="5" name="Заголовок 1"/>
+          <p:cNvSpPr txBox="1">
+            <a:spLocks/>
+          </p:cNvSpPr>
+          <p:nvPr/>
+        </p:nvSpPr>
+        <p:spPr>
+          <a:xfrm>
+            <a:off x="2095472" y="1285860"/>
+            <a:ext cx="7772400" cy="3786214"/>
+          </a:xfrm>
+          <a:prstGeom prst="rect">
+            <a:avLst/>
+          </a:prstGeom>
+        </p:spPr>
+        <p:txBody>
+          <a:bodyPr vert="horz" lIns="91440" tIns="45720" rIns="91440" bIns="45720" rtlCol="0" anchor="ctr">
+            <a:normAutofit/>
+          </a:bodyPr>
+          <a:lstStyle/>
+          <a:p>
+            <a:pPr>
+              <a:spcBef>
+                <a:spcPct val="0"/>
+              </a:spcBef>
+            </a:pPr>
+            <a:endParaRPr lang="be-BY"/>
+          </a:p>
+          <a:p>
+            <a:pPr>
+              <a:spcBef>
+                <a:spcPct val="0"/>
+              </a:spcBef>
+              <a:defRPr/>
+            </a:pPr>
+            <a:endParaRPr lang="be-BY" sz="4400" dirty="0">
+              <a:latin typeface="+mj-lt"/>
+              <a:ea typeface="+mj-ea"/>
+              <a:cs typeface="+mj-cs"/>
+            </a:endParaRPr>
+          </a:p>
+        </p:txBody>
+      </p:sp>
+      <p:sp>
+        <p:nvSpPr>
+          <p:cNvPr id="7" name="Rectangle 6"/>
+          <p:cNvSpPr/>
+          <p:nvPr/>
+        </p:nvSpPr>
+        <p:spPr>
+          <a:xfrm>
+            <a:off x="2166910" y="928670"/>
+            <a:ext cx="7858180" cy="3416320"/>
+          </a:xfrm>
+          <a:prstGeom prst="rect">
+            <a:avLst/>
+          </a:prstGeom>
+        </p:spPr>
+        <p:txBody>
+          <a:bodyPr wrap="square">
+            <a:spAutoFit/>
+          </a:bodyPr>
+          <a:lstStyle/>
+          <a:p>
+            <a:pPr>
+              <a:buFont typeface="Arial" pitchFamily="34" charset="0"/>
+              <a:buChar char="•"/>
+            </a:pPr>
+            <a:r>
+              <a:rPr lang="en-US" sz="2400" b="1" dirty="0"/>
+              <a:t>  Starts with a letter or _ or $</a:t>
+            </a:r>
+          </a:p>
+          <a:p>
+            <a:pPr>
+              <a:buFont typeface="Arial" pitchFamily="34" charset="0"/>
+              <a:buChar char="•"/>
+            </a:pPr>
+            <a:endParaRPr lang="en-US" sz="2400" b="1" dirty="0"/>
+          </a:p>
+          <a:p>
+            <a:pPr>
+              <a:buFont typeface="Arial" pitchFamily="34" charset="0"/>
+              <a:buChar char="•"/>
+            </a:pPr>
+            <a:r>
+              <a:rPr lang="en-US" sz="2400" b="1" dirty="0"/>
+              <a:t>  Followed by zero or more letters, digits, _ or $</a:t>
+            </a:r>
+          </a:p>
+          <a:p>
+            <a:pPr>
+              <a:buFont typeface="Arial" pitchFamily="34" charset="0"/>
+              <a:buChar char="•"/>
+            </a:pPr>
+            <a:endParaRPr lang="en-US" sz="2400" b="1" dirty="0"/>
+          </a:p>
+          <a:p>
+            <a:pPr>
+              <a:buFont typeface="Arial" pitchFamily="34" charset="0"/>
+              <a:buChar char="•"/>
+            </a:pPr>
+            <a:endParaRPr lang="en-US" sz="2400" b="1" dirty="0"/>
+          </a:p>
+          <a:p>
+            <a:pPr>
+              <a:buFont typeface="Arial" pitchFamily="34" charset="0"/>
+              <a:buChar char="•"/>
+            </a:pPr>
+            <a:r>
+              <a:rPr lang="en-US" sz="2400" b="1" dirty="0"/>
+              <a:t>  By convention, all variables, parameters, members, and function names start with lower case</a:t>
+            </a:r>
+          </a:p>
+          <a:p>
+            <a:endParaRPr lang="en-US" sz="2400" b="1" dirty="0"/>
+          </a:p>
+          <a:p>
+            <a:pPr>
+              <a:buFont typeface="Arial" pitchFamily="34" charset="0"/>
+              <a:buChar char="•"/>
+            </a:pPr>
+            <a:r>
+              <a:rPr lang="en-US" sz="2400" b="1" dirty="0"/>
+              <a:t>  Except for constructors which start with upper case</a:t>
+            </a:r>
+            <a:endParaRPr lang="en-US" sz="2400" b="1" dirty="0"/>
+          </a:p>
+        </p:txBody>
+      </p:sp>
+    </p:spTree>
+    <p:extLst>
+      <p:ext uri="{BB962C8B-B14F-4D97-AF65-F5344CB8AC3E}">
+        <p14:creationId xmlns:p14="http://schemas.microsoft.com/office/powerpoint/2010/main" val="2737765394"/>
+      </p:ext>
+    </p:extLst>
+  </p:cSld>
+  <p:clrMapOvr>
+    <a:masterClrMapping/>
+  </p:clrMapOvr>
+  <p:transition/>
+  <p:timing>
+    <p:tnLst>
+      <p:par>
+        <p:cTn id="1" dur="indefinite" restart="never" nodeType="tmRoot"/>
+      </p:par>
+    </p:tnLst>
+  </p:timing>
+</p:sld>
+</file>
+
+<file path=ppt/slides/slide8.xml><?xml version="1.0" encoding="utf-8"?>
+<p:sld xmlns:a="http://schemas.openxmlformats.org/drawingml/2006/main" xmlns:r="http://schemas.openxmlformats.org/officeDocument/2006/relationships" xmlns:p="http://schemas.openxmlformats.org/presentationml/2006/main">
+  <p:cSld>
+    <p:spTree>
+      <p:nvGrpSpPr>
+        <p:cNvPr id="1" name=""/>
+        <p:cNvGrpSpPr/>
+        <p:nvPr/>
+      </p:nvGrpSpPr>
+      <p:grpSpPr>
+        <a:xfrm>
+          <a:off x="0" y="0"/>
+          <a:ext cx="0" cy="0"/>
+          <a:chOff x="0" y="0"/>
+          <a:chExt cx="0" cy="0"/>
+        </a:xfrm>
+      </p:grpSpPr>
+      <p:sp>
+        <p:nvSpPr>
+          <p:cNvPr id="2" name="Заголовок 1"/>
+          <p:cNvSpPr>
+            <a:spLocks noGrp="1"/>
+          </p:cNvSpPr>
+          <p:nvPr>
+            <p:ph type="ctrTitle"/>
+          </p:nvPr>
+        </p:nvSpPr>
+        <p:spPr>
+          <a:xfrm>
+            <a:off x="3149183" y="964389"/>
+            <a:ext cx="5829300" cy="396480"/>
+          </a:xfrm>
+        </p:spPr>
+        <p:txBody>
+          <a:bodyPr>
+            <a:normAutofit fontScale="90000"/>
+          </a:bodyPr>
+          <a:lstStyle/>
+          <a:p>
+            <a:r>
+              <a:rPr lang="en-US" b="1" dirty="0" smtClean="0"/>
+              <a:t>Code generation</a:t>
+            </a:r>
+            <a:endParaRPr lang="en-US" b="1" dirty="0">
+              <a:solidFill>
+                <a:schemeClr val="tx1">
+                  <a:lumMod val="65000"/>
+                  <a:lumOff val="35000"/>
+                </a:schemeClr>
+              </a:solidFill>
+            </a:endParaRPr>
+          </a:p>
+        </p:txBody>
+      </p:sp>
+      <p:sp>
+        <p:nvSpPr>
+          <p:cNvPr id="9" name="Rectangle 8"/>
+          <p:cNvSpPr/>
+          <p:nvPr/>
+        </p:nvSpPr>
+        <p:spPr>
+          <a:xfrm>
+            <a:off x="2963652" y="1700809"/>
+            <a:ext cx="6318702" cy="2585323"/>
+          </a:xfrm>
+          <a:prstGeom prst="rect">
+            <a:avLst/>
+          </a:prstGeom>
+        </p:spPr>
+        <p:txBody>
+          <a:bodyPr wrap="square">
+            <a:spAutoFit/>
+          </a:bodyPr>
+          <a:lstStyle/>
+          <a:p>
+            <a:r>
+              <a:rPr lang="en-US" dirty="0" err="1"/>
+              <a:t>Javascript</a:t>
+            </a:r>
+            <a:r>
+              <a:rPr lang="en-US" dirty="0"/>
+              <a:t> can compile text to an executable code:</a:t>
+            </a:r>
+          </a:p>
+          <a:p>
+            <a:endParaRPr lang="en-US" dirty="0"/>
+          </a:p>
+          <a:p>
+            <a:pPr marL="342900" indent="-342900">
+              <a:buFont typeface="+mj-lt"/>
+              <a:buAutoNum type="arabicPeriod"/>
+            </a:pPr>
+            <a:r>
+              <a:rPr lang="en-US" dirty="0" err="1"/>
+              <a:t>eval</a:t>
+            </a:r>
+            <a:r>
+              <a:rPr lang="en-US" dirty="0"/>
+              <a:t>() - compile a string as JavaScript.</a:t>
+            </a:r>
+          </a:p>
+          <a:p>
+            <a:pPr marL="342900" indent="-342900">
+              <a:buFont typeface="+mj-lt"/>
+              <a:buAutoNum type="arabicPeriod"/>
+            </a:pPr>
+            <a:r>
+              <a:rPr lang="en-US" dirty="0"/>
+              <a:t>new Function() - compile a function.</a:t>
+            </a:r>
+          </a:p>
+          <a:p>
+            <a:pPr marL="342900" indent="-342900">
+              <a:buFont typeface="+mj-lt"/>
+              <a:buAutoNum type="arabicPeriod"/>
+            </a:pPr>
+            <a:r>
+              <a:rPr lang="en-US" dirty="0" err="1"/>
+              <a:t>setTimeout</a:t>
+            </a:r>
+            <a:r>
+              <a:rPr lang="en-US" dirty="0"/>
+              <a:t>, </a:t>
+            </a:r>
+            <a:r>
+              <a:rPr lang="en-US" dirty="0" err="1"/>
+              <a:t>setInterval</a:t>
+            </a:r>
+            <a:r>
+              <a:rPr lang="en-US" dirty="0"/>
+              <a:t> - can both take a string as their first argument</a:t>
+            </a:r>
+          </a:p>
+          <a:p>
+            <a:endParaRPr lang="en-US" dirty="0"/>
+          </a:p>
+          <a:p>
+            <a:r>
+              <a:rPr lang="en-US" dirty="0"/>
+              <a:t> </a:t>
+            </a:r>
+          </a:p>
+          <a:p>
+            <a:endParaRPr lang="en-US" dirty="0"/>
+          </a:p>
+        </p:txBody>
+      </p:sp>
+    </p:spTree>
+    <p:extLst>
+      <p:ext uri="{BB962C8B-B14F-4D97-AF65-F5344CB8AC3E}">
+        <p14:creationId xmlns:p14="http://schemas.microsoft.com/office/powerpoint/2010/main" val="1265946451"/>
+      </p:ext>
+    </p:extLst>
+  </p:cSld>
+  <p:clrMapOvr>
+    <a:masterClrMapping/>
+  </p:clrMapOvr>
+  <p:transition/>
+  <p:timing>
+    <p:tnLst>
+      <p:par>
+        <p:cTn id="1" dur="indefinite" restart="never" nodeType="tmRoot"/>
+      </p:par>
+    </p:tnLst>
+  </p:timing>
+</p:sld>
+</file>
+
+<file path=ppt/slides/slide9.xml><?xml version="1.0" encoding="utf-8"?>
+<p:sld xmlns:a="http://schemas.openxmlformats.org/drawingml/2006/main" xmlns:r="http://schemas.openxmlformats.org/officeDocument/2006/relationships" xmlns:p="http://schemas.openxmlformats.org/presentationml/2006/main">
+  <p:cSld>
+    <p:spTree>
+      <p:nvGrpSpPr>
+        <p:cNvPr id="1" name=""/>
+        <p:cNvGrpSpPr/>
+        <p:nvPr/>
+      </p:nvGrpSpPr>
+      <p:grpSpPr>
+        <a:xfrm>
+          <a:off x="0" y="0"/>
+          <a:ext cx="0" cy="0"/>
+          <a:chOff x="0" y="0"/>
+          <a:chExt cx="0" cy="0"/>
+        </a:xfrm>
+      </p:grpSpPr>
+      <p:sp>
+        <p:nvSpPr>
+          <p:cNvPr id="2" name="Заголовок 1"/>
+          <p:cNvSpPr>
+            <a:spLocks noGrp="1"/>
+          </p:cNvSpPr>
+          <p:nvPr>
+            <p:ph type="ctrTitle"/>
+          </p:nvPr>
+        </p:nvSpPr>
+        <p:spPr>
+          <a:xfrm>
+            <a:off x="3149183" y="964389"/>
+            <a:ext cx="5829300" cy="396480"/>
+          </a:xfrm>
+        </p:spPr>
+        <p:txBody>
+          <a:bodyPr>
+            <a:normAutofit fontScale="90000"/>
+          </a:bodyPr>
+          <a:lstStyle/>
+          <a:p>
+            <a:r>
+              <a:rPr lang="en-US" b="1" dirty="0" err="1"/>
+              <a:t>e</a:t>
+            </a:r>
+            <a:r>
+              <a:rPr lang="en-US" b="1" dirty="0" err="1" smtClean="0"/>
+              <a:t>val</a:t>
+            </a:r>
+            <a:r>
+              <a:rPr lang="en-US" b="1" dirty="0" smtClean="0"/>
+              <a:t> is evil</a:t>
+            </a:r>
+            <a:endParaRPr lang="en-US" b="1" dirty="0">
+              <a:solidFill>
+                <a:schemeClr val="tx1">
+                  <a:lumMod val="65000"/>
+                  <a:lumOff val="35000"/>
+                </a:schemeClr>
+              </a:solidFill>
+            </a:endParaRPr>
+          </a:p>
+        </p:txBody>
+      </p:sp>
+      <p:sp>
+        <p:nvSpPr>
+          <p:cNvPr id="5" name="Rectangle 4"/>
+          <p:cNvSpPr/>
+          <p:nvPr/>
+        </p:nvSpPr>
+        <p:spPr>
+          <a:xfrm>
+            <a:off x="3071664" y="1538792"/>
+            <a:ext cx="6048672" cy="646331"/>
+          </a:xfrm>
+          <a:prstGeom prst="rect">
+            <a:avLst/>
+          </a:prstGeom>
+        </p:spPr>
+        <p:txBody>
+          <a:bodyPr wrap="square">
+            <a:spAutoFit/>
+          </a:bodyPr>
+          <a:lstStyle/>
+          <a:p>
+            <a:r>
+              <a:rPr lang="en-US" dirty="0"/>
+              <a:t>The </a:t>
+            </a:r>
+            <a:r>
+              <a:rPr lang="en-US" dirty="0" err="1"/>
+              <a:t>eval</a:t>
+            </a:r>
+            <a:r>
+              <a:rPr lang="en-US" dirty="0"/>
+              <a:t> function will execute a string of JavaScript code in the current scope</a:t>
+            </a:r>
+          </a:p>
+        </p:txBody>
+      </p:sp>
+      <p:sp>
+        <p:nvSpPr>
+          <p:cNvPr id="6" name="Rectangle 5"/>
+          <p:cNvSpPr/>
+          <p:nvPr/>
+        </p:nvSpPr>
+        <p:spPr>
+          <a:xfrm>
+            <a:off x="3071664" y="2248910"/>
+            <a:ext cx="3429000" cy="2169825"/>
+          </a:xfrm>
+          <a:prstGeom prst="rect">
+            <a:avLst/>
+          </a:prstGeom>
+        </p:spPr>
+        <p:style>
+          <a:lnRef idx="1">
+            <a:schemeClr val="dk1"/>
+          </a:lnRef>
+          <a:fillRef idx="1001">
+            <a:schemeClr val="lt2"/>
+          </a:fillRef>
+          <a:effectRef idx="1">
+            <a:schemeClr val="dk1"/>
+          </a:effectRef>
+          <a:fontRef idx="minor">
+            <a:schemeClr val="dk1"/>
+          </a:fontRef>
+        </p:style>
+        <p:txBody>
+          <a:bodyPr wrap="square">
+            <a:spAutoFit/>
+          </a:bodyPr>
+          <a:lstStyle/>
+          <a:p>
+            <a:r>
+              <a:rPr lang="en-US" sz="1500" b="1" dirty="0" err="1"/>
+              <a:t>var</a:t>
+            </a:r>
+            <a:r>
+              <a:rPr lang="en-US" sz="1500" b="1" dirty="0"/>
+              <a:t> foo = 1;</a:t>
+            </a:r>
+          </a:p>
+          <a:p>
+            <a:endParaRPr lang="en-US" sz="1500" b="1" dirty="0"/>
+          </a:p>
+          <a:p>
+            <a:r>
+              <a:rPr lang="en-US" sz="1500" b="1" dirty="0"/>
+              <a:t>function test1() {</a:t>
+            </a:r>
+          </a:p>
+          <a:p>
+            <a:r>
+              <a:rPr lang="en-US" sz="1500" b="1" dirty="0"/>
+              <a:t>	</a:t>
+            </a:r>
+            <a:r>
+              <a:rPr lang="en-US" sz="1500" b="1" dirty="0" err="1"/>
+              <a:t>var</a:t>
+            </a:r>
+            <a:r>
+              <a:rPr lang="en-US" sz="1500" b="1" dirty="0"/>
+              <a:t> foo = 2;</a:t>
+            </a:r>
+          </a:p>
+          <a:p>
+            <a:r>
+              <a:rPr lang="en-US" sz="1500" b="1" dirty="0"/>
+              <a:t>	</a:t>
+            </a:r>
+            <a:r>
+              <a:rPr lang="en-US" sz="1500" b="1" dirty="0" err="1"/>
+              <a:t>eval</a:t>
+            </a:r>
+            <a:r>
+              <a:rPr lang="en-US" sz="1500" b="1" dirty="0"/>
+              <a:t>("foo = 3"); </a:t>
+            </a:r>
+          </a:p>
+          <a:p>
+            <a:r>
+              <a:rPr lang="en-US" sz="1500" b="1" dirty="0"/>
+              <a:t>}</a:t>
+            </a:r>
+          </a:p>
+          <a:p>
+            <a:endParaRPr lang="en-US" sz="1500" b="1" dirty="0"/>
+          </a:p>
+          <a:p>
+            <a:r>
+              <a:rPr lang="en-US" sz="1500" b="1" dirty="0"/>
+              <a:t>test1();</a:t>
+            </a:r>
+          </a:p>
+          <a:p>
+            <a:r>
+              <a:rPr lang="en-US" sz="1500" b="1" dirty="0"/>
+              <a:t>console.log(foo); </a:t>
+            </a:r>
+            <a:r>
+              <a:rPr lang="en-US" sz="1500" b="1" dirty="0">
+                <a:solidFill>
+                  <a:schemeClr val="bg1">
+                    <a:lumMod val="50000"/>
+                  </a:schemeClr>
+                </a:solidFill>
+              </a:rPr>
+              <a:t>// 1</a:t>
+            </a:r>
+          </a:p>
+        </p:txBody>
+      </p:sp>
+    </p:spTree>
+    <p:extLst>
+      <p:ext uri="{BB962C8B-B14F-4D97-AF65-F5344CB8AC3E}">
+        <p14:creationId xmlns:p14="http://schemas.microsoft.com/office/powerpoint/2010/main" val="3674334469"/>
+      </p:ext>
+    </p:extLst>
+  </p:cSld>
+  <p:clrMapOvr>
+    <a:masterClrMapping/>
+  </p:clrMapOvr>
+  <p:transition/>
   <p:timing>
     <p:tnLst>
       <p:par>

--- a/es6/Presentation1.pptx
+++ b/es6/Presentation1.pptx
@@ -5,7 +5,7 @@
     <p:sldMasterId id="2147483648" r:id="rId1"/>
   </p:sldMasterIdLst>
   <p:notesMasterIdLst>
-    <p:notesMasterId r:id="rId13"/>
+    <p:notesMasterId r:id="rId14"/>
   </p:notesMasterIdLst>
   <p:sldIdLst>
     <p:sldId id="259" r:id="rId2"/>
@@ -19,6 +19,7 @@
     <p:sldId id="266" r:id="rId10"/>
     <p:sldId id="267" r:id="rId11"/>
     <p:sldId id="268" r:id="rId12"/>
+    <p:sldId id="271" r:id="rId13"/>
   </p:sldIdLst>
   <p:sldSz cx="12192000" cy="6858000"/>
   <p:notesSz cx="6858000" cy="9144000"/>
@@ -133,6 +134,7 @@
             <p14:sldId id="266"/>
             <p14:sldId id="267"/>
             <p14:sldId id="268"/>
+            <p14:sldId id="271"/>
           </p14:sldIdLst>
         </p14:section>
         <p14:section name="Untitled Section" id="{3BAAB572-16B3-4937-BBEC-98975E9E6E9C}">
@@ -4185,6 +4187,13 @@
   <p:clrMapOvr>
     <a:masterClrMapping/>
   </p:clrMapOvr>
+  <p:timing>
+    <p:tnLst>
+      <p:par>
+        <p:cTn id="1" dur="indefinite" restart="never" nodeType="tmRoot"/>
+      </p:par>
+    </p:tnLst>
+  </p:timing>
 </p:sld>
 </file>
 
@@ -4590,6 +4599,91 @@
 </p:sld>
 </file>
 
+<file path=ppt/slides/slide12.xml><?xml version="1.0" encoding="utf-8"?>
+<p:sld xmlns:a="http://schemas.openxmlformats.org/drawingml/2006/main" xmlns:r="http://schemas.openxmlformats.org/officeDocument/2006/relationships" xmlns:p="http://schemas.openxmlformats.org/presentationml/2006/main">
+  <p:cSld>
+    <p:spTree>
+      <p:nvGrpSpPr>
+        <p:cNvPr id="1" name=""/>
+        <p:cNvGrpSpPr/>
+        <p:nvPr/>
+      </p:nvGrpSpPr>
+      <p:grpSpPr>
+        <a:xfrm>
+          <a:off x="0" y="0"/>
+          <a:ext cx="0" cy="0"/>
+          <a:chOff x="0" y="0"/>
+          <a:chExt cx="0" cy="0"/>
+        </a:xfrm>
+      </p:grpSpPr>
+      <p:sp>
+        <p:nvSpPr>
+          <p:cNvPr id="2" name="Title 1"/>
+          <p:cNvSpPr>
+            <a:spLocks noGrp="1"/>
+          </p:cNvSpPr>
+          <p:nvPr>
+            <p:ph type="title"/>
+          </p:nvPr>
+        </p:nvSpPr>
+        <p:spPr/>
+        <p:txBody>
+          <a:bodyPr/>
+          <a:lstStyle/>
+          <a:p>
+            <a:r>
+              <a:rPr lang="en-US" smtClean="0"/>
+              <a:t>Object comparison</a:t>
+            </a:r>
+            <a:endParaRPr lang="en-US" dirty="0"/>
+          </a:p>
+        </p:txBody>
+      </p:sp>
+      <p:sp>
+        <p:nvSpPr>
+          <p:cNvPr id="3" name="Content Placeholder 2"/>
+          <p:cNvSpPr>
+            <a:spLocks noGrp="1"/>
+          </p:cNvSpPr>
+          <p:nvPr>
+            <p:ph idx="1"/>
+          </p:nvPr>
+        </p:nvSpPr>
+        <p:spPr/>
+        <p:txBody>
+          <a:bodyPr/>
+          <a:lstStyle/>
+          <a:p>
+            <a:pPr marL="0" indent="0">
+              <a:buNone/>
+            </a:pPr>
+            <a:r>
+              <a:rPr lang="en-US" dirty="0"/>
+              <a:t>http://stackoverflow.com/questions/1068834/object-comparison-in-javascript</a:t>
+            </a:r>
+          </a:p>
+        </p:txBody>
+      </p:sp>
+    </p:spTree>
+    <p:extLst>
+      <p:ext uri="{BB962C8B-B14F-4D97-AF65-F5344CB8AC3E}">
+        <p14:creationId xmlns:p14="http://schemas.microsoft.com/office/powerpoint/2010/main" val="823856893"/>
+      </p:ext>
+    </p:extLst>
+  </p:cSld>
+  <p:clrMapOvr>
+    <a:masterClrMapping/>
+  </p:clrMapOvr>
+  <p:timing>
+    <p:tnLst>
+      <p:par>
+        <p:cTn id="1" dur="indefinite" restart="never" nodeType="tmRoot"/>
+      </p:par>
+    </p:tnLst>
+  </p:timing>
+</p:sld>
+</file>
+
 <file path=ppt/slides/slide2.xml><?xml version="1.0" encoding="utf-8"?>
 <p:sld xmlns:a="http://schemas.openxmlformats.org/drawingml/2006/main" xmlns:r="http://schemas.openxmlformats.org/officeDocument/2006/relationships" xmlns:p="http://schemas.openxmlformats.org/presentationml/2006/main">
   <p:cSld>
@@ -4797,17 +4891,6 @@
               </a:rPr>
               <a:t>Evils of type coercion (recap)</a:t>
             </a:r>
-            <a:endParaRPr lang="en-US" sz="4000" b="1" dirty="0">
-              <a:solidFill>
-                <a:schemeClr val="tx1">
-                  <a:lumMod val="65000"/>
-                  <a:lumOff val="35000"/>
-                </a:schemeClr>
-              </a:solidFill>
-              <a:latin typeface="+mj-lt"/>
-              <a:ea typeface="+mj-ea"/>
-              <a:cs typeface="+mj-cs"/>
-            </a:endParaRPr>
           </a:p>
         </p:txBody>
       </p:sp>
@@ -4892,17 +4975,6 @@
               </a:rPr>
               <a:t>Implicit Typecasting</a:t>
             </a:r>
-            <a:endParaRPr lang="en-US" sz="4000" b="1" dirty="0">
-              <a:solidFill>
-                <a:schemeClr val="tx1">
-                  <a:lumMod val="65000"/>
-                  <a:lumOff val="35000"/>
-                </a:schemeClr>
-              </a:solidFill>
-              <a:latin typeface="+mj-lt"/>
-              <a:ea typeface="+mj-ea"/>
-              <a:cs typeface="+mj-cs"/>
-            </a:endParaRPr>
           </a:p>
         </p:txBody>
       </p:sp>
@@ -5049,16 +5121,7 @@
                 </a:solidFill>
                 <a:latin typeface="Consolas"/>
               </a:rPr>
-              <a:t>	// </a:t>
-            </a:r>
-            <a:r>
-              <a:rPr lang="en-US" dirty="0">
-                <a:solidFill>
-                  <a:srgbClr val="006400"/>
-                </a:solidFill>
-                <a:latin typeface="Consolas"/>
-              </a:rPr>
-              <a:t>this block is executed...</a:t>
+              <a:t>	// this block is executed...</a:t>
             </a:r>
             <a:endParaRPr lang="en-US" dirty="0">
               <a:solidFill>
@@ -5120,16 +5183,7 @@
                 </a:solidFill>
                 <a:latin typeface="Consolas"/>
               </a:rPr>
-              <a:t> </a:t>
-            </a:r>
-            <a:r>
-              <a:rPr lang="en-US" dirty="0">
-                <a:solidFill>
-                  <a:prstClr val="black"/>
-                </a:solidFill>
-                <a:latin typeface="Consolas"/>
-              </a:rPr>
-              <a:t>(zero === </a:t>
+              <a:t> (zero === </a:t>
             </a:r>
             <a:r>
               <a:rPr lang="en-US" dirty="0">
@@ -5158,16 +5212,7 @@
                 </a:solidFill>
                 <a:latin typeface="Consolas"/>
               </a:rPr>
-              <a:t>	// </a:t>
-            </a:r>
-            <a:r>
-              <a:rPr lang="en-US" dirty="0">
-                <a:solidFill>
-                  <a:srgbClr val="006400"/>
-                </a:solidFill>
-                <a:latin typeface="Consolas"/>
-              </a:rPr>
-              <a:t>not executing because zero is 0, not false</a:t>
+              <a:t>	// not executing because zero is 0, not false</a:t>
             </a:r>
             <a:endParaRPr lang="en-US" dirty="0">
               <a:solidFill>
@@ -5186,12 +5231,6 @@
               </a:rPr>
               <a:t>}</a:t>
             </a:r>
-            <a:endParaRPr lang="en-US" dirty="0">
-              <a:solidFill>
-                <a:prstClr val="black"/>
-              </a:solidFill>
-              <a:latin typeface="Consolas"/>
-            </a:endParaRPr>
           </a:p>
         </p:txBody>
       </p:sp>
@@ -5276,17 +5315,6 @@
               </a:rPr>
               <a:t>semicolon</a:t>
             </a:r>
-            <a:endParaRPr lang="en-US" sz="4000" b="1" dirty="0">
-              <a:solidFill>
-                <a:schemeClr val="tx1">
-                  <a:lumMod val="65000"/>
-                  <a:lumOff val="35000"/>
-                </a:schemeClr>
-              </a:solidFill>
-              <a:latin typeface="+mj-lt"/>
-              <a:ea typeface="+mj-ea"/>
-              <a:cs typeface="+mj-cs"/>
-            </a:endParaRPr>
           </a:p>
         </p:txBody>
       </p:sp>
@@ -6804,7 +6832,6 @@
               <a:rPr lang="en-US" sz="2400" b="1" dirty="0"/>
               <a:t>  Except for constructors which start with upper case</a:t>
             </a:r>
-            <a:endParaRPr lang="en-US" sz="2400" b="1" dirty="0"/>
           </a:p>
         </p:txBody>
       </p:sp>

--- a/es6/Presentation1.pptx
+++ b/es6/Presentation1.pptx
@@ -231,7 +231,7 @@
           <a:p>
             <a:fld id="{AE8C4A95-5843-41C9-88B6-83C30E33CF5F}" type="datetimeFigureOut">
               <a:rPr lang="en-US" smtClean="0"/>
-              <a:t>8/31/2015</a:t>
+              <a:t>9/1/2015</a:t>
             </a:fld>
             <a:endParaRPr lang="en-US"/>
           </a:p>
@@ -1322,7 +1322,7 @@
           <a:p>
             <a:fld id="{53A1A599-862F-4E24-8998-DC482B785E64}" type="datetimeFigureOut">
               <a:rPr lang="en-US" smtClean="0"/>
-              <a:t>8/31/2015</a:t>
+              <a:t>9/1/2015</a:t>
             </a:fld>
             <a:endParaRPr lang="en-US"/>
           </a:p>
@@ -1492,7 +1492,7 @@
           <a:p>
             <a:fld id="{53A1A599-862F-4E24-8998-DC482B785E64}" type="datetimeFigureOut">
               <a:rPr lang="en-US" smtClean="0"/>
-              <a:t>8/31/2015</a:t>
+              <a:t>9/1/2015</a:t>
             </a:fld>
             <a:endParaRPr lang="en-US"/>
           </a:p>
@@ -1672,7 +1672,7 @@
           <a:p>
             <a:fld id="{53A1A599-862F-4E24-8998-DC482B785E64}" type="datetimeFigureOut">
               <a:rPr lang="en-US" smtClean="0"/>
-              <a:t>8/31/2015</a:t>
+              <a:t>9/1/2015</a:t>
             </a:fld>
             <a:endParaRPr lang="en-US"/>
           </a:p>
@@ -1842,7 +1842,7 @@
           <a:p>
             <a:fld id="{53A1A599-862F-4E24-8998-DC482B785E64}" type="datetimeFigureOut">
               <a:rPr lang="en-US" smtClean="0"/>
-              <a:t>8/31/2015</a:t>
+              <a:t>9/1/2015</a:t>
             </a:fld>
             <a:endParaRPr lang="en-US"/>
           </a:p>
@@ -2088,7 +2088,7 @@
           <a:p>
             <a:fld id="{53A1A599-862F-4E24-8998-DC482B785E64}" type="datetimeFigureOut">
               <a:rPr lang="en-US" smtClean="0"/>
-              <a:t>8/31/2015</a:t>
+              <a:t>9/1/2015</a:t>
             </a:fld>
             <a:endParaRPr lang="en-US"/>
           </a:p>
@@ -2320,7 +2320,7 @@
           <a:p>
             <a:fld id="{53A1A599-862F-4E24-8998-DC482B785E64}" type="datetimeFigureOut">
               <a:rPr lang="en-US" smtClean="0"/>
-              <a:t>8/31/2015</a:t>
+              <a:t>9/1/2015</a:t>
             </a:fld>
             <a:endParaRPr lang="en-US"/>
           </a:p>
@@ -2687,7 +2687,7 @@
           <a:p>
             <a:fld id="{53A1A599-862F-4E24-8998-DC482B785E64}" type="datetimeFigureOut">
               <a:rPr lang="en-US" smtClean="0"/>
-              <a:t>8/31/2015</a:t>
+              <a:t>9/1/2015</a:t>
             </a:fld>
             <a:endParaRPr lang="en-US"/>
           </a:p>
@@ -2805,7 +2805,7 @@
           <a:p>
             <a:fld id="{53A1A599-862F-4E24-8998-DC482B785E64}" type="datetimeFigureOut">
               <a:rPr lang="en-US" smtClean="0"/>
-              <a:t>8/31/2015</a:t>
+              <a:t>9/1/2015</a:t>
             </a:fld>
             <a:endParaRPr lang="en-US"/>
           </a:p>
@@ -2900,7 +2900,7 @@
           <a:p>
             <a:fld id="{53A1A599-862F-4E24-8998-DC482B785E64}" type="datetimeFigureOut">
               <a:rPr lang="en-US" smtClean="0"/>
-              <a:t>8/31/2015</a:t>
+              <a:t>9/1/2015</a:t>
             </a:fld>
             <a:endParaRPr lang="en-US"/>
           </a:p>
@@ -3177,7 +3177,7 @@
           <a:p>
             <a:fld id="{53A1A599-862F-4E24-8998-DC482B785E64}" type="datetimeFigureOut">
               <a:rPr lang="en-US" smtClean="0"/>
-              <a:t>8/31/2015</a:t>
+              <a:t>9/1/2015</a:t>
             </a:fld>
             <a:endParaRPr lang="en-US"/>
           </a:p>
@@ -3430,7 +3430,7 @@
           <a:p>
             <a:fld id="{53A1A599-862F-4E24-8998-DC482B785E64}" type="datetimeFigureOut">
               <a:rPr lang="en-US" smtClean="0"/>
-              <a:t>8/31/2015</a:t>
+              <a:t>9/1/2015</a:t>
             </a:fld>
             <a:endParaRPr lang="en-US"/>
           </a:p>
@@ -3643,7 +3643,7 @@
           <a:p>
             <a:fld id="{53A1A599-862F-4E24-8998-DC482B785E64}" type="datetimeFigureOut">
               <a:rPr lang="en-US" smtClean="0"/>
-              <a:t>8/31/2015</a:t>
+              <a:t>9/1/2015</a:t>
             </a:fld>
             <a:endParaRPr lang="en-US"/>
           </a:p>

--- a/es6/Presentation1.pptx
+++ b/es6/Presentation1.pptx
@@ -5,7 +5,7 @@
     <p:sldMasterId id="2147483648" r:id="rId1"/>
   </p:sldMasterIdLst>
   <p:notesMasterIdLst>
-    <p:notesMasterId r:id="rId14"/>
+    <p:notesMasterId r:id="rId15"/>
   </p:notesMasterIdLst>
   <p:sldIdLst>
     <p:sldId id="259" r:id="rId2"/>
@@ -20,6 +20,7 @@
     <p:sldId id="267" r:id="rId11"/>
     <p:sldId id="268" r:id="rId12"/>
     <p:sldId id="271" r:id="rId13"/>
+    <p:sldId id="272" r:id="rId14"/>
   </p:sldIdLst>
   <p:sldSz cx="12192000" cy="6858000"/>
   <p:notesSz cx="6858000" cy="9144000"/>
@@ -135,6 +136,7 @@
             <p14:sldId id="267"/>
             <p14:sldId id="268"/>
             <p14:sldId id="271"/>
+            <p14:sldId id="272"/>
           </p14:sldIdLst>
         </p14:section>
         <p14:section name="Untitled Section" id="{3BAAB572-16B3-4937-BBEC-98975E9E6E9C}">
@@ -231,7 +233,7 @@
           <a:p>
             <a:fld id="{AE8C4A95-5843-41C9-88B6-83C30E33CF5F}" type="datetimeFigureOut">
               <a:rPr lang="en-US" smtClean="0"/>
-              <a:t>9/1/2015</a:t>
+              <a:t>9/12/2015</a:t>
             </a:fld>
             <a:endParaRPr lang="en-US"/>
           </a:p>
@@ -1322,7 +1324,7 @@
           <a:p>
             <a:fld id="{53A1A599-862F-4E24-8998-DC482B785E64}" type="datetimeFigureOut">
               <a:rPr lang="en-US" smtClean="0"/>
-              <a:t>9/1/2015</a:t>
+              <a:t>9/12/2015</a:t>
             </a:fld>
             <a:endParaRPr lang="en-US"/>
           </a:p>
@@ -1492,7 +1494,7 @@
           <a:p>
             <a:fld id="{53A1A599-862F-4E24-8998-DC482B785E64}" type="datetimeFigureOut">
               <a:rPr lang="en-US" smtClean="0"/>
-              <a:t>9/1/2015</a:t>
+              <a:t>9/12/2015</a:t>
             </a:fld>
             <a:endParaRPr lang="en-US"/>
           </a:p>
@@ -1672,7 +1674,7 @@
           <a:p>
             <a:fld id="{53A1A599-862F-4E24-8998-DC482B785E64}" type="datetimeFigureOut">
               <a:rPr lang="en-US" smtClean="0"/>
-              <a:t>9/1/2015</a:t>
+              <a:t>9/12/2015</a:t>
             </a:fld>
             <a:endParaRPr lang="en-US"/>
           </a:p>
@@ -1842,7 +1844,7 @@
           <a:p>
             <a:fld id="{53A1A599-862F-4E24-8998-DC482B785E64}" type="datetimeFigureOut">
               <a:rPr lang="en-US" smtClean="0"/>
-              <a:t>9/1/2015</a:t>
+              <a:t>9/12/2015</a:t>
             </a:fld>
             <a:endParaRPr lang="en-US"/>
           </a:p>
@@ -2088,7 +2090,7 @@
           <a:p>
             <a:fld id="{53A1A599-862F-4E24-8998-DC482B785E64}" type="datetimeFigureOut">
               <a:rPr lang="en-US" smtClean="0"/>
-              <a:t>9/1/2015</a:t>
+              <a:t>9/12/2015</a:t>
             </a:fld>
             <a:endParaRPr lang="en-US"/>
           </a:p>
@@ -2320,7 +2322,7 @@
           <a:p>
             <a:fld id="{53A1A599-862F-4E24-8998-DC482B785E64}" type="datetimeFigureOut">
               <a:rPr lang="en-US" smtClean="0"/>
-              <a:t>9/1/2015</a:t>
+              <a:t>9/12/2015</a:t>
             </a:fld>
             <a:endParaRPr lang="en-US"/>
           </a:p>
@@ -2687,7 +2689,7 @@
           <a:p>
             <a:fld id="{53A1A599-862F-4E24-8998-DC482B785E64}" type="datetimeFigureOut">
               <a:rPr lang="en-US" smtClean="0"/>
-              <a:t>9/1/2015</a:t>
+              <a:t>9/12/2015</a:t>
             </a:fld>
             <a:endParaRPr lang="en-US"/>
           </a:p>
@@ -2805,7 +2807,7 @@
           <a:p>
             <a:fld id="{53A1A599-862F-4E24-8998-DC482B785E64}" type="datetimeFigureOut">
               <a:rPr lang="en-US" smtClean="0"/>
-              <a:t>9/1/2015</a:t>
+              <a:t>9/12/2015</a:t>
             </a:fld>
             <a:endParaRPr lang="en-US"/>
           </a:p>
@@ -2900,7 +2902,7 @@
           <a:p>
             <a:fld id="{53A1A599-862F-4E24-8998-DC482B785E64}" type="datetimeFigureOut">
               <a:rPr lang="en-US" smtClean="0"/>
-              <a:t>9/1/2015</a:t>
+              <a:t>9/12/2015</a:t>
             </a:fld>
             <a:endParaRPr lang="en-US"/>
           </a:p>
@@ -3177,7 +3179,7 @@
           <a:p>
             <a:fld id="{53A1A599-862F-4E24-8998-DC482B785E64}" type="datetimeFigureOut">
               <a:rPr lang="en-US" smtClean="0"/>
-              <a:t>9/1/2015</a:t>
+              <a:t>9/12/2015</a:t>
             </a:fld>
             <a:endParaRPr lang="en-US"/>
           </a:p>
@@ -3430,7 +3432,7 @@
           <a:p>
             <a:fld id="{53A1A599-862F-4E24-8998-DC482B785E64}" type="datetimeFigureOut">
               <a:rPr lang="en-US" smtClean="0"/>
-              <a:t>9/1/2015</a:t>
+              <a:t>9/12/2015</a:t>
             </a:fld>
             <a:endParaRPr lang="en-US"/>
           </a:p>
@@ -3643,7 +3645,7 @@
           <a:p>
             <a:fld id="{53A1A599-862F-4E24-8998-DC482B785E64}" type="datetimeFigureOut">
               <a:rPr lang="en-US" smtClean="0"/>
-              <a:t>9/1/2015</a:t>
+              <a:t>9/12/2015</a:t>
             </a:fld>
             <a:endParaRPr lang="en-US"/>
           </a:p>
@@ -4681,6 +4683,138 @@
       </p:par>
     </p:tnLst>
   </p:timing>
+</p:sld>
+</file>
+
+<file path=ppt/slides/slide13.xml><?xml version="1.0" encoding="utf-8"?>
+<p:sld xmlns:a="http://schemas.openxmlformats.org/drawingml/2006/main" xmlns:r="http://schemas.openxmlformats.org/officeDocument/2006/relationships" xmlns:p="http://schemas.openxmlformats.org/presentationml/2006/main">
+  <p:cSld>
+    <p:spTree>
+      <p:nvGrpSpPr>
+        <p:cNvPr id="1" name=""/>
+        <p:cNvGrpSpPr/>
+        <p:nvPr/>
+      </p:nvGrpSpPr>
+      <p:grpSpPr>
+        <a:xfrm>
+          <a:off x="0" y="0"/>
+          <a:ext cx="0" cy="0"/>
+          <a:chOff x="0" y="0"/>
+          <a:chExt cx="0" cy="0"/>
+        </a:xfrm>
+      </p:grpSpPr>
+      <p:sp>
+        <p:nvSpPr>
+          <p:cNvPr id="3" name="Content Placeholder 2"/>
+          <p:cNvSpPr>
+            <a:spLocks noGrp="1"/>
+          </p:cNvSpPr>
+          <p:nvPr>
+            <p:ph idx="1"/>
+          </p:nvPr>
+        </p:nvSpPr>
+        <p:spPr/>
+        <p:txBody>
+          <a:bodyPr/>
+          <a:lstStyle/>
+          <a:p>
+            <a:pPr marL="0" indent="0">
+              <a:buNone/>
+            </a:pPr>
+            <a:r>
+              <a:rPr lang="en-US" dirty="0" err="1"/>
+              <a:t>Lodash</a:t>
+            </a:r>
+            <a:r>
+              <a:rPr lang="en-US" dirty="0"/>
+              <a:t>: 10 </a:t>
+            </a:r>
+            <a:r>
+              <a:rPr lang="en-US" dirty="0" err="1"/>
+              <a:t>Javascript</a:t>
+            </a:r>
+            <a:r>
+              <a:rPr lang="en-US" dirty="0"/>
+              <a:t> Utility Functions That You Should Probably Stop </a:t>
+            </a:r>
+            <a:r>
+              <a:rPr lang="en-US" dirty="0" smtClean="0"/>
+              <a:t>Rewriting</a:t>
+            </a:r>
+          </a:p>
+          <a:p>
+            <a:pPr marL="0" indent="0">
+              <a:buNone/>
+            </a:pPr>
+            <a:endParaRPr lang="en-US" dirty="0" smtClean="0"/>
+          </a:p>
+          <a:p>
+            <a:pPr marL="0" indent="0">
+              <a:buNone/>
+            </a:pPr>
+            <a:r>
+              <a:rPr lang="en-US" dirty="0">
+                <a:hlinkClick r:id="rId2"/>
+              </a:rPr>
+              <a:t>http://</a:t>
+            </a:r>
+            <a:r>
+              <a:rPr lang="en-US" dirty="0" smtClean="0">
+                <a:hlinkClick r:id="rId2"/>
+              </a:rPr>
+              <a:t>colintoh.com/blog/lodash-10-javascript-utility-functions-stop-rewriting</a:t>
+            </a:r>
+            <a:endParaRPr lang="en-US" dirty="0" smtClean="0"/>
+          </a:p>
+          <a:p>
+            <a:pPr marL="0" indent="0">
+              <a:buNone/>
+            </a:pPr>
+            <a:endParaRPr lang="en-US" dirty="0"/>
+          </a:p>
+          <a:p>
+            <a:pPr marL="0" indent="0">
+              <a:buNone/>
+            </a:pPr>
+            <a:endParaRPr lang="en-US" dirty="0" smtClean="0"/>
+          </a:p>
+          <a:p>
+            <a:pPr marL="0" indent="0">
+              <a:buNone/>
+            </a:pPr>
+            <a:endParaRPr lang="en-US" dirty="0"/>
+          </a:p>
+        </p:txBody>
+      </p:sp>
+      <p:sp>
+        <p:nvSpPr>
+          <p:cNvPr id="4" name="Title 3"/>
+          <p:cNvSpPr>
+            <a:spLocks noGrp="1"/>
+          </p:cNvSpPr>
+          <p:nvPr>
+            <p:ph type="title"/>
+          </p:nvPr>
+        </p:nvSpPr>
+        <p:spPr/>
+        <p:txBody>
+          <a:bodyPr/>
+          <a:lstStyle/>
+          <a:p>
+            <a:endParaRPr lang="en-US"/>
+          </a:p>
+        </p:txBody>
+      </p:sp>
+    </p:spTree>
+    <p:extLst>
+      <p:ext uri="{BB962C8B-B14F-4D97-AF65-F5344CB8AC3E}">
+        <p14:creationId xmlns:p14="http://schemas.microsoft.com/office/powerpoint/2010/main" val="3421041689"/>
+      </p:ext>
+    </p:extLst>
+  </p:cSld>
+  <p:clrMapOvr>
+    <a:masterClrMapping/>
+  </p:clrMapOvr>
 </p:sld>
 </file>
 

--- a/es6/Presentation1.pptx
+++ b/es6/Presentation1.pptx
@@ -5,7 +5,7 @@
     <p:sldMasterId id="2147483648" r:id="rId1"/>
   </p:sldMasterIdLst>
   <p:notesMasterIdLst>
-    <p:notesMasterId r:id="rId15"/>
+    <p:notesMasterId r:id="rId19"/>
   </p:notesMasterIdLst>
   <p:sldIdLst>
     <p:sldId id="259" r:id="rId2"/>
@@ -21,6 +21,10 @@
     <p:sldId id="268" r:id="rId12"/>
     <p:sldId id="271" r:id="rId13"/>
     <p:sldId id="272" r:id="rId14"/>
+    <p:sldId id="276" r:id="rId15"/>
+    <p:sldId id="273" r:id="rId16"/>
+    <p:sldId id="274" r:id="rId17"/>
+    <p:sldId id="275" r:id="rId18"/>
   </p:sldIdLst>
   <p:sldSz cx="12192000" cy="6858000"/>
   <p:notesSz cx="6858000" cy="9144000"/>
@@ -137,6 +141,10 @@
             <p14:sldId id="268"/>
             <p14:sldId id="271"/>
             <p14:sldId id="272"/>
+            <p14:sldId id="276"/>
+            <p14:sldId id="273"/>
+            <p14:sldId id="274"/>
+            <p14:sldId id="275"/>
           </p14:sldIdLst>
         </p14:section>
         <p14:section name="Untitled Section" id="{3BAAB572-16B3-4937-BBEC-98975E9E6E9C}">
@@ -233,7 +241,7 @@
           <a:p>
             <a:fld id="{AE8C4A95-5843-41C9-88B6-83C30E33CF5F}" type="datetimeFigureOut">
               <a:rPr lang="en-US" smtClean="0"/>
-              <a:t>9/12/2015</a:t>
+              <a:t>9/14/2015</a:t>
             </a:fld>
             <a:endParaRPr lang="en-US"/>
           </a:p>
@@ -586,6 +594,93 @@
 </p:notes>
 </file>
 
+<file path=ppt/notesSlides/notesSlide10.xml><?xml version="1.0" encoding="utf-8"?>
+<p:notes xmlns:a="http://schemas.openxmlformats.org/drawingml/2006/main" xmlns:r="http://schemas.openxmlformats.org/officeDocument/2006/relationships" xmlns:p="http://schemas.openxmlformats.org/presentationml/2006/main">
+  <p:cSld>
+    <p:spTree>
+      <p:nvGrpSpPr>
+        <p:cNvPr id="1" name=""/>
+        <p:cNvGrpSpPr/>
+        <p:nvPr/>
+      </p:nvGrpSpPr>
+      <p:grpSpPr>
+        <a:xfrm>
+          <a:off x="0" y="0"/>
+          <a:ext cx="0" cy="0"/>
+          <a:chOff x="0" y="0"/>
+          <a:chExt cx="0" cy="0"/>
+        </a:xfrm>
+      </p:grpSpPr>
+      <p:sp>
+        <p:nvSpPr>
+          <p:cNvPr id="2" name="Slide Image Placeholder 1"/>
+          <p:cNvSpPr>
+            <a:spLocks noGrp="1" noRot="1" noChangeAspect="1"/>
+          </p:cNvSpPr>
+          <p:nvPr>
+            <p:ph type="sldImg"/>
+          </p:nvPr>
+        </p:nvSpPr>
+        <p:spPr/>
+      </p:sp>
+      <p:sp>
+        <p:nvSpPr>
+          <p:cNvPr id="3" name="Notes Placeholder 2"/>
+          <p:cNvSpPr>
+            <a:spLocks noGrp="1"/>
+          </p:cNvSpPr>
+          <p:nvPr>
+            <p:ph type="body" idx="1"/>
+          </p:nvPr>
+        </p:nvSpPr>
+        <p:spPr/>
+        <p:txBody>
+          <a:bodyPr>
+            <a:normAutofit/>
+          </a:bodyPr>
+          <a:lstStyle/>
+          <a:p>
+            <a:endParaRPr lang="en-US" dirty="0"/>
+          </a:p>
+        </p:txBody>
+      </p:sp>
+      <p:sp>
+        <p:nvSpPr>
+          <p:cNvPr id="4" name="Slide Number Placeholder 3"/>
+          <p:cNvSpPr>
+            <a:spLocks noGrp="1"/>
+          </p:cNvSpPr>
+          <p:nvPr>
+            <p:ph type="sldNum" sz="quarter" idx="10"/>
+          </p:nvPr>
+        </p:nvSpPr>
+        <p:spPr/>
+        <p:txBody>
+          <a:bodyPr/>
+          <a:lstStyle/>
+          <a:p>
+            <a:fld id="{B6DB43F0-FEFD-424B-AFAA-1D3C2B01CC9C}" type="slidenum">
+              <a:rPr lang="be-BY" smtClean="0"/>
+              <a:pPr/>
+              <a:t>16</a:t>
+            </a:fld>
+            <a:endParaRPr lang="be-BY"/>
+          </a:p>
+        </p:txBody>
+      </p:sp>
+    </p:spTree>
+    <p:extLst>
+      <p:ext uri="{BB962C8B-B14F-4D97-AF65-F5344CB8AC3E}">
+        <p14:creationId xmlns:p14="http://schemas.microsoft.com/office/powerpoint/2010/main" val="238438011"/>
+      </p:ext>
+    </p:extLst>
+  </p:cSld>
+  <p:clrMapOvr>
+    <a:masterClrMapping/>
+  </p:clrMapOvr>
+</p:notes>
+</file>
+
 <file path=ppt/notesSlides/notesSlide2.xml><?xml version="1.0" encoding="utf-8"?>
 <p:notes xmlns:a="http://schemas.openxmlformats.org/drawingml/2006/main" xmlns:r="http://schemas.openxmlformats.org/officeDocument/2006/relationships" xmlns:p="http://schemas.openxmlformats.org/presentationml/2006/main">
   <p:cSld>
@@ -1184,6 +1279,93 @@
     <p:extLst>
       <p:ext uri="{BB962C8B-B14F-4D97-AF65-F5344CB8AC3E}">
         <p14:creationId xmlns:p14="http://schemas.microsoft.com/office/powerpoint/2010/main" val="1543117238"/>
+      </p:ext>
+    </p:extLst>
+  </p:cSld>
+  <p:clrMapOvr>
+    <a:masterClrMapping/>
+  </p:clrMapOvr>
+</p:notes>
+</file>
+
+<file path=ppt/notesSlides/notesSlide9.xml><?xml version="1.0" encoding="utf-8"?>
+<p:notes xmlns:a="http://schemas.openxmlformats.org/drawingml/2006/main" xmlns:r="http://schemas.openxmlformats.org/officeDocument/2006/relationships" xmlns:p="http://schemas.openxmlformats.org/presentationml/2006/main">
+  <p:cSld>
+    <p:spTree>
+      <p:nvGrpSpPr>
+        <p:cNvPr id="1" name=""/>
+        <p:cNvGrpSpPr/>
+        <p:nvPr/>
+      </p:nvGrpSpPr>
+      <p:grpSpPr>
+        <a:xfrm>
+          <a:off x="0" y="0"/>
+          <a:ext cx="0" cy="0"/>
+          <a:chOff x="0" y="0"/>
+          <a:chExt cx="0" cy="0"/>
+        </a:xfrm>
+      </p:grpSpPr>
+      <p:sp>
+        <p:nvSpPr>
+          <p:cNvPr id="2" name="Slide Image Placeholder 1"/>
+          <p:cNvSpPr>
+            <a:spLocks noGrp="1" noRot="1" noChangeAspect="1"/>
+          </p:cNvSpPr>
+          <p:nvPr>
+            <p:ph type="sldImg"/>
+          </p:nvPr>
+        </p:nvSpPr>
+        <p:spPr/>
+      </p:sp>
+      <p:sp>
+        <p:nvSpPr>
+          <p:cNvPr id="3" name="Notes Placeholder 2"/>
+          <p:cNvSpPr>
+            <a:spLocks noGrp="1"/>
+          </p:cNvSpPr>
+          <p:nvPr>
+            <p:ph type="body" idx="1"/>
+          </p:nvPr>
+        </p:nvSpPr>
+        <p:spPr/>
+        <p:txBody>
+          <a:bodyPr>
+            <a:normAutofit/>
+          </a:bodyPr>
+          <a:lstStyle/>
+          <a:p>
+            <a:endParaRPr lang="en-US" dirty="0"/>
+          </a:p>
+        </p:txBody>
+      </p:sp>
+      <p:sp>
+        <p:nvSpPr>
+          <p:cNvPr id="4" name="Slide Number Placeholder 3"/>
+          <p:cNvSpPr>
+            <a:spLocks noGrp="1"/>
+          </p:cNvSpPr>
+          <p:nvPr>
+            <p:ph type="sldNum" sz="quarter" idx="10"/>
+          </p:nvPr>
+        </p:nvSpPr>
+        <p:spPr/>
+        <p:txBody>
+          <a:bodyPr/>
+          <a:lstStyle/>
+          <a:p>
+            <a:fld id="{B6DB43F0-FEFD-424B-AFAA-1D3C2B01CC9C}" type="slidenum">
+              <a:rPr lang="be-BY" smtClean="0"/>
+              <a:pPr/>
+              <a:t>15</a:t>
+            </a:fld>
+            <a:endParaRPr lang="be-BY"/>
+          </a:p>
+        </p:txBody>
+      </p:sp>
+    </p:spTree>
+    <p:extLst>
+      <p:ext uri="{BB962C8B-B14F-4D97-AF65-F5344CB8AC3E}">
+        <p14:creationId xmlns:p14="http://schemas.microsoft.com/office/powerpoint/2010/main" val="1509648543"/>
       </p:ext>
     </p:extLst>
   </p:cSld>
@@ -1324,7 +1506,7 @@
           <a:p>
             <a:fld id="{53A1A599-862F-4E24-8998-DC482B785E64}" type="datetimeFigureOut">
               <a:rPr lang="en-US" smtClean="0"/>
-              <a:t>9/12/2015</a:t>
+              <a:t>9/14/2015</a:t>
             </a:fld>
             <a:endParaRPr lang="en-US"/>
           </a:p>
@@ -1494,7 +1676,7 @@
           <a:p>
             <a:fld id="{53A1A599-862F-4E24-8998-DC482B785E64}" type="datetimeFigureOut">
               <a:rPr lang="en-US" smtClean="0"/>
-              <a:t>9/12/2015</a:t>
+              <a:t>9/14/2015</a:t>
             </a:fld>
             <a:endParaRPr lang="en-US"/>
           </a:p>
@@ -1674,7 +1856,7 @@
           <a:p>
             <a:fld id="{53A1A599-862F-4E24-8998-DC482B785E64}" type="datetimeFigureOut">
               <a:rPr lang="en-US" smtClean="0"/>
-              <a:t>9/12/2015</a:t>
+              <a:t>9/14/2015</a:t>
             </a:fld>
             <a:endParaRPr lang="en-US"/>
           </a:p>
@@ -1844,7 +2026,7 @@
           <a:p>
             <a:fld id="{53A1A599-862F-4E24-8998-DC482B785E64}" type="datetimeFigureOut">
               <a:rPr lang="en-US" smtClean="0"/>
-              <a:t>9/12/2015</a:t>
+              <a:t>9/14/2015</a:t>
             </a:fld>
             <a:endParaRPr lang="en-US"/>
           </a:p>
@@ -2090,7 +2272,7 @@
           <a:p>
             <a:fld id="{53A1A599-862F-4E24-8998-DC482B785E64}" type="datetimeFigureOut">
               <a:rPr lang="en-US" smtClean="0"/>
-              <a:t>9/12/2015</a:t>
+              <a:t>9/14/2015</a:t>
             </a:fld>
             <a:endParaRPr lang="en-US"/>
           </a:p>
@@ -2322,7 +2504,7 @@
           <a:p>
             <a:fld id="{53A1A599-862F-4E24-8998-DC482B785E64}" type="datetimeFigureOut">
               <a:rPr lang="en-US" smtClean="0"/>
-              <a:t>9/12/2015</a:t>
+              <a:t>9/14/2015</a:t>
             </a:fld>
             <a:endParaRPr lang="en-US"/>
           </a:p>
@@ -2689,7 +2871,7 @@
           <a:p>
             <a:fld id="{53A1A599-862F-4E24-8998-DC482B785E64}" type="datetimeFigureOut">
               <a:rPr lang="en-US" smtClean="0"/>
-              <a:t>9/12/2015</a:t>
+              <a:t>9/14/2015</a:t>
             </a:fld>
             <a:endParaRPr lang="en-US"/>
           </a:p>
@@ -2807,7 +2989,7 @@
           <a:p>
             <a:fld id="{53A1A599-862F-4E24-8998-DC482B785E64}" type="datetimeFigureOut">
               <a:rPr lang="en-US" smtClean="0"/>
-              <a:t>9/12/2015</a:t>
+              <a:t>9/14/2015</a:t>
             </a:fld>
             <a:endParaRPr lang="en-US"/>
           </a:p>
@@ -2902,7 +3084,7 @@
           <a:p>
             <a:fld id="{53A1A599-862F-4E24-8998-DC482B785E64}" type="datetimeFigureOut">
               <a:rPr lang="en-US" smtClean="0"/>
-              <a:t>9/12/2015</a:t>
+              <a:t>9/14/2015</a:t>
             </a:fld>
             <a:endParaRPr lang="en-US"/>
           </a:p>
@@ -3179,7 +3361,7 @@
           <a:p>
             <a:fld id="{53A1A599-862F-4E24-8998-DC482B785E64}" type="datetimeFigureOut">
               <a:rPr lang="en-US" smtClean="0"/>
-              <a:t>9/12/2015</a:t>
+              <a:t>9/14/2015</a:t>
             </a:fld>
             <a:endParaRPr lang="en-US"/>
           </a:p>
@@ -3432,7 +3614,7 @@
           <a:p>
             <a:fld id="{53A1A599-862F-4E24-8998-DC482B785E64}" type="datetimeFigureOut">
               <a:rPr lang="en-US" smtClean="0"/>
-              <a:t>9/12/2015</a:t>
+              <a:t>9/14/2015</a:t>
             </a:fld>
             <a:endParaRPr lang="en-US"/>
           </a:p>
@@ -3645,7 +3827,7 @@
           <a:p>
             <a:fld id="{53A1A599-862F-4E24-8998-DC482B785E64}" type="datetimeFigureOut">
               <a:rPr lang="en-US" smtClean="0"/>
-              <a:t>9/12/2015</a:t>
+              <a:t>9/14/2015</a:t>
             </a:fld>
             <a:endParaRPr lang="en-US"/>
           </a:p>
@@ -4815,6 +4997,1158 @@
   <p:clrMapOvr>
     <a:masterClrMapping/>
   </p:clrMapOvr>
+</p:sld>
+</file>
+
+<file path=ppt/slides/slide14.xml><?xml version="1.0" encoding="utf-8"?>
+<p:sld xmlns:a="http://schemas.openxmlformats.org/drawingml/2006/main" xmlns:r="http://schemas.openxmlformats.org/officeDocument/2006/relationships" xmlns:p="http://schemas.openxmlformats.org/presentationml/2006/main">
+  <p:cSld>
+    <p:spTree>
+      <p:nvGrpSpPr>
+        <p:cNvPr id="1" name=""/>
+        <p:cNvGrpSpPr/>
+        <p:nvPr/>
+      </p:nvGrpSpPr>
+      <p:grpSpPr>
+        <a:xfrm>
+          <a:off x="0" y="0"/>
+          <a:ext cx="0" cy="0"/>
+          <a:chOff x="0" y="0"/>
+          <a:chExt cx="0" cy="0"/>
+        </a:xfrm>
+      </p:grpSpPr>
+      <p:sp>
+        <p:nvSpPr>
+          <p:cNvPr id="2" name="Title 1"/>
+          <p:cNvSpPr>
+            <a:spLocks noGrp="1"/>
+          </p:cNvSpPr>
+          <p:nvPr>
+            <p:ph type="title"/>
+          </p:nvPr>
+        </p:nvSpPr>
+        <p:spPr/>
+        <p:txBody>
+          <a:bodyPr/>
+          <a:lstStyle/>
+          <a:p>
+            <a:r>
+              <a:rPr lang="en-US" smtClean="0"/>
+              <a:t>Timers and event loop</a:t>
+            </a:r>
+            <a:endParaRPr lang="en-US"/>
+          </a:p>
+        </p:txBody>
+      </p:sp>
+      <p:sp>
+        <p:nvSpPr>
+          <p:cNvPr id="3" name="Content Placeholder 2"/>
+          <p:cNvSpPr>
+            <a:spLocks noGrp="1"/>
+          </p:cNvSpPr>
+          <p:nvPr>
+            <p:ph idx="1"/>
+          </p:nvPr>
+        </p:nvSpPr>
+        <p:spPr/>
+        <p:txBody>
+          <a:bodyPr/>
+          <a:lstStyle/>
+          <a:p>
+            <a:endParaRPr lang="en-US"/>
+          </a:p>
+        </p:txBody>
+      </p:sp>
+    </p:spTree>
+    <p:extLst>
+      <p:ext uri="{BB962C8B-B14F-4D97-AF65-F5344CB8AC3E}">
+        <p14:creationId xmlns:p14="http://schemas.microsoft.com/office/powerpoint/2010/main" val="3036644995"/>
+      </p:ext>
+    </p:extLst>
+  </p:cSld>
+  <p:clrMapOvr>
+    <a:masterClrMapping/>
+  </p:clrMapOvr>
+</p:sld>
+</file>
+
+<file path=ppt/slides/slide15.xml><?xml version="1.0" encoding="utf-8"?>
+<p:sld xmlns:a="http://schemas.openxmlformats.org/drawingml/2006/main" xmlns:r="http://schemas.openxmlformats.org/officeDocument/2006/relationships" xmlns:p="http://schemas.openxmlformats.org/presentationml/2006/main">
+  <p:cSld>
+    <p:spTree>
+      <p:nvGrpSpPr>
+        <p:cNvPr id="1" name=""/>
+        <p:cNvGrpSpPr/>
+        <p:nvPr/>
+      </p:nvGrpSpPr>
+      <p:grpSpPr>
+        <a:xfrm>
+          <a:off x="0" y="0"/>
+          <a:ext cx="0" cy="0"/>
+          <a:chOff x="0" y="0"/>
+          <a:chExt cx="0" cy="0"/>
+        </a:xfrm>
+      </p:grpSpPr>
+      <p:sp>
+        <p:nvSpPr>
+          <p:cNvPr id="2" name="Заголовок 1"/>
+          <p:cNvSpPr>
+            <a:spLocks noGrp="1"/>
+          </p:cNvSpPr>
+          <p:nvPr>
+            <p:ph type="ctrTitle"/>
+          </p:nvPr>
+        </p:nvSpPr>
+        <p:spPr>
+          <a:xfrm>
+            <a:off x="2166910" y="142852"/>
+            <a:ext cx="7772400" cy="528640"/>
+          </a:xfrm>
+        </p:spPr>
+        <p:txBody>
+          <a:bodyPr>
+            <a:normAutofit fontScale="90000"/>
+          </a:bodyPr>
+          <a:lstStyle/>
+          <a:p>
+            <a:r>
+              <a:rPr lang="en-US" b="1" dirty="0" smtClean="0">
+                <a:solidFill>
+                  <a:schemeClr val="tx1">
+                    <a:lumMod val="65000"/>
+                    <a:lumOff val="35000"/>
+                  </a:schemeClr>
+                </a:solidFill>
+              </a:rPr>
+              <a:t>Timers</a:t>
+            </a:r>
+            <a:endParaRPr lang="en-US" b="1" dirty="0">
+              <a:solidFill>
+                <a:schemeClr val="tx1">
+                  <a:lumMod val="65000"/>
+                  <a:lumOff val="35000"/>
+                </a:schemeClr>
+              </a:solidFill>
+            </a:endParaRPr>
+          </a:p>
+        </p:txBody>
+      </p:sp>
+      <p:sp>
+        <p:nvSpPr>
+          <p:cNvPr id="4" name="Rectangle 3"/>
+          <p:cNvSpPr/>
+          <p:nvPr/>
+        </p:nvSpPr>
+        <p:spPr>
+          <a:xfrm>
+            <a:off x="1881158" y="928670"/>
+            <a:ext cx="8358246" cy="3416320"/>
+          </a:xfrm>
+          <a:prstGeom prst="rect">
+            <a:avLst/>
+          </a:prstGeom>
+        </p:spPr>
+        <p:style>
+          <a:lnRef idx="1">
+            <a:schemeClr val="dk1"/>
+          </a:lnRef>
+          <a:fillRef idx="1001">
+            <a:schemeClr val="lt2"/>
+          </a:fillRef>
+          <a:effectRef idx="1">
+            <a:schemeClr val="dk1"/>
+          </a:effectRef>
+          <a:fontRef idx="minor">
+            <a:schemeClr val="dk1"/>
+          </a:fontRef>
+        </p:style>
+        <p:txBody>
+          <a:bodyPr wrap="square">
+            <a:spAutoFit/>
+          </a:bodyPr>
+          <a:lstStyle/>
+          <a:p>
+            <a:pPr>
+              <a:lnSpc>
+                <a:spcPct val="150000"/>
+              </a:lnSpc>
+            </a:pPr>
+            <a:r>
+              <a:rPr lang="en-US" b="1" dirty="0" err="1">
+                <a:solidFill>
+                  <a:srgbClr val="0070C0"/>
+                </a:solidFill>
+              </a:rPr>
+              <a:t>var</a:t>
+            </a:r>
+            <a:r>
+              <a:rPr lang="en-US" b="1" dirty="0"/>
+              <a:t> </a:t>
+            </a:r>
+            <a:r>
+              <a:rPr lang="en-US" b="1" dirty="0" err="1">
+                <a:solidFill>
+                  <a:schemeClr val="accent6">
+                    <a:lumMod val="75000"/>
+                  </a:schemeClr>
+                </a:solidFill>
+              </a:rPr>
+              <a:t>timeoutId</a:t>
+            </a:r>
+            <a:r>
+              <a:rPr lang="en-US" b="1" dirty="0">
+                <a:solidFill>
+                  <a:schemeClr val="accent6">
+                    <a:lumMod val="75000"/>
+                  </a:schemeClr>
+                </a:solidFill>
+              </a:rPr>
+              <a:t> </a:t>
+            </a:r>
+            <a:r>
+              <a:rPr lang="en-US" b="1" dirty="0"/>
+              <a:t>= </a:t>
+            </a:r>
+            <a:r>
+              <a:rPr lang="en-US" b="1" dirty="0" err="1">
+                <a:solidFill>
+                  <a:schemeClr val="accent6">
+                    <a:lumMod val="75000"/>
+                  </a:schemeClr>
+                </a:solidFill>
+              </a:rPr>
+              <a:t>window</a:t>
+            </a:r>
+            <a:r>
+              <a:rPr lang="en-US" b="1" dirty="0" err="1"/>
+              <a:t>.</a:t>
+            </a:r>
+            <a:r>
+              <a:rPr lang="en-US" b="1" dirty="0" err="1">
+                <a:solidFill>
+                  <a:srgbClr val="0070C0"/>
+                </a:solidFill>
+              </a:rPr>
+              <a:t>setTimeout</a:t>
+            </a:r>
+            <a:r>
+              <a:rPr lang="en-US" b="1" dirty="0"/>
+              <a:t>(</a:t>
+            </a:r>
+            <a:r>
+              <a:rPr lang="en-US" b="1" dirty="0">
+                <a:solidFill>
+                  <a:srgbClr val="00B050"/>
+                </a:solidFill>
+              </a:rPr>
+              <a:t>/* function or JavaScript code */</a:t>
+            </a:r>
+            <a:r>
+              <a:rPr lang="en-US" b="1" dirty="0"/>
+              <a:t>, 					</a:t>
+            </a:r>
+            <a:r>
+              <a:rPr lang="en-US" b="1" dirty="0">
+                <a:solidFill>
+                  <a:srgbClr val="00B050"/>
+                </a:solidFill>
+              </a:rPr>
+              <a:t>"number of milliseconds"</a:t>
+            </a:r>
+            <a:r>
+              <a:rPr lang="en-US" b="1" dirty="0"/>
+              <a:t>);</a:t>
+            </a:r>
+          </a:p>
+          <a:p>
+            <a:pPr>
+              <a:lnSpc>
+                <a:spcPct val="150000"/>
+              </a:lnSpc>
+            </a:pPr>
+            <a:r>
+              <a:rPr lang="en-US" b="1" dirty="0" err="1">
+                <a:solidFill>
+                  <a:schemeClr val="accent6">
+                    <a:lumMod val="75000"/>
+                  </a:schemeClr>
+                </a:solidFill>
+              </a:rPr>
+              <a:t>window</a:t>
+            </a:r>
+            <a:r>
+              <a:rPr lang="en-US" b="1" dirty="0" err="1"/>
+              <a:t>.</a:t>
+            </a:r>
+            <a:r>
+              <a:rPr lang="en-US" b="1" dirty="0" err="1">
+                <a:solidFill>
+                  <a:srgbClr val="0070C0"/>
+                </a:solidFill>
+              </a:rPr>
+              <a:t>clearTimeout</a:t>
+            </a:r>
+            <a:r>
+              <a:rPr lang="en-US" b="1" dirty="0"/>
+              <a:t>(</a:t>
+            </a:r>
+            <a:r>
+              <a:rPr lang="en-US" b="1" dirty="0" err="1">
+                <a:solidFill>
+                  <a:schemeClr val="accent6">
+                    <a:lumMod val="75000"/>
+                  </a:schemeClr>
+                </a:solidFill>
+              </a:rPr>
+              <a:t>timeoutId</a:t>
+            </a:r>
+            <a:r>
+              <a:rPr lang="en-US" b="1" dirty="0"/>
+              <a:t>);</a:t>
+            </a:r>
+          </a:p>
+          <a:p>
+            <a:pPr>
+              <a:lnSpc>
+                <a:spcPct val="150000"/>
+              </a:lnSpc>
+            </a:pPr>
+            <a:endParaRPr lang="en-US" b="1" dirty="0"/>
+          </a:p>
+          <a:p>
+            <a:pPr>
+              <a:lnSpc>
+                <a:spcPct val="150000"/>
+              </a:lnSpc>
+            </a:pPr>
+            <a:endParaRPr lang="en-US" b="1" dirty="0"/>
+          </a:p>
+          <a:p>
+            <a:pPr>
+              <a:lnSpc>
+                <a:spcPct val="150000"/>
+              </a:lnSpc>
+            </a:pPr>
+            <a:r>
+              <a:rPr lang="en-US" b="1" dirty="0" err="1">
+                <a:solidFill>
+                  <a:srgbClr val="0070C0"/>
+                </a:solidFill>
+              </a:rPr>
+              <a:t>var</a:t>
+            </a:r>
+            <a:r>
+              <a:rPr lang="en-US" b="1" dirty="0"/>
+              <a:t> </a:t>
+            </a:r>
+            <a:r>
+              <a:rPr lang="en-US" b="1" dirty="0" err="1">
+                <a:solidFill>
+                  <a:schemeClr val="accent6">
+                    <a:lumMod val="75000"/>
+                  </a:schemeClr>
+                </a:solidFill>
+              </a:rPr>
+              <a:t>intervalId</a:t>
+            </a:r>
+            <a:r>
+              <a:rPr lang="en-US" b="1" dirty="0"/>
+              <a:t> = </a:t>
+            </a:r>
+            <a:r>
+              <a:rPr lang="en-US" b="1" dirty="0" err="1">
+                <a:solidFill>
+                  <a:schemeClr val="accent6">
+                    <a:lumMod val="75000"/>
+                  </a:schemeClr>
+                </a:solidFill>
+              </a:rPr>
+              <a:t>window</a:t>
+            </a:r>
+            <a:r>
+              <a:rPr lang="en-US" b="1" dirty="0" err="1"/>
+              <a:t>.</a:t>
+            </a:r>
+            <a:r>
+              <a:rPr lang="en-US" b="1" dirty="0" err="1">
+                <a:solidFill>
+                  <a:srgbClr val="0070C0"/>
+                </a:solidFill>
+              </a:rPr>
+              <a:t>setInterval</a:t>
+            </a:r>
+            <a:r>
+              <a:rPr lang="en-US" b="1" dirty="0"/>
+              <a:t>(</a:t>
+            </a:r>
+            <a:r>
+              <a:rPr lang="en-US" b="1" dirty="0">
+                <a:solidFill>
+                  <a:srgbClr val="00B050"/>
+                </a:solidFill>
+              </a:rPr>
+              <a:t>/* function or JavaScript code */</a:t>
+            </a:r>
+            <a:r>
+              <a:rPr lang="en-US" b="1" dirty="0"/>
+              <a:t>,</a:t>
+            </a:r>
+          </a:p>
+          <a:p>
+            <a:pPr>
+              <a:lnSpc>
+                <a:spcPct val="150000"/>
+              </a:lnSpc>
+            </a:pPr>
+            <a:r>
+              <a:rPr lang="en-US" b="1" dirty="0"/>
+              <a:t>				</a:t>
+            </a:r>
+            <a:r>
+              <a:rPr lang="en-US" b="1" dirty="0">
+                <a:solidFill>
+                  <a:srgbClr val="00B050"/>
+                </a:solidFill>
+              </a:rPr>
+              <a:t>"number of milliseconds"</a:t>
+            </a:r>
+            <a:r>
+              <a:rPr lang="en-US" b="1" dirty="0"/>
+              <a:t>)</a:t>
+            </a:r>
+          </a:p>
+          <a:p>
+            <a:pPr>
+              <a:lnSpc>
+                <a:spcPct val="150000"/>
+              </a:lnSpc>
+            </a:pPr>
+            <a:r>
+              <a:rPr lang="en-US" b="1" dirty="0" err="1">
+                <a:solidFill>
+                  <a:schemeClr val="accent6">
+                    <a:lumMod val="75000"/>
+                  </a:schemeClr>
+                </a:solidFill>
+              </a:rPr>
+              <a:t>window</a:t>
+            </a:r>
+            <a:r>
+              <a:rPr lang="en-US" b="1" dirty="0" err="1"/>
+              <a:t>.</a:t>
+            </a:r>
+            <a:r>
+              <a:rPr lang="en-US" b="1" dirty="0" err="1">
+                <a:solidFill>
+                  <a:srgbClr val="0070C0"/>
+                </a:solidFill>
+              </a:rPr>
+              <a:t>clearInterval</a:t>
+            </a:r>
+            <a:r>
+              <a:rPr lang="en-US" b="1" dirty="0"/>
+              <a:t>(</a:t>
+            </a:r>
+            <a:r>
+              <a:rPr lang="en-US" b="1" dirty="0" err="1">
+                <a:solidFill>
+                  <a:schemeClr val="accent6">
+                    <a:lumMod val="75000"/>
+                  </a:schemeClr>
+                </a:solidFill>
+              </a:rPr>
+              <a:t>intervalId</a:t>
+            </a:r>
+            <a:r>
+              <a:rPr lang="en-US" b="1" dirty="0"/>
+              <a:t>);</a:t>
+            </a:r>
+          </a:p>
+        </p:txBody>
+      </p:sp>
+    </p:spTree>
+    <p:extLst>
+      <p:ext uri="{BB962C8B-B14F-4D97-AF65-F5344CB8AC3E}">
+        <p14:creationId xmlns:p14="http://schemas.microsoft.com/office/powerpoint/2010/main" val="13557230"/>
+      </p:ext>
+    </p:extLst>
+  </p:cSld>
+  <p:clrMapOvr>
+    <a:masterClrMapping/>
+  </p:clrMapOvr>
+  <p:transition/>
+  <p:timing>
+    <p:tnLst>
+      <p:par>
+        <p:cTn id="1" dur="indefinite" restart="never" nodeType="tmRoot"/>
+      </p:par>
+    </p:tnLst>
+  </p:timing>
+</p:sld>
+</file>
+
+<file path=ppt/slides/slide16.xml><?xml version="1.0" encoding="utf-8"?>
+<p:sld xmlns:a="http://schemas.openxmlformats.org/drawingml/2006/main" xmlns:r="http://schemas.openxmlformats.org/officeDocument/2006/relationships" xmlns:p="http://schemas.openxmlformats.org/presentationml/2006/main">
+  <p:cSld>
+    <p:spTree>
+      <p:nvGrpSpPr>
+        <p:cNvPr id="1" name=""/>
+        <p:cNvGrpSpPr/>
+        <p:nvPr/>
+      </p:nvGrpSpPr>
+      <p:grpSpPr>
+        <a:xfrm>
+          <a:off x="0" y="0"/>
+          <a:ext cx="0" cy="0"/>
+          <a:chOff x="0" y="0"/>
+          <a:chExt cx="0" cy="0"/>
+        </a:xfrm>
+      </p:grpSpPr>
+      <p:sp>
+        <p:nvSpPr>
+          <p:cNvPr id="2" name="Заголовок 1"/>
+          <p:cNvSpPr>
+            <a:spLocks noGrp="1"/>
+          </p:cNvSpPr>
+          <p:nvPr>
+            <p:ph type="ctrTitle"/>
+          </p:nvPr>
+        </p:nvSpPr>
+        <p:spPr>
+          <a:xfrm>
+            <a:off x="2166910" y="142852"/>
+            <a:ext cx="7772400" cy="528640"/>
+          </a:xfrm>
+        </p:spPr>
+        <p:txBody>
+          <a:bodyPr>
+            <a:normAutofit fontScale="90000"/>
+          </a:bodyPr>
+          <a:lstStyle/>
+          <a:p>
+            <a:r>
+              <a:rPr lang="en-US" b="1" dirty="0" smtClean="0">
+                <a:solidFill>
+                  <a:schemeClr val="tx1">
+                    <a:lumMod val="65000"/>
+                    <a:lumOff val="35000"/>
+                  </a:schemeClr>
+                </a:solidFill>
+              </a:rPr>
+              <a:t>Timers</a:t>
+            </a:r>
+            <a:endParaRPr lang="en-US" b="1" dirty="0">
+              <a:solidFill>
+                <a:schemeClr val="tx1">
+                  <a:lumMod val="65000"/>
+                  <a:lumOff val="35000"/>
+                </a:schemeClr>
+              </a:solidFill>
+            </a:endParaRPr>
+          </a:p>
+        </p:txBody>
+      </p:sp>
+      <p:sp>
+        <p:nvSpPr>
+          <p:cNvPr id="4" name="Rectangle 3"/>
+          <p:cNvSpPr/>
+          <p:nvPr/>
+        </p:nvSpPr>
+        <p:spPr>
+          <a:xfrm>
+            <a:off x="1881158" y="908721"/>
+            <a:ext cx="8358246" cy="5586145"/>
+          </a:xfrm>
+          <a:prstGeom prst="rect">
+            <a:avLst/>
+          </a:prstGeom>
+        </p:spPr>
+        <p:style>
+          <a:lnRef idx="1">
+            <a:schemeClr val="dk1"/>
+          </a:lnRef>
+          <a:fillRef idx="1001">
+            <a:schemeClr val="lt2"/>
+          </a:fillRef>
+          <a:effectRef idx="1">
+            <a:schemeClr val="dk1"/>
+          </a:effectRef>
+          <a:fontRef idx="minor">
+            <a:schemeClr val="dk1"/>
+          </a:fontRef>
+        </p:style>
+        <p:txBody>
+          <a:bodyPr wrap="square">
+            <a:spAutoFit/>
+          </a:bodyPr>
+          <a:lstStyle/>
+          <a:p>
+            <a:pPr>
+              <a:lnSpc>
+                <a:spcPct val="150000"/>
+              </a:lnSpc>
+            </a:pPr>
+            <a:r>
+              <a:rPr lang="en-US" sz="1400" b="1" dirty="0">
+                <a:solidFill>
+                  <a:srgbClr val="0070C0"/>
+                </a:solidFill>
+              </a:rPr>
+              <a:t> function log(</a:t>
+            </a:r>
+            <a:r>
+              <a:rPr lang="en-US" sz="1400" b="1" dirty="0" err="1">
+                <a:solidFill>
+                  <a:srgbClr val="0070C0"/>
+                </a:solidFill>
+              </a:rPr>
+              <a:t>msg</a:t>
+            </a:r>
+            <a:r>
+              <a:rPr lang="en-US" sz="1400" b="1" dirty="0">
+                <a:solidFill>
+                  <a:srgbClr val="0070C0"/>
+                </a:solidFill>
+              </a:rPr>
+              <a:t>){</a:t>
+            </a:r>
+          </a:p>
+          <a:p>
+            <a:pPr>
+              <a:lnSpc>
+                <a:spcPct val="150000"/>
+              </a:lnSpc>
+            </a:pPr>
+            <a:r>
+              <a:rPr lang="en-US" sz="1400" b="1" dirty="0">
+                <a:solidFill>
+                  <a:srgbClr val="0070C0"/>
+                </a:solidFill>
+              </a:rPr>
+              <a:t>        </a:t>
+            </a:r>
+            <a:r>
+              <a:rPr lang="en-US" sz="1400" b="1" dirty="0" err="1">
+                <a:solidFill>
+                  <a:srgbClr val="0070C0"/>
+                </a:solidFill>
+              </a:rPr>
+              <a:t>var</a:t>
+            </a:r>
+            <a:r>
+              <a:rPr lang="en-US" sz="1400" b="1" dirty="0">
+                <a:solidFill>
+                  <a:srgbClr val="0070C0"/>
+                </a:solidFill>
+              </a:rPr>
+              <a:t> </a:t>
+            </a:r>
+            <a:r>
+              <a:rPr lang="en-US" sz="1400" b="1" dirty="0" err="1">
+                <a:solidFill>
+                  <a:srgbClr val="0070C0"/>
+                </a:solidFill>
+              </a:rPr>
+              <a:t>newNode</a:t>
+            </a:r>
+            <a:r>
+              <a:rPr lang="en-US" sz="1400" b="1" dirty="0">
+                <a:solidFill>
+                  <a:srgbClr val="0070C0"/>
+                </a:solidFill>
+              </a:rPr>
+              <a:t> = </a:t>
+            </a:r>
+            <a:r>
+              <a:rPr lang="en-US" sz="1400" b="1" dirty="0" err="1">
+                <a:solidFill>
+                  <a:srgbClr val="0070C0"/>
+                </a:solidFill>
+              </a:rPr>
+              <a:t>document.createElement</a:t>
+            </a:r>
+            <a:r>
+              <a:rPr lang="en-US" sz="1400" b="1" dirty="0">
+                <a:solidFill>
+                  <a:srgbClr val="0070C0"/>
+                </a:solidFill>
+              </a:rPr>
+              <a:t>("div");</a:t>
+            </a:r>
+          </a:p>
+          <a:p>
+            <a:pPr>
+              <a:lnSpc>
+                <a:spcPct val="150000"/>
+              </a:lnSpc>
+            </a:pPr>
+            <a:r>
+              <a:rPr lang="en-US" sz="1400" b="1" dirty="0">
+                <a:solidFill>
+                  <a:srgbClr val="0070C0"/>
+                </a:solidFill>
+              </a:rPr>
+              <a:t>        </a:t>
+            </a:r>
+            <a:r>
+              <a:rPr lang="en-US" sz="1400" b="1" dirty="0" err="1">
+                <a:solidFill>
+                  <a:srgbClr val="0070C0"/>
+                </a:solidFill>
+              </a:rPr>
+              <a:t>newNode.innerHTML</a:t>
+            </a:r>
+            <a:r>
+              <a:rPr lang="en-US" sz="1400" b="1" dirty="0">
+                <a:solidFill>
+                  <a:srgbClr val="0070C0"/>
+                </a:solidFill>
+              </a:rPr>
+              <a:t> = </a:t>
+            </a:r>
+            <a:r>
+              <a:rPr lang="en-US" sz="1400" b="1" dirty="0" err="1">
+                <a:solidFill>
+                  <a:srgbClr val="0070C0"/>
+                </a:solidFill>
+              </a:rPr>
+              <a:t>msg</a:t>
+            </a:r>
+            <a:r>
+              <a:rPr lang="en-US" sz="1400" b="1" dirty="0">
+                <a:solidFill>
+                  <a:srgbClr val="0070C0"/>
+                </a:solidFill>
+              </a:rPr>
+              <a:t>;</a:t>
+            </a:r>
+          </a:p>
+          <a:p>
+            <a:pPr>
+              <a:lnSpc>
+                <a:spcPct val="150000"/>
+              </a:lnSpc>
+            </a:pPr>
+            <a:r>
+              <a:rPr lang="en-US" sz="1400" b="1" dirty="0">
+                <a:solidFill>
+                  <a:srgbClr val="0070C0"/>
+                </a:solidFill>
+              </a:rPr>
+              <a:t>        </a:t>
+            </a:r>
+            <a:r>
+              <a:rPr lang="en-US" sz="1400" b="1" dirty="0" err="1">
+                <a:solidFill>
+                  <a:srgbClr val="0070C0"/>
+                </a:solidFill>
+              </a:rPr>
+              <a:t>document.body.appendChild</a:t>
+            </a:r>
+            <a:r>
+              <a:rPr lang="en-US" sz="1400" b="1" dirty="0">
+                <a:solidFill>
+                  <a:srgbClr val="0070C0"/>
+                </a:solidFill>
+              </a:rPr>
+              <a:t>(</a:t>
+            </a:r>
+            <a:r>
+              <a:rPr lang="en-US" sz="1400" b="1" dirty="0" err="1">
+                <a:solidFill>
+                  <a:srgbClr val="0070C0"/>
+                </a:solidFill>
+              </a:rPr>
+              <a:t>newNode</a:t>
+            </a:r>
+            <a:r>
+              <a:rPr lang="en-US" sz="1400" b="1" dirty="0">
+                <a:solidFill>
+                  <a:srgbClr val="0070C0"/>
+                </a:solidFill>
+              </a:rPr>
+              <a:t>);</a:t>
+            </a:r>
+          </a:p>
+          <a:p>
+            <a:pPr>
+              <a:lnSpc>
+                <a:spcPct val="150000"/>
+              </a:lnSpc>
+            </a:pPr>
+            <a:r>
+              <a:rPr lang="en-US" sz="1400" b="1" dirty="0">
+                <a:solidFill>
+                  <a:srgbClr val="0070C0"/>
+                </a:solidFill>
+              </a:rPr>
+              <a:t>    }</a:t>
+            </a:r>
+          </a:p>
+          <a:p>
+            <a:pPr>
+              <a:lnSpc>
+                <a:spcPct val="150000"/>
+              </a:lnSpc>
+            </a:pPr>
+            <a:r>
+              <a:rPr lang="en-US" sz="1400" b="1" dirty="0">
+                <a:solidFill>
+                  <a:srgbClr val="0070C0"/>
+                </a:solidFill>
+              </a:rPr>
+              <a:t>    </a:t>
+            </a:r>
+            <a:r>
+              <a:rPr lang="en-US" sz="1400" b="1" dirty="0" err="1">
+                <a:solidFill>
+                  <a:srgbClr val="0070C0"/>
+                </a:solidFill>
+              </a:rPr>
+              <a:t>var</a:t>
+            </a:r>
+            <a:r>
+              <a:rPr lang="en-US" sz="1400" b="1" dirty="0">
+                <a:solidFill>
+                  <a:srgbClr val="0070C0"/>
+                </a:solidFill>
+              </a:rPr>
+              <a:t> x = function(){</a:t>
+            </a:r>
+          </a:p>
+          <a:p>
+            <a:pPr>
+              <a:lnSpc>
+                <a:spcPct val="150000"/>
+              </a:lnSpc>
+            </a:pPr>
+            <a:r>
+              <a:rPr lang="en-US" sz="1400" b="1" dirty="0">
+                <a:solidFill>
+                  <a:srgbClr val="0070C0"/>
+                </a:solidFill>
+              </a:rPr>
+              <a:t>        </a:t>
+            </a:r>
+            <a:r>
+              <a:rPr lang="en-US" sz="1400" b="1" dirty="0" err="1">
+                <a:solidFill>
+                  <a:srgbClr val="0070C0"/>
+                </a:solidFill>
+              </a:rPr>
+              <a:t>var</a:t>
+            </a:r>
+            <a:r>
+              <a:rPr lang="en-US" sz="1400" b="1" dirty="0">
+                <a:solidFill>
+                  <a:srgbClr val="0070C0"/>
+                </a:solidFill>
+              </a:rPr>
+              <a:t> start = (new Date).</a:t>
+            </a:r>
+            <a:r>
+              <a:rPr lang="en-US" sz="1400" b="1" dirty="0" err="1">
+                <a:solidFill>
+                  <a:srgbClr val="0070C0"/>
+                </a:solidFill>
+              </a:rPr>
+              <a:t>getTime</a:t>
+            </a:r>
+            <a:r>
+              <a:rPr lang="en-US" sz="1400" b="1" dirty="0">
+                <a:solidFill>
+                  <a:srgbClr val="0070C0"/>
+                </a:solidFill>
+              </a:rPr>
+              <a:t>();</a:t>
+            </a:r>
+          </a:p>
+          <a:p>
+            <a:pPr>
+              <a:lnSpc>
+                <a:spcPct val="150000"/>
+              </a:lnSpc>
+            </a:pPr>
+            <a:r>
+              <a:rPr lang="en-US" sz="1400" b="1" dirty="0">
+                <a:solidFill>
+                  <a:srgbClr val="0070C0"/>
+                </a:solidFill>
+              </a:rPr>
+              <a:t>        log("start = " + new Date());</a:t>
+            </a:r>
+          </a:p>
+          <a:p>
+            <a:pPr>
+              <a:lnSpc>
+                <a:spcPct val="150000"/>
+              </a:lnSpc>
+            </a:pPr>
+            <a:r>
+              <a:rPr lang="en-US" sz="1400" b="1" dirty="0">
+                <a:solidFill>
+                  <a:srgbClr val="0070C0"/>
+                </a:solidFill>
+              </a:rPr>
+              <a:t>        </a:t>
+            </a:r>
+            <a:r>
+              <a:rPr lang="en-US" sz="1400" b="1" dirty="0" err="1">
+                <a:solidFill>
+                  <a:srgbClr val="0070C0"/>
+                </a:solidFill>
+              </a:rPr>
+              <a:t>window.setTimeout</a:t>
+            </a:r>
+            <a:r>
+              <a:rPr lang="en-US" sz="1400" b="1" dirty="0">
+                <a:solidFill>
+                  <a:srgbClr val="0070C0"/>
+                </a:solidFill>
+              </a:rPr>
+              <a:t>(function(){</a:t>
+            </a:r>
+          </a:p>
+          <a:p>
+            <a:pPr>
+              <a:lnSpc>
+                <a:spcPct val="150000"/>
+              </a:lnSpc>
+            </a:pPr>
+            <a:r>
+              <a:rPr lang="en-US" sz="1400" b="1" dirty="0">
+                <a:solidFill>
+                  <a:srgbClr val="0070C0"/>
+                </a:solidFill>
+              </a:rPr>
+              <a:t>            log("timeout = " + new Date());</a:t>
+            </a:r>
+          </a:p>
+          <a:p>
+            <a:pPr>
+              <a:lnSpc>
+                <a:spcPct val="150000"/>
+              </a:lnSpc>
+            </a:pPr>
+            <a:r>
+              <a:rPr lang="en-US" sz="1400" b="1" dirty="0">
+                <a:solidFill>
+                  <a:srgbClr val="0070C0"/>
+                </a:solidFill>
+              </a:rPr>
+              <a:t>        },1000);</a:t>
+            </a:r>
+          </a:p>
+          <a:p>
+            <a:pPr>
+              <a:lnSpc>
+                <a:spcPct val="150000"/>
+              </a:lnSpc>
+            </a:pPr>
+            <a:r>
+              <a:rPr lang="en-US" sz="1400" b="1" dirty="0">
+                <a:solidFill>
+                  <a:srgbClr val="0070C0"/>
+                </a:solidFill>
+              </a:rPr>
+              <a:t>        while (start + 2000 &gt; (new Date).</a:t>
+            </a:r>
+            <a:r>
+              <a:rPr lang="en-US" sz="1400" b="1" dirty="0" err="1">
+                <a:solidFill>
+                  <a:srgbClr val="0070C0"/>
+                </a:solidFill>
+              </a:rPr>
+              <a:t>getTime</a:t>
+            </a:r>
+            <a:r>
+              <a:rPr lang="en-US" sz="1400" b="1" dirty="0">
+                <a:solidFill>
+                  <a:srgbClr val="0070C0"/>
+                </a:solidFill>
+              </a:rPr>
+              <a:t>()){</a:t>
+            </a:r>
+          </a:p>
+          <a:p>
+            <a:pPr>
+              <a:lnSpc>
+                <a:spcPct val="150000"/>
+              </a:lnSpc>
+            </a:pPr>
+            <a:r>
+              <a:rPr lang="en-US" sz="1400" b="1" dirty="0">
+                <a:solidFill>
+                  <a:srgbClr val="0070C0"/>
+                </a:solidFill>
+              </a:rPr>
+              <a:t>            </a:t>
+            </a:r>
+            <a:r>
+              <a:rPr lang="en-US" sz="1400" b="1" dirty="0" err="1">
+                <a:solidFill>
+                  <a:srgbClr val="0070C0"/>
+                </a:solidFill>
+              </a:rPr>
+              <a:t>var</a:t>
+            </a:r>
+            <a:r>
+              <a:rPr lang="en-US" sz="1400" b="1" dirty="0">
+                <a:solidFill>
+                  <a:srgbClr val="0070C0"/>
+                </a:solidFill>
+              </a:rPr>
+              <a:t> c = 3 + 3+ 3;</a:t>
+            </a:r>
+          </a:p>
+          <a:p>
+            <a:pPr>
+              <a:lnSpc>
+                <a:spcPct val="150000"/>
+              </a:lnSpc>
+            </a:pPr>
+            <a:r>
+              <a:rPr lang="en-US" sz="1400" b="1" dirty="0">
+                <a:solidFill>
+                  <a:srgbClr val="0070C0"/>
+                </a:solidFill>
+              </a:rPr>
+              <a:t>        }</a:t>
+            </a:r>
+          </a:p>
+          <a:p>
+            <a:pPr>
+              <a:lnSpc>
+                <a:spcPct val="150000"/>
+              </a:lnSpc>
+            </a:pPr>
+            <a:r>
+              <a:rPr lang="en-US" sz="1400" b="1" dirty="0">
+                <a:solidFill>
+                  <a:srgbClr val="0070C0"/>
+                </a:solidFill>
+              </a:rPr>
+              <a:t>        log("end = " + new Date());</a:t>
+            </a:r>
+          </a:p>
+          <a:p>
+            <a:pPr>
+              <a:lnSpc>
+                <a:spcPct val="150000"/>
+              </a:lnSpc>
+            </a:pPr>
+            <a:r>
+              <a:rPr lang="en-US" sz="1400" b="1" dirty="0">
+                <a:solidFill>
+                  <a:srgbClr val="0070C0"/>
+                </a:solidFill>
+              </a:rPr>
+              <a:t>    }</a:t>
+            </a:r>
+          </a:p>
+          <a:p>
+            <a:pPr>
+              <a:lnSpc>
+                <a:spcPct val="150000"/>
+              </a:lnSpc>
+            </a:pPr>
+            <a:r>
+              <a:rPr lang="en-US" sz="1400" b="1" dirty="0">
+                <a:solidFill>
+                  <a:srgbClr val="0070C0"/>
+                </a:solidFill>
+              </a:rPr>
+              <a:t>    x();</a:t>
+            </a:r>
+            <a:endParaRPr lang="en-US" sz="1400" b="1" dirty="0"/>
+          </a:p>
+        </p:txBody>
+      </p:sp>
+    </p:spTree>
+    <p:extLst>
+      <p:ext uri="{BB962C8B-B14F-4D97-AF65-F5344CB8AC3E}">
+        <p14:creationId xmlns:p14="http://schemas.microsoft.com/office/powerpoint/2010/main" val="655481492"/>
+      </p:ext>
+    </p:extLst>
+  </p:cSld>
+  <p:clrMapOvr>
+    <a:masterClrMapping/>
+  </p:clrMapOvr>
+  <p:transition/>
+  <p:timing>
+    <p:tnLst>
+      <p:par>
+        <p:cTn id="1" dur="indefinite" restart="never" nodeType="tmRoot"/>
+      </p:par>
+    </p:tnLst>
+  </p:timing>
+</p:sld>
+</file>
+
+<file path=ppt/slides/slide17.xml><?xml version="1.0" encoding="utf-8"?>
+<p:sld xmlns:a="http://schemas.openxmlformats.org/drawingml/2006/main" xmlns:r="http://schemas.openxmlformats.org/officeDocument/2006/relationships" xmlns:p="http://schemas.openxmlformats.org/presentationml/2006/main">
+  <p:cSld>
+    <p:spTree>
+      <p:nvGrpSpPr>
+        <p:cNvPr id="1" name=""/>
+        <p:cNvGrpSpPr/>
+        <p:nvPr/>
+      </p:nvGrpSpPr>
+      <p:grpSpPr>
+        <a:xfrm>
+          <a:off x="0" y="0"/>
+          <a:ext cx="0" cy="0"/>
+          <a:chOff x="0" y="0"/>
+          <a:chExt cx="0" cy="0"/>
+        </a:xfrm>
+      </p:grpSpPr>
+      <p:sp>
+        <p:nvSpPr>
+          <p:cNvPr id="5" name="TextBox 4"/>
+          <p:cNvSpPr txBox="1"/>
+          <p:nvPr/>
+        </p:nvSpPr>
+        <p:spPr>
+          <a:xfrm>
+            <a:off x="5310182" y="2571744"/>
+            <a:ext cx="1945084" cy="707886"/>
+          </a:xfrm>
+          <a:prstGeom prst="rect">
+            <a:avLst/>
+          </a:prstGeom>
+          <a:noFill/>
+        </p:spPr>
+        <p:txBody>
+          <a:bodyPr wrap="none" rtlCol="0">
+            <a:spAutoFit/>
+          </a:bodyPr>
+          <a:lstStyle/>
+          <a:p>
+            <a:r>
+              <a:rPr lang="en-US" sz="4000" dirty="0"/>
+              <a:t>Example</a:t>
+            </a:r>
+          </a:p>
+        </p:txBody>
+      </p:sp>
+    </p:spTree>
+    <p:extLst>
+      <p:ext uri="{BB962C8B-B14F-4D97-AF65-F5344CB8AC3E}">
+        <p14:creationId xmlns:p14="http://schemas.microsoft.com/office/powerpoint/2010/main" val="2214071023"/>
+      </p:ext>
+    </p:extLst>
+  </p:cSld>
+  <p:clrMapOvr>
+    <a:masterClrMapping/>
+  </p:clrMapOvr>
+  <p:transition/>
+  <p:timing>
+    <p:tnLst>
+      <p:par>
+        <p:cTn id="1" dur="indefinite" restart="never" nodeType="tmRoot"/>
+      </p:par>
+    </p:tnLst>
+  </p:timing>
 </p:sld>
 </file>
 

--- a/es6/Presentation1.pptx
+++ b/es6/Presentation1.pptx
@@ -5,7 +5,7 @@
     <p:sldMasterId id="2147483648" r:id="rId1"/>
   </p:sldMasterIdLst>
   <p:notesMasterIdLst>
-    <p:notesMasterId r:id="rId19"/>
+    <p:notesMasterId r:id="rId20"/>
   </p:notesMasterIdLst>
   <p:sldIdLst>
     <p:sldId id="259" r:id="rId2"/>
@@ -24,7 +24,8 @@
     <p:sldId id="276" r:id="rId15"/>
     <p:sldId id="273" r:id="rId16"/>
     <p:sldId id="274" r:id="rId17"/>
-    <p:sldId id="275" r:id="rId18"/>
+    <p:sldId id="277" r:id="rId18"/>
+    <p:sldId id="275" r:id="rId19"/>
   </p:sldIdLst>
   <p:sldSz cx="12192000" cy="6858000"/>
   <p:notesSz cx="6858000" cy="9144000"/>
@@ -144,6 +145,7 @@
             <p14:sldId id="276"/>
             <p14:sldId id="273"/>
             <p14:sldId id="274"/>
+            <p14:sldId id="277"/>
             <p14:sldId id="275"/>
           </p14:sldIdLst>
         </p14:section>
@@ -241,7 +243,7 @@
           <a:p>
             <a:fld id="{AE8C4A95-5843-41C9-88B6-83C30E33CF5F}" type="datetimeFigureOut">
               <a:rPr lang="en-US" smtClean="0"/>
-              <a:t>9/14/2015</a:t>
+              <a:t>9/15/2015</a:t>
             </a:fld>
             <a:endParaRPr lang="en-US"/>
           </a:p>
@@ -1506,7 +1508,7 @@
           <a:p>
             <a:fld id="{53A1A599-862F-4E24-8998-DC482B785E64}" type="datetimeFigureOut">
               <a:rPr lang="en-US" smtClean="0"/>
-              <a:t>9/14/2015</a:t>
+              <a:t>9/15/2015</a:t>
             </a:fld>
             <a:endParaRPr lang="en-US"/>
           </a:p>
@@ -1676,7 +1678,7 @@
           <a:p>
             <a:fld id="{53A1A599-862F-4E24-8998-DC482B785E64}" type="datetimeFigureOut">
               <a:rPr lang="en-US" smtClean="0"/>
-              <a:t>9/14/2015</a:t>
+              <a:t>9/15/2015</a:t>
             </a:fld>
             <a:endParaRPr lang="en-US"/>
           </a:p>
@@ -1856,7 +1858,7 @@
           <a:p>
             <a:fld id="{53A1A599-862F-4E24-8998-DC482B785E64}" type="datetimeFigureOut">
               <a:rPr lang="en-US" smtClean="0"/>
-              <a:t>9/14/2015</a:t>
+              <a:t>9/15/2015</a:t>
             </a:fld>
             <a:endParaRPr lang="en-US"/>
           </a:p>
@@ -2026,7 +2028,7 @@
           <a:p>
             <a:fld id="{53A1A599-862F-4E24-8998-DC482B785E64}" type="datetimeFigureOut">
               <a:rPr lang="en-US" smtClean="0"/>
-              <a:t>9/14/2015</a:t>
+              <a:t>9/15/2015</a:t>
             </a:fld>
             <a:endParaRPr lang="en-US"/>
           </a:p>
@@ -2272,7 +2274,7 @@
           <a:p>
             <a:fld id="{53A1A599-862F-4E24-8998-DC482B785E64}" type="datetimeFigureOut">
               <a:rPr lang="en-US" smtClean="0"/>
-              <a:t>9/14/2015</a:t>
+              <a:t>9/15/2015</a:t>
             </a:fld>
             <a:endParaRPr lang="en-US"/>
           </a:p>
@@ -2504,7 +2506,7 @@
           <a:p>
             <a:fld id="{53A1A599-862F-4E24-8998-DC482B785E64}" type="datetimeFigureOut">
               <a:rPr lang="en-US" smtClean="0"/>
-              <a:t>9/14/2015</a:t>
+              <a:t>9/15/2015</a:t>
             </a:fld>
             <a:endParaRPr lang="en-US"/>
           </a:p>
@@ -2871,7 +2873,7 @@
           <a:p>
             <a:fld id="{53A1A599-862F-4E24-8998-DC482B785E64}" type="datetimeFigureOut">
               <a:rPr lang="en-US" smtClean="0"/>
-              <a:t>9/14/2015</a:t>
+              <a:t>9/15/2015</a:t>
             </a:fld>
             <a:endParaRPr lang="en-US"/>
           </a:p>
@@ -2989,7 +2991,7 @@
           <a:p>
             <a:fld id="{53A1A599-862F-4E24-8998-DC482B785E64}" type="datetimeFigureOut">
               <a:rPr lang="en-US" smtClean="0"/>
-              <a:t>9/14/2015</a:t>
+              <a:t>9/15/2015</a:t>
             </a:fld>
             <a:endParaRPr lang="en-US"/>
           </a:p>
@@ -3084,7 +3086,7 @@
           <a:p>
             <a:fld id="{53A1A599-862F-4E24-8998-DC482B785E64}" type="datetimeFigureOut">
               <a:rPr lang="en-US" smtClean="0"/>
-              <a:t>9/14/2015</a:t>
+              <a:t>9/15/2015</a:t>
             </a:fld>
             <a:endParaRPr lang="en-US"/>
           </a:p>
@@ -3361,7 +3363,7 @@
           <a:p>
             <a:fld id="{53A1A599-862F-4E24-8998-DC482B785E64}" type="datetimeFigureOut">
               <a:rPr lang="en-US" smtClean="0"/>
-              <a:t>9/14/2015</a:t>
+              <a:t>9/15/2015</a:t>
             </a:fld>
             <a:endParaRPr lang="en-US"/>
           </a:p>
@@ -3614,7 +3616,7 @@
           <a:p>
             <a:fld id="{53A1A599-862F-4E24-8998-DC482B785E64}" type="datetimeFigureOut">
               <a:rPr lang="en-US" smtClean="0"/>
-              <a:t>9/14/2015</a:t>
+              <a:t>9/15/2015</a:t>
             </a:fld>
             <a:endParaRPr lang="en-US"/>
           </a:p>
@@ -3827,7 +3829,7 @@
           <a:p>
             <a:fld id="{53A1A599-862F-4E24-8998-DC482B785E64}" type="datetimeFigureOut">
               <a:rPr lang="en-US" smtClean="0"/>
-              <a:t>9/14/2015</a:t>
+              <a:t>9/15/2015</a:t>
             </a:fld>
             <a:endParaRPr lang="en-US"/>
           </a:p>
@@ -6086,6 +6088,85 @@
 </file>
 
 <file path=ppt/slides/slide17.xml><?xml version="1.0" encoding="utf-8"?>
+<p:sld xmlns:a="http://schemas.openxmlformats.org/drawingml/2006/main" xmlns:r="http://schemas.openxmlformats.org/officeDocument/2006/relationships" xmlns:p="http://schemas.openxmlformats.org/presentationml/2006/main">
+  <p:cSld>
+    <p:spTree>
+      <p:nvGrpSpPr>
+        <p:cNvPr id="1" name=""/>
+        <p:cNvGrpSpPr/>
+        <p:nvPr/>
+      </p:nvGrpSpPr>
+      <p:grpSpPr>
+        <a:xfrm>
+          <a:off x="0" y="0"/>
+          <a:ext cx="0" cy="0"/>
+          <a:chOff x="0" y="0"/>
+          <a:chExt cx="0" cy="0"/>
+        </a:xfrm>
+      </p:grpSpPr>
+      <p:sp>
+        <p:nvSpPr>
+          <p:cNvPr id="2" name="Title 1"/>
+          <p:cNvSpPr>
+            <a:spLocks noGrp="1"/>
+          </p:cNvSpPr>
+          <p:nvPr>
+            <p:ph type="title"/>
+          </p:nvPr>
+        </p:nvSpPr>
+        <p:spPr/>
+        <p:txBody>
+          <a:bodyPr/>
+          <a:lstStyle/>
+          <a:p>
+            <a:r>
+              <a:rPr lang="en-US" dirty="0" err="1" smtClean="0"/>
+              <a:t>SetName</a:t>
+            </a:r>
+            <a:r>
+              <a:rPr lang="en-US" smtClean="0"/>
+              <a:t> example</a:t>
+            </a:r>
+            <a:endParaRPr lang="en-US"/>
+          </a:p>
+        </p:txBody>
+      </p:sp>
+      <p:sp>
+        <p:nvSpPr>
+          <p:cNvPr id="3" name="Content Placeholder 2"/>
+          <p:cNvSpPr>
+            <a:spLocks noGrp="1"/>
+          </p:cNvSpPr>
+          <p:nvPr>
+            <p:ph idx="1"/>
+          </p:nvPr>
+        </p:nvSpPr>
+        <p:spPr/>
+        <p:txBody>
+          <a:bodyPr/>
+          <a:lstStyle/>
+          <a:p>
+            <a:pPr marL="0" indent="0">
+              <a:buNone/>
+            </a:pPr>
+            <a:endParaRPr lang="en-US" dirty="0"/>
+          </a:p>
+        </p:txBody>
+      </p:sp>
+    </p:spTree>
+    <p:extLst>
+      <p:ext uri="{BB962C8B-B14F-4D97-AF65-F5344CB8AC3E}">
+        <p14:creationId xmlns:p14="http://schemas.microsoft.com/office/powerpoint/2010/main" val="389286900"/>
+      </p:ext>
+    </p:extLst>
+  </p:cSld>
+  <p:clrMapOvr>
+    <a:masterClrMapping/>
+  </p:clrMapOvr>
+</p:sld>
+</file>
+
+<file path=ppt/slides/slide18.xml><?xml version="1.0" encoding="utf-8"?>
 <p:sld xmlns:a="http://schemas.openxmlformats.org/drawingml/2006/main" xmlns:r="http://schemas.openxmlformats.org/officeDocument/2006/relationships" xmlns:p="http://schemas.openxmlformats.org/presentationml/2006/main">
   <p:cSld>
     <p:spTree>

--- a/es6/Presentation1.pptx
+++ b/es6/Presentation1.pptx
@@ -5,7 +5,7 @@
     <p:sldMasterId id="2147483648" r:id="rId1"/>
   </p:sldMasterIdLst>
   <p:notesMasterIdLst>
-    <p:notesMasterId r:id="rId20"/>
+    <p:notesMasterId r:id="rId21"/>
   </p:notesMasterIdLst>
   <p:sldIdLst>
     <p:sldId id="259" r:id="rId2"/>
@@ -26,6 +26,7 @@
     <p:sldId id="274" r:id="rId17"/>
     <p:sldId id="277" r:id="rId18"/>
     <p:sldId id="275" r:id="rId19"/>
+    <p:sldId id="278" r:id="rId20"/>
   </p:sldIdLst>
   <p:sldSz cx="12192000" cy="6858000"/>
   <p:notesSz cx="6858000" cy="9144000"/>
@@ -147,6 +148,7 @@
             <p14:sldId id="274"/>
             <p14:sldId id="277"/>
             <p14:sldId id="275"/>
+            <p14:sldId id="278"/>
           </p14:sldIdLst>
         </p14:section>
         <p14:section name="Untitled Section" id="{3BAAB572-16B3-4937-BBEC-98975E9E6E9C}">
@@ -243,7 +245,7 @@
           <a:p>
             <a:fld id="{AE8C4A95-5843-41C9-88B6-83C30E33CF5F}" type="datetimeFigureOut">
               <a:rPr lang="en-US" smtClean="0"/>
-              <a:t>9/15/2015</a:t>
+              <a:t>9/25/2015</a:t>
             </a:fld>
             <a:endParaRPr lang="en-US"/>
           </a:p>
@@ -1508,7 +1510,7 @@
           <a:p>
             <a:fld id="{53A1A599-862F-4E24-8998-DC482B785E64}" type="datetimeFigureOut">
               <a:rPr lang="en-US" smtClean="0"/>
-              <a:t>9/15/2015</a:t>
+              <a:t>9/25/2015</a:t>
             </a:fld>
             <a:endParaRPr lang="en-US"/>
           </a:p>
@@ -1678,7 +1680,7 @@
           <a:p>
             <a:fld id="{53A1A599-862F-4E24-8998-DC482B785E64}" type="datetimeFigureOut">
               <a:rPr lang="en-US" smtClean="0"/>
-              <a:t>9/15/2015</a:t>
+              <a:t>9/25/2015</a:t>
             </a:fld>
             <a:endParaRPr lang="en-US"/>
           </a:p>
@@ -1858,7 +1860,7 @@
           <a:p>
             <a:fld id="{53A1A599-862F-4E24-8998-DC482B785E64}" type="datetimeFigureOut">
               <a:rPr lang="en-US" smtClean="0"/>
-              <a:t>9/15/2015</a:t>
+              <a:t>9/25/2015</a:t>
             </a:fld>
             <a:endParaRPr lang="en-US"/>
           </a:p>
@@ -2028,7 +2030,7 @@
           <a:p>
             <a:fld id="{53A1A599-862F-4E24-8998-DC482B785E64}" type="datetimeFigureOut">
               <a:rPr lang="en-US" smtClean="0"/>
-              <a:t>9/15/2015</a:t>
+              <a:t>9/25/2015</a:t>
             </a:fld>
             <a:endParaRPr lang="en-US"/>
           </a:p>
@@ -2274,7 +2276,7 @@
           <a:p>
             <a:fld id="{53A1A599-862F-4E24-8998-DC482B785E64}" type="datetimeFigureOut">
               <a:rPr lang="en-US" smtClean="0"/>
-              <a:t>9/15/2015</a:t>
+              <a:t>9/25/2015</a:t>
             </a:fld>
             <a:endParaRPr lang="en-US"/>
           </a:p>
@@ -2506,7 +2508,7 @@
           <a:p>
             <a:fld id="{53A1A599-862F-4E24-8998-DC482B785E64}" type="datetimeFigureOut">
               <a:rPr lang="en-US" smtClean="0"/>
-              <a:t>9/15/2015</a:t>
+              <a:t>9/25/2015</a:t>
             </a:fld>
             <a:endParaRPr lang="en-US"/>
           </a:p>
@@ -2873,7 +2875,7 @@
           <a:p>
             <a:fld id="{53A1A599-862F-4E24-8998-DC482B785E64}" type="datetimeFigureOut">
               <a:rPr lang="en-US" smtClean="0"/>
-              <a:t>9/15/2015</a:t>
+              <a:t>9/25/2015</a:t>
             </a:fld>
             <a:endParaRPr lang="en-US"/>
           </a:p>
@@ -2991,7 +2993,7 @@
           <a:p>
             <a:fld id="{53A1A599-862F-4E24-8998-DC482B785E64}" type="datetimeFigureOut">
               <a:rPr lang="en-US" smtClean="0"/>
-              <a:t>9/15/2015</a:t>
+              <a:t>9/25/2015</a:t>
             </a:fld>
             <a:endParaRPr lang="en-US"/>
           </a:p>
@@ -3086,7 +3088,7 @@
           <a:p>
             <a:fld id="{53A1A599-862F-4E24-8998-DC482B785E64}" type="datetimeFigureOut">
               <a:rPr lang="en-US" smtClean="0"/>
-              <a:t>9/15/2015</a:t>
+              <a:t>9/25/2015</a:t>
             </a:fld>
             <a:endParaRPr lang="en-US"/>
           </a:p>
@@ -3363,7 +3365,7 @@
           <a:p>
             <a:fld id="{53A1A599-862F-4E24-8998-DC482B785E64}" type="datetimeFigureOut">
               <a:rPr lang="en-US" smtClean="0"/>
-              <a:t>9/15/2015</a:t>
+              <a:t>9/25/2015</a:t>
             </a:fld>
             <a:endParaRPr lang="en-US"/>
           </a:p>
@@ -3616,7 +3618,7 @@
           <a:p>
             <a:fld id="{53A1A599-862F-4E24-8998-DC482B785E64}" type="datetimeFigureOut">
               <a:rPr lang="en-US" smtClean="0"/>
-              <a:t>9/15/2015</a:t>
+              <a:t>9/25/2015</a:t>
             </a:fld>
             <a:endParaRPr lang="en-US"/>
           </a:p>
@@ -3829,7 +3831,7 @@
           <a:p>
             <a:fld id="{53A1A599-862F-4E24-8998-DC482B785E64}" type="datetimeFigureOut">
               <a:rPr lang="en-US" smtClean="0"/>
-              <a:t>9/15/2015</a:t>
+              <a:t>9/25/2015</a:t>
             </a:fld>
             <a:endParaRPr lang="en-US"/>
           </a:p>
@@ -6230,6 +6232,420 @@
       </p:par>
     </p:tnLst>
   </p:timing>
+</p:sld>
+</file>
+
+<file path=ppt/slides/slide19.xml><?xml version="1.0" encoding="utf-8"?>
+<p:sld xmlns:a="http://schemas.openxmlformats.org/drawingml/2006/main" xmlns:r="http://schemas.openxmlformats.org/officeDocument/2006/relationships" xmlns:p="http://schemas.openxmlformats.org/presentationml/2006/main">
+  <p:cSld>
+    <p:spTree>
+      <p:nvGrpSpPr>
+        <p:cNvPr id="1" name=""/>
+        <p:cNvGrpSpPr/>
+        <p:nvPr/>
+      </p:nvGrpSpPr>
+      <p:grpSpPr>
+        <a:xfrm>
+          <a:off x="0" y="0"/>
+          <a:ext cx="0" cy="0"/>
+          <a:chOff x="0" y="0"/>
+          <a:chExt cx="0" cy="0"/>
+        </a:xfrm>
+      </p:grpSpPr>
+      <p:sp>
+        <p:nvSpPr>
+          <p:cNvPr id="2" name="Title 1"/>
+          <p:cNvSpPr>
+            <a:spLocks noGrp="1"/>
+          </p:cNvSpPr>
+          <p:nvPr>
+            <p:ph type="title"/>
+          </p:nvPr>
+        </p:nvSpPr>
+        <p:spPr/>
+        <p:txBody>
+          <a:bodyPr/>
+          <a:lstStyle/>
+          <a:p>
+            <a:endParaRPr lang="en-US"/>
+          </a:p>
+        </p:txBody>
+      </p:sp>
+      <p:sp>
+        <p:nvSpPr>
+          <p:cNvPr id="4" name="Rectangle 1"/>
+          <p:cNvSpPr>
+            <a:spLocks noGrp="1" noChangeArrowheads="1"/>
+          </p:cNvSpPr>
+          <p:nvPr>
+            <p:ph idx="1"/>
+          </p:nvPr>
+        </p:nvSpPr>
+        <p:spPr bwMode="auto">
+          <a:prstGeom prst="rect">
+            <a:avLst/>
+          </a:prstGeom>
+          <a:solidFill>
+            <a:srgbClr val="FFFFFF"/>
+          </a:solidFill>
+          <a:ln>
+            <a:noFill/>
+          </a:ln>
+          <a:effectLst/>
+          <a:extLst>
+            <a:ext uri="{91240B29-F687-4F45-9708-019B960494DF}">
+              <a14:hiddenLine xmlns:a14="http://schemas.microsoft.com/office/drawing/2010/main" w="9525">
+                <a:solidFill>
+                  <a:schemeClr val="tx1"/>
+                </a:solidFill>
+                <a:miter lim="800000"/>
+                <a:headEnd/>
+                <a:tailEnd/>
+              </a14:hiddenLine>
+            </a:ext>
+            <a:ext uri="{AF507438-7753-43E0-B8FC-AC1667EBCBE1}">
+              <a14:hiddenEffects xmlns:a14="http://schemas.microsoft.com/office/drawing/2010/main">
+                <a:effectLst>
+                  <a:outerShdw dist="35921" dir="2700000" algn="ctr" rotWithShape="0">
+                    <a:schemeClr val="bg2"/>
+                  </a:outerShdw>
+                </a:effectLst>
+              </a14:hiddenEffects>
+            </a:ext>
+          </a:extLst>
+        </p:spPr>
+        <p:txBody>
+          <a:bodyPr vert="horz" wrap="none" lIns="91440" tIns="45720" rIns="91440" bIns="45720" numCol="1" anchor="ctr" anchorCtr="0" compatLnSpc="1">
+            <a:prstTxWarp prst="textNoShape">
+              <a:avLst/>
+            </a:prstTxWarp>
+            <a:spAutoFit/>
+          </a:bodyPr>
+          <a:lstStyle/>
+          <a:p>
+            <a:pPr marL="0" marR="0" lvl="0" indent="0" algn="l" defTabSz="914400" rtl="0" eaLnBrk="0" fontAlgn="base" latinLnBrk="0" hangingPunct="0">
+              <a:lnSpc>
+                <a:spcPct val="100000"/>
+              </a:lnSpc>
+              <a:spcBef>
+                <a:spcPct val="0"/>
+              </a:spcBef>
+              <a:spcAft>
+                <a:spcPct val="0"/>
+              </a:spcAft>
+              <a:buClrTx/>
+              <a:buSzTx/>
+              <a:buFontTx/>
+              <a:buNone/>
+              <a:tabLst/>
+            </a:pPr>
+            <a:r>
+              <a:rPr kumimoji="0" lang="en-US" altLang="en-US" sz="900" b="0" i="0" u="none" strike="noStrike" cap="none" normalizeH="0" baseline="0" smtClean="0">
+                <a:ln>
+                  <a:noFill/>
+                </a:ln>
+                <a:solidFill>
+                  <a:srgbClr val="000000"/>
+                </a:solidFill>
+                <a:effectLst/>
+                <a:latin typeface="Courier New" panose="02070309020205020404" pitchFamily="49" charset="0"/>
+                <a:cs typeface="Courier New" panose="02070309020205020404" pitchFamily="49" charset="0"/>
+              </a:rPr>
+              <a:t>var integer = 1;</a:t>
+            </a:r>
+            <a:br>
+              <a:rPr kumimoji="0" lang="en-US" altLang="en-US" sz="900" b="0" i="0" u="none" strike="noStrike" cap="none" normalizeH="0" baseline="0" smtClean="0">
+                <a:ln>
+                  <a:noFill/>
+                </a:ln>
+                <a:solidFill>
+                  <a:srgbClr val="000000"/>
+                </a:solidFill>
+                <a:effectLst/>
+                <a:latin typeface="Courier New" panose="02070309020205020404" pitchFamily="49" charset="0"/>
+                <a:cs typeface="Courier New" panose="02070309020205020404" pitchFamily="49" charset="0"/>
+              </a:rPr>
+            </a:br>
+            <a:r>
+              <a:rPr kumimoji="0" lang="en-US" altLang="en-US" sz="900" b="0" i="0" u="none" strike="noStrike" cap="none" normalizeH="0" baseline="0" smtClean="0">
+                <a:ln>
+                  <a:noFill/>
+                </a:ln>
+                <a:solidFill>
+                  <a:srgbClr val="000000"/>
+                </a:solidFill>
+                <a:effectLst/>
+                <a:latin typeface="Courier New" panose="02070309020205020404" pitchFamily="49" charset="0"/>
+                <a:cs typeface="Courier New" panose="02070309020205020404" pitchFamily="49" charset="0"/>
+              </a:rPr>
+              <a:t>var floatingNumber = 1.5;</a:t>
+            </a:r>
+            <a:br>
+              <a:rPr kumimoji="0" lang="en-US" altLang="en-US" sz="900" b="0" i="0" u="none" strike="noStrike" cap="none" normalizeH="0" baseline="0" smtClean="0">
+                <a:ln>
+                  <a:noFill/>
+                </a:ln>
+                <a:solidFill>
+                  <a:srgbClr val="000000"/>
+                </a:solidFill>
+                <a:effectLst/>
+                <a:latin typeface="Courier New" panose="02070309020205020404" pitchFamily="49" charset="0"/>
+                <a:cs typeface="Courier New" panose="02070309020205020404" pitchFamily="49" charset="0"/>
+              </a:rPr>
+            </a:br>
+            <a:r>
+              <a:rPr kumimoji="0" lang="en-US" altLang="en-US" sz="900" b="0" i="0" u="none" strike="noStrike" cap="none" normalizeH="0" baseline="0" smtClean="0">
+                <a:ln>
+                  <a:noFill/>
+                </a:ln>
+                <a:solidFill>
+                  <a:srgbClr val="000000"/>
+                </a:solidFill>
+                <a:effectLst/>
+                <a:latin typeface="Courier New" panose="02070309020205020404" pitchFamily="49" charset="0"/>
+                <a:cs typeface="Courier New" panose="02070309020205020404" pitchFamily="49" charset="0"/>
+              </a:rPr>
+              <a:t/>
+            </a:r>
+            <a:br>
+              <a:rPr kumimoji="0" lang="en-US" altLang="en-US" sz="900" b="0" i="0" u="none" strike="noStrike" cap="none" normalizeH="0" baseline="0" smtClean="0">
+                <a:ln>
+                  <a:noFill/>
+                </a:ln>
+                <a:solidFill>
+                  <a:srgbClr val="000000"/>
+                </a:solidFill>
+                <a:effectLst/>
+                <a:latin typeface="Courier New" panose="02070309020205020404" pitchFamily="49" charset="0"/>
+                <a:cs typeface="Courier New" panose="02070309020205020404" pitchFamily="49" charset="0"/>
+              </a:rPr>
+            </a:br>
+            <a:r>
+              <a:rPr kumimoji="0" lang="en-US" altLang="en-US" sz="900" b="0" i="0" u="none" strike="noStrike" cap="none" normalizeH="0" baseline="0" smtClean="0">
+                <a:ln>
+                  <a:noFill/>
+                </a:ln>
+                <a:solidFill>
+                  <a:srgbClr val="000000"/>
+                </a:solidFill>
+                <a:effectLst/>
+                <a:latin typeface="Courier New" panose="02070309020205020404" pitchFamily="49" charset="0"/>
+                <a:cs typeface="Courier New" panose="02070309020205020404" pitchFamily="49" charset="0"/>
+              </a:rPr>
+              <a:t>/* Special numeric values */</a:t>
+            </a:r>
+            <a:br>
+              <a:rPr kumimoji="0" lang="en-US" altLang="en-US" sz="900" b="0" i="0" u="none" strike="noStrike" cap="none" normalizeH="0" baseline="0" smtClean="0">
+                <a:ln>
+                  <a:noFill/>
+                </a:ln>
+                <a:solidFill>
+                  <a:srgbClr val="000000"/>
+                </a:solidFill>
+                <a:effectLst/>
+                <a:latin typeface="Courier New" panose="02070309020205020404" pitchFamily="49" charset="0"/>
+                <a:cs typeface="Courier New" panose="02070309020205020404" pitchFamily="49" charset="0"/>
+              </a:rPr>
+            </a:br>
+            <a:r>
+              <a:rPr kumimoji="0" lang="en-US" altLang="en-US" sz="900" b="0" i="0" u="none" strike="noStrike" cap="none" normalizeH="0" baseline="0" smtClean="0">
+                <a:ln>
+                  <a:noFill/>
+                </a:ln>
+                <a:solidFill>
+                  <a:srgbClr val="000000"/>
+                </a:solidFill>
+                <a:effectLst/>
+                <a:latin typeface="Courier New" panose="02070309020205020404" pitchFamily="49" charset="0"/>
+                <a:cs typeface="Courier New" panose="02070309020205020404" pitchFamily="49" charset="0"/>
+              </a:rPr>
+              <a:t>Infinity</a:t>
+            </a:r>
+            <a:br>
+              <a:rPr kumimoji="0" lang="en-US" altLang="en-US" sz="900" b="0" i="0" u="none" strike="noStrike" cap="none" normalizeH="0" baseline="0" smtClean="0">
+                <a:ln>
+                  <a:noFill/>
+                </a:ln>
+                <a:solidFill>
+                  <a:srgbClr val="000000"/>
+                </a:solidFill>
+                <a:effectLst/>
+                <a:latin typeface="Courier New" panose="02070309020205020404" pitchFamily="49" charset="0"/>
+                <a:cs typeface="Courier New" panose="02070309020205020404" pitchFamily="49" charset="0"/>
+              </a:rPr>
+            </a:br>
+            <a:r>
+              <a:rPr kumimoji="0" lang="en-US" altLang="en-US" sz="900" b="0" i="0" u="none" strike="noStrike" cap="none" normalizeH="0" baseline="0" smtClean="0">
+                <a:ln>
+                  <a:noFill/>
+                </a:ln>
+                <a:solidFill>
+                  <a:srgbClr val="000000"/>
+                </a:solidFill>
+                <a:effectLst/>
+                <a:latin typeface="Courier New" panose="02070309020205020404" pitchFamily="49" charset="0"/>
+                <a:cs typeface="Courier New" panose="02070309020205020404" pitchFamily="49" charset="0"/>
+              </a:rPr>
+              <a:t>NaN // Not a Number</a:t>
+            </a:r>
+            <a:br>
+              <a:rPr kumimoji="0" lang="en-US" altLang="en-US" sz="900" b="0" i="0" u="none" strike="noStrike" cap="none" normalizeH="0" baseline="0" smtClean="0">
+                <a:ln>
+                  <a:noFill/>
+                </a:ln>
+                <a:solidFill>
+                  <a:srgbClr val="000000"/>
+                </a:solidFill>
+                <a:effectLst/>
+                <a:latin typeface="Courier New" panose="02070309020205020404" pitchFamily="49" charset="0"/>
+                <a:cs typeface="Courier New" panose="02070309020205020404" pitchFamily="49" charset="0"/>
+              </a:rPr>
+            </a:br>
+            <a:r>
+              <a:rPr kumimoji="0" lang="en-US" altLang="en-US" sz="900" b="0" i="0" u="none" strike="noStrike" cap="none" normalizeH="0" baseline="0" smtClean="0">
+                <a:ln>
+                  <a:noFill/>
+                </a:ln>
+                <a:solidFill>
+                  <a:srgbClr val="000000"/>
+                </a:solidFill>
+                <a:effectLst/>
+                <a:latin typeface="Courier New" panose="02070309020205020404" pitchFamily="49" charset="0"/>
+                <a:cs typeface="Courier New" panose="02070309020205020404" pitchFamily="49" charset="0"/>
+              </a:rPr>
+              <a:t>Number.NaN</a:t>
+            </a:r>
+            <a:br>
+              <a:rPr kumimoji="0" lang="en-US" altLang="en-US" sz="900" b="0" i="0" u="none" strike="noStrike" cap="none" normalizeH="0" baseline="0" smtClean="0">
+                <a:ln>
+                  <a:noFill/>
+                </a:ln>
+                <a:solidFill>
+                  <a:srgbClr val="000000"/>
+                </a:solidFill>
+                <a:effectLst/>
+                <a:latin typeface="Courier New" panose="02070309020205020404" pitchFamily="49" charset="0"/>
+                <a:cs typeface="Courier New" panose="02070309020205020404" pitchFamily="49" charset="0"/>
+              </a:rPr>
+            </a:br>
+            <a:r>
+              <a:rPr kumimoji="0" lang="en-US" altLang="en-US" sz="900" b="0" i="0" u="none" strike="noStrike" cap="none" normalizeH="0" baseline="0" smtClean="0">
+                <a:ln>
+                  <a:noFill/>
+                </a:ln>
+                <a:solidFill>
+                  <a:srgbClr val="000000"/>
+                </a:solidFill>
+                <a:effectLst/>
+                <a:latin typeface="Courier New" panose="02070309020205020404" pitchFamily="49" charset="0"/>
+                <a:cs typeface="Courier New" panose="02070309020205020404" pitchFamily="49" charset="0"/>
+              </a:rPr>
+              <a:t>Number.MAX_VALUE</a:t>
+            </a:r>
+            <a:br>
+              <a:rPr kumimoji="0" lang="en-US" altLang="en-US" sz="900" b="0" i="0" u="none" strike="noStrike" cap="none" normalizeH="0" baseline="0" smtClean="0">
+                <a:ln>
+                  <a:noFill/>
+                </a:ln>
+                <a:solidFill>
+                  <a:srgbClr val="000000"/>
+                </a:solidFill>
+                <a:effectLst/>
+                <a:latin typeface="Courier New" panose="02070309020205020404" pitchFamily="49" charset="0"/>
+                <a:cs typeface="Courier New" panose="02070309020205020404" pitchFamily="49" charset="0"/>
+              </a:rPr>
+            </a:br>
+            <a:r>
+              <a:rPr kumimoji="0" lang="en-US" altLang="en-US" sz="900" b="0" i="0" u="none" strike="noStrike" cap="none" normalizeH="0" baseline="0" smtClean="0">
+                <a:ln>
+                  <a:noFill/>
+                </a:ln>
+                <a:solidFill>
+                  <a:srgbClr val="000000"/>
+                </a:solidFill>
+                <a:effectLst/>
+                <a:latin typeface="Courier New" panose="02070309020205020404" pitchFamily="49" charset="0"/>
+                <a:cs typeface="Courier New" panose="02070309020205020404" pitchFamily="49" charset="0"/>
+              </a:rPr>
+              <a:t>Number.MIN_VALUE</a:t>
+            </a:r>
+            <a:br>
+              <a:rPr kumimoji="0" lang="en-US" altLang="en-US" sz="900" b="0" i="0" u="none" strike="noStrike" cap="none" normalizeH="0" baseline="0" smtClean="0">
+                <a:ln>
+                  <a:noFill/>
+                </a:ln>
+                <a:solidFill>
+                  <a:srgbClr val="000000"/>
+                </a:solidFill>
+                <a:effectLst/>
+                <a:latin typeface="Courier New" panose="02070309020205020404" pitchFamily="49" charset="0"/>
+                <a:cs typeface="Courier New" panose="02070309020205020404" pitchFamily="49" charset="0"/>
+              </a:rPr>
+            </a:br>
+            <a:r>
+              <a:rPr kumimoji="0" lang="en-US" altLang="en-US" sz="900" b="0" i="0" u="none" strike="noStrike" cap="none" normalizeH="0" baseline="0" smtClean="0">
+                <a:ln>
+                  <a:noFill/>
+                </a:ln>
+                <a:solidFill>
+                  <a:srgbClr val="000000"/>
+                </a:solidFill>
+                <a:effectLst/>
+                <a:latin typeface="Courier New" panose="02070309020205020404" pitchFamily="49" charset="0"/>
+                <a:cs typeface="Courier New" panose="02070309020205020404" pitchFamily="49" charset="0"/>
+              </a:rPr>
+              <a:t>Number.POSITIVE_INFINITY</a:t>
+            </a:r>
+            <a:br>
+              <a:rPr kumimoji="0" lang="en-US" altLang="en-US" sz="900" b="0" i="0" u="none" strike="noStrike" cap="none" normalizeH="0" baseline="0" smtClean="0">
+                <a:ln>
+                  <a:noFill/>
+                </a:ln>
+                <a:solidFill>
+                  <a:srgbClr val="000000"/>
+                </a:solidFill>
+                <a:effectLst/>
+                <a:latin typeface="Courier New" panose="02070309020205020404" pitchFamily="49" charset="0"/>
+                <a:cs typeface="Courier New" panose="02070309020205020404" pitchFamily="49" charset="0"/>
+              </a:rPr>
+            </a:br>
+            <a:r>
+              <a:rPr kumimoji="0" lang="en-US" altLang="en-US" sz="900" b="0" i="0" u="none" strike="noStrike" cap="none" normalizeH="0" baseline="0" smtClean="0">
+                <a:ln>
+                  <a:noFill/>
+                </a:ln>
+                <a:solidFill>
+                  <a:srgbClr val="000000"/>
+                </a:solidFill>
+                <a:effectLst/>
+                <a:latin typeface="Courier New" panose="02070309020205020404" pitchFamily="49" charset="0"/>
+                <a:cs typeface="Courier New" panose="02070309020205020404" pitchFamily="49" charset="0"/>
+              </a:rPr>
+              <a:t>Number.NEGATIVE_INFINITY</a:t>
+            </a:r>
+            <a:endParaRPr kumimoji="0" lang="en-US" altLang="en-US" sz="1800" b="0" i="0" u="none" strike="noStrike" cap="none" normalizeH="0" baseline="0" smtClean="0">
+              <a:ln>
+                <a:noFill/>
+              </a:ln>
+              <a:solidFill>
+                <a:schemeClr val="tx1"/>
+              </a:solidFill>
+              <a:effectLst/>
+              <a:latin typeface="Arial" panose="020B0604020202020204" pitchFamily="34" charset="0"/>
+            </a:endParaRPr>
+          </a:p>
+        </p:txBody>
+      </p:sp>
+    </p:spTree>
+    <p:extLst>
+      <p:ext uri="{BB962C8B-B14F-4D97-AF65-F5344CB8AC3E}">
+        <p14:creationId xmlns:p14="http://schemas.microsoft.com/office/powerpoint/2010/main" val="672615584"/>
+      </p:ext>
+    </p:extLst>
+  </p:cSld>
+  <p:clrMapOvr>
+    <a:masterClrMapping/>
+  </p:clrMapOvr>
 </p:sld>
 </file>
 

--- a/es6/Presentation1.pptx
+++ b/es6/Presentation1.pptx
@@ -5,7 +5,7 @@
     <p:sldMasterId id="2147483648" r:id="rId1"/>
   </p:sldMasterIdLst>
   <p:notesMasterIdLst>
-    <p:notesMasterId r:id="rId21"/>
+    <p:notesMasterId r:id="rId16"/>
   </p:notesMasterIdLst>
   <p:sldIdLst>
     <p:sldId id="259" r:id="rId2"/>
@@ -21,12 +21,7 @@
     <p:sldId id="268" r:id="rId12"/>
     <p:sldId id="271" r:id="rId13"/>
     <p:sldId id="272" r:id="rId14"/>
-    <p:sldId id="276" r:id="rId15"/>
-    <p:sldId id="273" r:id="rId16"/>
-    <p:sldId id="274" r:id="rId17"/>
-    <p:sldId id="277" r:id="rId18"/>
-    <p:sldId id="275" r:id="rId19"/>
-    <p:sldId id="278" r:id="rId20"/>
+    <p:sldId id="278" r:id="rId15"/>
   </p:sldIdLst>
   <p:sldSz cx="12192000" cy="6858000"/>
   <p:notesSz cx="6858000" cy="9144000"/>
@@ -143,11 +138,6 @@
             <p14:sldId id="268"/>
             <p14:sldId id="271"/>
             <p14:sldId id="272"/>
-            <p14:sldId id="276"/>
-            <p14:sldId id="273"/>
-            <p14:sldId id="274"/>
-            <p14:sldId id="277"/>
-            <p14:sldId id="275"/>
             <p14:sldId id="278"/>
           </p14:sldIdLst>
         </p14:section>
@@ -245,7 +235,7 @@
           <a:p>
             <a:fld id="{AE8C4A95-5843-41C9-88B6-83C30E33CF5F}" type="datetimeFigureOut">
               <a:rPr lang="en-US" smtClean="0"/>
-              <a:t>9/25/2015</a:t>
+              <a:t>10/12/2015</a:t>
             </a:fld>
             <a:endParaRPr lang="en-US"/>
           </a:p>
@@ -598,93 +588,6 @@
 </p:notes>
 </file>
 
-<file path=ppt/notesSlides/notesSlide10.xml><?xml version="1.0" encoding="utf-8"?>
-<p:notes xmlns:a="http://schemas.openxmlformats.org/drawingml/2006/main" xmlns:r="http://schemas.openxmlformats.org/officeDocument/2006/relationships" xmlns:p="http://schemas.openxmlformats.org/presentationml/2006/main">
-  <p:cSld>
-    <p:spTree>
-      <p:nvGrpSpPr>
-        <p:cNvPr id="1" name=""/>
-        <p:cNvGrpSpPr/>
-        <p:nvPr/>
-      </p:nvGrpSpPr>
-      <p:grpSpPr>
-        <a:xfrm>
-          <a:off x="0" y="0"/>
-          <a:ext cx="0" cy="0"/>
-          <a:chOff x="0" y="0"/>
-          <a:chExt cx="0" cy="0"/>
-        </a:xfrm>
-      </p:grpSpPr>
-      <p:sp>
-        <p:nvSpPr>
-          <p:cNvPr id="2" name="Slide Image Placeholder 1"/>
-          <p:cNvSpPr>
-            <a:spLocks noGrp="1" noRot="1" noChangeAspect="1"/>
-          </p:cNvSpPr>
-          <p:nvPr>
-            <p:ph type="sldImg"/>
-          </p:nvPr>
-        </p:nvSpPr>
-        <p:spPr/>
-      </p:sp>
-      <p:sp>
-        <p:nvSpPr>
-          <p:cNvPr id="3" name="Notes Placeholder 2"/>
-          <p:cNvSpPr>
-            <a:spLocks noGrp="1"/>
-          </p:cNvSpPr>
-          <p:nvPr>
-            <p:ph type="body" idx="1"/>
-          </p:nvPr>
-        </p:nvSpPr>
-        <p:spPr/>
-        <p:txBody>
-          <a:bodyPr>
-            <a:normAutofit/>
-          </a:bodyPr>
-          <a:lstStyle/>
-          <a:p>
-            <a:endParaRPr lang="en-US" dirty="0"/>
-          </a:p>
-        </p:txBody>
-      </p:sp>
-      <p:sp>
-        <p:nvSpPr>
-          <p:cNvPr id="4" name="Slide Number Placeholder 3"/>
-          <p:cNvSpPr>
-            <a:spLocks noGrp="1"/>
-          </p:cNvSpPr>
-          <p:nvPr>
-            <p:ph type="sldNum" sz="quarter" idx="10"/>
-          </p:nvPr>
-        </p:nvSpPr>
-        <p:spPr/>
-        <p:txBody>
-          <a:bodyPr/>
-          <a:lstStyle/>
-          <a:p>
-            <a:fld id="{B6DB43F0-FEFD-424B-AFAA-1D3C2B01CC9C}" type="slidenum">
-              <a:rPr lang="be-BY" smtClean="0"/>
-              <a:pPr/>
-              <a:t>16</a:t>
-            </a:fld>
-            <a:endParaRPr lang="be-BY"/>
-          </a:p>
-        </p:txBody>
-      </p:sp>
-    </p:spTree>
-    <p:extLst>
-      <p:ext uri="{BB962C8B-B14F-4D97-AF65-F5344CB8AC3E}">
-        <p14:creationId xmlns:p14="http://schemas.microsoft.com/office/powerpoint/2010/main" val="238438011"/>
-      </p:ext>
-    </p:extLst>
-  </p:cSld>
-  <p:clrMapOvr>
-    <a:masterClrMapping/>
-  </p:clrMapOvr>
-</p:notes>
-</file>
-
 <file path=ppt/notesSlides/notesSlide2.xml><?xml version="1.0" encoding="utf-8"?>
 <p:notes xmlns:a="http://schemas.openxmlformats.org/drawingml/2006/main" xmlns:r="http://schemas.openxmlformats.org/officeDocument/2006/relationships" xmlns:p="http://schemas.openxmlformats.org/presentationml/2006/main">
   <p:cSld>
@@ -1283,93 +1186,6 @@
     <p:extLst>
       <p:ext uri="{BB962C8B-B14F-4D97-AF65-F5344CB8AC3E}">
         <p14:creationId xmlns:p14="http://schemas.microsoft.com/office/powerpoint/2010/main" val="1543117238"/>
-      </p:ext>
-    </p:extLst>
-  </p:cSld>
-  <p:clrMapOvr>
-    <a:masterClrMapping/>
-  </p:clrMapOvr>
-</p:notes>
-</file>
-
-<file path=ppt/notesSlides/notesSlide9.xml><?xml version="1.0" encoding="utf-8"?>
-<p:notes xmlns:a="http://schemas.openxmlformats.org/drawingml/2006/main" xmlns:r="http://schemas.openxmlformats.org/officeDocument/2006/relationships" xmlns:p="http://schemas.openxmlformats.org/presentationml/2006/main">
-  <p:cSld>
-    <p:spTree>
-      <p:nvGrpSpPr>
-        <p:cNvPr id="1" name=""/>
-        <p:cNvGrpSpPr/>
-        <p:nvPr/>
-      </p:nvGrpSpPr>
-      <p:grpSpPr>
-        <a:xfrm>
-          <a:off x="0" y="0"/>
-          <a:ext cx="0" cy="0"/>
-          <a:chOff x="0" y="0"/>
-          <a:chExt cx="0" cy="0"/>
-        </a:xfrm>
-      </p:grpSpPr>
-      <p:sp>
-        <p:nvSpPr>
-          <p:cNvPr id="2" name="Slide Image Placeholder 1"/>
-          <p:cNvSpPr>
-            <a:spLocks noGrp="1" noRot="1" noChangeAspect="1"/>
-          </p:cNvSpPr>
-          <p:nvPr>
-            <p:ph type="sldImg"/>
-          </p:nvPr>
-        </p:nvSpPr>
-        <p:spPr/>
-      </p:sp>
-      <p:sp>
-        <p:nvSpPr>
-          <p:cNvPr id="3" name="Notes Placeholder 2"/>
-          <p:cNvSpPr>
-            <a:spLocks noGrp="1"/>
-          </p:cNvSpPr>
-          <p:nvPr>
-            <p:ph type="body" idx="1"/>
-          </p:nvPr>
-        </p:nvSpPr>
-        <p:spPr/>
-        <p:txBody>
-          <a:bodyPr>
-            <a:normAutofit/>
-          </a:bodyPr>
-          <a:lstStyle/>
-          <a:p>
-            <a:endParaRPr lang="en-US" dirty="0"/>
-          </a:p>
-        </p:txBody>
-      </p:sp>
-      <p:sp>
-        <p:nvSpPr>
-          <p:cNvPr id="4" name="Slide Number Placeholder 3"/>
-          <p:cNvSpPr>
-            <a:spLocks noGrp="1"/>
-          </p:cNvSpPr>
-          <p:nvPr>
-            <p:ph type="sldNum" sz="quarter" idx="10"/>
-          </p:nvPr>
-        </p:nvSpPr>
-        <p:spPr/>
-        <p:txBody>
-          <a:bodyPr/>
-          <a:lstStyle/>
-          <a:p>
-            <a:fld id="{B6DB43F0-FEFD-424B-AFAA-1D3C2B01CC9C}" type="slidenum">
-              <a:rPr lang="be-BY" smtClean="0"/>
-              <a:pPr/>
-              <a:t>15</a:t>
-            </a:fld>
-            <a:endParaRPr lang="be-BY"/>
-          </a:p>
-        </p:txBody>
-      </p:sp>
-    </p:spTree>
-    <p:extLst>
-      <p:ext uri="{BB962C8B-B14F-4D97-AF65-F5344CB8AC3E}">
-        <p14:creationId xmlns:p14="http://schemas.microsoft.com/office/powerpoint/2010/main" val="1509648543"/>
       </p:ext>
     </p:extLst>
   </p:cSld>
@@ -1510,7 +1326,7 @@
           <a:p>
             <a:fld id="{53A1A599-862F-4E24-8998-DC482B785E64}" type="datetimeFigureOut">
               <a:rPr lang="en-US" smtClean="0"/>
-              <a:t>9/25/2015</a:t>
+              <a:t>10/12/2015</a:t>
             </a:fld>
             <a:endParaRPr lang="en-US"/>
           </a:p>
@@ -1680,7 +1496,7 @@
           <a:p>
             <a:fld id="{53A1A599-862F-4E24-8998-DC482B785E64}" type="datetimeFigureOut">
               <a:rPr lang="en-US" smtClean="0"/>
-              <a:t>9/25/2015</a:t>
+              <a:t>10/12/2015</a:t>
             </a:fld>
             <a:endParaRPr lang="en-US"/>
           </a:p>
@@ -1860,7 +1676,7 @@
           <a:p>
             <a:fld id="{53A1A599-862F-4E24-8998-DC482B785E64}" type="datetimeFigureOut">
               <a:rPr lang="en-US" smtClean="0"/>
-              <a:t>9/25/2015</a:t>
+              <a:t>10/12/2015</a:t>
             </a:fld>
             <a:endParaRPr lang="en-US"/>
           </a:p>
@@ -2030,7 +1846,7 @@
           <a:p>
             <a:fld id="{53A1A599-862F-4E24-8998-DC482B785E64}" type="datetimeFigureOut">
               <a:rPr lang="en-US" smtClean="0"/>
-              <a:t>9/25/2015</a:t>
+              <a:t>10/12/2015</a:t>
             </a:fld>
             <a:endParaRPr lang="en-US"/>
           </a:p>
@@ -2276,7 +2092,7 @@
           <a:p>
             <a:fld id="{53A1A599-862F-4E24-8998-DC482B785E64}" type="datetimeFigureOut">
               <a:rPr lang="en-US" smtClean="0"/>
-              <a:t>9/25/2015</a:t>
+              <a:t>10/12/2015</a:t>
             </a:fld>
             <a:endParaRPr lang="en-US"/>
           </a:p>
@@ -2508,7 +2324,7 @@
           <a:p>
             <a:fld id="{53A1A599-862F-4E24-8998-DC482B785E64}" type="datetimeFigureOut">
               <a:rPr lang="en-US" smtClean="0"/>
-              <a:t>9/25/2015</a:t>
+              <a:t>10/12/2015</a:t>
             </a:fld>
             <a:endParaRPr lang="en-US"/>
           </a:p>
@@ -2875,7 +2691,7 @@
           <a:p>
             <a:fld id="{53A1A599-862F-4E24-8998-DC482B785E64}" type="datetimeFigureOut">
               <a:rPr lang="en-US" smtClean="0"/>
-              <a:t>9/25/2015</a:t>
+              <a:t>10/12/2015</a:t>
             </a:fld>
             <a:endParaRPr lang="en-US"/>
           </a:p>
@@ -2993,7 +2809,7 @@
           <a:p>
             <a:fld id="{53A1A599-862F-4E24-8998-DC482B785E64}" type="datetimeFigureOut">
               <a:rPr lang="en-US" smtClean="0"/>
-              <a:t>9/25/2015</a:t>
+              <a:t>10/12/2015</a:t>
             </a:fld>
             <a:endParaRPr lang="en-US"/>
           </a:p>
@@ -3088,7 +2904,7 @@
           <a:p>
             <a:fld id="{53A1A599-862F-4E24-8998-DC482B785E64}" type="datetimeFigureOut">
               <a:rPr lang="en-US" smtClean="0"/>
-              <a:t>9/25/2015</a:t>
+              <a:t>10/12/2015</a:t>
             </a:fld>
             <a:endParaRPr lang="en-US"/>
           </a:p>
@@ -3365,7 +3181,7 @@
           <a:p>
             <a:fld id="{53A1A599-862F-4E24-8998-DC482B785E64}" type="datetimeFigureOut">
               <a:rPr lang="en-US" smtClean="0"/>
-              <a:t>9/25/2015</a:t>
+              <a:t>10/12/2015</a:t>
             </a:fld>
             <a:endParaRPr lang="en-US"/>
           </a:p>
@@ -3618,7 +3434,7 @@
           <a:p>
             <a:fld id="{53A1A599-862F-4E24-8998-DC482B785E64}" type="datetimeFigureOut">
               <a:rPr lang="en-US" smtClean="0"/>
-              <a:t>9/25/2015</a:t>
+              <a:t>10/12/2015</a:t>
             </a:fld>
             <a:endParaRPr lang="en-US"/>
           </a:p>
@@ -3831,7 +3647,7 @@
           <a:p>
             <a:fld id="{53A1A599-862F-4E24-8998-DC482B785E64}" type="datetimeFigureOut">
               <a:rPr lang="en-US" smtClean="0"/>
-              <a:t>9/25/2015</a:t>
+              <a:t>10/12/2015</a:t>
             </a:fld>
             <a:endParaRPr lang="en-US"/>
           </a:p>
@@ -5005,1237 +4821,6 @@
 </file>
 
 <file path=ppt/slides/slide14.xml><?xml version="1.0" encoding="utf-8"?>
-<p:sld xmlns:a="http://schemas.openxmlformats.org/drawingml/2006/main" xmlns:r="http://schemas.openxmlformats.org/officeDocument/2006/relationships" xmlns:p="http://schemas.openxmlformats.org/presentationml/2006/main">
-  <p:cSld>
-    <p:spTree>
-      <p:nvGrpSpPr>
-        <p:cNvPr id="1" name=""/>
-        <p:cNvGrpSpPr/>
-        <p:nvPr/>
-      </p:nvGrpSpPr>
-      <p:grpSpPr>
-        <a:xfrm>
-          <a:off x="0" y="0"/>
-          <a:ext cx="0" cy="0"/>
-          <a:chOff x="0" y="0"/>
-          <a:chExt cx="0" cy="0"/>
-        </a:xfrm>
-      </p:grpSpPr>
-      <p:sp>
-        <p:nvSpPr>
-          <p:cNvPr id="2" name="Title 1"/>
-          <p:cNvSpPr>
-            <a:spLocks noGrp="1"/>
-          </p:cNvSpPr>
-          <p:nvPr>
-            <p:ph type="title"/>
-          </p:nvPr>
-        </p:nvSpPr>
-        <p:spPr/>
-        <p:txBody>
-          <a:bodyPr/>
-          <a:lstStyle/>
-          <a:p>
-            <a:r>
-              <a:rPr lang="en-US" smtClean="0"/>
-              <a:t>Timers and event loop</a:t>
-            </a:r>
-            <a:endParaRPr lang="en-US"/>
-          </a:p>
-        </p:txBody>
-      </p:sp>
-      <p:sp>
-        <p:nvSpPr>
-          <p:cNvPr id="3" name="Content Placeholder 2"/>
-          <p:cNvSpPr>
-            <a:spLocks noGrp="1"/>
-          </p:cNvSpPr>
-          <p:nvPr>
-            <p:ph idx="1"/>
-          </p:nvPr>
-        </p:nvSpPr>
-        <p:spPr/>
-        <p:txBody>
-          <a:bodyPr/>
-          <a:lstStyle/>
-          <a:p>
-            <a:endParaRPr lang="en-US"/>
-          </a:p>
-        </p:txBody>
-      </p:sp>
-    </p:spTree>
-    <p:extLst>
-      <p:ext uri="{BB962C8B-B14F-4D97-AF65-F5344CB8AC3E}">
-        <p14:creationId xmlns:p14="http://schemas.microsoft.com/office/powerpoint/2010/main" val="3036644995"/>
-      </p:ext>
-    </p:extLst>
-  </p:cSld>
-  <p:clrMapOvr>
-    <a:masterClrMapping/>
-  </p:clrMapOvr>
-</p:sld>
-</file>
-
-<file path=ppt/slides/slide15.xml><?xml version="1.0" encoding="utf-8"?>
-<p:sld xmlns:a="http://schemas.openxmlformats.org/drawingml/2006/main" xmlns:r="http://schemas.openxmlformats.org/officeDocument/2006/relationships" xmlns:p="http://schemas.openxmlformats.org/presentationml/2006/main">
-  <p:cSld>
-    <p:spTree>
-      <p:nvGrpSpPr>
-        <p:cNvPr id="1" name=""/>
-        <p:cNvGrpSpPr/>
-        <p:nvPr/>
-      </p:nvGrpSpPr>
-      <p:grpSpPr>
-        <a:xfrm>
-          <a:off x="0" y="0"/>
-          <a:ext cx="0" cy="0"/>
-          <a:chOff x="0" y="0"/>
-          <a:chExt cx="0" cy="0"/>
-        </a:xfrm>
-      </p:grpSpPr>
-      <p:sp>
-        <p:nvSpPr>
-          <p:cNvPr id="2" name="Заголовок 1"/>
-          <p:cNvSpPr>
-            <a:spLocks noGrp="1"/>
-          </p:cNvSpPr>
-          <p:nvPr>
-            <p:ph type="ctrTitle"/>
-          </p:nvPr>
-        </p:nvSpPr>
-        <p:spPr>
-          <a:xfrm>
-            <a:off x="2166910" y="142852"/>
-            <a:ext cx="7772400" cy="528640"/>
-          </a:xfrm>
-        </p:spPr>
-        <p:txBody>
-          <a:bodyPr>
-            <a:normAutofit fontScale="90000"/>
-          </a:bodyPr>
-          <a:lstStyle/>
-          <a:p>
-            <a:r>
-              <a:rPr lang="en-US" b="1" dirty="0" smtClean="0">
-                <a:solidFill>
-                  <a:schemeClr val="tx1">
-                    <a:lumMod val="65000"/>
-                    <a:lumOff val="35000"/>
-                  </a:schemeClr>
-                </a:solidFill>
-              </a:rPr>
-              <a:t>Timers</a:t>
-            </a:r>
-            <a:endParaRPr lang="en-US" b="1" dirty="0">
-              <a:solidFill>
-                <a:schemeClr val="tx1">
-                  <a:lumMod val="65000"/>
-                  <a:lumOff val="35000"/>
-                </a:schemeClr>
-              </a:solidFill>
-            </a:endParaRPr>
-          </a:p>
-        </p:txBody>
-      </p:sp>
-      <p:sp>
-        <p:nvSpPr>
-          <p:cNvPr id="4" name="Rectangle 3"/>
-          <p:cNvSpPr/>
-          <p:nvPr/>
-        </p:nvSpPr>
-        <p:spPr>
-          <a:xfrm>
-            <a:off x="1881158" y="928670"/>
-            <a:ext cx="8358246" cy="3416320"/>
-          </a:xfrm>
-          <a:prstGeom prst="rect">
-            <a:avLst/>
-          </a:prstGeom>
-        </p:spPr>
-        <p:style>
-          <a:lnRef idx="1">
-            <a:schemeClr val="dk1"/>
-          </a:lnRef>
-          <a:fillRef idx="1001">
-            <a:schemeClr val="lt2"/>
-          </a:fillRef>
-          <a:effectRef idx="1">
-            <a:schemeClr val="dk1"/>
-          </a:effectRef>
-          <a:fontRef idx="minor">
-            <a:schemeClr val="dk1"/>
-          </a:fontRef>
-        </p:style>
-        <p:txBody>
-          <a:bodyPr wrap="square">
-            <a:spAutoFit/>
-          </a:bodyPr>
-          <a:lstStyle/>
-          <a:p>
-            <a:pPr>
-              <a:lnSpc>
-                <a:spcPct val="150000"/>
-              </a:lnSpc>
-            </a:pPr>
-            <a:r>
-              <a:rPr lang="en-US" b="1" dirty="0" err="1">
-                <a:solidFill>
-                  <a:srgbClr val="0070C0"/>
-                </a:solidFill>
-              </a:rPr>
-              <a:t>var</a:t>
-            </a:r>
-            <a:r>
-              <a:rPr lang="en-US" b="1" dirty="0"/>
-              <a:t> </a:t>
-            </a:r>
-            <a:r>
-              <a:rPr lang="en-US" b="1" dirty="0" err="1">
-                <a:solidFill>
-                  <a:schemeClr val="accent6">
-                    <a:lumMod val="75000"/>
-                  </a:schemeClr>
-                </a:solidFill>
-              </a:rPr>
-              <a:t>timeoutId</a:t>
-            </a:r>
-            <a:r>
-              <a:rPr lang="en-US" b="1" dirty="0">
-                <a:solidFill>
-                  <a:schemeClr val="accent6">
-                    <a:lumMod val="75000"/>
-                  </a:schemeClr>
-                </a:solidFill>
-              </a:rPr>
-              <a:t> </a:t>
-            </a:r>
-            <a:r>
-              <a:rPr lang="en-US" b="1" dirty="0"/>
-              <a:t>= </a:t>
-            </a:r>
-            <a:r>
-              <a:rPr lang="en-US" b="1" dirty="0" err="1">
-                <a:solidFill>
-                  <a:schemeClr val="accent6">
-                    <a:lumMod val="75000"/>
-                  </a:schemeClr>
-                </a:solidFill>
-              </a:rPr>
-              <a:t>window</a:t>
-            </a:r>
-            <a:r>
-              <a:rPr lang="en-US" b="1" dirty="0" err="1"/>
-              <a:t>.</a:t>
-            </a:r>
-            <a:r>
-              <a:rPr lang="en-US" b="1" dirty="0" err="1">
-                <a:solidFill>
-                  <a:srgbClr val="0070C0"/>
-                </a:solidFill>
-              </a:rPr>
-              <a:t>setTimeout</a:t>
-            </a:r>
-            <a:r>
-              <a:rPr lang="en-US" b="1" dirty="0"/>
-              <a:t>(</a:t>
-            </a:r>
-            <a:r>
-              <a:rPr lang="en-US" b="1" dirty="0">
-                <a:solidFill>
-                  <a:srgbClr val="00B050"/>
-                </a:solidFill>
-              </a:rPr>
-              <a:t>/* function or JavaScript code */</a:t>
-            </a:r>
-            <a:r>
-              <a:rPr lang="en-US" b="1" dirty="0"/>
-              <a:t>, 					</a:t>
-            </a:r>
-            <a:r>
-              <a:rPr lang="en-US" b="1" dirty="0">
-                <a:solidFill>
-                  <a:srgbClr val="00B050"/>
-                </a:solidFill>
-              </a:rPr>
-              <a:t>"number of milliseconds"</a:t>
-            </a:r>
-            <a:r>
-              <a:rPr lang="en-US" b="1" dirty="0"/>
-              <a:t>);</a:t>
-            </a:r>
-          </a:p>
-          <a:p>
-            <a:pPr>
-              <a:lnSpc>
-                <a:spcPct val="150000"/>
-              </a:lnSpc>
-            </a:pPr>
-            <a:r>
-              <a:rPr lang="en-US" b="1" dirty="0" err="1">
-                <a:solidFill>
-                  <a:schemeClr val="accent6">
-                    <a:lumMod val="75000"/>
-                  </a:schemeClr>
-                </a:solidFill>
-              </a:rPr>
-              <a:t>window</a:t>
-            </a:r>
-            <a:r>
-              <a:rPr lang="en-US" b="1" dirty="0" err="1"/>
-              <a:t>.</a:t>
-            </a:r>
-            <a:r>
-              <a:rPr lang="en-US" b="1" dirty="0" err="1">
-                <a:solidFill>
-                  <a:srgbClr val="0070C0"/>
-                </a:solidFill>
-              </a:rPr>
-              <a:t>clearTimeout</a:t>
-            </a:r>
-            <a:r>
-              <a:rPr lang="en-US" b="1" dirty="0"/>
-              <a:t>(</a:t>
-            </a:r>
-            <a:r>
-              <a:rPr lang="en-US" b="1" dirty="0" err="1">
-                <a:solidFill>
-                  <a:schemeClr val="accent6">
-                    <a:lumMod val="75000"/>
-                  </a:schemeClr>
-                </a:solidFill>
-              </a:rPr>
-              <a:t>timeoutId</a:t>
-            </a:r>
-            <a:r>
-              <a:rPr lang="en-US" b="1" dirty="0"/>
-              <a:t>);</a:t>
-            </a:r>
-          </a:p>
-          <a:p>
-            <a:pPr>
-              <a:lnSpc>
-                <a:spcPct val="150000"/>
-              </a:lnSpc>
-            </a:pPr>
-            <a:endParaRPr lang="en-US" b="1" dirty="0"/>
-          </a:p>
-          <a:p>
-            <a:pPr>
-              <a:lnSpc>
-                <a:spcPct val="150000"/>
-              </a:lnSpc>
-            </a:pPr>
-            <a:endParaRPr lang="en-US" b="1" dirty="0"/>
-          </a:p>
-          <a:p>
-            <a:pPr>
-              <a:lnSpc>
-                <a:spcPct val="150000"/>
-              </a:lnSpc>
-            </a:pPr>
-            <a:r>
-              <a:rPr lang="en-US" b="1" dirty="0" err="1">
-                <a:solidFill>
-                  <a:srgbClr val="0070C0"/>
-                </a:solidFill>
-              </a:rPr>
-              <a:t>var</a:t>
-            </a:r>
-            <a:r>
-              <a:rPr lang="en-US" b="1" dirty="0"/>
-              <a:t> </a:t>
-            </a:r>
-            <a:r>
-              <a:rPr lang="en-US" b="1" dirty="0" err="1">
-                <a:solidFill>
-                  <a:schemeClr val="accent6">
-                    <a:lumMod val="75000"/>
-                  </a:schemeClr>
-                </a:solidFill>
-              </a:rPr>
-              <a:t>intervalId</a:t>
-            </a:r>
-            <a:r>
-              <a:rPr lang="en-US" b="1" dirty="0"/>
-              <a:t> = </a:t>
-            </a:r>
-            <a:r>
-              <a:rPr lang="en-US" b="1" dirty="0" err="1">
-                <a:solidFill>
-                  <a:schemeClr val="accent6">
-                    <a:lumMod val="75000"/>
-                  </a:schemeClr>
-                </a:solidFill>
-              </a:rPr>
-              <a:t>window</a:t>
-            </a:r>
-            <a:r>
-              <a:rPr lang="en-US" b="1" dirty="0" err="1"/>
-              <a:t>.</a:t>
-            </a:r>
-            <a:r>
-              <a:rPr lang="en-US" b="1" dirty="0" err="1">
-                <a:solidFill>
-                  <a:srgbClr val="0070C0"/>
-                </a:solidFill>
-              </a:rPr>
-              <a:t>setInterval</a:t>
-            </a:r>
-            <a:r>
-              <a:rPr lang="en-US" b="1" dirty="0"/>
-              <a:t>(</a:t>
-            </a:r>
-            <a:r>
-              <a:rPr lang="en-US" b="1" dirty="0">
-                <a:solidFill>
-                  <a:srgbClr val="00B050"/>
-                </a:solidFill>
-              </a:rPr>
-              <a:t>/* function or JavaScript code */</a:t>
-            </a:r>
-            <a:r>
-              <a:rPr lang="en-US" b="1" dirty="0"/>
-              <a:t>,</a:t>
-            </a:r>
-          </a:p>
-          <a:p>
-            <a:pPr>
-              <a:lnSpc>
-                <a:spcPct val="150000"/>
-              </a:lnSpc>
-            </a:pPr>
-            <a:r>
-              <a:rPr lang="en-US" b="1" dirty="0"/>
-              <a:t>				</a:t>
-            </a:r>
-            <a:r>
-              <a:rPr lang="en-US" b="1" dirty="0">
-                <a:solidFill>
-                  <a:srgbClr val="00B050"/>
-                </a:solidFill>
-              </a:rPr>
-              <a:t>"number of milliseconds"</a:t>
-            </a:r>
-            <a:r>
-              <a:rPr lang="en-US" b="1" dirty="0"/>
-              <a:t>)</a:t>
-            </a:r>
-          </a:p>
-          <a:p>
-            <a:pPr>
-              <a:lnSpc>
-                <a:spcPct val="150000"/>
-              </a:lnSpc>
-            </a:pPr>
-            <a:r>
-              <a:rPr lang="en-US" b="1" dirty="0" err="1">
-                <a:solidFill>
-                  <a:schemeClr val="accent6">
-                    <a:lumMod val="75000"/>
-                  </a:schemeClr>
-                </a:solidFill>
-              </a:rPr>
-              <a:t>window</a:t>
-            </a:r>
-            <a:r>
-              <a:rPr lang="en-US" b="1" dirty="0" err="1"/>
-              <a:t>.</a:t>
-            </a:r>
-            <a:r>
-              <a:rPr lang="en-US" b="1" dirty="0" err="1">
-                <a:solidFill>
-                  <a:srgbClr val="0070C0"/>
-                </a:solidFill>
-              </a:rPr>
-              <a:t>clearInterval</a:t>
-            </a:r>
-            <a:r>
-              <a:rPr lang="en-US" b="1" dirty="0"/>
-              <a:t>(</a:t>
-            </a:r>
-            <a:r>
-              <a:rPr lang="en-US" b="1" dirty="0" err="1">
-                <a:solidFill>
-                  <a:schemeClr val="accent6">
-                    <a:lumMod val="75000"/>
-                  </a:schemeClr>
-                </a:solidFill>
-              </a:rPr>
-              <a:t>intervalId</a:t>
-            </a:r>
-            <a:r>
-              <a:rPr lang="en-US" b="1" dirty="0"/>
-              <a:t>);</a:t>
-            </a:r>
-          </a:p>
-        </p:txBody>
-      </p:sp>
-    </p:spTree>
-    <p:extLst>
-      <p:ext uri="{BB962C8B-B14F-4D97-AF65-F5344CB8AC3E}">
-        <p14:creationId xmlns:p14="http://schemas.microsoft.com/office/powerpoint/2010/main" val="13557230"/>
-      </p:ext>
-    </p:extLst>
-  </p:cSld>
-  <p:clrMapOvr>
-    <a:masterClrMapping/>
-  </p:clrMapOvr>
-  <p:transition/>
-  <p:timing>
-    <p:tnLst>
-      <p:par>
-        <p:cTn id="1" dur="indefinite" restart="never" nodeType="tmRoot"/>
-      </p:par>
-    </p:tnLst>
-  </p:timing>
-</p:sld>
-</file>
-
-<file path=ppt/slides/slide16.xml><?xml version="1.0" encoding="utf-8"?>
-<p:sld xmlns:a="http://schemas.openxmlformats.org/drawingml/2006/main" xmlns:r="http://schemas.openxmlformats.org/officeDocument/2006/relationships" xmlns:p="http://schemas.openxmlformats.org/presentationml/2006/main">
-  <p:cSld>
-    <p:spTree>
-      <p:nvGrpSpPr>
-        <p:cNvPr id="1" name=""/>
-        <p:cNvGrpSpPr/>
-        <p:nvPr/>
-      </p:nvGrpSpPr>
-      <p:grpSpPr>
-        <a:xfrm>
-          <a:off x="0" y="0"/>
-          <a:ext cx="0" cy="0"/>
-          <a:chOff x="0" y="0"/>
-          <a:chExt cx="0" cy="0"/>
-        </a:xfrm>
-      </p:grpSpPr>
-      <p:sp>
-        <p:nvSpPr>
-          <p:cNvPr id="2" name="Заголовок 1"/>
-          <p:cNvSpPr>
-            <a:spLocks noGrp="1"/>
-          </p:cNvSpPr>
-          <p:nvPr>
-            <p:ph type="ctrTitle"/>
-          </p:nvPr>
-        </p:nvSpPr>
-        <p:spPr>
-          <a:xfrm>
-            <a:off x="2166910" y="142852"/>
-            <a:ext cx="7772400" cy="528640"/>
-          </a:xfrm>
-        </p:spPr>
-        <p:txBody>
-          <a:bodyPr>
-            <a:normAutofit fontScale="90000"/>
-          </a:bodyPr>
-          <a:lstStyle/>
-          <a:p>
-            <a:r>
-              <a:rPr lang="en-US" b="1" dirty="0" smtClean="0">
-                <a:solidFill>
-                  <a:schemeClr val="tx1">
-                    <a:lumMod val="65000"/>
-                    <a:lumOff val="35000"/>
-                  </a:schemeClr>
-                </a:solidFill>
-              </a:rPr>
-              <a:t>Timers</a:t>
-            </a:r>
-            <a:endParaRPr lang="en-US" b="1" dirty="0">
-              <a:solidFill>
-                <a:schemeClr val="tx1">
-                  <a:lumMod val="65000"/>
-                  <a:lumOff val="35000"/>
-                </a:schemeClr>
-              </a:solidFill>
-            </a:endParaRPr>
-          </a:p>
-        </p:txBody>
-      </p:sp>
-      <p:sp>
-        <p:nvSpPr>
-          <p:cNvPr id="4" name="Rectangle 3"/>
-          <p:cNvSpPr/>
-          <p:nvPr/>
-        </p:nvSpPr>
-        <p:spPr>
-          <a:xfrm>
-            <a:off x="1881158" y="908721"/>
-            <a:ext cx="8358246" cy="5586145"/>
-          </a:xfrm>
-          <a:prstGeom prst="rect">
-            <a:avLst/>
-          </a:prstGeom>
-        </p:spPr>
-        <p:style>
-          <a:lnRef idx="1">
-            <a:schemeClr val="dk1"/>
-          </a:lnRef>
-          <a:fillRef idx="1001">
-            <a:schemeClr val="lt2"/>
-          </a:fillRef>
-          <a:effectRef idx="1">
-            <a:schemeClr val="dk1"/>
-          </a:effectRef>
-          <a:fontRef idx="minor">
-            <a:schemeClr val="dk1"/>
-          </a:fontRef>
-        </p:style>
-        <p:txBody>
-          <a:bodyPr wrap="square">
-            <a:spAutoFit/>
-          </a:bodyPr>
-          <a:lstStyle/>
-          <a:p>
-            <a:pPr>
-              <a:lnSpc>
-                <a:spcPct val="150000"/>
-              </a:lnSpc>
-            </a:pPr>
-            <a:r>
-              <a:rPr lang="en-US" sz="1400" b="1" dirty="0">
-                <a:solidFill>
-                  <a:srgbClr val="0070C0"/>
-                </a:solidFill>
-              </a:rPr>
-              <a:t> function log(</a:t>
-            </a:r>
-            <a:r>
-              <a:rPr lang="en-US" sz="1400" b="1" dirty="0" err="1">
-                <a:solidFill>
-                  <a:srgbClr val="0070C0"/>
-                </a:solidFill>
-              </a:rPr>
-              <a:t>msg</a:t>
-            </a:r>
-            <a:r>
-              <a:rPr lang="en-US" sz="1400" b="1" dirty="0">
-                <a:solidFill>
-                  <a:srgbClr val="0070C0"/>
-                </a:solidFill>
-              </a:rPr>
-              <a:t>){</a:t>
-            </a:r>
-          </a:p>
-          <a:p>
-            <a:pPr>
-              <a:lnSpc>
-                <a:spcPct val="150000"/>
-              </a:lnSpc>
-            </a:pPr>
-            <a:r>
-              <a:rPr lang="en-US" sz="1400" b="1" dirty="0">
-                <a:solidFill>
-                  <a:srgbClr val="0070C0"/>
-                </a:solidFill>
-              </a:rPr>
-              <a:t>        </a:t>
-            </a:r>
-            <a:r>
-              <a:rPr lang="en-US" sz="1400" b="1" dirty="0" err="1">
-                <a:solidFill>
-                  <a:srgbClr val="0070C0"/>
-                </a:solidFill>
-              </a:rPr>
-              <a:t>var</a:t>
-            </a:r>
-            <a:r>
-              <a:rPr lang="en-US" sz="1400" b="1" dirty="0">
-                <a:solidFill>
-                  <a:srgbClr val="0070C0"/>
-                </a:solidFill>
-              </a:rPr>
-              <a:t> </a:t>
-            </a:r>
-            <a:r>
-              <a:rPr lang="en-US" sz="1400" b="1" dirty="0" err="1">
-                <a:solidFill>
-                  <a:srgbClr val="0070C0"/>
-                </a:solidFill>
-              </a:rPr>
-              <a:t>newNode</a:t>
-            </a:r>
-            <a:r>
-              <a:rPr lang="en-US" sz="1400" b="1" dirty="0">
-                <a:solidFill>
-                  <a:srgbClr val="0070C0"/>
-                </a:solidFill>
-              </a:rPr>
-              <a:t> = </a:t>
-            </a:r>
-            <a:r>
-              <a:rPr lang="en-US" sz="1400" b="1" dirty="0" err="1">
-                <a:solidFill>
-                  <a:srgbClr val="0070C0"/>
-                </a:solidFill>
-              </a:rPr>
-              <a:t>document.createElement</a:t>
-            </a:r>
-            <a:r>
-              <a:rPr lang="en-US" sz="1400" b="1" dirty="0">
-                <a:solidFill>
-                  <a:srgbClr val="0070C0"/>
-                </a:solidFill>
-              </a:rPr>
-              <a:t>("div");</a:t>
-            </a:r>
-          </a:p>
-          <a:p>
-            <a:pPr>
-              <a:lnSpc>
-                <a:spcPct val="150000"/>
-              </a:lnSpc>
-            </a:pPr>
-            <a:r>
-              <a:rPr lang="en-US" sz="1400" b="1" dirty="0">
-                <a:solidFill>
-                  <a:srgbClr val="0070C0"/>
-                </a:solidFill>
-              </a:rPr>
-              <a:t>        </a:t>
-            </a:r>
-            <a:r>
-              <a:rPr lang="en-US" sz="1400" b="1" dirty="0" err="1">
-                <a:solidFill>
-                  <a:srgbClr val="0070C0"/>
-                </a:solidFill>
-              </a:rPr>
-              <a:t>newNode.innerHTML</a:t>
-            </a:r>
-            <a:r>
-              <a:rPr lang="en-US" sz="1400" b="1" dirty="0">
-                <a:solidFill>
-                  <a:srgbClr val="0070C0"/>
-                </a:solidFill>
-              </a:rPr>
-              <a:t> = </a:t>
-            </a:r>
-            <a:r>
-              <a:rPr lang="en-US" sz="1400" b="1" dirty="0" err="1">
-                <a:solidFill>
-                  <a:srgbClr val="0070C0"/>
-                </a:solidFill>
-              </a:rPr>
-              <a:t>msg</a:t>
-            </a:r>
-            <a:r>
-              <a:rPr lang="en-US" sz="1400" b="1" dirty="0">
-                <a:solidFill>
-                  <a:srgbClr val="0070C0"/>
-                </a:solidFill>
-              </a:rPr>
-              <a:t>;</a:t>
-            </a:r>
-          </a:p>
-          <a:p>
-            <a:pPr>
-              <a:lnSpc>
-                <a:spcPct val="150000"/>
-              </a:lnSpc>
-            </a:pPr>
-            <a:r>
-              <a:rPr lang="en-US" sz="1400" b="1" dirty="0">
-                <a:solidFill>
-                  <a:srgbClr val="0070C0"/>
-                </a:solidFill>
-              </a:rPr>
-              <a:t>        </a:t>
-            </a:r>
-            <a:r>
-              <a:rPr lang="en-US" sz="1400" b="1" dirty="0" err="1">
-                <a:solidFill>
-                  <a:srgbClr val="0070C0"/>
-                </a:solidFill>
-              </a:rPr>
-              <a:t>document.body.appendChild</a:t>
-            </a:r>
-            <a:r>
-              <a:rPr lang="en-US" sz="1400" b="1" dirty="0">
-                <a:solidFill>
-                  <a:srgbClr val="0070C0"/>
-                </a:solidFill>
-              </a:rPr>
-              <a:t>(</a:t>
-            </a:r>
-            <a:r>
-              <a:rPr lang="en-US" sz="1400" b="1" dirty="0" err="1">
-                <a:solidFill>
-                  <a:srgbClr val="0070C0"/>
-                </a:solidFill>
-              </a:rPr>
-              <a:t>newNode</a:t>
-            </a:r>
-            <a:r>
-              <a:rPr lang="en-US" sz="1400" b="1" dirty="0">
-                <a:solidFill>
-                  <a:srgbClr val="0070C0"/>
-                </a:solidFill>
-              </a:rPr>
-              <a:t>);</a:t>
-            </a:r>
-          </a:p>
-          <a:p>
-            <a:pPr>
-              <a:lnSpc>
-                <a:spcPct val="150000"/>
-              </a:lnSpc>
-            </a:pPr>
-            <a:r>
-              <a:rPr lang="en-US" sz="1400" b="1" dirty="0">
-                <a:solidFill>
-                  <a:srgbClr val="0070C0"/>
-                </a:solidFill>
-              </a:rPr>
-              <a:t>    }</a:t>
-            </a:r>
-          </a:p>
-          <a:p>
-            <a:pPr>
-              <a:lnSpc>
-                <a:spcPct val="150000"/>
-              </a:lnSpc>
-            </a:pPr>
-            <a:r>
-              <a:rPr lang="en-US" sz="1400" b="1" dirty="0">
-                <a:solidFill>
-                  <a:srgbClr val="0070C0"/>
-                </a:solidFill>
-              </a:rPr>
-              <a:t>    </a:t>
-            </a:r>
-            <a:r>
-              <a:rPr lang="en-US" sz="1400" b="1" dirty="0" err="1">
-                <a:solidFill>
-                  <a:srgbClr val="0070C0"/>
-                </a:solidFill>
-              </a:rPr>
-              <a:t>var</a:t>
-            </a:r>
-            <a:r>
-              <a:rPr lang="en-US" sz="1400" b="1" dirty="0">
-                <a:solidFill>
-                  <a:srgbClr val="0070C0"/>
-                </a:solidFill>
-              </a:rPr>
-              <a:t> x = function(){</a:t>
-            </a:r>
-          </a:p>
-          <a:p>
-            <a:pPr>
-              <a:lnSpc>
-                <a:spcPct val="150000"/>
-              </a:lnSpc>
-            </a:pPr>
-            <a:r>
-              <a:rPr lang="en-US" sz="1400" b="1" dirty="0">
-                <a:solidFill>
-                  <a:srgbClr val="0070C0"/>
-                </a:solidFill>
-              </a:rPr>
-              <a:t>        </a:t>
-            </a:r>
-            <a:r>
-              <a:rPr lang="en-US" sz="1400" b="1" dirty="0" err="1">
-                <a:solidFill>
-                  <a:srgbClr val="0070C0"/>
-                </a:solidFill>
-              </a:rPr>
-              <a:t>var</a:t>
-            </a:r>
-            <a:r>
-              <a:rPr lang="en-US" sz="1400" b="1" dirty="0">
-                <a:solidFill>
-                  <a:srgbClr val="0070C0"/>
-                </a:solidFill>
-              </a:rPr>
-              <a:t> start = (new Date).</a:t>
-            </a:r>
-            <a:r>
-              <a:rPr lang="en-US" sz="1400" b="1" dirty="0" err="1">
-                <a:solidFill>
-                  <a:srgbClr val="0070C0"/>
-                </a:solidFill>
-              </a:rPr>
-              <a:t>getTime</a:t>
-            </a:r>
-            <a:r>
-              <a:rPr lang="en-US" sz="1400" b="1" dirty="0">
-                <a:solidFill>
-                  <a:srgbClr val="0070C0"/>
-                </a:solidFill>
-              </a:rPr>
-              <a:t>();</a:t>
-            </a:r>
-          </a:p>
-          <a:p>
-            <a:pPr>
-              <a:lnSpc>
-                <a:spcPct val="150000"/>
-              </a:lnSpc>
-            </a:pPr>
-            <a:r>
-              <a:rPr lang="en-US" sz="1400" b="1" dirty="0">
-                <a:solidFill>
-                  <a:srgbClr val="0070C0"/>
-                </a:solidFill>
-              </a:rPr>
-              <a:t>        log("start = " + new Date());</a:t>
-            </a:r>
-          </a:p>
-          <a:p>
-            <a:pPr>
-              <a:lnSpc>
-                <a:spcPct val="150000"/>
-              </a:lnSpc>
-            </a:pPr>
-            <a:r>
-              <a:rPr lang="en-US" sz="1400" b="1" dirty="0">
-                <a:solidFill>
-                  <a:srgbClr val="0070C0"/>
-                </a:solidFill>
-              </a:rPr>
-              <a:t>        </a:t>
-            </a:r>
-            <a:r>
-              <a:rPr lang="en-US" sz="1400" b="1" dirty="0" err="1">
-                <a:solidFill>
-                  <a:srgbClr val="0070C0"/>
-                </a:solidFill>
-              </a:rPr>
-              <a:t>window.setTimeout</a:t>
-            </a:r>
-            <a:r>
-              <a:rPr lang="en-US" sz="1400" b="1" dirty="0">
-                <a:solidFill>
-                  <a:srgbClr val="0070C0"/>
-                </a:solidFill>
-              </a:rPr>
-              <a:t>(function(){</a:t>
-            </a:r>
-          </a:p>
-          <a:p>
-            <a:pPr>
-              <a:lnSpc>
-                <a:spcPct val="150000"/>
-              </a:lnSpc>
-            </a:pPr>
-            <a:r>
-              <a:rPr lang="en-US" sz="1400" b="1" dirty="0">
-                <a:solidFill>
-                  <a:srgbClr val="0070C0"/>
-                </a:solidFill>
-              </a:rPr>
-              <a:t>            log("timeout = " + new Date());</a:t>
-            </a:r>
-          </a:p>
-          <a:p>
-            <a:pPr>
-              <a:lnSpc>
-                <a:spcPct val="150000"/>
-              </a:lnSpc>
-            </a:pPr>
-            <a:r>
-              <a:rPr lang="en-US" sz="1400" b="1" dirty="0">
-                <a:solidFill>
-                  <a:srgbClr val="0070C0"/>
-                </a:solidFill>
-              </a:rPr>
-              <a:t>        },1000);</a:t>
-            </a:r>
-          </a:p>
-          <a:p>
-            <a:pPr>
-              <a:lnSpc>
-                <a:spcPct val="150000"/>
-              </a:lnSpc>
-            </a:pPr>
-            <a:r>
-              <a:rPr lang="en-US" sz="1400" b="1" dirty="0">
-                <a:solidFill>
-                  <a:srgbClr val="0070C0"/>
-                </a:solidFill>
-              </a:rPr>
-              <a:t>        while (start + 2000 &gt; (new Date).</a:t>
-            </a:r>
-            <a:r>
-              <a:rPr lang="en-US" sz="1400" b="1" dirty="0" err="1">
-                <a:solidFill>
-                  <a:srgbClr val="0070C0"/>
-                </a:solidFill>
-              </a:rPr>
-              <a:t>getTime</a:t>
-            </a:r>
-            <a:r>
-              <a:rPr lang="en-US" sz="1400" b="1" dirty="0">
-                <a:solidFill>
-                  <a:srgbClr val="0070C0"/>
-                </a:solidFill>
-              </a:rPr>
-              <a:t>()){</a:t>
-            </a:r>
-          </a:p>
-          <a:p>
-            <a:pPr>
-              <a:lnSpc>
-                <a:spcPct val="150000"/>
-              </a:lnSpc>
-            </a:pPr>
-            <a:r>
-              <a:rPr lang="en-US" sz="1400" b="1" dirty="0">
-                <a:solidFill>
-                  <a:srgbClr val="0070C0"/>
-                </a:solidFill>
-              </a:rPr>
-              <a:t>            </a:t>
-            </a:r>
-            <a:r>
-              <a:rPr lang="en-US" sz="1400" b="1" dirty="0" err="1">
-                <a:solidFill>
-                  <a:srgbClr val="0070C0"/>
-                </a:solidFill>
-              </a:rPr>
-              <a:t>var</a:t>
-            </a:r>
-            <a:r>
-              <a:rPr lang="en-US" sz="1400" b="1" dirty="0">
-                <a:solidFill>
-                  <a:srgbClr val="0070C0"/>
-                </a:solidFill>
-              </a:rPr>
-              <a:t> c = 3 + 3+ 3;</a:t>
-            </a:r>
-          </a:p>
-          <a:p>
-            <a:pPr>
-              <a:lnSpc>
-                <a:spcPct val="150000"/>
-              </a:lnSpc>
-            </a:pPr>
-            <a:r>
-              <a:rPr lang="en-US" sz="1400" b="1" dirty="0">
-                <a:solidFill>
-                  <a:srgbClr val="0070C0"/>
-                </a:solidFill>
-              </a:rPr>
-              <a:t>        }</a:t>
-            </a:r>
-          </a:p>
-          <a:p>
-            <a:pPr>
-              <a:lnSpc>
-                <a:spcPct val="150000"/>
-              </a:lnSpc>
-            </a:pPr>
-            <a:r>
-              <a:rPr lang="en-US" sz="1400" b="1" dirty="0">
-                <a:solidFill>
-                  <a:srgbClr val="0070C0"/>
-                </a:solidFill>
-              </a:rPr>
-              <a:t>        log("end = " + new Date());</a:t>
-            </a:r>
-          </a:p>
-          <a:p>
-            <a:pPr>
-              <a:lnSpc>
-                <a:spcPct val="150000"/>
-              </a:lnSpc>
-            </a:pPr>
-            <a:r>
-              <a:rPr lang="en-US" sz="1400" b="1" dirty="0">
-                <a:solidFill>
-                  <a:srgbClr val="0070C0"/>
-                </a:solidFill>
-              </a:rPr>
-              <a:t>    }</a:t>
-            </a:r>
-          </a:p>
-          <a:p>
-            <a:pPr>
-              <a:lnSpc>
-                <a:spcPct val="150000"/>
-              </a:lnSpc>
-            </a:pPr>
-            <a:r>
-              <a:rPr lang="en-US" sz="1400" b="1" dirty="0">
-                <a:solidFill>
-                  <a:srgbClr val="0070C0"/>
-                </a:solidFill>
-              </a:rPr>
-              <a:t>    x();</a:t>
-            </a:r>
-            <a:endParaRPr lang="en-US" sz="1400" b="1" dirty="0"/>
-          </a:p>
-        </p:txBody>
-      </p:sp>
-    </p:spTree>
-    <p:extLst>
-      <p:ext uri="{BB962C8B-B14F-4D97-AF65-F5344CB8AC3E}">
-        <p14:creationId xmlns:p14="http://schemas.microsoft.com/office/powerpoint/2010/main" val="655481492"/>
-      </p:ext>
-    </p:extLst>
-  </p:cSld>
-  <p:clrMapOvr>
-    <a:masterClrMapping/>
-  </p:clrMapOvr>
-  <p:transition/>
-  <p:timing>
-    <p:tnLst>
-      <p:par>
-        <p:cTn id="1" dur="indefinite" restart="never" nodeType="tmRoot"/>
-      </p:par>
-    </p:tnLst>
-  </p:timing>
-</p:sld>
-</file>
-
-<file path=ppt/slides/slide17.xml><?xml version="1.0" encoding="utf-8"?>
-<p:sld xmlns:a="http://schemas.openxmlformats.org/drawingml/2006/main" xmlns:r="http://schemas.openxmlformats.org/officeDocument/2006/relationships" xmlns:p="http://schemas.openxmlformats.org/presentationml/2006/main">
-  <p:cSld>
-    <p:spTree>
-      <p:nvGrpSpPr>
-        <p:cNvPr id="1" name=""/>
-        <p:cNvGrpSpPr/>
-        <p:nvPr/>
-      </p:nvGrpSpPr>
-      <p:grpSpPr>
-        <a:xfrm>
-          <a:off x="0" y="0"/>
-          <a:ext cx="0" cy="0"/>
-          <a:chOff x="0" y="0"/>
-          <a:chExt cx="0" cy="0"/>
-        </a:xfrm>
-      </p:grpSpPr>
-      <p:sp>
-        <p:nvSpPr>
-          <p:cNvPr id="2" name="Title 1"/>
-          <p:cNvSpPr>
-            <a:spLocks noGrp="1"/>
-          </p:cNvSpPr>
-          <p:nvPr>
-            <p:ph type="title"/>
-          </p:nvPr>
-        </p:nvSpPr>
-        <p:spPr/>
-        <p:txBody>
-          <a:bodyPr/>
-          <a:lstStyle/>
-          <a:p>
-            <a:r>
-              <a:rPr lang="en-US" dirty="0" err="1" smtClean="0"/>
-              <a:t>SetName</a:t>
-            </a:r>
-            <a:r>
-              <a:rPr lang="en-US" smtClean="0"/>
-              <a:t> example</a:t>
-            </a:r>
-            <a:endParaRPr lang="en-US"/>
-          </a:p>
-        </p:txBody>
-      </p:sp>
-      <p:sp>
-        <p:nvSpPr>
-          <p:cNvPr id="3" name="Content Placeholder 2"/>
-          <p:cNvSpPr>
-            <a:spLocks noGrp="1"/>
-          </p:cNvSpPr>
-          <p:nvPr>
-            <p:ph idx="1"/>
-          </p:nvPr>
-        </p:nvSpPr>
-        <p:spPr/>
-        <p:txBody>
-          <a:bodyPr/>
-          <a:lstStyle/>
-          <a:p>
-            <a:pPr marL="0" indent="0">
-              <a:buNone/>
-            </a:pPr>
-            <a:endParaRPr lang="en-US" dirty="0"/>
-          </a:p>
-        </p:txBody>
-      </p:sp>
-    </p:spTree>
-    <p:extLst>
-      <p:ext uri="{BB962C8B-B14F-4D97-AF65-F5344CB8AC3E}">
-        <p14:creationId xmlns:p14="http://schemas.microsoft.com/office/powerpoint/2010/main" val="389286900"/>
-      </p:ext>
-    </p:extLst>
-  </p:cSld>
-  <p:clrMapOvr>
-    <a:masterClrMapping/>
-  </p:clrMapOvr>
-</p:sld>
-</file>
-
-<file path=ppt/slides/slide18.xml><?xml version="1.0" encoding="utf-8"?>
-<p:sld xmlns:a="http://schemas.openxmlformats.org/drawingml/2006/main" xmlns:r="http://schemas.openxmlformats.org/officeDocument/2006/relationships" xmlns:p="http://schemas.openxmlformats.org/presentationml/2006/main">
-  <p:cSld>
-    <p:spTree>
-      <p:nvGrpSpPr>
-        <p:cNvPr id="1" name=""/>
-        <p:cNvGrpSpPr/>
-        <p:nvPr/>
-      </p:nvGrpSpPr>
-      <p:grpSpPr>
-        <a:xfrm>
-          <a:off x="0" y="0"/>
-          <a:ext cx="0" cy="0"/>
-          <a:chOff x="0" y="0"/>
-          <a:chExt cx="0" cy="0"/>
-        </a:xfrm>
-      </p:grpSpPr>
-      <p:sp>
-        <p:nvSpPr>
-          <p:cNvPr id="5" name="TextBox 4"/>
-          <p:cNvSpPr txBox="1"/>
-          <p:nvPr/>
-        </p:nvSpPr>
-        <p:spPr>
-          <a:xfrm>
-            <a:off x="5310182" y="2571744"/>
-            <a:ext cx="1945084" cy="707886"/>
-          </a:xfrm>
-          <a:prstGeom prst="rect">
-            <a:avLst/>
-          </a:prstGeom>
-          <a:noFill/>
-        </p:spPr>
-        <p:txBody>
-          <a:bodyPr wrap="none" rtlCol="0">
-            <a:spAutoFit/>
-          </a:bodyPr>
-          <a:lstStyle/>
-          <a:p>
-            <a:r>
-              <a:rPr lang="en-US" sz="4000" dirty="0"/>
-              <a:t>Example</a:t>
-            </a:r>
-          </a:p>
-        </p:txBody>
-      </p:sp>
-    </p:spTree>
-    <p:extLst>
-      <p:ext uri="{BB962C8B-B14F-4D97-AF65-F5344CB8AC3E}">
-        <p14:creationId xmlns:p14="http://schemas.microsoft.com/office/powerpoint/2010/main" val="2214071023"/>
-      </p:ext>
-    </p:extLst>
-  </p:cSld>
-  <p:clrMapOvr>
-    <a:masterClrMapping/>
-  </p:clrMapOvr>
-  <p:transition/>
-  <p:timing>
-    <p:tnLst>
-      <p:par>
-        <p:cTn id="1" dur="indefinite" restart="never" nodeType="tmRoot"/>
-      </p:par>
-    </p:tnLst>
-  </p:timing>
-</p:sld>
-</file>
-
-<file path=ppt/slides/slide19.xml><?xml version="1.0" encoding="utf-8"?>
 <p:sld xmlns:a="http://schemas.openxmlformats.org/drawingml/2006/main" xmlns:r="http://schemas.openxmlformats.org/officeDocument/2006/relationships" xmlns:p="http://schemas.openxmlformats.org/presentationml/2006/main">
   <p:cSld>
     <p:spTree>
